--- a/README.pptx
+++ b/README.pptx
@@ -6,7 +6,9 @@
   </p:sldMasterIdLst>
   <p:sldIdLst>
     <p:sldId id="256" r:id="rId2"/>
-    <p:sldId id="257" r:id="rId3"/>
+    <p:sldId id="258" r:id="rId3"/>
+    <p:sldId id="259" r:id="rId4"/>
+    <p:sldId id="257" r:id="rId5"/>
   </p:sldIdLst>
   <p:sldSz cx="12192000" cy="6858000"/>
   <p:notesSz cx="6858000" cy="9144000"/>
@@ -135,7 +137,7 @@
           <p:cNvPr id="2" name="제목 1">
             <a:extLst>
               <a:ext uri="{FF2B5EF4-FFF2-40B4-BE49-F238E27FC236}">
-                <a16:creationId xmlns:a16="http://schemas.microsoft.com/office/drawing/2014/main" id="{311B7515-EE53-420C-7D6E-AB912E4465F8}"/>
+                <a16:creationId xmlns="" xmlns:a16="http://schemas.microsoft.com/office/drawing/2014/main" id="{311B7515-EE53-420C-7D6E-AB912E4465F8}"/>
               </a:ext>
             </a:extLst>
           </p:cNvPr>
@@ -173,7 +175,7 @@
           <p:cNvPr id="3" name="부제목 2">
             <a:extLst>
               <a:ext uri="{FF2B5EF4-FFF2-40B4-BE49-F238E27FC236}">
-                <a16:creationId xmlns:a16="http://schemas.microsoft.com/office/drawing/2014/main" id="{77250474-C614-2A43-E5AF-0946BE2F4F23}"/>
+                <a16:creationId xmlns="" xmlns:a16="http://schemas.microsoft.com/office/drawing/2014/main" id="{77250474-C614-2A43-E5AF-0946BE2F4F23}"/>
               </a:ext>
             </a:extLst>
           </p:cNvPr>
@@ -244,7 +246,7 @@
           <p:cNvPr id="4" name="날짜 개체 틀 3">
             <a:extLst>
               <a:ext uri="{FF2B5EF4-FFF2-40B4-BE49-F238E27FC236}">
-                <a16:creationId xmlns:a16="http://schemas.microsoft.com/office/drawing/2014/main" id="{F0402DF2-2C1A-2073-1EDF-29409E907983}"/>
+                <a16:creationId xmlns="" xmlns:a16="http://schemas.microsoft.com/office/drawing/2014/main" id="{F0402DF2-2C1A-2073-1EDF-29409E907983}"/>
               </a:ext>
             </a:extLst>
           </p:cNvPr>
@@ -262,7 +264,7 @@
           <a:p>
             <a:fld id="{19A184CB-0BE5-43F6-BF8C-D618442184FC}" type="datetimeFigureOut">
               <a:rPr lang="en-GB" smtClean="0"/>
-              <a:t>04/03/2024</a:t>
+              <a:t>05/03/2024</a:t>
             </a:fld>
             <a:endParaRPr lang="en-GB"/>
           </a:p>
@@ -273,7 +275,7 @@
           <p:cNvPr id="5" name="바닥글 개체 틀 4">
             <a:extLst>
               <a:ext uri="{FF2B5EF4-FFF2-40B4-BE49-F238E27FC236}">
-                <a16:creationId xmlns:a16="http://schemas.microsoft.com/office/drawing/2014/main" id="{C6844446-5725-248E-E30D-899BDF34E703}"/>
+                <a16:creationId xmlns="" xmlns:a16="http://schemas.microsoft.com/office/drawing/2014/main" id="{C6844446-5725-248E-E30D-899BDF34E703}"/>
               </a:ext>
             </a:extLst>
           </p:cNvPr>
@@ -298,7 +300,7 @@
           <p:cNvPr id="6" name="슬라이드 번호 개체 틀 5">
             <a:extLst>
               <a:ext uri="{FF2B5EF4-FFF2-40B4-BE49-F238E27FC236}">
-                <a16:creationId xmlns:a16="http://schemas.microsoft.com/office/drawing/2014/main" id="{968AEC9C-CB1D-9D94-7A1F-B62B66473DDA}"/>
+                <a16:creationId xmlns="" xmlns:a16="http://schemas.microsoft.com/office/drawing/2014/main" id="{968AEC9C-CB1D-9D94-7A1F-B62B66473DDA}"/>
               </a:ext>
             </a:extLst>
           </p:cNvPr>
@@ -357,7 +359,7 @@
           <p:cNvPr id="2" name="제목 1">
             <a:extLst>
               <a:ext uri="{FF2B5EF4-FFF2-40B4-BE49-F238E27FC236}">
-                <a16:creationId xmlns:a16="http://schemas.microsoft.com/office/drawing/2014/main" id="{2F73F04D-09EA-C8B2-C0DD-2F2D23D4F07E}"/>
+                <a16:creationId xmlns="" xmlns:a16="http://schemas.microsoft.com/office/drawing/2014/main" id="{2F73F04D-09EA-C8B2-C0DD-2F2D23D4F07E}"/>
               </a:ext>
             </a:extLst>
           </p:cNvPr>
@@ -386,7 +388,7 @@
           <p:cNvPr id="3" name="세로 텍스트 개체 틀 2">
             <a:extLst>
               <a:ext uri="{FF2B5EF4-FFF2-40B4-BE49-F238E27FC236}">
-                <a16:creationId xmlns:a16="http://schemas.microsoft.com/office/drawing/2014/main" id="{FA395587-DD7B-9B7D-DFF4-ABA50D9336CD}"/>
+                <a16:creationId xmlns="" xmlns:a16="http://schemas.microsoft.com/office/drawing/2014/main" id="{FA395587-DD7B-9B7D-DFF4-ABA50D9336CD}"/>
               </a:ext>
             </a:extLst>
           </p:cNvPr>
@@ -444,7 +446,7 @@
           <p:cNvPr id="4" name="날짜 개체 틀 3">
             <a:extLst>
               <a:ext uri="{FF2B5EF4-FFF2-40B4-BE49-F238E27FC236}">
-                <a16:creationId xmlns:a16="http://schemas.microsoft.com/office/drawing/2014/main" id="{6452F300-00E1-6ABC-4B6E-89DFD9BE7814}"/>
+                <a16:creationId xmlns="" xmlns:a16="http://schemas.microsoft.com/office/drawing/2014/main" id="{6452F300-00E1-6ABC-4B6E-89DFD9BE7814}"/>
               </a:ext>
             </a:extLst>
           </p:cNvPr>
@@ -462,7 +464,7 @@
           <a:p>
             <a:fld id="{19A184CB-0BE5-43F6-BF8C-D618442184FC}" type="datetimeFigureOut">
               <a:rPr lang="en-GB" smtClean="0"/>
-              <a:t>04/03/2024</a:t>
+              <a:t>05/03/2024</a:t>
             </a:fld>
             <a:endParaRPr lang="en-GB"/>
           </a:p>
@@ -473,7 +475,7 @@
           <p:cNvPr id="5" name="바닥글 개체 틀 4">
             <a:extLst>
               <a:ext uri="{FF2B5EF4-FFF2-40B4-BE49-F238E27FC236}">
-                <a16:creationId xmlns:a16="http://schemas.microsoft.com/office/drawing/2014/main" id="{6641C9E8-3676-2869-1FC1-C4D5F82912FF}"/>
+                <a16:creationId xmlns="" xmlns:a16="http://schemas.microsoft.com/office/drawing/2014/main" id="{6641C9E8-3676-2869-1FC1-C4D5F82912FF}"/>
               </a:ext>
             </a:extLst>
           </p:cNvPr>
@@ -498,7 +500,7 @@
           <p:cNvPr id="6" name="슬라이드 번호 개체 틀 5">
             <a:extLst>
               <a:ext uri="{FF2B5EF4-FFF2-40B4-BE49-F238E27FC236}">
-                <a16:creationId xmlns:a16="http://schemas.microsoft.com/office/drawing/2014/main" id="{B8E95876-5685-D5AA-F73C-ADBE038A0F68}"/>
+                <a16:creationId xmlns="" xmlns:a16="http://schemas.microsoft.com/office/drawing/2014/main" id="{B8E95876-5685-D5AA-F73C-ADBE038A0F68}"/>
               </a:ext>
             </a:extLst>
           </p:cNvPr>
@@ -557,7 +559,7 @@
           <p:cNvPr id="2" name="세로 제목 1">
             <a:extLst>
               <a:ext uri="{FF2B5EF4-FFF2-40B4-BE49-F238E27FC236}">
-                <a16:creationId xmlns:a16="http://schemas.microsoft.com/office/drawing/2014/main" id="{45F1B86B-89C0-B222-E506-E5AF1E02CCE5}"/>
+                <a16:creationId xmlns="" xmlns:a16="http://schemas.microsoft.com/office/drawing/2014/main" id="{45F1B86B-89C0-B222-E506-E5AF1E02CCE5}"/>
               </a:ext>
             </a:extLst>
           </p:cNvPr>
@@ -591,7 +593,7 @@
           <p:cNvPr id="3" name="세로 텍스트 개체 틀 2">
             <a:extLst>
               <a:ext uri="{FF2B5EF4-FFF2-40B4-BE49-F238E27FC236}">
-                <a16:creationId xmlns:a16="http://schemas.microsoft.com/office/drawing/2014/main" id="{27FD0F2D-1724-972C-1921-79D45A5BD24F}"/>
+                <a16:creationId xmlns="" xmlns:a16="http://schemas.microsoft.com/office/drawing/2014/main" id="{27FD0F2D-1724-972C-1921-79D45A5BD24F}"/>
               </a:ext>
             </a:extLst>
           </p:cNvPr>
@@ -654,7 +656,7 @@
           <p:cNvPr id="4" name="날짜 개체 틀 3">
             <a:extLst>
               <a:ext uri="{FF2B5EF4-FFF2-40B4-BE49-F238E27FC236}">
-                <a16:creationId xmlns:a16="http://schemas.microsoft.com/office/drawing/2014/main" id="{0F52CB6E-72BD-5BFC-FFFC-04552A738FB2}"/>
+                <a16:creationId xmlns="" xmlns:a16="http://schemas.microsoft.com/office/drawing/2014/main" id="{0F52CB6E-72BD-5BFC-FFFC-04552A738FB2}"/>
               </a:ext>
             </a:extLst>
           </p:cNvPr>
@@ -672,7 +674,7 @@
           <a:p>
             <a:fld id="{19A184CB-0BE5-43F6-BF8C-D618442184FC}" type="datetimeFigureOut">
               <a:rPr lang="en-GB" smtClean="0"/>
-              <a:t>04/03/2024</a:t>
+              <a:t>05/03/2024</a:t>
             </a:fld>
             <a:endParaRPr lang="en-GB"/>
           </a:p>
@@ -683,7 +685,7 @@
           <p:cNvPr id="5" name="바닥글 개체 틀 4">
             <a:extLst>
               <a:ext uri="{FF2B5EF4-FFF2-40B4-BE49-F238E27FC236}">
-                <a16:creationId xmlns:a16="http://schemas.microsoft.com/office/drawing/2014/main" id="{083BF6DC-EF39-401E-72B4-076FA446B125}"/>
+                <a16:creationId xmlns="" xmlns:a16="http://schemas.microsoft.com/office/drawing/2014/main" id="{083BF6DC-EF39-401E-72B4-076FA446B125}"/>
               </a:ext>
             </a:extLst>
           </p:cNvPr>
@@ -708,7 +710,7 @@
           <p:cNvPr id="6" name="슬라이드 번호 개체 틀 5">
             <a:extLst>
               <a:ext uri="{FF2B5EF4-FFF2-40B4-BE49-F238E27FC236}">
-                <a16:creationId xmlns:a16="http://schemas.microsoft.com/office/drawing/2014/main" id="{F0AF1AA8-2CF0-2C1B-DE79-633D2048A820}"/>
+                <a16:creationId xmlns="" xmlns:a16="http://schemas.microsoft.com/office/drawing/2014/main" id="{F0AF1AA8-2CF0-2C1B-DE79-633D2048A820}"/>
               </a:ext>
             </a:extLst>
           </p:cNvPr>
@@ -767,7 +769,7 @@
           <p:cNvPr id="2" name="제목 1">
             <a:extLst>
               <a:ext uri="{FF2B5EF4-FFF2-40B4-BE49-F238E27FC236}">
-                <a16:creationId xmlns:a16="http://schemas.microsoft.com/office/drawing/2014/main" id="{780F0D35-B2FE-580E-0144-10531DFBE2A7}"/>
+                <a16:creationId xmlns="" xmlns:a16="http://schemas.microsoft.com/office/drawing/2014/main" id="{780F0D35-B2FE-580E-0144-10531DFBE2A7}"/>
               </a:ext>
             </a:extLst>
           </p:cNvPr>
@@ -796,7 +798,7 @@
           <p:cNvPr id="3" name="내용 개체 틀 2">
             <a:extLst>
               <a:ext uri="{FF2B5EF4-FFF2-40B4-BE49-F238E27FC236}">
-                <a16:creationId xmlns:a16="http://schemas.microsoft.com/office/drawing/2014/main" id="{2172915C-203A-07A0-2261-4E4E07353C31}"/>
+                <a16:creationId xmlns="" xmlns:a16="http://schemas.microsoft.com/office/drawing/2014/main" id="{2172915C-203A-07A0-2261-4E4E07353C31}"/>
               </a:ext>
             </a:extLst>
           </p:cNvPr>
@@ -854,7 +856,7 @@
           <p:cNvPr id="4" name="날짜 개체 틀 3">
             <a:extLst>
               <a:ext uri="{FF2B5EF4-FFF2-40B4-BE49-F238E27FC236}">
-                <a16:creationId xmlns:a16="http://schemas.microsoft.com/office/drawing/2014/main" id="{F3173662-D25D-BB56-9C3F-177E415F895C}"/>
+                <a16:creationId xmlns="" xmlns:a16="http://schemas.microsoft.com/office/drawing/2014/main" id="{F3173662-D25D-BB56-9C3F-177E415F895C}"/>
               </a:ext>
             </a:extLst>
           </p:cNvPr>
@@ -872,7 +874,7 @@
           <a:p>
             <a:fld id="{19A184CB-0BE5-43F6-BF8C-D618442184FC}" type="datetimeFigureOut">
               <a:rPr lang="en-GB" smtClean="0"/>
-              <a:t>04/03/2024</a:t>
+              <a:t>05/03/2024</a:t>
             </a:fld>
             <a:endParaRPr lang="en-GB"/>
           </a:p>
@@ -883,7 +885,7 @@
           <p:cNvPr id="5" name="바닥글 개체 틀 4">
             <a:extLst>
               <a:ext uri="{FF2B5EF4-FFF2-40B4-BE49-F238E27FC236}">
-                <a16:creationId xmlns:a16="http://schemas.microsoft.com/office/drawing/2014/main" id="{CB8EFB24-1CC8-E783-C3E3-7323388198A8}"/>
+                <a16:creationId xmlns="" xmlns:a16="http://schemas.microsoft.com/office/drawing/2014/main" id="{CB8EFB24-1CC8-E783-C3E3-7323388198A8}"/>
               </a:ext>
             </a:extLst>
           </p:cNvPr>
@@ -908,7 +910,7 @@
           <p:cNvPr id="6" name="슬라이드 번호 개체 틀 5">
             <a:extLst>
               <a:ext uri="{FF2B5EF4-FFF2-40B4-BE49-F238E27FC236}">
-                <a16:creationId xmlns:a16="http://schemas.microsoft.com/office/drawing/2014/main" id="{0D516355-C8F3-660B-D6A6-10B797FBB889}"/>
+                <a16:creationId xmlns="" xmlns:a16="http://schemas.microsoft.com/office/drawing/2014/main" id="{0D516355-C8F3-660B-D6A6-10B797FBB889}"/>
               </a:ext>
             </a:extLst>
           </p:cNvPr>
@@ -967,7 +969,7 @@
           <p:cNvPr id="2" name="제목 1">
             <a:extLst>
               <a:ext uri="{FF2B5EF4-FFF2-40B4-BE49-F238E27FC236}">
-                <a16:creationId xmlns:a16="http://schemas.microsoft.com/office/drawing/2014/main" id="{429381C4-7423-6E40-ED0D-F3DB03FDC6E7}"/>
+                <a16:creationId xmlns="" xmlns:a16="http://schemas.microsoft.com/office/drawing/2014/main" id="{429381C4-7423-6E40-ED0D-F3DB03FDC6E7}"/>
               </a:ext>
             </a:extLst>
           </p:cNvPr>
@@ -1005,7 +1007,7 @@
           <p:cNvPr id="3" name="텍스트 개체 틀 2">
             <a:extLst>
               <a:ext uri="{FF2B5EF4-FFF2-40B4-BE49-F238E27FC236}">
-                <a16:creationId xmlns:a16="http://schemas.microsoft.com/office/drawing/2014/main" id="{8FB7FA7B-A4A0-1DB8-82C9-0A742BE2EF7F}"/>
+                <a16:creationId xmlns="" xmlns:a16="http://schemas.microsoft.com/office/drawing/2014/main" id="{8FB7FA7B-A4A0-1DB8-82C9-0A742BE2EF7F}"/>
               </a:ext>
             </a:extLst>
           </p:cNvPr>
@@ -1130,7 +1132,7 @@
           <p:cNvPr id="4" name="날짜 개체 틀 3">
             <a:extLst>
               <a:ext uri="{FF2B5EF4-FFF2-40B4-BE49-F238E27FC236}">
-                <a16:creationId xmlns:a16="http://schemas.microsoft.com/office/drawing/2014/main" id="{35893FD8-E6D3-3E88-922A-56BEF764BC70}"/>
+                <a16:creationId xmlns="" xmlns:a16="http://schemas.microsoft.com/office/drawing/2014/main" id="{35893FD8-E6D3-3E88-922A-56BEF764BC70}"/>
               </a:ext>
             </a:extLst>
           </p:cNvPr>
@@ -1148,7 +1150,7 @@
           <a:p>
             <a:fld id="{19A184CB-0BE5-43F6-BF8C-D618442184FC}" type="datetimeFigureOut">
               <a:rPr lang="en-GB" smtClean="0"/>
-              <a:t>04/03/2024</a:t>
+              <a:t>05/03/2024</a:t>
             </a:fld>
             <a:endParaRPr lang="en-GB"/>
           </a:p>
@@ -1159,7 +1161,7 @@
           <p:cNvPr id="5" name="바닥글 개체 틀 4">
             <a:extLst>
               <a:ext uri="{FF2B5EF4-FFF2-40B4-BE49-F238E27FC236}">
-                <a16:creationId xmlns:a16="http://schemas.microsoft.com/office/drawing/2014/main" id="{2AF93D38-D450-35CB-6611-8C650C24381E}"/>
+                <a16:creationId xmlns="" xmlns:a16="http://schemas.microsoft.com/office/drawing/2014/main" id="{2AF93D38-D450-35CB-6611-8C650C24381E}"/>
               </a:ext>
             </a:extLst>
           </p:cNvPr>
@@ -1184,7 +1186,7 @@
           <p:cNvPr id="6" name="슬라이드 번호 개체 틀 5">
             <a:extLst>
               <a:ext uri="{FF2B5EF4-FFF2-40B4-BE49-F238E27FC236}">
-                <a16:creationId xmlns:a16="http://schemas.microsoft.com/office/drawing/2014/main" id="{76BE51EB-362A-4133-93EA-D49B9E9D7EE8}"/>
+                <a16:creationId xmlns="" xmlns:a16="http://schemas.microsoft.com/office/drawing/2014/main" id="{76BE51EB-362A-4133-93EA-D49B9E9D7EE8}"/>
               </a:ext>
             </a:extLst>
           </p:cNvPr>
@@ -1243,7 +1245,7 @@
           <p:cNvPr id="2" name="제목 1">
             <a:extLst>
               <a:ext uri="{FF2B5EF4-FFF2-40B4-BE49-F238E27FC236}">
-                <a16:creationId xmlns:a16="http://schemas.microsoft.com/office/drawing/2014/main" id="{16277E31-8DFC-D4BF-7623-7EF8FA06A61D}"/>
+                <a16:creationId xmlns="" xmlns:a16="http://schemas.microsoft.com/office/drawing/2014/main" id="{16277E31-8DFC-D4BF-7623-7EF8FA06A61D}"/>
               </a:ext>
             </a:extLst>
           </p:cNvPr>
@@ -1272,7 +1274,7 @@
           <p:cNvPr id="3" name="내용 개체 틀 2">
             <a:extLst>
               <a:ext uri="{FF2B5EF4-FFF2-40B4-BE49-F238E27FC236}">
-                <a16:creationId xmlns:a16="http://schemas.microsoft.com/office/drawing/2014/main" id="{8D6642C3-9732-B14B-FBFD-62AC7DAE373F}"/>
+                <a16:creationId xmlns="" xmlns:a16="http://schemas.microsoft.com/office/drawing/2014/main" id="{8D6642C3-9732-B14B-FBFD-62AC7DAE373F}"/>
               </a:ext>
             </a:extLst>
           </p:cNvPr>
@@ -1335,7 +1337,7 @@
           <p:cNvPr id="4" name="내용 개체 틀 3">
             <a:extLst>
               <a:ext uri="{FF2B5EF4-FFF2-40B4-BE49-F238E27FC236}">
-                <a16:creationId xmlns:a16="http://schemas.microsoft.com/office/drawing/2014/main" id="{1996C33F-C44F-C1FA-23BC-43DC43717531}"/>
+                <a16:creationId xmlns="" xmlns:a16="http://schemas.microsoft.com/office/drawing/2014/main" id="{1996C33F-C44F-C1FA-23BC-43DC43717531}"/>
               </a:ext>
             </a:extLst>
           </p:cNvPr>
@@ -1398,7 +1400,7 @@
           <p:cNvPr id="5" name="날짜 개체 틀 4">
             <a:extLst>
               <a:ext uri="{FF2B5EF4-FFF2-40B4-BE49-F238E27FC236}">
-                <a16:creationId xmlns:a16="http://schemas.microsoft.com/office/drawing/2014/main" id="{161FA6F7-45FB-5FC3-1C38-89B231ACC59F}"/>
+                <a16:creationId xmlns="" xmlns:a16="http://schemas.microsoft.com/office/drawing/2014/main" id="{161FA6F7-45FB-5FC3-1C38-89B231ACC59F}"/>
               </a:ext>
             </a:extLst>
           </p:cNvPr>
@@ -1416,7 +1418,7 @@
           <a:p>
             <a:fld id="{19A184CB-0BE5-43F6-BF8C-D618442184FC}" type="datetimeFigureOut">
               <a:rPr lang="en-GB" smtClean="0"/>
-              <a:t>04/03/2024</a:t>
+              <a:t>05/03/2024</a:t>
             </a:fld>
             <a:endParaRPr lang="en-GB"/>
           </a:p>
@@ -1427,7 +1429,7 @@
           <p:cNvPr id="6" name="바닥글 개체 틀 5">
             <a:extLst>
               <a:ext uri="{FF2B5EF4-FFF2-40B4-BE49-F238E27FC236}">
-                <a16:creationId xmlns:a16="http://schemas.microsoft.com/office/drawing/2014/main" id="{5F7DCBC0-F587-19F1-875C-0BC2A303C35A}"/>
+                <a16:creationId xmlns="" xmlns:a16="http://schemas.microsoft.com/office/drawing/2014/main" id="{5F7DCBC0-F587-19F1-875C-0BC2A303C35A}"/>
               </a:ext>
             </a:extLst>
           </p:cNvPr>
@@ -1452,7 +1454,7 @@
           <p:cNvPr id="7" name="슬라이드 번호 개체 틀 6">
             <a:extLst>
               <a:ext uri="{FF2B5EF4-FFF2-40B4-BE49-F238E27FC236}">
-                <a16:creationId xmlns:a16="http://schemas.microsoft.com/office/drawing/2014/main" id="{707DB97F-4800-E669-804F-0CA306B41E6D}"/>
+                <a16:creationId xmlns="" xmlns:a16="http://schemas.microsoft.com/office/drawing/2014/main" id="{707DB97F-4800-E669-804F-0CA306B41E6D}"/>
               </a:ext>
             </a:extLst>
           </p:cNvPr>
@@ -1511,7 +1513,7 @@
           <p:cNvPr id="2" name="제목 1">
             <a:extLst>
               <a:ext uri="{FF2B5EF4-FFF2-40B4-BE49-F238E27FC236}">
-                <a16:creationId xmlns:a16="http://schemas.microsoft.com/office/drawing/2014/main" id="{6E022E0D-EAC3-6042-5FA3-B33C59B00F4C}"/>
+                <a16:creationId xmlns="" xmlns:a16="http://schemas.microsoft.com/office/drawing/2014/main" id="{6E022E0D-EAC3-6042-5FA3-B33C59B00F4C}"/>
               </a:ext>
             </a:extLst>
           </p:cNvPr>
@@ -1545,7 +1547,7 @@
           <p:cNvPr id="3" name="텍스트 개체 틀 2">
             <a:extLst>
               <a:ext uri="{FF2B5EF4-FFF2-40B4-BE49-F238E27FC236}">
-                <a16:creationId xmlns:a16="http://schemas.microsoft.com/office/drawing/2014/main" id="{0A2C544D-0F71-A79A-CDF8-E54596DC48F2}"/>
+                <a16:creationId xmlns="" xmlns:a16="http://schemas.microsoft.com/office/drawing/2014/main" id="{0A2C544D-0F71-A79A-CDF8-E54596DC48F2}"/>
               </a:ext>
             </a:extLst>
           </p:cNvPr>
@@ -1616,7 +1618,7 @@
           <p:cNvPr id="4" name="내용 개체 틀 3">
             <a:extLst>
               <a:ext uri="{FF2B5EF4-FFF2-40B4-BE49-F238E27FC236}">
-                <a16:creationId xmlns:a16="http://schemas.microsoft.com/office/drawing/2014/main" id="{F5A45FB7-A79D-9F40-790A-CC9559A6BED2}"/>
+                <a16:creationId xmlns="" xmlns:a16="http://schemas.microsoft.com/office/drawing/2014/main" id="{F5A45FB7-A79D-9F40-790A-CC9559A6BED2}"/>
               </a:ext>
             </a:extLst>
           </p:cNvPr>
@@ -1679,7 +1681,7 @@
           <p:cNvPr id="5" name="텍스트 개체 틀 4">
             <a:extLst>
               <a:ext uri="{FF2B5EF4-FFF2-40B4-BE49-F238E27FC236}">
-                <a16:creationId xmlns:a16="http://schemas.microsoft.com/office/drawing/2014/main" id="{303B8D91-26A6-C562-2C45-34E25B3BC2CF}"/>
+                <a16:creationId xmlns="" xmlns:a16="http://schemas.microsoft.com/office/drawing/2014/main" id="{303B8D91-26A6-C562-2C45-34E25B3BC2CF}"/>
               </a:ext>
             </a:extLst>
           </p:cNvPr>
@@ -1750,7 +1752,7 @@
           <p:cNvPr id="6" name="내용 개체 틀 5">
             <a:extLst>
               <a:ext uri="{FF2B5EF4-FFF2-40B4-BE49-F238E27FC236}">
-                <a16:creationId xmlns:a16="http://schemas.microsoft.com/office/drawing/2014/main" id="{84B994FD-CE12-5528-A66D-7A3BA11C3746}"/>
+                <a16:creationId xmlns="" xmlns:a16="http://schemas.microsoft.com/office/drawing/2014/main" id="{84B994FD-CE12-5528-A66D-7A3BA11C3746}"/>
               </a:ext>
             </a:extLst>
           </p:cNvPr>
@@ -1813,7 +1815,7 @@
           <p:cNvPr id="7" name="날짜 개체 틀 6">
             <a:extLst>
               <a:ext uri="{FF2B5EF4-FFF2-40B4-BE49-F238E27FC236}">
-                <a16:creationId xmlns:a16="http://schemas.microsoft.com/office/drawing/2014/main" id="{EEEFE133-9925-B865-D5B8-093E162EA893}"/>
+                <a16:creationId xmlns="" xmlns:a16="http://schemas.microsoft.com/office/drawing/2014/main" id="{EEEFE133-9925-B865-D5B8-093E162EA893}"/>
               </a:ext>
             </a:extLst>
           </p:cNvPr>
@@ -1831,7 +1833,7 @@
           <a:p>
             <a:fld id="{19A184CB-0BE5-43F6-BF8C-D618442184FC}" type="datetimeFigureOut">
               <a:rPr lang="en-GB" smtClean="0"/>
-              <a:t>04/03/2024</a:t>
+              <a:t>05/03/2024</a:t>
             </a:fld>
             <a:endParaRPr lang="en-GB"/>
           </a:p>
@@ -1842,7 +1844,7 @@
           <p:cNvPr id="8" name="바닥글 개체 틀 7">
             <a:extLst>
               <a:ext uri="{FF2B5EF4-FFF2-40B4-BE49-F238E27FC236}">
-                <a16:creationId xmlns:a16="http://schemas.microsoft.com/office/drawing/2014/main" id="{AC59C2F2-B8A1-64A9-F451-DCC5C8BD46C5}"/>
+                <a16:creationId xmlns="" xmlns:a16="http://schemas.microsoft.com/office/drawing/2014/main" id="{AC59C2F2-B8A1-64A9-F451-DCC5C8BD46C5}"/>
               </a:ext>
             </a:extLst>
           </p:cNvPr>
@@ -1867,7 +1869,7 @@
           <p:cNvPr id="9" name="슬라이드 번호 개체 틀 8">
             <a:extLst>
               <a:ext uri="{FF2B5EF4-FFF2-40B4-BE49-F238E27FC236}">
-                <a16:creationId xmlns:a16="http://schemas.microsoft.com/office/drawing/2014/main" id="{4E4DB212-7446-CBF1-C2CB-4047B7B019F8}"/>
+                <a16:creationId xmlns="" xmlns:a16="http://schemas.microsoft.com/office/drawing/2014/main" id="{4E4DB212-7446-CBF1-C2CB-4047B7B019F8}"/>
               </a:ext>
             </a:extLst>
           </p:cNvPr>
@@ -1926,7 +1928,7 @@
           <p:cNvPr id="2" name="제목 1">
             <a:extLst>
               <a:ext uri="{FF2B5EF4-FFF2-40B4-BE49-F238E27FC236}">
-                <a16:creationId xmlns:a16="http://schemas.microsoft.com/office/drawing/2014/main" id="{99482A6F-83AC-1F57-93C7-19F6518632A1}"/>
+                <a16:creationId xmlns="" xmlns:a16="http://schemas.microsoft.com/office/drawing/2014/main" id="{99482A6F-83AC-1F57-93C7-19F6518632A1}"/>
               </a:ext>
             </a:extLst>
           </p:cNvPr>
@@ -1955,7 +1957,7 @@
           <p:cNvPr id="3" name="날짜 개체 틀 2">
             <a:extLst>
               <a:ext uri="{FF2B5EF4-FFF2-40B4-BE49-F238E27FC236}">
-                <a16:creationId xmlns:a16="http://schemas.microsoft.com/office/drawing/2014/main" id="{35C84909-D24A-CF7A-61CA-F6F173D19BCF}"/>
+                <a16:creationId xmlns="" xmlns:a16="http://schemas.microsoft.com/office/drawing/2014/main" id="{35C84909-D24A-CF7A-61CA-F6F173D19BCF}"/>
               </a:ext>
             </a:extLst>
           </p:cNvPr>
@@ -1973,7 +1975,7 @@
           <a:p>
             <a:fld id="{19A184CB-0BE5-43F6-BF8C-D618442184FC}" type="datetimeFigureOut">
               <a:rPr lang="en-GB" smtClean="0"/>
-              <a:t>04/03/2024</a:t>
+              <a:t>05/03/2024</a:t>
             </a:fld>
             <a:endParaRPr lang="en-GB"/>
           </a:p>
@@ -1984,7 +1986,7 @@
           <p:cNvPr id="4" name="바닥글 개체 틀 3">
             <a:extLst>
               <a:ext uri="{FF2B5EF4-FFF2-40B4-BE49-F238E27FC236}">
-                <a16:creationId xmlns:a16="http://schemas.microsoft.com/office/drawing/2014/main" id="{21F01083-6EC2-1350-D7D4-3A585D70EE61}"/>
+                <a16:creationId xmlns="" xmlns:a16="http://schemas.microsoft.com/office/drawing/2014/main" id="{21F01083-6EC2-1350-D7D4-3A585D70EE61}"/>
               </a:ext>
             </a:extLst>
           </p:cNvPr>
@@ -2009,7 +2011,7 @@
           <p:cNvPr id="5" name="슬라이드 번호 개체 틀 4">
             <a:extLst>
               <a:ext uri="{FF2B5EF4-FFF2-40B4-BE49-F238E27FC236}">
-                <a16:creationId xmlns:a16="http://schemas.microsoft.com/office/drawing/2014/main" id="{A04CE8B5-006A-A8CF-54B0-FCD53BE4A7E7}"/>
+                <a16:creationId xmlns="" xmlns:a16="http://schemas.microsoft.com/office/drawing/2014/main" id="{A04CE8B5-006A-A8CF-54B0-FCD53BE4A7E7}"/>
               </a:ext>
             </a:extLst>
           </p:cNvPr>
@@ -2068,7 +2070,7 @@
           <p:cNvPr id="2" name="날짜 개체 틀 1">
             <a:extLst>
               <a:ext uri="{FF2B5EF4-FFF2-40B4-BE49-F238E27FC236}">
-                <a16:creationId xmlns:a16="http://schemas.microsoft.com/office/drawing/2014/main" id="{AC2876A9-7E1E-8906-E89F-33D13DD2FC9E}"/>
+                <a16:creationId xmlns="" xmlns:a16="http://schemas.microsoft.com/office/drawing/2014/main" id="{AC2876A9-7E1E-8906-E89F-33D13DD2FC9E}"/>
               </a:ext>
             </a:extLst>
           </p:cNvPr>
@@ -2086,7 +2088,7 @@
           <a:p>
             <a:fld id="{19A184CB-0BE5-43F6-BF8C-D618442184FC}" type="datetimeFigureOut">
               <a:rPr lang="en-GB" smtClean="0"/>
-              <a:t>04/03/2024</a:t>
+              <a:t>05/03/2024</a:t>
             </a:fld>
             <a:endParaRPr lang="en-GB"/>
           </a:p>
@@ -2097,7 +2099,7 @@
           <p:cNvPr id="3" name="바닥글 개체 틀 2">
             <a:extLst>
               <a:ext uri="{FF2B5EF4-FFF2-40B4-BE49-F238E27FC236}">
-                <a16:creationId xmlns:a16="http://schemas.microsoft.com/office/drawing/2014/main" id="{762EE38A-7488-5624-8584-173A6DC11248}"/>
+                <a16:creationId xmlns="" xmlns:a16="http://schemas.microsoft.com/office/drawing/2014/main" id="{762EE38A-7488-5624-8584-173A6DC11248}"/>
               </a:ext>
             </a:extLst>
           </p:cNvPr>
@@ -2122,7 +2124,7 @@
           <p:cNvPr id="4" name="슬라이드 번호 개체 틀 3">
             <a:extLst>
               <a:ext uri="{FF2B5EF4-FFF2-40B4-BE49-F238E27FC236}">
-                <a16:creationId xmlns:a16="http://schemas.microsoft.com/office/drawing/2014/main" id="{8B01BCFC-4D05-F592-2248-C388B46C4D99}"/>
+                <a16:creationId xmlns="" xmlns:a16="http://schemas.microsoft.com/office/drawing/2014/main" id="{8B01BCFC-4D05-F592-2248-C388B46C4D99}"/>
               </a:ext>
             </a:extLst>
           </p:cNvPr>
@@ -2181,7 +2183,7 @@
           <p:cNvPr id="2" name="제목 1">
             <a:extLst>
               <a:ext uri="{FF2B5EF4-FFF2-40B4-BE49-F238E27FC236}">
-                <a16:creationId xmlns:a16="http://schemas.microsoft.com/office/drawing/2014/main" id="{E95E2211-85C5-836A-82C0-D56134E50C2A}"/>
+                <a16:creationId xmlns="" xmlns:a16="http://schemas.microsoft.com/office/drawing/2014/main" id="{E95E2211-85C5-836A-82C0-D56134E50C2A}"/>
               </a:ext>
             </a:extLst>
           </p:cNvPr>
@@ -2219,7 +2221,7 @@
           <p:cNvPr id="3" name="내용 개체 틀 2">
             <a:extLst>
               <a:ext uri="{FF2B5EF4-FFF2-40B4-BE49-F238E27FC236}">
-                <a16:creationId xmlns:a16="http://schemas.microsoft.com/office/drawing/2014/main" id="{FDB7ED04-9A8A-DF7F-0B3B-34EBD14B1CED}"/>
+                <a16:creationId xmlns="" xmlns:a16="http://schemas.microsoft.com/office/drawing/2014/main" id="{FDB7ED04-9A8A-DF7F-0B3B-34EBD14B1CED}"/>
               </a:ext>
             </a:extLst>
           </p:cNvPr>
@@ -2310,7 +2312,7 @@
           <p:cNvPr id="4" name="텍스트 개체 틀 3">
             <a:extLst>
               <a:ext uri="{FF2B5EF4-FFF2-40B4-BE49-F238E27FC236}">
-                <a16:creationId xmlns:a16="http://schemas.microsoft.com/office/drawing/2014/main" id="{230417B2-43CD-367A-C4FA-C108334D29BC}"/>
+                <a16:creationId xmlns="" xmlns:a16="http://schemas.microsoft.com/office/drawing/2014/main" id="{230417B2-43CD-367A-C4FA-C108334D29BC}"/>
               </a:ext>
             </a:extLst>
           </p:cNvPr>
@@ -2381,7 +2383,7 @@
           <p:cNvPr id="5" name="날짜 개체 틀 4">
             <a:extLst>
               <a:ext uri="{FF2B5EF4-FFF2-40B4-BE49-F238E27FC236}">
-                <a16:creationId xmlns:a16="http://schemas.microsoft.com/office/drawing/2014/main" id="{C8A854EF-02C3-1482-6906-6C4B4E5EEBC0}"/>
+                <a16:creationId xmlns="" xmlns:a16="http://schemas.microsoft.com/office/drawing/2014/main" id="{C8A854EF-02C3-1482-6906-6C4B4E5EEBC0}"/>
               </a:ext>
             </a:extLst>
           </p:cNvPr>
@@ -2399,7 +2401,7 @@
           <a:p>
             <a:fld id="{19A184CB-0BE5-43F6-BF8C-D618442184FC}" type="datetimeFigureOut">
               <a:rPr lang="en-GB" smtClean="0"/>
-              <a:t>04/03/2024</a:t>
+              <a:t>05/03/2024</a:t>
             </a:fld>
             <a:endParaRPr lang="en-GB"/>
           </a:p>
@@ -2410,7 +2412,7 @@
           <p:cNvPr id="6" name="바닥글 개체 틀 5">
             <a:extLst>
               <a:ext uri="{FF2B5EF4-FFF2-40B4-BE49-F238E27FC236}">
-                <a16:creationId xmlns:a16="http://schemas.microsoft.com/office/drawing/2014/main" id="{753EF6B5-EBC6-2A53-291C-37D3A6CB9CD1}"/>
+                <a16:creationId xmlns="" xmlns:a16="http://schemas.microsoft.com/office/drawing/2014/main" id="{753EF6B5-EBC6-2A53-291C-37D3A6CB9CD1}"/>
               </a:ext>
             </a:extLst>
           </p:cNvPr>
@@ -2435,7 +2437,7 @@
           <p:cNvPr id="7" name="슬라이드 번호 개체 틀 6">
             <a:extLst>
               <a:ext uri="{FF2B5EF4-FFF2-40B4-BE49-F238E27FC236}">
-                <a16:creationId xmlns:a16="http://schemas.microsoft.com/office/drawing/2014/main" id="{F6579A36-8E03-BCD5-B99F-DE50516E6E5A}"/>
+                <a16:creationId xmlns="" xmlns:a16="http://schemas.microsoft.com/office/drawing/2014/main" id="{F6579A36-8E03-BCD5-B99F-DE50516E6E5A}"/>
               </a:ext>
             </a:extLst>
           </p:cNvPr>
@@ -2494,7 +2496,7 @@
           <p:cNvPr id="2" name="제목 1">
             <a:extLst>
               <a:ext uri="{FF2B5EF4-FFF2-40B4-BE49-F238E27FC236}">
-                <a16:creationId xmlns:a16="http://schemas.microsoft.com/office/drawing/2014/main" id="{E54DE2A8-24D0-F9D7-161B-21A75FEED36B}"/>
+                <a16:creationId xmlns="" xmlns:a16="http://schemas.microsoft.com/office/drawing/2014/main" id="{E54DE2A8-24D0-F9D7-161B-21A75FEED36B}"/>
               </a:ext>
             </a:extLst>
           </p:cNvPr>
@@ -2532,7 +2534,7 @@
           <p:cNvPr id="3" name="그림 개체 틀 2">
             <a:extLst>
               <a:ext uri="{FF2B5EF4-FFF2-40B4-BE49-F238E27FC236}">
-                <a16:creationId xmlns:a16="http://schemas.microsoft.com/office/drawing/2014/main" id="{6C7BAFBD-8FC3-6B26-0905-08EADFFD0639}"/>
+                <a16:creationId xmlns="" xmlns:a16="http://schemas.microsoft.com/office/drawing/2014/main" id="{6C7BAFBD-8FC3-6B26-0905-08EADFFD0639}"/>
               </a:ext>
             </a:extLst>
           </p:cNvPr>
@@ -2599,7 +2601,7 @@
           <p:cNvPr id="4" name="텍스트 개체 틀 3">
             <a:extLst>
               <a:ext uri="{FF2B5EF4-FFF2-40B4-BE49-F238E27FC236}">
-                <a16:creationId xmlns:a16="http://schemas.microsoft.com/office/drawing/2014/main" id="{FF6C4D23-A691-6C2C-8A53-CB1554B248BC}"/>
+                <a16:creationId xmlns="" xmlns:a16="http://schemas.microsoft.com/office/drawing/2014/main" id="{FF6C4D23-A691-6C2C-8A53-CB1554B248BC}"/>
               </a:ext>
             </a:extLst>
           </p:cNvPr>
@@ -2670,7 +2672,7 @@
           <p:cNvPr id="5" name="날짜 개체 틀 4">
             <a:extLst>
               <a:ext uri="{FF2B5EF4-FFF2-40B4-BE49-F238E27FC236}">
-                <a16:creationId xmlns:a16="http://schemas.microsoft.com/office/drawing/2014/main" id="{7D9F8A0C-D606-6C27-890D-3A811C31E982}"/>
+                <a16:creationId xmlns="" xmlns:a16="http://schemas.microsoft.com/office/drawing/2014/main" id="{7D9F8A0C-D606-6C27-890D-3A811C31E982}"/>
               </a:ext>
             </a:extLst>
           </p:cNvPr>
@@ -2688,7 +2690,7 @@
           <a:p>
             <a:fld id="{19A184CB-0BE5-43F6-BF8C-D618442184FC}" type="datetimeFigureOut">
               <a:rPr lang="en-GB" smtClean="0"/>
-              <a:t>04/03/2024</a:t>
+              <a:t>05/03/2024</a:t>
             </a:fld>
             <a:endParaRPr lang="en-GB"/>
           </a:p>
@@ -2699,7 +2701,7 @@
           <p:cNvPr id="6" name="바닥글 개체 틀 5">
             <a:extLst>
               <a:ext uri="{FF2B5EF4-FFF2-40B4-BE49-F238E27FC236}">
-                <a16:creationId xmlns:a16="http://schemas.microsoft.com/office/drawing/2014/main" id="{93FF41C1-9E8D-D4CE-5BF5-1F342410E10C}"/>
+                <a16:creationId xmlns="" xmlns:a16="http://schemas.microsoft.com/office/drawing/2014/main" id="{93FF41C1-9E8D-D4CE-5BF5-1F342410E10C}"/>
               </a:ext>
             </a:extLst>
           </p:cNvPr>
@@ -2724,7 +2726,7 @@
           <p:cNvPr id="7" name="슬라이드 번호 개체 틀 6">
             <a:extLst>
               <a:ext uri="{FF2B5EF4-FFF2-40B4-BE49-F238E27FC236}">
-                <a16:creationId xmlns:a16="http://schemas.microsoft.com/office/drawing/2014/main" id="{25C40A7A-28C5-9A78-3173-631A90C2E01C}"/>
+                <a16:creationId xmlns="" xmlns:a16="http://schemas.microsoft.com/office/drawing/2014/main" id="{25C40A7A-28C5-9A78-3173-631A90C2E01C}"/>
               </a:ext>
             </a:extLst>
           </p:cNvPr>
@@ -2788,7 +2790,7 @@
           <p:cNvPr id="2" name="제목 개체 틀 1">
             <a:extLst>
               <a:ext uri="{FF2B5EF4-FFF2-40B4-BE49-F238E27FC236}">
-                <a16:creationId xmlns:a16="http://schemas.microsoft.com/office/drawing/2014/main" id="{13CFF629-1EE0-03D5-B7EC-E01B65D09BDF}"/>
+                <a16:creationId xmlns="" xmlns:a16="http://schemas.microsoft.com/office/drawing/2014/main" id="{13CFF629-1EE0-03D5-B7EC-E01B65D09BDF}"/>
               </a:ext>
             </a:extLst>
           </p:cNvPr>
@@ -2827,7 +2829,7 @@
           <p:cNvPr id="3" name="텍스트 개체 틀 2">
             <a:extLst>
               <a:ext uri="{FF2B5EF4-FFF2-40B4-BE49-F238E27FC236}">
-                <a16:creationId xmlns:a16="http://schemas.microsoft.com/office/drawing/2014/main" id="{889BE61F-E1D0-DDB2-0418-C6EE6E9A27ED}"/>
+                <a16:creationId xmlns="" xmlns:a16="http://schemas.microsoft.com/office/drawing/2014/main" id="{889BE61F-E1D0-DDB2-0418-C6EE6E9A27ED}"/>
               </a:ext>
             </a:extLst>
           </p:cNvPr>
@@ -2895,7 +2897,7 @@
           <p:cNvPr id="4" name="날짜 개체 틀 3">
             <a:extLst>
               <a:ext uri="{FF2B5EF4-FFF2-40B4-BE49-F238E27FC236}">
-                <a16:creationId xmlns:a16="http://schemas.microsoft.com/office/drawing/2014/main" id="{41639F38-ADE5-9E97-1C82-D5A1FA566ABC}"/>
+                <a16:creationId xmlns="" xmlns:a16="http://schemas.microsoft.com/office/drawing/2014/main" id="{41639F38-ADE5-9E97-1C82-D5A1FA566ABC}"/>
               </a:ext>
             </a:extLst>
           </p:cNvPr>
@@ -2931,7 +2933,7 @@
           <a:p>
             <a:fld id="{19A184CB-0BE5-43F6-BF8C-D618442184FC}" type="datetimeFigureOut">
               <a:rPr lang="en-GB" smtClean="0"/>
-              <a:t>04/03/2024</a:t>
+              <a:t>05/03/2024</a:t>
             </a:fld>
             <a:endParaRPr lang="en-GB"/>
           </a:p>
@@ -2942,7 +2944,7 @@
           <p:cNvPr id="5" name="바닥글 개체 틀 4">
             <a:extLst>
               <a:ext uri="{FF2B5EF4-FFF2-40B4-BE49-F238E27FC236}">
-                <a16:creationId xmlns:a16="http://schemas.microsoft.com/office/drawing/2014/main" id="{FC30A4F6-0F6C-D11A-856B-44CC98A5B602}"/>
+                <a16:creationId xmlns="" xmlns:a16="http://schemas.microsoft.com/office/drawing/2014/main" id="{FC30A4F6-0F6C-D11A-856B-44CC98A5B602}"/>
               </a:ext>
             </a:extLst>
           </p:cNvPr>
@@ -2985,7 +2987,7 @@
           <p:cNvPr id="6" name="슬라이드 번호 개체 틀 5">
             <a:extLst>
               <a:ext uri="{FF2B5EF4-FFF2-40B4-BE49-F238E27FC236}">
-                <a16:creationId xmlns:a16="http://schemas.microsoft.com/office/drawing/2014/main" id="{65094DD9-4382-B902-73ED-CE4959595A78}"/>
+                <a16:creationId xmlns="" xmlns:a16="http://schemas.microsoft.com/office/drawing/2014/main" id="{65094DD9-4382-B902-73ED-CE4959595A78}"/>
               </a:ext>
             </a:extLst>
           </p:cNvPr>
@@ -3353,7 +3355,7 @@
           <p:cNvPr id="2" name="제목 1">
             <a:extLst>
               <a:ext uri="{FF2B5EF4-FFF2-40B4-BE49-F238E27FC236}">
-                <a16:creationId xmlns:a16="http://schemas.microsoft.com/office/drawing/2014/main" id="{F69618F1-5DDE-DA41-95B7-6015670CF558}"/>
+                <a16:creationId xmlns="" xmlns:a16="http://schemas.microsoft.com/office/drawing/2014/main" id="{F69618F1-5DDE-DA41-95B7-6015670CF558}"/>
               </a:ext>
             </a:extLst>
           </p:cNvPr>
@@ -3378,7 +3380,7 @@
           <p:cNvPr id="3" name="부제목 2">
             <a:extLst>
               <a:ext uri="{FF2B5EF4-FFF2-40B4-BE49-F238E27FC236}">
-                <a16:creationId xmlns:a16="http://schemas.microsoft.com/office/drawing/2014/main" id="{174259CA-9970-EABB-6AE3-16A293288F6E}"/>
+                <a16:creationId xmlns="" xmlns:a16="http://schemas.microsoft.com/office/drawing/2014/main" id="{174259CA-9970-EABB-6AE3-16A293288F6E}"/>
               </a:ext>
             </a:extLst>
           </p:cNvPr>
@@ -3428,12 +3430,689 @@
           <a:chExt cx="0" cy="0"/>
         </a:xfrm>
       </p:grpSpPr>
+      <p:sp>
+        <p:nvSpPr>
+          <p:cNvPr id="31" name="아래쪽 화살표 30"/>
+          <p:cNvSpPr/>
+          <p:nvPr/>
+        </p:nvSpPr>
+        <p:spPr>
+          <a:xfrm>
+            <a:off x="8898333" y="1993134"/>
+            <a:ext cx="377328" cy="2022155"/>
+          </a:xfrm>
+          <a:prstGeom prst="downArrow">
+            <a:avLst>
+              <a:gd name="adj1" fmla="val 71640"/>
+              <a:gd name="adj2" fmla="val 50000"/>
+            </a:avLst>
+          </a:prstGeom>
+          <a:solidFill>
+            <a:schemeClr val="bg1">
+              <a:lumMod val="95000"/>
+            </a:schemeClr>
+          </a:solidFill>
+          <a:ln>
+            <a:solidFill>
+              <a:schemeClr val="bg1">
+                <a:lumMod val="95000"/>
+              </a:schemeClr>
+            </a:solidFill>
+          </a:ln>
+        </p:spPr>
+        <p:style>
+          <a:lnRef idx="2">
+            <a:schemeClr val="accent1">
+              <a:shade val="50000"/>
+            </a:schemeClr>
+          </a:lnRef>
+          <a:fillRef idx="1">
+            <a:schemeClr val="accent1"/>
+          </a:fillRef>
+          <a:effectRef idx="0">
+            <a:schemeClr val="accent1"/>
+          </a:effectRef>
+          <a:fontRef idx="minor">
+            <a:schemeClr val="lt1"/>
+          </a:fontRef>
+        </p:style>
+        <p:txBody>
+          <a:bodyPr rtlCol="0" anchor="ctr"/>
+          <a:lstStyle/>
+          <a:p>
+            <a:pPr algn="ctr"/>
+            <a:endParaRPr lang="ko-KR" altLang="en-US"/>
+          </a:p>
+        </p:txBody>
+      </p:sp>
+      <p:pic>
+        <p:nvPicPr>
+          <p:cNvPr id="1026" name="Picture 2" descr="https://blog.cleancoder.com/uncle-bob/images/2012-08-13-the-clean-architecture/CleanArchitecture.jpg"/>
+          <p:cNvPicPr>
+            <a:picLocks noChangeAspect="1" noChangeArrowheads="1"/>
+          </p:cNvPicPr>
+          <p:nvPr/>
+        </p:nvPicPr>
+        <p:blipFill>
+          <a:blip r:embed="rId2">
+            <a:extLst>
+              <a:ext uri="{28A0092B-C50C-407E-A947-70E740481C1C}">
+                <a14:useLocalDpi xmlns:a14="http://schemas.microsoft.com/office/drawing/2010/main" val="0"/>
+              </a:ext>
+            </a:extLst>
+          </a:blip>
+          <a:srcRect/>
+          <a:stretch>
+            <a:fillRect/>
+          </a:stretch>
+        </p:blipFill>
+        <p:spPr bwMode="auto">
+          <a:xfrm>
+            <a:off x="1175308" y="728663"/>
+            <a:ext cx="7353300" cy="5400675"/>
+          </a:xfrm>
+          <a:prstGeom prst="rect">
+            <a:avLst/>
+          </a:prstGeom>
+          <a:noFill/>
+          <a:extLst>
+            <a:ext uri="{909E8E84-426E-40DD-AFC4-6F175D3DCCD1}">
+              <a14:hiddenFill xmlns:a14="http://schemas.microsoft.com/office/drawing/2010/main">
+                <a:solidFill>
+                  <a:srgbClr val="FFFFFF"/>
+                </a:solidFill>
+              </a14:hiddenFill>
+            </a:ext>
+          </a:extLst>
+        </p:spPr>
+      </p:pic>
+      <p:sp>
+        <p:nvSpPr>
+          <p:cNvPr id="10" name="TextBox 9"/>
+          <p:cNvSpPr txBox="1"/>
+          <p:nvPr/>
+        </p:nvSpPr>
+        <p:spPr>
+          <a:xfrm>
+            <a:off x="8761427" y="2961472"/>
+            <a:ext cx="651140" cy="276999"/>
+          </a:xfrm>
+          <a:prstGeom prst="rect">
+            <a:avLst/>
+          </a:prstGeom>
+          <a:noFill/>
+        </p:spPr>
+        <p:txBody>
+          <a:bodyPr wrap="none" rtlCol="0">
+            <a:spAutoFit/>
+          </a:bodyPr>
+          <a:lstStyle/>
+          <a:p>
+            <a:r>
+              <a:rPr lang="en-US" altLang="ko-KR" sz="1200" b="1" smtClean="0">
+                <a:solidFill>
+                  <a:schemeClr val="bg1">
+                    <a:lumMod val="65000"/>
+                  </a:schemeClr>
+                </a:solidFill>
+              </a:rPr>
+              <a:t>Adaper</a:t>
+            </a:r>
+            <a:endParaRPr lang="ko-KR" altLang="en-US" sz="1200" b="1">
+              <a:solidFill>
+                <a:schemeClr val="bg1">
+                  <a:lumMod val="65000"/>
+                </a:schemeClr>
+              </a:solidFill>
+            </a:endParaRPr>
+          </a:p>
+        </p:txBody>
+      </p:sp>
+      <p:sp>
+        <p:nvSpPr>
+          <p:cNvPr id="12" name="TextBox 11"/>
+          <p:cNvSpPr txBox="1"/>
+          <p:nvPr/>
+        </p:nvSpPr>
+        <p:spPr>
+          <a:xfrm>
+            <a:off x="8628731" y="2685245"/>
+            <a:ext cx="916533" cy="276999"/>
+          </a:xfrm>
+          <a:prstGeom prst="rect">
+            <a:avLst/>
+          </a:prstGeom>
+          <a:noFill/>
+        </p:spPr>
+        <p:txBody>
+          <a:bodyPr wrap="none" rtlCol="0">
+            <a:spAutoFit/>
+          </a:bodyPr>
+          <a:lstStyle/>
+          <a:p>
+            <a:r>
+              <a:rPr lang="en-US" altLang="ko-KR" sz="1200" b="1" smtClean="0">
+                <a:solidFill>
+                  <a:schemeClr val="bg1">
+                    <a:lumMod val="65000"/>
+                  </a:schemeClr>
+                </a:solidFill>
+              </a:rPr>
+              <a:t>Application</a:t>
+            </a:r>
+            <a:endParaRPr lang="ko-KR" altLang="en-US" sz="1200" b="1">
+              <a:solidFill>
+                <a:schemeClr val="bg1">
+                  <a:lumMod val="65000"/>
+                </a:schemeClr>
+              </a:solidFill>
+            </a:endParaRPr>
+          </a:p>
+        </p:txBody>
+      </p:sp>
+      <p:sp>
+        <p:nvSpPr>
+          <p:cNvPr id="22" name="TextBox 21"/>
+          <p:cNvSpPr txBox="1"/>
+          <p:nvPr/>
+        </p:nvSpPr>
+        <p:spPr>
+          <a:xfrm>
+            <a:off x="8742993" y="2412736"/>
+            <a:ext cx="688009" cy="276999"/>
+          </a:xfrm>
+          <a:prstGeom prst="rect">
+            <a:avLst/>
+          </a:prstGeom>
+          <a:noFill/>
+        </p:spPr>
+        <p:txBody>
+          <a:bodyPr wrap="none" rtlCol="0">
+            <a:spAutoFit/>
+          </a:bodyPr>
+          <a:lstStyle/>
+          <a:p>
+            <a:r>
+              <a:rPr lang="en-US" altLang="ko-KR" sz="1200" b="1" smtClean="0">
+                <a:solidFill>
+                  <a:schemeClr val="bg1">
+                    <a:lumMod val="65000"/>
+                  </a:schemeClr>
+                </a:solidFill>
+              </a:rPr>
+              <a:t>Domain</a:t>
+            </a:r>
+            <a:endParaRPr lang="ko-KR" altLang="en-US" sz="1200" b="1">
+              <a:solidFill>
+                <a:schemeClr val="bg1">
+                  <a:lumMod val="65000"/>
+                </a:schemeClr>
+              </a:solidFill>
+            </a:endParaRPr>
+          </a:p>
+        </p:txBody>
+      </p:sp>
+      <p:sp>
+        <p:nvSpPr>
+          <p:cNvPr id="23" name="TextBox 22"/>
+          <p:cNvSpPr txBox="1"/>
+          <p:nvPr/>
+        </p:nvSpPr>
+        <p:spPr>
+          <a:xfrm>
+            <a:off x="8694870" y="1993134"/>
+            <a:ext cx="784254" cy="369332"/>
+          </a:xfrm>
+          <a:prstGeom prst="rect">
+            <a:avLst/>
+          </a:prstGeom>
+          <a:noFill/>
+        </p:spPr>
+        <p:txBody>
+          <a:bodyPr wrap="none" rtlCol="0">
+            <a:spAutoFit/>
+          </a:bodyPr>
+          <a:lstStyle/>
+          <a:p>
+            <a:r>
+              <a:rPr lang="en-US" altLang="ko-KR" b="1" smtClean="0"/>
+              <a:t>Layers</a:t>
+            </a:r>
+            <a:endParaRPr lang="ko-KR" altLang="en-US" b="1"/>
+          </a:p>
+        </p:txBody>
+      </p:sp>
+      <p:cxnSp>
+        <p:nvCxnSpPr>
+          <p:cNvPr id="24" name="직선 연결선 23"/>
+          <p:cNvCxnSpPr/>
+          <p:nvPr/>
+        </p:nvCxnSpPr>
+        <p:spPr>
+          <a:xfrm>
+            <a:off x="6343720" y="2689735"/>
+            <a:ext cx="3472961" cy="0"/>
+          </a:xfrm>
+          <a:prstGeom prst="line">
+            <a:avLst/>
+          </a:prstGeom>
+          <a:ln>
+            <a:solidFill>
+              <a:schemeClr val="bg1">
+                <a:lumMod val="65000"/>
+              </a:schemeClr>
+            </a:solidFill>
+            <a:prstDash val="dash"/>
+          </a:ln>
+        </p:spPr>
+        <p:style>
+          <a:lnRef idx="1">
+            <a:schemeClr val="accent1"/>
+          </a:lnRef>
+          <a:fillRef idx="0">
+            <a:schemeClr val="accent1"/>
+          </a:fillRef>
+          <a:effectRef idx="0">
+            <a:schemeClr val="accent1"/>
+          </a:effectRef>
+          <a:fontRef idx="minor">
+            <a:schemeClr val="tx1"/>
+          </a:fontRef>
+        </p:style>
+      </p:cxnSp>
+      <p:cxnSp>
+        <p:nvCxnSpPr>
+          <p:cNvPr id="26" name="직선 연결선 25"/>
+          <p:cNvCxnSpPr/>
+          <p:nvPr/>
+        </p:nvCxnSpPr>
+        <p:spPr>
+          <a:xfrm>
+            <a:off x="6343720" y="2962244"/>
+            <a:ext cx="3472961" cy="0"/>
+          </a:xfrm>
+          <a:prstGeom prst="line">
+            <a:avLst/>
+          </a:prstGeom>
+          <a:ln>
+            <a:solidFill>
+              <a:schemeClr val="bg1">
+                <a:lumMod val="65000"/>
+              </a:schemeClr>
+            </a:solidFill>
+            <a:prstDash val="dash"/>
+          </a:ln>
+        </p:spPr>
+        <p:style>
+          <a:lnRef idx="1">
+            <a:schemeClr val="accent1"/>
+          </a:lnRef>
+          <a:fillRef idx="0">
+            <a:schemeClr val="accent1"/>
+          </a:fillRef>
+          <a:effectRef idx="0">
+            <a:schemeClr val="accent1"/>
+          </a:effectRef>
+          <a:fontRef idx="minor">
+            <a:schemeClr val="tx1"/>
+          </a:fontRef>
+        </p:style>
+      </p:cxnSp>
+      <p:cxnSp>
+        <p:nvCxnSpPr>
+          <p:cNvPr id="27" name="직선 연결선 26"/>
+          <p:cNvCxnSpPr/>
+          <p:nvPr/>
+        </p:nvCxnSpPr>
+        <p:spPr>
+          <a:xfrm>
+            <a:off x="6343720" y="3238471"/>
+            <a:ext cx="3472961" cy="0"/>
+          </a:xfrm>
+          <a:prstGeom prst="line">
+            <a:avLst/>
+          </a:prstGeom>
+          <a:ln>
+            <a:solidFill>
+              <a:schemeClr val="bg1">
+                <a:lumMod val="65000"/>
+              </a:schemeClr>
+            </a:solidFill>
+            <a:prstDash val="dash"/>
+          </a:ln>
+        </p:spPr>
+        <p:style>
+          <a:lnRef idx="1">
+            <a:schemeClr val="accent1"/>
+          </a:lnRef>
+          <a:fillRef idx="0">
+            <a:schemeClr val="accent1"/>
+          </a:fillRef>
+          <a:effectRef idx="0">
+            <a:schemeClr val="accent1"/>
+          </a:effectRef>
+          <a:fontRef idx="minor">
+            <a:schemeClr val="tx1"/>
+          </a:fontRef>
+        </p:style>
+      </p:cxnSp>
+      <p:pic>
+        <p:nvPicPr>
+          <p:cNvPr id="28" name="그림 27"/>
+          <p:cNvPicPr>
+            <a:picLocks noChangeAspect="1"/>
+          </p:cNvPicPr>
+          <p:nvPr/>
+        </p:nvPicPr>
+        <p:blipFill>
+          <a:blip r:embed="rId3"/>
+          <a:stretch>
+            <a:fillRect/>
+          </a:stretch>
+        </p:blipFill>
+        <p:spPr>
+          <a:xfrm>
+            <a:off x="8425893" y="4056733"/>
+            <a:ext cx="2590800" cy="1438275"/>
+          </a:xfrm>
+          <a:prstGeom prst="rect">
+            <a:avLst/>
+          </a:prstGeom>
+        </p:spPr>
+      </p:pic>
+      <p:sp>
+        <p:nvSpPr>
+          <p:cNvPr id="29" name="TextBox 28"/>
+          <p:cNvSpPr txBox="1"/>
+          <p:nvPr/>
+        </p:nvSpPr>
+        <p:spPr>
+          <a:xfrm>
+            <a:off x="8600934" y="3438567"/>
+            <a:ext cx="972126" cy="369332"/>
+          </a:xfrm>
+          <a:prstGeom prst="rect">
+            <a:avLst/>
+          </a:prstGeom>
+          <a:noFill/>
+        </p:spPr>
+        <p:txBody>
+          <a:bodyPr wrap="none" rtlCol="0">
+            <a:spAutoFit/>
+          </a:bodyPr>
+          <a:lstStyle/>
+          <a:p>
+            <a:r>
+              <a:rPr lang="en-US" altLang="ko-KR" smtClean="0"/>
+              <a:t>T1.</a:t>
+            </a:r>
+            <a:r>
+              <a:rPr lang="en-US" altLang="ko-KR" b="1" smtClean="0">
+                <a:solidFill>
+                  <a:srgbClr val="0070C0"/>
+                </a:solidFill>
+              </a:rPr>
+              <a:t>T2</a:t>
+            </a:r>
+            <a:r>
+              <a:rPr lang="en-US" altLang="ko-KR" smtClean="0"/>
+              <a:t>.T3</a:t>
+            </a:r>
+            <a:endParaRPr lang="ko-KR" altLang="en-US"/>
+          </a:p>
+        </p:txBody>
+      </p:sp>
+    </p:spTree>
+    <p:extLst>
+      <p:ext uri="{BB962C8B-B14F-4D97-AF65-F5344CB8AC3E}">
+        <p14:creationId xmlns:p14="http://schemas.microsoft.com/office/powerpoint/2010/main" val="678136013"/>
+      </p:ext>
+    </p:extLst>
+  </p:cSld>
+  <p:clrMapOvr>
+    <a:masterClrMapping/>
+  </p:clrMapOvr>
+</p:sld>
+</file>
+
+<file path=ppt/slides/slide3.xml><?xml version="1.0" encoding="utf-8"?>
+<p:sld xmlns:a="http://schemas.openxmlformats.org/drawingml/2006/main" xmlns:r="http://schemas.openxmlformats.org/officeDocument/2006/relationships" xmlns:p="http://schemas.openxmlformats.org/presentationml/2006/main">
+  <p:cSld>
+    <p:spTree>
+      <p:nvGrpSpPr>
+        <p:cNvPr id="1" name=""/>
+        <p:cNvGrpSpPr/>
+        <p:nvPr/>
+      </p:nvGrpSpPr>
+      <p:grpSpPr>
+        <a:xfrm>
+          <a:off x="0" y="0"/>
+          <a:ext cx="0" cy="0"/>
+          <a:chOff x="0" y="0"/>
+          <a:chExt cx="0" cy="0"/>
+        </a:xfrm>
+      </p:grpSpPr>
+      <p:grpSp>
+        <p:nvGrpSpPr>
+          <p:cNvPr id="7" name="그룹 6"/>
+          <p:cNvGrpSpPr/>
+          <p:nvPr/>
+        </p:nvGrpSpPr>
+        <p:grpSpPr>
+          <a:xfrm>
+            <a:off x="3737262" y="1751990"/>
+            <a:ext cx="4717476" cy="3354021"/>
+            <a:chOff x="1046979" y="1274883"/>
+            <a:chExt cx="4717476" cy="3354021"/>
+          </a:xfrm>
+        </p:grpSpPr>
+        <p:pic>
+          <p:nvPicPr>
+            <p:cNvPr id="1026" name="Picture 2" descr="https://semaphoreci.com/wp-content/uploads/2022/03/pyramid1.jpg"/>
+            <p:cNvPicPr>
+              <a:picLocks noChangeAspect="1" noChangeArrowheads="1"/>
+            </p:cNvPicPr>
+            <p:nvPr/>
+          </p:nvPicPr>
+          <p:blipFill>
+            <a:blip r:embed="rId2">
+              <a:extLst>
+                <a:ext uri="{28A0092B-C50C-407E-A947-70E740481C1C}">
+                  <a14:useLocalDpi xmlns:a14="http://schemas.microsoft.com/office/drawing/2010/main" val="0"/>
+                </a:ext>
+              </a:extLst>
+            </a:blip>
+            <a:srcRect/>
+            <a:stretch>
+              <a:fillRect/>
+            </a:stretch>
+          </p:blipFill>
+          <p:spPr bwMode="auto">
+            <a:xfrm>
+              <a:off x="1046979" y="1274883"/>
+              <a:ext cx="3089230" cy="3354021"/>
+            </a:xfrm>
+            <a:prstGeom prst="rect">
+              <a:avLst/>
+            </a:prstGeom>
+            <a:noFill/>
+            <a:extLst>
+              <a:ext uri="{909E8E84-426E-40DD-AFC4-6F175D3DCCD1}">
+                <a14:hiddenFill xmlns:a14="http://schemas.microsoft.com/office/drawing/2010/main">
+                  <a:solidFill>
+                    <a:srgbClr val="FFFFFF"/>
+                  </a:solidFill>
+                </a14:hiddenFill>
+              </a:ext>
+            </a:extLst>
+          </p:spPr>
+        </p:pic>
+        <p:sp>
+          <p:nvSpPr>
+            <p:cNvPr id="5" name="굽은 화살표 4"/>
+            <p:cNvSpPr/>
+            <p:nvPr/>
+          </p:nvSpPr>
+          <p:spPr>
+            <a:xfrm rot="5400000">
+              <a:off x="4093927" y="1002644"/>
+              <a:ext cx="887189" cy="1784916"/>
+            </a:xfrm>
+            <a:prstGeom prst="bentArrow">
+              <a:avLst>
+                <a:gd name="adj1" fmla="val 39883"/>
+                <a:gd name="adj2" fmla="val 28415"/>
+                <a:gd name="adj3" fmla="val 25000"/>
+                <a:gd name="adj4" fmla="val 13750"/>
+              </a:avLst>
+            </a:prstGeom>
+            <a:solidFill>
+              <a:schemeClr val="accent1">
+                <a:lumMod val="20000"/>
+                <a:lumOff val="80000"/>
+              </a:schemeClr>
+            </a:solidFill>
+            <a:ln>
+              <a:solidFill>
+                <a:schemeClr val="accent1">
+                  <a:lumMod val="20000"/>
+                  <a:lumOff val="80000"/>
+                </a:schemeClr>
+              </a:solidFill>
+            </a:ln>
+          </p:spPr>
+          <p:style>
+            <a:lnRef idx="2">
+              <a:schemeClr val="accent1">
+                <a:shade val="50000"/>
+              </a:schemeClr>
+            </a:lnRef>
+            <a:fillRef idx="1">
+              <a:schemeClr val="accent1"/>
+            </a:fillRef>
+            <a:effectRef idx="0">
+              <a:schemeClr val="accent1"/>
+            </a:effectRef>
+            <a:fontRef idx="minor">
+              <a:schemeClr val="lt1"/>
+            </a:fontRef>
+          </p:style>
+          <p:txBody>
+            <a:bodyPr rtlCol="0" anchor="ctr"/>
+            <a:lstStyle/>
+            <a:p>
+              <a:pPr algn="ctr"/>
+              <a:endParaRPr lang="ko-KR" altLang="en-US">
+                <a:solidFill>
+                  <a:schemeClr val="tx1"/>
+                </a:solidFill>
+              </a:endParaRPr>
+            </a:p>
+          </p:txBody>
+        </p:sp>
+        <p:pic>
+          <p:nvPicPr>
+            <p:cNvPr id="4" name="그림 3"/>
+            <p:cNvPicPr>
+              <a:picLocks noChangeAspect="1"/>
+            </p:cNvPicPr>
+            <p:nvPr/>
+          </p:nvPicPr>
+          <p:blipFill>
+            <a:blip r:embed="rId3"/>
+            <a:stretch>
+              <a:fillRect/>
+            </a:stretch>
+          </p:blipFill>
+          <p:spPr>
+            <a:xfrm>
+              <a:off x="3668955" y="2338697"/>
+              <a:ext cx="2095500" cy="771525"/>
+            </a:xfrm>
+            <a:prstGeom prst="rect">
+              <a:avLst/>
+            </a:prstGeom>
+          </p:spPr>
+        </p:pic>
+        <p:sp>
+          <p:nvSpPr>
+            <p:cNvPr id="6" name="TextBox 5"/>
+            <p:cNvSpPr txBox="1"/>
+            <p:nvPr/>
+          </p:nvSpPr>
+          <p:spPr>
+            <a:xfrm>
+              <a:off x="4376161" y="1451507"/>
+              <a:ext cx="972126" cy="369332"/>
+            </a:xfrm>
+            <a:prstGeom prst="rect">
+              <a:avLst/>
+            </a:prstGeom>
+            <a:noFill/>
+          </p:spPr>
+          <p:txBody>
+            <a:bodyPr wrap="none" rtlCol="0">
+              <a:spAutoFit/>
+            </a:bodyPr>
+            <a:lstStyle/>
+            <a:p>
+              <a:r>
+                <a:rPr lang="en-US" altLang="ko-KR" smtClean="0"/>
+                <a:t>T1.T2.</a:t>
+              </a:r>
+              <a:r>
+                <a:rPr lang="en-US" altLang="ko-KR" b="1" smtClean="0">
+                  <a:solidFill>
+                    <a:srgbClr val="0070C0"/>
+                  </a:solidFill>
+                </a:rPr>
+                <a:t>T3</a:t>
+              </a:r>
+              <a:endParaRPr lang="ko-KR" altLang="en-US" b="1">
+                <a:solidFill>
+                  <a:srgbClr val="0070C0"/>
+                </a:solidFill>
+              </a:endParaRPr>
+            </a:p>
+          </p:txBody>
+        </p:sp>
+      </p:grpSp>
+    </p:spTree>
+    <p:extLst>
+      <p:ext uri="{BB962C8B-B14F-4D97-AF65-F5344CB8AC3E}">
+        <p14:creationId xmlns:p14="http://schemas.microsoft.com/office/powerpoint/2010/main" val="2139506220"/>
+      </p:ext>
+    </p:extLst>
+  </p:cSld>
+  <p:clrMapOvr>
+    <a:masterClrMapping/>
+  </p:clrMapOvr>
+</p:sld>
+</file>
+
+<file path=ppt/slides/slide4.xml><?xml version="1.0" encoding="utf-8"?>
+<p:sld xmlns:a="http://schemas.openxmlformats.org/drawingml/2006/main" xmlns:r="http://schemas.openxmlformats.org/officeDocument/2006/relationships" xmlns:p="http://schemas.openxmlformats.org/presentationml/2006/main">
+  <p:cSld>
+    <p:spTree>
+      <p:nvGrpSpPr>
+        <p:cNvPr id="1" name=""/>
+        <p:cNvGrpSpPr/>
+        <p:nvPr/>
+      </p:nvGrpSpPr>
+      <p:grpSpPr>
+        <a:xfrm>
+          <a:off x="0" y="0"/>
+          <a:ext cx="0" cy="0"/>
+          <a:chOff x="0" y="0"/>
+          <a:chExt cx="0" cy="0"/>
+        </a:xfrm>
+      </p:grpSpPr>
       <p:pic>
         <p:nvPicPr>
           <p:cNvPr id="5" name="그림 4">
             <a:extLst>
               <a:ext uri="{FF2B5EF4-FFF2-40B4-BE49-F238E27FC236}">
-                <a16:creationId xmlns:a16="http://schemas.microsoft.com/office/drawing/2014/main" id="{C66CF9E4-7429-2045-31AD-C3C0AAEBAC4E}"/>
+                <a16:creationId xmlns="" xmlns:a16="http://schemas.microsoft.com/office/drawing/2014/main" id="{C66CF9E4-7429-2045-31AD-C3C0AAEBAC4E}"/>
               </a:ext>
             </a:extLst>
           </p:cNvPr>
@@ -3463,7 +4142,7 @@
           <p:cNvPr id="9" name="그림 8">
             <a:extLst>
               <a:ext uri="{FF2B5EF4-FFF2-40B4-BE49-F238E27FC236}">
-                <a16:creationId xmlns:a16="http://schemas.microsoft.com/office/drawing/2014/main" id="{CFEFACE2-EAE9-A8B4-10F7-7B0568691D46}"/>
+                <a16:creationId xmlns="" xmlns:a16="http://schemas.microsoft.com/office/drawing/2014/main" id="{CFEFACE2-EAE9-A8B4-10F7-7B0568691D46}"/>
               </a:ext>
             </a:extLst>
           </p:cNvPr>
@@ -3498,7 +4177,7 @@
           <p:cNvPr id="10" name="직사각형 9">
             <a:extLst>
               <a:ext uri="{FF2B5EF4-FFF2-40B4-BE49-F238E27FC236}">
-                <a16:creationId xmlns:a16="http://schemas.microsoft.com/office/drawing/2014/main" id="{88B54AAB-E66D-108F-9A8E-390CB8AEC364}"/>
+                <a16:creationId xmlns="" xmlns:a16="http://schemas.microsoft.com/office/drawing/2014/main" id="{88B54AAB-E66D-108F-9A8E-390CB8AEC364}"/>
               </a:ext>
             </a:extLst>
           </p:cNvPr>
@@ -3553,7 +4232,7 @@
           <p:cNvPr id="12" name="직선 화살표 연결선 11">
             <a:extLst>
               <a:ext uri="{FF2B5EF4-FFF2-40B4-BE49-F238E27FC236}">
-                <a16:creationId xmlns:a16="http://schemas.microsoft.com/office/drawing/2014/main" id="{FC33E20D-351D-B391-80EF-AB36B522A123}"/>
+                <a16:creationId xmlns="" xmlns:a16="http://schemas.microsoft.com/office/drawing/2014/main" id="{FC33E20D-351D-B391-80EF-AB36B522A123}"/>
               </a:ext>
             </a:extLst>
           </p:cNvPr>
@@ -3601,7 +4280,7 @@
           <p:cNvPr id="13" name="TextBox 12">
             <a:extLst>
               <a:ext uri="{FF2B5EF4-FFF2-40B4-BE49-F238E27FC236}">
-                <a16:creationId xmlns:a16="http://schemas.microsoft.com/office/drawing/2014/main" id="{1392B027-5A74-988A-6375-B8E6C6582439}"/>
+                <a16:creationId xmlns="" xmlns:a16="http://schemas.microsoft.com/office/drawing/2014/main" id="{1392B027-5A74-988A-6375-B8E6C6582439}"/>
               </a:ext>
             </a:extLst>
           </p:cNvPr>
@@ -3662,7 +4341,7 @@
           <p:cNvPr id="14" name="직사각형 13">
             <a:extLst>
               <a:ext uri="{FF2B5EF4-FFF2-40B4-BE49-F238E27FC236}">
-                <a16:creationId xmlns:a16="http://schemas.microsoft.com/office/drawing/2014/main" id="{D65C9D1C-1B1D-89DF-80A2-5F3E6C2C5C36}"/>
+                <a16:creationId xmlns="" xmlns:a16="http://schemas.microsoft.com/office/drawing/2014/main" id="{D65C9D1C-1B1D-89DF-80A2-5F3E6C2C5C36}"/>
               </a:ext>
             </a:extLst>
           </p:cNvPr>
@@ -3716,7 +4395,7 @@
           <p:cNvPr id="15" name="직선 화살표 연결선 14">
             <a:extLst>
               <a:ext uri="{FF2B5EF4-FFF2-40B4-BE49-F238E27FC236}">
-                <a16:creationId xmlns:a16="http://schemas.microsoft.com/office/drawing/2014/main" id="{423EA57F-8830-43C9-70E8-0C715487F934}"/>
+                <a16:creationId xmlns="" xmlns:a16="http://schemas.microsoft.com/office/drawing/2014/main" id="{423EA57F-8830-43C9-70E8-0C715487F934}"/>
               </a:ext>
             </a:extLst>
           </p:cNvPr>
@@ -3762,7 +4441,7 @@
           <p:cNvPr id="18" name="직선 화살표 연결선 17">
             <a:extLst>
               <a:ext uri="{FF2B5EF4-FFF2-40B4-BE49-F238E27FC236}">
-                <a16:creationId xmlns:a16="http://schemas.microsoft.com/office/drawing/2014/main" id="{48105D9B-03A6-B055-7B43-110D9548121C}"/>
+                <a16:creationId xmlns="" xmlns:a16="http://schemas.microsoft.com/office/drawing/2014/main" id="{48105D9B-03A6-B055-7B43-110D9548121C}"/>
               </a:ext>
             </a:extLst>
           </p:cNvPr>
@@ -3808,7 +4487,7 @@
           <p:cNvPr id="22" name="직사각형 21">
             <a:extLst>
               <a:ext uri="{FF2B5EF4-FFF2-40B4-BE49-F238E27FC236}">
-                <a16:creationId xmlns:a16="http://schemas.microsoft.com/office/drawing/2014/main" id="{EE85E229-68EE-A531-B7CF-B59EA374055A}"/>
+                <a16:creationId xmlns="" xmlns:a16="http://schemas.microsoft.com/office/drawing/2014/main" id="{EE85E229-68EE-A531-B7CF-B59EA374055A}"/>
               </a:ext>
             </a:extLst>
           </p:cNvPr>
@@ -3863,7 +4542,7 @@
           <p:cNvPr id="26" name="직선 화살표 연결선 25">
             <a:extLst>
               <a:ext uri="{FF2B5EF4-FFF2-40B4-BE49-F238E27FC236}">
-                <a16:creationId xmlns:a16="http://schemas.microsoft.com/office/drawing/2014/main" id="{62673D90-A477-9860-407C-ABAC1BB77202}"/>
+                <a16:creationId xmlns="" xmlns:a16="http://schemas.microsoft.com/office/drawing/2014/main" id="{62673D90-A477-9860-407C-ABAC1BB77202}"/>
               </a:ext>
             </a:extLst>
           </p:cNvPr>
@@ -3910,7 +4589,7 @@
           <p:cNvPr id="29" name="직선 화살표 연결선 28">
             <a:extLst>
               <a:ext uri="{FF2B5EF4-FFF2-40B4-BE49-F238E27FC236}">
-                <a16:creationId xmlns:a16="http://schemas.microsoft.com/office/drawing/2014/main" id="{44B95310-76E0-A6FF-F9E9-E1F4AF9ADE9B}"/>
+                <a16:creationId xmlns="" xmlns:a16="http://schemas.microsoft.com/office/drawing/2014/main" id="{44B95310-76E0-A6FF-F9E9-E1F4AF9ADE9B}"/>
               </a:ext>
             </a:extLst>
           </p:cNvPr>
@@ -3957,7 +4636,7 @@
           <p:cNvPr id="37" name="직사각형 36">
             <a:extLst>
               <a:ext uri="{FF2B5EF4-FFF2-40B4-BE49-F238E27FC236}">
-                <a16:creationId xmlns:a16="http://schemas.microsoft.com/office/drawing/2014/main" id="{818D025D-43A4-994F-8E24-9BDAF01EC5E4}"/>
+                <a16:creationId xmlns="" xmlns:a16="http://schemas.microsoft.com/office/drawing/2014/main" id="{818D025D-43A4-994F-8E24-9BDAF01EC5E4}"/>
               </a:ext>
             </a:extLst>
           </p:cNvPr>

--- a/README.pptx
+++ b/README.pptx
@@ -137,7 +137,7 @@
           <p:cNvPr id="2" name="제목 1">
             <a:extLst>
               <a:ext uri="{FF2B5EF4-FFF2-40B4-BE49-F238E27FC236}">
-                <a16:creationId xmlns="" xmlns:a16="http://schemas.microsoft.com/office/drawing/2014/main" id="{311B7515-EE53-420C-7D6E-AB912E4465F8}"/>
+                <a16:creationId xmlns:a16="http://schemas.microsoft.com/office/drawing/2014/main" xmlns="" id="{311B7515-EE53-420C-7D6E-AB912E4465F8}"/>
               </a:ext>
             </a:extLst>
           </p:cNvPr>
@@ -175,7 +175,7 @@
           <p:cNvPr id="3" name="부제목 2">
             <a:extLst>
               <a:ext uri="{FF2B5EF4-FFF2-40B4-BE49-F238E27FC236}">
-                <a16:creationId xmlns="" xmlns:a16="http://schemas.microsoft.com/office/drawing/2014/main" id="{77250474-C614-2A43-E5AF-0946BE2F4F23}"/>
+                <a16:creationId xmlns:a16="http://schemas.microsoft.com/office/drawing/2014/main" xmlns="" id="{77250474-C614-2A43-E5AF-0946BE2F4F23}"/>
               </a:ext>
             </a:extLst>
           </p:cNvPr>
@@ -246,7 +246,7 @@
           <p:cNvPr id="4" name="날짜 개체 틀 3">
             <a:extLst>
               <a:ext uri="{FF2B5EF4-FFF2-40B4-BE49-F238E27FC236}">
-                <a16:creationId xmlns="" xmlns:a16="http://schemas.microsoft.com/office/drawing/2014/main" id="{F0402DF2-2C1A-2073-1EDF-29409E907983}"/>
+                <a16:creationId xmlns:a16="http://schemas.microsoft.com/office/drawing/2014/main" xmlns="" id="{F0402DF2-2C1A-2073-1EDF-29409E907983}"/>
               </a:ext>
             </a:extLst>
           </p:cNvPr>
@@ -275,7 +275,7 @@
           <p:cNvPr id="5" name="바닥글 개체 틀 4">
             <a:extLst>
               <a:ext uri="{FF2B5EF4-FFF2-40B4-BE49-F238E27FC236}">
-                <a16:creationId xmlns="" xmlns:a16="http://schemas.microsoft.com/office/drawing/2014/main" id="{C6844446-5725-248E-E30D-899BDF34E703}"/>
+                <a16:creationId xmlns:a16="http://schemas.microsoft.com/office/drawing/2014/main" xmlns="" id="{C6844446-5725-248E-E30D-899BDF34E703}"/>
               </a:ext>
             </a:extLst>
           </p:cNvPr>
@@ -300,7 +300,7 @@
           <p:cNvPr id="6" name="슬라이드 번호 개체 틀 5">
             <a:extLst>
               <a:ext uri="{FF2B5EF4-FFF2-40B4-BE49-F238E27FC236}">
-                <a16:creationId xmlns="" xmlns:a16="http://schemas.microsoft.com/office/drawing/2014/main" id="{968AEC9C-CB1D-9D94-7A1F-B62B66473DDA}"/>
+                <a16:creationId xmlns:a16="http://schemas.microsoft.com/office/drawing/2014/main" xmlns="" id="{968AEC9C-CB1D-9D94-7A1F-B62B66473DDA}"/>
               </a:ext>
             </a:extLst>
           </p:cNvPr>
@@ -359,7 +359,7 @@
           <p:cNvPr id="2" name="제목 1">
             <a:extLst>
               <a:ext uri="{FF2B5EF4-FFF2-40B4-BE49-F238E27FC236}">
-                <a16:creationId xmlns="" xmlns:a16="http://schemas.microsoft.com/office/drawing/2014/main" id="{2F73F04D-09EA-C8B2-C0DD-2F2D23D4F07E}"/>
+                <a16:creationId xmlns:a16="http://schemas.microsoft.com/office/drawing/2014/main" xmlns="" id="{2F73F04D-09EA-C8B2-C0DD-2F2D23D4F07E}"/>
               </a:ext>
             </a:extLst>
           </p:cNvPr>
@@ -388,7 +388,7 @@
           <p:cNvPr id="3" name="세로 텍스트 개체 틀 2">
             <a:extLst>
               <a:ext uri="{FF2B5EF4-FFF2-40B4-BE49-F238E27FC236}">
-                <a16:creationId xmlns="" xmlns:a16="http://schemas.microsoft.com/office/drawing/2014/main" id="{FA395587-DD7B-9B7D-DFF4-ABA50D9336CD}"/>
+                <a16:creationId xmlns:a16="http://schemas.microsoft.com/office/drawing/2014/main" xmlns="" id="{FA395587-DD7B-9B7D-DFF4-ABA50D9336CD}"/>
               </a:ext>
             </a:extLst>
           </p:cNvPr>
@@ -446,7 +446,7 @@
           <p:cNvPr id="4" name="날짜 개체 틀 3">
             <a:extLst>
               <a:ext uri="{FF2B5EF4-FFF2-40B4-BE49-F238E27FC236}">
-                <a16:creationId xmlns="" xmlns:a16="http://schemas.microsoft.com/office/drawing/2014/main" id="{6452F300-00E1-6ABC-4B6E-89DFD9BE7814}"/>
+                <a16:creationId xmlns:a16="http://schemas.microsoft.com/office/drawing/2014/main" xmlns="" id="{6452F300-00E1-6ABC-4B6E-89DFD9BE7814}"/>
               </a:ext>
             </a:extLst>
           </p:cNvPr>
@@ -475,7 +475,7 @@
           <p:cNvPr id="5" name="바닥글 개체 틀 4">
             <a:extLst>
               <a:ext uri="{FF2B5EF4-FFF2-40B4-BE49-F238E27FC236}">
-                <a16:creationId xmlns="" xmlns:a16="http://schemas.microsoft.com/office/drawing/2014/main" id="{6641C9E8-3676-2869-1FC1-C4D5F82912FF}"/>
+                <a16:creationId xmlns:a16="http://schemas.microsoft.com/office/drawing/2014/main" xmlns="" id="{6641C9E8-3676-2869-1FC1-C4D5F82912FF}"/>
               </a:ext>
             </a:extLst>
           </p:cNvPr>
@@ -500,7 +500,7 @@
           <p:cNvPr id="6" name="슬라이드 번호 개체 틀 5">
             <a:extLst>
               <a:ext uri="{FF2B5EF4-FFF2-40B4-BE49-F238E27FC236}">
-                <a16:creationId xmlns="" xmlns:a16="http://schemas.microsoft.com/office/drawing/2014/main" id="{B8E95876-5685-D5AA-F73C-ADBE038A0F68}"/>
+                <a16:creationId xmlns:a16="http://schemas.microsoft.com/office/drawing/2014/main" xmlns="" id="{B8E95876-5685-D5AA-F73C-ADBE038A0F68}"/>
               </a:ext>
             </a:extLst>
           </p:cNvPr>
@@ -559,7 +559,7 @@
           <p:cNvPr id="2" name="세로 제목 1">
             <a:extLst>
               <a:ext uri="{FF2B5EF4-FFF2-40B4-BE49-F238E27FC236}">
-                <a16:creationId xmlns="" xmlns:a16="http://schemas.microsoft.com/office/drawing/2014/main" id="{45F1B86B-89C0-B222-E506-E5AF1E02CCE5}"/>
+                <a16:creationId xmlns:a16="http://schemas.microsoft.com/office/drawing/2014/main" xmlns="" id="{45F1B86B-89C0-B222-E506-E5AF1E02CCE5}"/>
               </a:ext>
             </a:extLst>
           </p:cNvPr>
@@ -593,7 +593,7 @@
           <p:cNvPr id="3" name="세로 텍스트 개체 틀 2">
             <a:extLst>
               <a:ext uri="{FF2B5EF4-FFF2-40B4-BE49-F238E27FC236}">
-                <a16:creationId xmlns="" xmlns:a16="http://schemas.microsoft.com/office/drawing/2014/main" id="{27FD0F2D-1724-972C-1921-79D45A5BD24F}"/>
+                <a16:creationId xmlns:a16="http://schemas.microsoft.com/office/drawing/2014/main" xmlns="" id="{27FD0F2D-1724-972C-1921-79D45A5BD24F}"/>
               </a:ext>
             </a:extLst>
           </p:cNvPr>
@@ -656,7 +656,7 @@
           <p:cNvPr id="4" name="날짜 개체 틀 3">
             <a:extLst>
               <a:ext uri="{FF2B5EF4-FFF2-40B4-BE49-F238E27FC236}">
-                <a16:creationId xmlns="" xmlns:a16="http://schemas.microsoft.com/office/drawing/2014/main" id="{0F52CB6E-72BD-5BFC-FFFC-04552A738FB2}"/>
+                <a16:creationId xmlns:a16="http://schemas.microsoft.com/office/drawing/2014/main" xmlns="" id="{0F52CB6E-72BD-5BFC-FFFC-04552A738FB2}"/>
               </a:ext>
             </a:extLst>
           </p:cNvPr>
@@ -685,7 +685,7 @@
           <p:cNvPr id="5" name="바닥글 개체 틀 4">
             <a:extLst>
               <a:ext uri="{FF2B5EF4-FFF2-40B4-BE49-F238E27FC236}">
-                <a16:creationId xmlns="" xmlns:a16="http://schemas.microsoft.com/office/drawing/2014/main" id="{083BF6DC-EF39-401E-72B4-076FA446B125}"/>
+                <a16:creationId xmlns:a16="http://schemas.microsoft.com/office/drawing/2014/main" xmlns="" id="{083BF6DC-EF39-401E-72B4-076FA446B125}"/>
               </a:ext>
             </a:extLst>
           </p:cNvPr>
@@ -710,7 +710,7 @@
           <p:cNvPr id="6" name="슬라이드 번호 개체 틀 5">
             <a:extLst>
               <a:ext uri="{FF2B5EF4-FFF2-40B4-BE49-F238E27FC236}">
-                <a16:creationId xmlns="" xmlns:a16="http://schemas.microsoft.com/office/drawing/2014/main" id="{F0AF1AA8-2CF0-2C1B-DE79-633D2048A820}"/>
+                <a16:creationId xmlns:a16="http://schemas.microsoft.com/office/drawing/2014/main" xmlns="" id="{F0AF1AA8-2CF0-2C1B-DE79-633D2048A820}"/>
               </a:ext>
             </a:extLst>
           </p:cNvPr>
@@ -769,7 +769,7 @@
           <p:cNvPr id="2" name="제목 1">
             <a:extLst>
               <a:ext uri="{FF2B5EF4-FFF2-40B4-BE49-F238E27FC236}">
-                <a16:creationId xmlns="" xmlns:a16="http://schemas.microsoft.com/office/drawing/2014/main" id="{780F0D35-B2FE-580E-0144-10531DFBE2A7}"/>
+                <a16:creationId xmlns:a16="http://schemas.microsoft.com/office/drawing/2014/main" xmlns="" id="{780F0D35-B2FE-580E-0144-10531DFBE2A7}"/>
               </a:ext>
             </a:extLst>
           </p:cNvPr>
@@ -798,7 +798,7 @@
           <p:cNvPr id="3" name="내용 개체 틀 2">
             <a:extLst>
               <a:ext uri="{FF2B5EF4-FFF2-40B4-BE49-F238E27FC236}">
-                <a16:creationId xmlns="" xmlns:a16="http://schemas.microsoft.com/office/drawing/2014/main" id="{2172915C-203A-07A0-2261-4E4E07353C31}"/>
+                <a16:creationId xmlns:a16="http://schemas.microsoft.com/office/drawing/2014/main" xmlns="" id="{2172915C-203A-07A0-2261-4E4E07353C31}"/>
               </a:ext>
             </a:extLst>
           </p:cNvPr>
@@ -856,7 +856,7 @@
           <p:cNvPr id="4" name="날짜 개체 틀 3">
             <a:extLst>
               <a:ext uri="{FF2B5EF4-FFF2-40B4-BE49-F238E27FC236}">
-                <a16:creationId xmlns="" xmlns:a16="http://schemas.microsoft.com/office/drawing/2014/main" id="{F3173662-D25D-BB56-9C3F-177E415F895C}"/>
+                <a16:creationId xmlns:a16="http://schemas.microsoft.com/office/drawing/2014/main" xmlns="" id="{F3173662-D25D-BB56-9C3F-177E415F895C}"/>
               </a:ext>
             </a:extLst>
           </p:cNvPr>
@@ -885,7 +885,7 @@
           <p:cNvPr id="5" name="바닥글 개체 틀 4">
             <a:extLst>
               <a:ext uri="{FF2B5EF4-FFF2-40B4-BE49-F238E27FC236}">
-                <a16:creationId xmlns="" xmlns:a16="http://schemas.microsoft.com/office/drawing/2014/main" id="{CB8EFB24-1CC8-E783-C3E3-7323388198A8}"/>
+                <a16:creationId xmlns:a16="http://schemas.microsoft.com/office/drawing/2014/main" xmlns="" id="{CB8EFB24-1CC8-E783-C3E3-7323388198A8}"/>
               </a:ext>
             </a:extLst>
           </p:cNvPr>
@@ -910,7 +910,7 @@
           <p:cNvPr id="6" name="슬라이드 번호 개체 틀 5">
             <a:extLst>
               <a:ext uri="{FF2B5EF4-FFF2-40B4-BE49-F238E27FC236}">
-                <a16:creationId xmlns="" xmlns:a16="http://schemas.microsoft.com/office/drawing/2014/main" id="{0D516355-C8F3-660B-D6A6-10B797FBB889}"/>
+                <a16:creationId xmlns:a16="http://schemas.microsoft.com/office/drawing/2014/main" xmlns="" id="{0D516355-C8F3-660B-D6A6-10B797FBB889}"/>
               </a:ext>
             </a:extLst>
           </p:cNvPr>
@@ -969,7 +969,7 @@
           <p:cNvPr id="2" name="제목 1">
             <a:extLst>
               <a:ext uri="{FF2B5EF4-FFF2-40B4-BE49-F238E27FC236}">
-                <a16:creationId xmlns="" xmlns:a16="http://schemas.microsoft.com/office/drawing/2014/main" id="{429381C4-7423-6E40-ED0D-F3DB03FDC6E7}"/>
+                <a16:creationId xmlns:a16="http://schemas.microsoft.com/office/drawing/2014/main" xmlns="" id="{429381C4-7423-6E40-ED0D-F3DB03FDC6E7}"/>
               </a:ext>
             </a:extLst>
           </p:cNvPr>
@@ -1007,7 +1007,7 @@
           <p:cNvPr id="3" name="텍스트 개체 틀 2">
             <a:extLst>
               <a:ext uri="{FF2B5EF4-FFF2-40B4-BE49-F238E27FC236}">
-                <a16:creationId xmlns="" xmlns:a16="http://schemas.microsoft.com/office/drawing/2014/main" id="{8FB7FA7B-A4A0-1DB8-82C9-0A742BE2EF7F}"/>
+                <a16:creationId xmlns:a16="http://schemas.microsoft.com/office/drawing/2014/main" xmlns="" id="{8FB7FA7B-A4A0-1DB8-82C9-0A742BE2EF7F}"/>
               </a:ext>
             </a:extLst>
           </p:cNvPr>
@@ -1132,7 +1132,7 @@
           <p:cNvPr id="4" name="날짜 개체 틀 3">
             <a:extLst>
               <a:ext uri="{FF2B5EF4-FFF2-40B4-BE49-F238E27FC236}">
-                <a16:creationId xmlns="" xmlns:a16="http://schemas.microsoft.com/office/drawing/2014/main" id="{35893FD8-E6D3-3E88-922A-56BEF764BC70}"/>
+                <a16:creationId xmlns:a16="http://schemas.microsoft.com/office/drawing/2014/main" xmlns="" id="{35893FD8-E6D3-3E88-922A-56BEF764BC70}"/>
               </a:ext>
             </a:extLst>
           </p:cNvPr>
@@ -1161,7 +1161,7 @@
           <p:cNvPr id="5" name="바닥글 개체 틀 4">
             <a:extLst>
               <a:ext uri="{FF2B5EF4-FFF2-40B4-BE49-F238E27FC236}">
-                <a16:creationId xmlns="" xmlns:a16="http://schemas.microsoft.com/office/drawing/2014/main" id="{2AF93D38-D450-35CB-6611-8C650C24381E}"/>
+                <a16:creationId xmlns:a16="http://schemas.microsoft.com/office/drawing/2014/main" xmlns="" id="{2AF93D38-D450-35CB-6611-8C650C24381E}"/>
               </a:ext>
             </a:extLst>
           </p:cNvPr>
@@ -1186,7 +1186,7 @@
           <p:cNvPr id="6" name="슬라이드 번호 개체 틀 5">
             <a:extLst>
               <a:ext uri="{FF2B5EF4-FFF2-40B4-BE49-F238E27FC236}">
-                <a16:creationId xmlns="" xmlns:a16="http://schemas.microsoft.com/office/drawing/2014/main" id="{76BE51EB-362A-4133-93EA-D49B9E9D7EE8}"/>
+                <a16:creationId xmlns:a16="http://schemas.microsoft.com/office/drawing/2014/main" xmlns="" id="{76BE51EB-362A-4133-93EA-D49B9E9D7EE8}"/>
               </a:ext>
             </a:extLst>
           </p:cNvPr>
@@ -1245,7 +1245,7 @@
           <p:cNvPr id="2" name="제목 1">
             <a:extLst>
               <a:ext uri="{FF2B5EF4-FFF2-40B4-BE49-F238E27FC236}">
-                <a16:creationId xmlns="" xmlns:a16="http://schemas.microsoft.com/office/drawing/2014/main" id="{16277E31-8DFC-D4BF-7623-7EF8FA06A61D}"/>
+                <a16:creationId xmlns:a16="http://schemas.microsoft.com/office/drawing/2014/main" xmlns="" id="{16277E31-8DFC-D4BF-7623-7EF8FA06A61D}"/>
               </a:ext>
             </a:extLst>
           </p:cNvPr>
@@ -1274,7 +1274,7 @@
           <p:cNvPr id="3" name="내용 개체 틀 2">
             <a:extLst>
               <a:ext uri="{FF2B5EF4-FFF2-40B4-BE49-F238E27FC236}">
-                <a16:creationId xmlns="" xmlns:a16="http://schemas.microsoft.com/office/drawing/2014/main" id="{8D6642C3-9732-B14B-FBFD-62AC7DAE373F}"/>
+                <a16:creationId xmlns:a16="http://schemas.microsoft.com/office/drawing/2014/main" xmlns="" id="{8D6642C3-9732-B14B-FBFD-62AC7DAE373F}"/>
               </a:ext>
             </a:extLst>
           </p:cNvPr>
@@ -1337,7 +1337,7 @@
           <p:cNvPr id="4" name="내용 개체 틀 3">
             <a:extLst>
               <a:ext uri="{FF2B5EF4-FFF2-40B4-BE49-F238E27FC236}">
-                <a16:creationId xmlns="" xmlns:a16="http://schemas.microsoft.com/office/drawing/2014/main" id="{1996C33F-C44F-C1FA-23BC-43DC43717531}"/>
+                <a16:creationId xmlns:a16="http://schemas.microsoft.com/office/drawing/2014/main" xmlns="" id="{1996C33F-C44F-C1FA-23BC-43DC43717531}"/>
               </a:ext>
             </a:extLst>
           </p:cNvPr>
@@ -1400,7 +1400,7 @@
           <p:cNvPr id="5" name="날짜 개체 틀 4">
             <a:extLst>
               <a:ext uri="{FF2B5EF4-FFF2-40B4-BE49-F238E27FC236}">
-                <a16:creationId xmlns="" xmlns:a16="http://schemas.microsoft.com/office/drawing/2014/main" id="{161FA6F7-45FB-5FC3-1C38-89B231ACC59F}"/>
+                <a16:creationId xmlns:a16="http://schemas.microsoft.com/office/drawing/2014/main" xmlns="" id="{161FA6F7-45FB-5FC3-1C38-89B231ACC59F}"/>
               </a:ext>
             </a:extLst>
           </p:cNvPr>
@@ -1429,7 +1429,7 @@
           <p:cNvPr id="6" name="바닥글 개체 틀 5">
             <a:extLst>
               <a:ext uri="{FF2B5EF4-FFF2-40B4-BE49-F238E27FC236}">
-                <a16:creationId xmlns="" xmlns:a16="http://schemas.microsoft.com/office/drawing/2014/main" id="{5F7DCBC0-F587-19F1-875C-0BC2A303C35A}"/>
+                <a16:creationId xmlns:a16="http://schemas.microsoft.com/office/drawing/2014/main" xmlns="" id="{5F7DCBC0-F587-19F1-875C-0BC2A303C35A}"/>
               </a:ext>
             </a:extLst>
           </p:cNvPr>
@@ -1454,7 +1454,7 @@
           <p:cNvPr id="7" name="슬라이드 번호 개체 틀 6">
             <a:extLst>
               <a:ext uri="{FF2B5EF4-FFF2-40B4-BE49-F238E27FC236}">
-                <a16:creationId xmlns="" xmlns:a16="http://schemas.microsoft.com/office/drawing/2014/main" id="{707DB97F-4800-E669-804F-0CA306B41E6D}"/>
+                <a16:creationId xmlns:a16="http://schemas.microsoft.com/office/drawing/2014/main" xmlns="" id="{707DB97F-4800-E669-804F-0CA306B41E6D}"/>
               </a:ext>
             </a:extLst>
           </p:cNvPr>
@@ -1513,7 +1513,7 @@
           <p:cNvPr id="2" name="제목 1">
             <a:extLst>
               <a:ext uri="{FF2B5EF4-FFF2-40B4-BE49-F238E27FC236}">
-                <a16:creationId xmlns="" xmlns:a16="http://schemas.microsoft.com/office/drawing/2014/main" id="{6E022E0D-EAC3-6042-5FA3-B33C59B00F4C}"/>
+                <a16:creationId xmlns:a16="http://schemas.microsoft.com/office/drawing/2014/main" xmlns="" id="{6E022E0D-EAC3-6042-5FA3-B33C59B00F4C}"/>
               </a:ext>
             </a:extLst>
           </p:cNvPr>
@@ -1547,7 +1547,7 @@
           <p:cNvPr id="3" name="텍스트 개체 틀 2">
             <a:extLst>
               <a:ext uri="{FF2B5EF4-FFF2-40B4-BE49-F238E27FC236}">
-                <a16:creationId xmlns="" xmlns:a16="http://schemas.microsoft.com/office/drawing/2014/main" id="{0A2C544D-0F71-A79A-CDF8-E54596DC48F2}"/>
+                <a16:creationId xmlns:a16="http://schemas.microsoft.com/office/drawing/2014/main" xmlns="" id="{0A2C544D-0F71-A79A-CDF8-E54596DC48F2}"/>
               </a:ext>
             </a:extLst>
           </p:cNvPr>
@@ -1618,7 +1618,7 @@
           <p:cNvPr id="4" name="내용 개체 틀 3">
             <a:extLst>
               <a:ext uri="{FF2B5EF4-FFF2-40B4-BE49-F238E27FC236}">
-                <a16:creationId xmlns="" xmlns:a16="http://schemas.microsoft.com/office/drawing/2014/main" id="{F5A45FB7-A79D-9F40-790A-CC9559A6BED2}"/>
+                <a16:creationId xmlns:a16="http://schemas.microsoft.com/office/drawing/2014/main" xmlns="" id="{F5A45FB7-A79D-9F40-790A-CC9559A6BED2}"/>
               </a:ext>
             </a:extLst>
           </p:cNvPr>
@@ -1681,7 +1681,7 @@
           <p:cNvPr id="5" name="텍스트 개체 틀 4">
             <a:extLst>
               <a:ext uri="{FF2B5EF4-FFF2-40B4-BE49-F238E27FC236}">
-                <a16:creationId xmlns="" xmlns:a16="http://schemas.microsoft.com/office/drawing/2014/main" id="{303B8D91-26A6-C562-2C45-34E25B3BC2CF}"/>
+                <a16:creationId xmlns:a16="http://schemas.microsoft.com/office/drawing/2014/main" xmlns="" id="{303B8D91-26A6-C562-2C45-34E25B3BC2CF}"/>
               </a:ext>
             </a:extLst>
           </p:cNvPr>
@@ -1752,7 +1752,7 @@
           <p:cNvPr id="6" name="내용 개체 틀 5">
             <a:extLst>
               <a:ext uri="{FF2B5EF4-FFF2-40B4-BE49-F238E27FC236}">
-                <a16:creationId xmlns="" xmlns:a16="http://schemas.microsoft.com/office/drawing/2014/main" id="{84B994FD-CE12-5528-A66D-7A3BA11C3746}"/>
+                <a16:creationId xmlns:a16="http://schemas.microsoft.com/office/drawing/2014/main" xmlns="" id="{84B994FD-CE12-5528-A66D-7A3BA11C3746}"/>
               </a:ext>
             </a:extLst>
           </p:cNvPr>
@@ -1815,7 +1815,7 @@
           <p:cNvPr id="7" name="날짜 개체 틀 6">
             <a:extLst>
               <a:ext uri="{FF2B5EF4-FFF2-40B4-BE49-F238E27FC236}">
-                <a16:creationId xmlns="" xmlns:a16="http://schemas.microsoft.com/office/drawing/2014/main" id="{EEEFE133-9925-B865-D5B8-093E162EA893}"/>
+                <a16:creationId xmlns:a16="http://schemas.microsoft.com/office/drawing/2014/main" xmlns="" id="{EEEFE133-9925-B865-D5B8-093E162EA893}"/>
               </a:ext>
             </a:extLst>
           </p:cNvPr>
@@ -1844,7 +1844,7 @@
           <p:cNvPr id="8" name="바닥글 개체 틀 7">
             <a:extLst>
               <a:ext uri="{FF2B5EF4-FFF2-40B4-BE49-F238E27FC236}">
-                <a16:creationId xmlns="" xmlns:a16="http://schemas.microsoft.com/office/drawing/2014/main" id="{AC59C2F2-B8A1-64A9-F451-DCC5C8BD46C5}"/>
+                <a16:creationId xmlns:a16="http://schemas.microsoft.com/office/drawing/2014/main" xmlns="" id="{AC59C2F2-B8A1-64A9-F451-DCC5C8BD46C5}"/>
               </a:ext>
             </a:extLst>
           </p:cNvPr>
@@ -1869,7 +1869,7 @@
           <p:cNvPr id="9" name="슬라이드 번호 개체 틀 8">
             <a:extLst>
               <a:ext uri="{FF2B5EF4-FFF2-40B4-BE49-F238E27FC236}">
-                <a16:creationId xmlns="" xmlns:a16="http://schemas.microsoft.com/office/drawing/2014/main" id="{4E4DB212-7446-CBF1-C2CB-4047B7B019F8}"/>
+                <a16:creationId xmlns:a16="http://schemas.microsoft.com/office/drawing/2014/main" xmlns="" id="{4E4DB212-7446-CBF1-C2CB-4047B7B019F8}"/>
               </a:ext>
             </a:extLst>
           </p:cNvPr>
@@ -1928,7 +1928,7 @@
           <p:cNvPr id="2" name="제목 1">
             <a:extLst>
               <a:ext uri="{FF2B5EF4-FFF2-40B4-BE49-F238E27FC236}">
-                <a16:creationId xmlns="" xmlns:a16="http://schemas.microsoft.com/office/drawing/2014/main" id="{99482A6F-83AC-1F57-93C7-19F6518632A1}"/>
+                <a16:creationId xmlns:a16="http://schemas.microsoft.com/office/drawing/2014/main" xmlns="" id="{99482A6F-83AC-1F57-93C7-19F6518632A1}"/>
               </a:ext>
             </a:extLst>
           </p:cNvPr>
@@ -1957,7 +1957,7 @@
           <p:cNvPr id="3" name="날짜 개체 틀 2">
             <a:extLst>
               <a:ext uri="{FF2B5EF4-FFF2-40B4-BE49-F238E27FC236}">
-                <a16:creationId xmlns="" xmlns:a16="http://schemas.microsoft.com/office/drawing/2014/main" id="{35C84909-D24A-CF7A-61CA-F6F173D19BCF}"/>
+                <a16:creationId xmlns:a16="http://schemas.microsoft.com/office/drawing/2014/main" xmlns="" id="{35C84909-D24A-CF7A-61CA-F6F173D19BCF}"/>
               </a:ext>
             </a:extLst>
           </p:cNvPr>
@@ -1986,7 +1986,7 @@
           <p:cNvPr id="4" name="바닥글 개체 틀 3">
             <a:extLst>
               <a:ext uri="{FF2B5EF4-FFF2-40B4-BE49-F238E27FC236}">
-                <a16:creationId xmlns="" xmlns:a16="http://schemas.microsoft.com/office/drawing/2014/main" id="{21F01083-6EC2-1350-D7D4-3A585D70EE61}"/>
+                <a16:creationId xmlns:a16="http://schemas.microsoft.com/office/drawing/2014/main" xmlns="" id="{21F01083-6EC2-1350-D7D4-3A585D70EE61}"/>
               </a:ext>
             </a:extLst>
           </p:cNvPr>
@@ -2011,7 +2011,7 @@
           <p:cNvPr id="5" name="슬라이드 번호 개체 틀 4">
             <a:extLst>
               <a:ext uri="{FF2B5EF4-FFF2-40B4-BE49-F238E27FC236}">
-                <a16:creationId xmlns="" xmlns:a16="http://schemas.microsoft.com/office/drawing/2014/main" id="{A04CE8B5-006A-A8CF-54B0-FCD53BE4A7E7}"/>
+                <a16:creationId xmlns:a16="http://schemas.microsoft.com/office/drawing/2014/main" xmlns="" id="{A04CE8B5-006A-A8CF-54B0-FCD53BE4A7E7}"/>
               </a:ext>
             </a:extLst>
           </p:cNvPr>
@@ -2070,7 +2070,7 @@
           <p:cNvPr id="2" name="날짜 개체 틀 1">
             <a:extLst>
               <a:ext uri="{FF2B5EF4-FFF2-40B4-BE49-F238E27FC236}">
-                <a16:creationId xmlns="" xmlns:a16="http://schemas.microsoft.com/office/drawing/2014/main" id="{AC2876A9-7E1E-8906-E89F-33D13DD2FC9E}"/>
+                <a16:creationId xmlns:a16="http://schemas.microsoft.com/office/drawing/2014/main" xmlns="" id="{AC2876A9-7E1E-8906-E89F-33D13DD2FC9E}"/>
               </a:ext>
             </a:extLst>
           </p:cNvPr>
@@ -2099,7 +2099,7 @@
           <p:cNvPr id="3" name="바닥글 개체 틀 2">
             <a:extLst>
               <a:ext uri="{FF2B5EF4-FFF2-40B4-BE49-F238E27FC236}">
-                <a16:creationId xmlns="" xmlns:a16="http://schemas.microsoft.com/office/drawing/2014/main" id="{762EE38A-7488-5624-8584-173A6DC11248}"/>
+                <a16:creationId xmlns:a16="http://schemas.microsoft.com/office/drawing/2014/main" xmlns="" id="{762EE38A-7488-5624-8584-173A6DC11248}"/>
               </a:ext>
             </a:extLst>
           </p:cNvPr>
@@ -2124,7 +2124,7 @@
           <p:cNvPr id="4" name="슬라이드 번호 개체 틀 3">
             <a:extLst>
               <a:ext uri="{FF2B5EF4-FFF2-40B4-BE49-F238E27FC236}">
-                <a16:creationId xmlns="" xmlns:a16="http://schemas.microsoft.com/office/drawing/2014/main" id="{8B01BCFC-4D05-F592-2248-C388B46C4D99}"/>
+                <a16:creationId xmlns:a16="http://schemas.microsoft.com/office/drawing/2014/main" xmlns="" id="{8B01BCFC-4D05-F592-2248-C388B46C4D99}"/>
               </a:ext>
             </a:extLst>
           </p:cNvPr>
@@ -2183,7 +2183,7 @@
           <p:cNvPr id="2" name="제목 1">
             <a:extLst>
               <a:ext uri="{FF2B5EF4-FFF2-40B4-BE49-F238E27FC236}">
-                <a16:creationId xmlns="" xmlns:a16="http://schemas.microsoft.com/office/drawing/2014/main" id="{E95E2211-85C5-836A-82C0-D56134E50C2A}"/>
+                <a16:creationId xmlns:a16="http://schemas.microsoft.com/office/drawing/2014/main" xmlns="" id="{E95E2211-85C5-836A-82C0-D56134E50C2A}"/>
               </a:ext>
             </a:extLst>
           </p:cNvPr>
@@ -2221,7 +2221,7 @@
           <p:cNvPr id="3" name="내용 개체 틀 2">
             <a:extLst>
               <a:ext uri="{FF2B5EF4-FFF2-40B4-BE49-F238E27FC236}">
-                <a16:creationId xmlns="" xmlns:a16="http://schemas.microsoft.com/office/drawing/2014/main" id="{FDB7ED04-9A8A-DF7F-0B3B-34EBD14B1CED}"/>
+                <a16:creationId xmlns:a16="http://schemas.microsoft.com/office/drawing/2014/main" xmlns="" id="{FDB7ED04-9A8A-DF7F-0B3B-34EBD14B1CED}"/>
               </a:ext>
             </a:extLst>
           </p:cNvPr>
@@ -2312,7 +2312,7 @@
           <p:cNvPr id="4" name="텍스트 개체 틀 3">
             <a:extLst>
               <a:ext uri="{FF2B5EF4-FFF2-40B4-BE49-F238E27FC236}">
-                <a16:creationId xmlns="" xmlns:a16="http://schemas.microsoft.com/office/drawing/2014/main" id="{230417B2-43CD-367A-C4FA-C108334D29BC}"/>
+                <a16:creationId xmlns:a16="http://schemas.microsoft.com/office/drawing/2014/main" xmlns="" id="{230417B2-43CD-367A-C4FA-C108334D29BC}"/>
               </a:ext>
             </a:extLst>
           </p:cNvPr>
@@ -2383,7 +2383,7 @@
           <p:cNvPr id="5" name="날짜 개체 틀 4">
             <a:extLst>
               <a:ext uri="{FF2B5EF4-FFF2-40B4-BE49-F238E27FC236}">
-                <a16:creationId xmlns="" xmlns:a16="http://schemas.microsoft.com/office/drawing/2014/main" id="{C8A854EF-02C3-1482-6906-6C4B4E5EEBC0}"/>
+                <a16:creationId xmlns:a16="http://schemas.microsoft.com/office/drawing/2014/main" xmlns="" id="{C8A854EF-02C3-1482-6906-6C4B4E5EEBC0}"/>
               </a:ext>
             </a:extLst>
           </p:cNvPr>
@@ -2412,7 +2412,7 @@
           <p:cNvPr id="6" name="바닥글 개체 틀 5">
             <a:extLst>
               <a:ext uri="{FF2B5EF4-FFF2-40B4-BE49-F238E27FC236}">
-                <a16:creationId xmlns="" xmlns:a16="http://schemas.microsoft.com/office/drawing/2014/main" id="{753EF6B5-EBC6-2A53-291C-37D3A6CB9CD1}"/>
+                <a16:creationId xmlns:a16="http://schemas.microsoft.com/office/drawing/2014/main" xmlns="" id="{753EF6B5-EBC6-2A53-291C-37D3A6CB9CD1}"/>
               </a:ext>
             </a:extLst>
           </p:cNvPr>
@@ -2437,7 +2437,7 @@
           <p:cNvPr id="7" name="슬라이드 번호 개체 틀 6">
             <a:extLst>
               <a:ext uri="{FF2B5EF4-FFF2-40B4-BE49-F238E27FC236}">
-                <a16:creationId xmlns="" xmlns:a16="http://schemas.microsoft.com/office/drawing/2014/main" id="{F6579A36-8E03-BCD5-B99F-DE50516E6E5A}"/>
+                <a16:creationId xmlns:a16="http://schemas.microsoft.com/office/drawing/2014/main" xmlns="" id="{F6579A36-8E03-BCD5-B99F-DE50516E6E5A}"/>
               </a:ext>
             </a:extLst>
           </p:cNvPr>
@@ -2496,7 +2496,7 @@
           <p:cNvPr id="2" name="제목 1">
             <a:extLst>
               <a:ext uri="{FF2B5EF4-FFF2-40B4-BE49-F238E27FC236}">
-                <a16:creationId xmlns="" xmlns:a16="http://schemas.microsoft.com/office/drawing/2014/main" id="{E54DE2A8-24D0-F9D7-161B-21A75FEED36B}"/>
+                <a16:creationId xmlns:a16="http://schemas.microsoft.com/office/drawing/2014/main" xmlns="" id="{E54DE2A8-24D0-F9D7-161B-21A75FEED36B}"/>
               </a:ext>
             </a:extLst>
           </p:cNvPr>
@@ -2534,7 +2534,7 @@
           <p:cNvPr id="3" name="그림 개체 틀 2">
             <a:extLst>
               <a:ext uri="{FF2B5EF4-FFF2-40B4-BE49-F238E27FC236}">
-                <a16:creationId xmlns="" xmlns:a16="http://schemas.microsoft.com/office/drawing/2014/main" id="{6C7BAFBD-8FC3-6B26-0905-08EADFFD0639}"/>
+                <a16:creationId xmlns:a16="http://schemas.microsoft.com/office/drawing/2014/main" xmlns="" id="{6C7BAFBD-8FC3-6B26-0905-08EADFFD0639}"/>
               </a:ext>
             </a:extLst>
           </p:cNvPr>
@@ -2601,7 +2601,7 @@
           <p:cNvPr id="4" name="텍스트 개체 틀 3">
             <a:extLst>
               <a:ext uri="{FF2B5EF4-FFF2-40B4-BE49-F238E27FC236}">
-                <a16:creationId xmlns="" xmlns:a16="http://schemas.microsoft.com/office/drawing/2014/main" id="{FF6C4D23-A691-6C2C-8A53-CB1554B248BC}"/>
+                <a16:creationId xmlns:a16="http://schemas.microsoft.com/office/drawing/2014/main" xmlns="" id="{FF6C4D23-A691-6C2C-8A53-CB1554B248BC}"/>
               </a:ext>
             </a:extLst>
           </p:cNvPr>
@@ -2672,7 +2672,7 @@
           <p:cNvPr id="5" name="날짜 개체 틀 4">
             <a:extLst>
               <a:ext uri="{FF2B5EF4-FFF2-40B4-BE49-F238E27FC236}">
-                <a16:creationId xmlns="" xmlns:a16="http://schemas.microsoft.com/office/drawing/2014/main" id="{7D9F8A0C-D606-6C27-890D-3A811C31E982}"/>
+                <a16:creationId xmlns:a16="http://schemas.microsoft.com/office/drawing/2014/main" xmlns="" id="{7D9F8A0C-D606-6C27-890D-3A811C31E982}"/>
               </a:ext>
             </a:extLst>
           </p:cNvPr>
@@ -2701,7 +2701,7 @@
           <p:cNvPr id="6" name="바닥글 개체 틀 5">
             <a:extLst>
               <a:ext uri="{FF2B5EF4-FFF2-40B4-BE49-F238E27FC236}">
-                <a16:creationId xmlns="" xmlns:a16="http://schemas.microsoft.com/office/drawing/2014/main" id="{93FF41C1-9E8D-D4CE-5BF5-1F342410E10C}"/>
+                <a16:creationId xmlns:a16="http://schemas.microsoft.com/office/drawing/2014/main" xmlns="" id="{93FF41C1-9E8D-D4CE-5BF5-1F342410E10C}"/>
               </a:ext>
             </a:extLst>
           </p:cNvPr>
@@ -2726,7 +2726,7 @@
           <p:cNvPr id="7" name="슬라이드 번호 개체 틀 6">
             <a:extLst>
               <a:ext uri="{FF2B5EF4-FFF2-40B4-BE49-F238E27FC236}">
-                <a16:creationId xmlns="" xmlns:a16="http://schemas.microsoft.com/office/drawing/2014/main" id="{25C40A7A-28C5-9A78-3173-631A90C2E01C}"/>
+                <a16:creationId xmlns:a16="http://schemas.microsoft.com/office/drawing/2014/main" xmlns="" id="{25C40A7A-28C5-9A78-3173-631A90C2E01C}"/>
               </a:ext>
             </a:extLst>
           </p:cNvPr>
@@ -2790,7 +2790,7 @@
           <p:cNvPr id="2" name="제목 개체 틀 1">
             <a:extLst>
               <a:ext uri="{FF2B5EF4-FFF2-40B4-BE49-F238E27FC236}">
-                <a16:creationId xmlns="" xmlns:a16="http://schemas.microsoft.com/office/drawing/2014/main" id="{13CFF629-1EE0-03D5-B7EC-E01B65D09BDF}"/>
+                <a16:creationId xmlns:a16="http://schemas.microsoft.com/office/drawing/2014/main" xmlns="" id="{13CFF629-1EE0-03D5-B7EC-E01B65D09BDF}"/>
               </a:ext>
             </a:extLst>
           </p:cNvPr>
@@ -2829,7 +2829,7 @@
           <p:cNvPr id="3" name="텍스트 개체 틀 2">
             <a:extLst>
               <a:ext uri="{FF2B5EF4-FFF2-40B4-BE49-F238E27FC236}">
-                <a16:creationId xmlns="" xmlns:a16="http://schemas.microsoft.com/office/drawing/2014/main" id="{889BE61F-E1D0-DDB2-0418-C6EE6E9A27ED}"/>
+                <a16:creationId xmlns:a16="http://schemas.microsoft.com/office/drawing/2014/main" xmlns="" id="{889BE61F-E1D0-DDB2-0418-C6EE6E9A27ED}"/>
               </a:ext>
             </a:extLst>
           </p:cNvPr>
@@ -2897,7 +2897,7 @@
           <p:cNvPr id="4" name="날짜 개체 틀 3">
             <a:extLst>
               <a:ext uri="{FF2B5EF4-FFF2-40B4-BE49-F238E27FC236}">
-                <a16:creationId xmlns="" xmlns:a16="http://schemas.microsoft.com/office/drawing/2014/main" id="{41639F38-ADE5-9E97-1C82-D5A1FA566ABC}"/>
+                <a16:creationId xmlns:a16="http://schemas.microsoft.com/office/drawing/2014/main" xmlns="" id="{41639F38-ADE5-9E97-1C82-D5A1FA566ABC}"/>
               </a:ext>
             </a:extLst>
           </p:cNvPr>
@@ -2944,7 +2944,7 @@
           <p:cNvPr id="5" name="바닥글 개체 틀 4">
             <a:extLst>
               <a:ext uri="{FF2B5EF4-FFF2-40B4-BE49-F238E27FC236}">
-                <a16:creationId xmlns="" xmlns:a16="http://schemas.microsoft.com/office/drawing/2014/main" id="{FC30A4F6-0F6C-D11A-856B-44CC98A5B602}"/>
+                <a16:creationId xmlns:a16="http://schemas.microsoft.com/office/drawing/2014/main" xmlns="" id="{FC30A4F6-0F6C-D11A-856B-44CC98A5B602}"/>
               </a:ext>
             </a:extLst>
           </p:cNvPr>
@@ -2987,7 +2987,7 @@
           <p:cNvPr id="6" name="슬라이드 번호 개체 틀 5">
             <a:extLst>
               <a:ext uri="{FF2B5EF4-FFF2-40B4-BE49-F238E27FC236}">
-                <a16:creationId xmlns="" xmlns:a16="http://schemas.microsoft.com/office/drawing/2014/main" id="{65094DD9-4382-B902-73ED-CE4959595A78}"/>
+                <a16:creationId xmlns:a16="http://schemas.microsoft.com/office/drawing/2014/main" xmlns="" id="{65094DD9-4382-B902-73ED-CE4959595A78}"/>
               </a:ext>
             </a:extLst>
           </p:cNvPr>
@@ -3355,7 +3355,7 @@
           <p:cNvPr id="2" name="제목 1">
             <a:extLst>
               <a:ext uri="{FF2B5EF4-FFF2-40B4-BE49-F238E27FC236}">
-                <a16:creationId xmlns="" xmlns:a16="http://schemas.microsoft.com/office/drawing/2014/main" id="{F69618F1-5DDE-DA41-95B7-6015670CF558}"/>
+                <a16:creationId xmlns:a16="http://schemas.microsoft.com/office/drawing/2014/main" xmlns="" id="{F69618F1-5DDE-DA41-95B7-6015670CF558}"/>
               </a:ext>
             </a:extLst>
           </p:cNvPr>
@@ -3380,7 +3380,7 @@
           <p:cNvPr id="3" name="부제목 2">
             <a:extLst>
               <a:ext uri="{FF2B5EF4-FFF2-40B4-BE49-F238E27FC236}">
-                <a16:creationId xmlns="" xmlns:a16="http://schemas.microsoft.com/office/drawing/2014/main" id="{174259CA-9970-EABB-6AE3-16A293288F6E}"/>
+                <a16:creationId xmlns:a16="http://schemas.microsoft.com/office/drawing/2014/main" xmlns="" id="{174259CA-9970-EABB-6AE3-16A293288F6E}"/>
               </a:ext>
             </a:extLst>
           </p:cNvPr>
@@ -3892,191 +3892,176 @@
           <a:chExt cx="0" cy="0"/>
         </a:xfrm>
       </p:grpSpPr>
-      <p:grpSp>
-        <p:nvGrpSpPr>
-          <p:cNvPr id="7" name="그룹 6"/>
-          <p:cNvGrpSpPr/>
+      <p:pic>
+        <p:nvPicPr>
+          <p:cNvPr id="1026" name="Picture 2" descr="https://semaphoreci.com/wp-content/uploads/2022/03/pyramid1.jpg"/>
+          <p:cNvPicPr>
+            <a:picLocks noChangeAspect="1" noChangeArrowheads="1"/>
+          </p:cNvPicPr>
           <p:nvPr/>
-        </p:nvGrpSpPr>
-        <p:grpSpPr>
+        </p:nvPicPr>
+        <p:blipFill>
+          <a:blip r:embed="rId2">
+            <a:extLst>
+              <a:ext uri="{28A0092B-C50C-407E-A947-70E740481C1C}">
+                <a14:useLocalDpi xmlns:a14="http://schemas.microsoft.com/office/drawing/2010/main" val="0"/>
+              </a:ext>
+            </a:extLst>
+          </a:blip>
+          <a:srcRect/>
+          <a:stretch>
+            <a:fillRect/>
+          </a:stretch>
+        </p:blipFill>
+        <p:spPr bwMode="auto">
           <a:xfrm>
             <a:off x="3737262" y="1751990"/>
-            <a:ext cx="4717476" cy="3354021"/>
-            <a:chOff x="1046979" y="1274883"/>
-            <a:chExt cx="4717476" cy="3354021"/>
-          </a:xfrm>
-        </p:grpSpPr>
-        <p:pic>
-          <p:nvPicPr>
-            <p:cNvPr id="1026" name="Picture 2" descr="https://semaphoreci.com/wp-content/uploads/2022/03/pyramid1.jpg"/>
-            <p:cNvPicPr>
-              <a:picLocks noChangeAspect="1" noChangeArrowheads="1"/>
-            </p:cNvPicPr>
-            <p:nvPr/>
-          </p:nvPicPr>
-          <p:blipFill>
-            <a:blip r:embed="rId2">
-              <a:extLst>
-                <a:ext uri="{28A0092B-C50C-407E-A947-70E740481C1C}">
-                  <a14:useLocalDpi xmlns:a14="http://schemas.microsoft.com/office/drawing/2010/main" val="0"/>
-                </a:ext>
-              </a:extLst>
-            </a:blip>
-            <a:srcRect/>
-            <a:stretch>
-              <a:fillRect/>
-            </a:stretch>
-          </p:blipFill>
-          <p:spPr bwMode="auto">
-            <a:xfrm>
-              <a:off x="1046979" y="1274883"/>
-              <a:ext cx="3089230" cy="3354021"/>
-            </a:xfrm>
-            <a:prstGeom prst="rect">
-              <a:avLst/>
-            </a:prstGeom>
-            <a:noFill/>
-            <a:extLst>
-              <a:ext uri="{909E8E84-426E-40DD-AFC4-6F175D3DCCD1}">
-                <a14:hiddenFill xmlns:a14="http://schemas.microsoft.com/office/drawing/2010/main">
-                  <a:solidFill>
-                    <a:srgbClr val="FFFFFF"/>
-                  </a:solidFill>
-                </a14:hiddenFill>
-              </a:ext>
-            </a:extLst>
-          </p:spPr>
-        </p:pic>
-        <p:sp>
-          <p:nvSpPr>
-            <p:cNvPr id="5" name="굽은 화살표 4"/>
-            <p:cNvSpPr/>
-            <p:nvPr/>
-          </p:nvSpPr>
-          <p:spPr>
-            <a:xfrm rot="5400000">
-              <a:off x="4093927" y="1002644"/>
-              <a:ext cx="887189" cy="1784916"/>
-            </a:xfrm>
-            <a:prstGeom prst="bentArrow">
-              <a:avLst>
-                <a:gd name="adj1" fmla="val 39883"/>
-                <a:gd name="adj2" fmla="val 28415"/>
-                <a:gd name="adj3" fmla="val 25000"/>
-                <a:gd name="adj4" fmla="val 13750"/>
-              </a:avLst>
-            </a:prstGeom>
+            <a:ext cx="3089230" cy="3354021"/>
+          </a:xfrm>
+          <a:prstGeom prst="rect">
+            <a:avLst/>
+          </a:prstGeom>
+          <a:noFill/>
+          <a:extLst>
+            <a:ext uri="{909E8E84-426E-40DD-AFC4-6F175D3DCCD1}">
+              <a14:hiddenFill xmlns:a14="http://schemas.microsoft.com/office/drawing/2010/main">
+                <a:solidFill>
+                  <a:srgbClr val="FFFFFF"/>
+                </a:solidFill>
+              </a14:hiddenFill>
+            </a:ext>
+          </a:extLst>
+        </p:spPr>
+      </p:pic>
+      <p:sp>
+        <p:nvSpPr>
+          <p:cNvPr id="5" name="굽은 화살표 4"/>
+          <p:cNvSpPr/>
+          <p:nvPr/>
+        </p:nvSpPr>
+        <p:spPr>
+          <a:xfrm rot="5400000">
+            <a:off x="6784210" y="1479751"/>
+            <a:ext cx="887189" cy="1784916"/>
+          </a:xfrm>
+          <a:prstGeom prst="bentArrow">
+            <a:avLst>
+              <a:gd name="adj1" fmla="val 39883"/>
+              <a:gd name="adj2" fmla="val 28415"/>
+              <a:gd name="adj3" fmla="val 25000"/>
+              <a:gd name="adj4" fmla="val 13750"/>
+            </a:avLst>
+          </a:prstGeom>
+          <a:solidFill>
+            <a:schemeClr val="accent1">
+              <a:lumMod val="20000"/>
+              <a:lumOff val="80000"/>
+            </a:schemeClr>
+          </a:solidFill>
+          <a:ln>
             <a:solidFill>
               <a:schemeClr val="accent1">
                 <a:lumMod val="20000"/>
                 <a:lumOff val="80000"/>
               </a:schemeClr>
             </a:solidFill>
-            <a:ln>
+          </a:ln>
+        </p:spPr>
+        <p:style>
+          <a:lnRef idx="2">
+            <a:schemeClr val="accent1">
+              <a:shade val="50000"/>
+            </a:schemeClr>
+          </a:lnRef>
+          <a:fillRef idx="1">
+            <a:schemeClr val="accent1"/>
+          </a:fillRef>
+          <a:effectRef idx="0">
+            <a:schemeClr val="accent1"/>
+          </a:effectRef>
+          <a:fontRef idx="minor">
+            <a:schemeClr val="lt1"/>
+          </a:fontRef>
+        </p:style>
+        <p:txBody>
+          <a:bodyPr rtlCol="0" anchor="ctr"/>
+          <a:lstStyle/>
+          <a:p>
+            <a:pPr algn="ctr"/>
+            <a:endParaRPr lang="ko-KR" altLang="en-US">
               <a:solidFill>
-                <a:schemeClr val="accent1">
-                  <a:lumMod val="20000"/>
-                  <a:lumOff val="80000"/>
-                </a:schemeClr>
+                <a:schemeClr val="tx1"/>
               </a:solidFill>
-            </a:ln>
-          </p:spPr>
-          <p:style>
-            <a:lnRef idx="2">
-              <a:schemeClr val="accent1">
-                <a:shade val="50000"/>
-              </a:schemeClr>
-            </a:lnRef>
-            <a:fillRef idx="1">
-              <a:schemeClr val="accent1"/>
-            </a:fillRef>
-            <a:effectRef idx="0">
-              <a:schemeClr val="accent1"/>
-            </a:effectRef>
-            <a:fontRef idx="minor">
-              <a:schemeClr val="lt1"/>
-            </a:fontRef>
-          </p:style>
-          <p:txBody>
-            <a:bodyPr rtlCol="0" anchor="ctr"/>
-            <a:lstStyle/>
-            <a:p>
-              <a:pPr algn="ctr"/>
-              <a:endParaRPr lang="ko-KR" altLang="en-US">
-                <a:solidFill>
-                  <a:schemeClr val="tx1"/>
-                </a:solidFill>
-              </a:endParaRPr>
-            </a:p>
-          </p:txBody>
-        </p:sp>
-        <p:pic>
-          <p:nvPicPr>
-            <p:cNvPr id="4" name="그림 3"/>
-            <p:cNvPicPr>
-              <a:picLocks noChangeAspect="1"/>
-            </p:cNvPicPr>
-            <p:nvPr/>
-          </p:nvPicPr>
-          <p:blipFill>
-            <a:blip r:embed="rId3"/>
-            <a:stretch>
-              <a:fillRect/>
-            </a:stretch>
-          </p:blipFill>
-          <p:spPr>
-            <a:xfrm>
-              <a:off x="3668955" y="2338697"/>
-              <a:ext cx="2095500" cy="771525"/>
-            </a:xfrm>
-            <a:prstGeom prst="rect">
-              <a:avLst/>
-            </a:prstGeom>
-          </p:spPr>
-        </p:pic>
-        <p:sp>
-          <p:nvSpPr>
-            <p:cNvPr id="6" name="TextBox 5"/>
-            <p:cNvSpPr txBox="1"/>
-            <p:nvPr/>
-          </p:nvSpPr>
-          <p:spPr>
-            <a:xfrm>
-              <a:off x="4376161" y="1451507"/>
-              <a:ext cx="972126" cy="369332"/>
-            </a:xfrm>
-            <a:prstGeom prst="rect">
-              <a:avLst/>
-            </a:prstGeom>
-            <a:noFill/>
-          </p:spPr>
-          <p:txBody>
-            <a:bodyPr wrap="none" rtlCol="0">
-              <a:spAutoFit/>
-            </a:bodyPr>
-            <a:lstStyle/>
-            <a:p>
-              <a:r>
-                <a:rPr lang="en-US" altLang="ko-KR" smtClean="0"/>
-                <a:t>T1.T2.</a:t>
-              </a:r>
-              <a:r>
-                <a:rPr lang="en-US" altLang="ko-KR" b="1" smtClean="0">
-                  <a:solidFill>
-                    <a:srgbClr val="0070C0"/>
-                  </a:solidFill>
-                </a:rPr>
-                <a:t>T3</a:t>
-              </a:r>
-              <a:endParaRPr lang="ko-KR" altLang="en-US" b="1">
+            </a:endParaRPr>
+          </a:p>
+        </p:txBody>
+      </p:sp>
+      <p:sp>
+        <p:nvSpPr>
+          <p:cNvPr id="6" name="TextBox 5"/>
+          <p:cNvSpPr txBox="1"/>
+          <p:nvPr/>
+        </p:nvSpPr>
+        <p:spPr>
+          <a:xfrm>
+            <a:off x="7066444" y="1928614"/>
+            <a:ext cx="972126" cy="369332"/>
+          </a:xfrm>
+          <a:prstGeom prst="rect">
+            <a:avLst/>
+          </a:prstGeom>
+          <a:noFill/>
+        </p:spPr>
+        <p:txBody>
+          <a:bodyPr wrap="none" rtlCol="0">
+            <a:spAutoFit/>
+          </a:bodyPr>
+          <a:lstStyle/>
+          <a:p>
+            <a:r>
+              <a:rPr lang="en-US" altLang="ko-KR" smtClean="0"/>
+              <a:t>T1.T2.</a:t>
+            </a:r>
+            <a:r>
+              <a:rPr lang="en-US" altLang="ko-KR" b="1" smtClean="0">
                 <a:solidFill>
                   <a:srgbClr val="0070C0"/>
                 </a:solidFill>
-              </a:endParaRPr>
-            </a:p>
-          </p:txBody>
-        </p:sp>
-      </p:grpSp>
+              </a:rPr>
+              <a:t>T3</a:t>
+            </a:r>
+            <a:endParaRPr lang="ko-KR" altLang="en-US" b="1">
+              <a:solidFill>
+                <a:srgbClr val="0070C0"/>
+              </a:solidFill>
+            </a:endParaRPr>
+          </a:p>
+        </p:txBody>
+      </p:sp>
+      <p:pic>
+        <p:nvPicPr>
+          <p:cNvPr id="2" name="그림 1"/>
+          <p:cNvPicPr>
+            <a:picLocks noChangeAspect="1"/>
+          </p:cNvPicPr>
+          <p:nvPr/>
+        </p:nvPicPr>
+        <p:blipFill>
+          <a:blip r:embed="rId3"/>
+          <a:stretch>
+            <a:fillRect/>
+          </a:stretch>
+        </p:blipFill>
+        <p:spPr>
+          <a:xfrm>
+            <a:off x="6335346" y="2815804"/>
+            <a:ext cx="2266950" cy="819150"/>
+          </a:xfrm>
+          <a:prstGeom prst="rect">
+            <a:avLst/>
+          </a:prstGeom>
+        </p:spPr>
+      </p:pic>
     </p:spTree>
     <p:extLst>
       <p:ext uri="{BB962C8B-B14F-4D97-AF65-F5344CB8AC3E}">
@@ -4112,7 +4097,7 @@
           <p:cNvPr id="5" name="그림 4">
             <a:extLst>
               <a:ext uri="{FF2B5EF4-FFF2-40B4-BE49-F238E27FC236}">
-                <a16:creationId xmlns="" xmlns:a16="http://schemas.microsoft.com/office/drawing/2014/main" id="{C66CF9E4-7429-2045-31AD-C3C0AAEBAC4E}"/>
+                <a16:creationId xmlns:a16="http://schemas.microsoft.com/office/drawing/2014/main" xmlns="" id="{C66CF9E4-7429-2045-31AD-C3C0AAEBAC4E}"/>
               </a:ext>
             </a:extLst>
           </p:cNvPr>
@@ -4142,7 +4127,7 @@
           <p:cNvPr id="9" name="그림 8">
             <a:extLst>
               <a:ext uri="{FF2B5EF4-FFF2-40B4-BE49-F238E27FC236}">
-                <a16:creationId xmlns="" xmlns:a16="http://schemas.microsoft.com/office/drawing/2014/main" id="{CFEFACE2-EAE9-A8B4-10F7-7B0568691D46}"/>
+                <a16:creationId xmlns:a16="http://schemas.microsoft.com/office/drawing/2014/main" xmlns="" id="{CFEFACE2-EAE9-A8B4-10F7-7B0568691D46}"/>
               </a:ext>
             </a:extLst>
           </p:cNvPr>
@@ -4177,7 +4162,7 @@
           <p:cNvPr id="10" name="직사각형 9">
             <a:extLst>
               <a:ext uri="{FF2B5EF4-FFF2-40B4-BE49-F238E27FC236}">
-                <a16:creationId xmlns="" xmlns:a16="http://schemas.microsoft.com/office/drawing/2014/main" id="{88B54AAB-E66D-108F-9A8E-390CB8AEC364}"/>
+                <a16:creationId xmlns:a16="http://schemas.microsoft.com/office/drawing/2014/main" xmlns="" id="{88B54AAB-E66D-108F-9A8E-390CB8AEC364}"/>
               </a:ext>
             </a:extLst>
           </p:cNvPr>
@@ -4232,7 +4217,7 @@
           <p:cNvPr id="12" name="직선 화살표 연결선 11">
             <a:extLst>
               <a:ext uri="{FF2B5EF4-FFF2-40B4-BE49-F238E27FC236}">
-                <a16:creationId xmlns="" xmlns:a16="http://schemas.microsoft.com/office/drawing/2014/main" id="{FC33E20D-351D-B391-80EF-AB36B522A123}"/>
+                <a16:creationId xmlns:a16="http://schemas.microsoft.com/office/drawing/2014/main" xmlns="" id="{FC33E20D-351D-B391-80EF-AB36B522A123}"/>
               </a:ext>
             </a:extLst>
           </p:cNvPr>
@@ -4280,7 +4265,7 @@
           <p:cNvPr id="13" name="TextBox 12">
             <a:extLst>
               <a:ext uri="{FF2B5EF4-FFF2-40B4-BE49-F238E27FC236}">
-                <a16:creationId xmlns="" xmlns:a16="http://schemas.microsoft.com/office/drawing/2014/main" id="{1392B027-5A74-988A-6375-B8E6C6582439}"/>
+                <a16:creationId xmlns:a16="http://schemas.microsoft.com/office/drawing/2014/main" xmlns="" id="{1392B027-5A74-988A-6375-B8E6C6582439}"/>
               </a:ext>
             </a:extLst>
           </p:cNvPr>
@@ -4341,7 +4326,7 @@
           <p:cNvPr id="14" name="직사각형 13">
             <a:extLst>
               <a:ext uri="{FF2B5EF4-FFF2-40B4-BE49-F238E27FC236}">
-                <a16:creationId xmlns="" xmlns:a16="http://schemas.microsoft.com/office/drawing/2014/main" id="{D65C9D1C-1B1D-89DF-80A2-5F3E6C2C5C36}"/>
+                <a16:creationId xmlns:a16="http://schemas.microsoft.com/office/drawing/2014/main" xmlns="" id="{D65C9D1C-1B1D-89DF-80A2-5F3E6C2C5C36}"/>
               </a:ext>
             </a:extLst>
           </p:cNvPr>
@@ -4395,7 +4380,7 @@
           <p:cNvPr id="15" name="직선 화살표 연결선 14">
             <a:extLst>
               <a:ext uri="{FF2B5EF4-FFF2-40B4-BE49-F238E27FC236}">
-                <a16:creationId xmlns="" xmlns:a16="http://schemas.microsoft.com/office/drawing/2014/main" id="{423EA57F-8830-43C9-70E8-0C715487F934}"/>
+                <a16:creationId xmlns:a16="http://schemas.microsoft.com/office/drawing/2014/main" xmlns="" id="{423EA57F-8830-43C9-70E8-0C715487F934}"/>
               </a:ext>
             </a:extLst>
           </p:cNvPr>
@@ -4441,7 +4426,7 @@
           <p:cNvPr id="18" name="직선 화살표 연결선 17">
             <a:extLst>
               <a:ext uri="{FF2B5EF4-FFF2-40B4-BE49-F238E27FC236}">
-                <a16:creationId xmlns="" xmlns:a16="http://schemas.microsoft.com/office/drawing/2014/main" id="{48105D9B-03A6-B055-7B43-110D9548121C}"/>
+                <a16:creationId xmlns:a16="http://schemas.microsoft.com/office/drawing/2014/main" xmlns="" id="{48105D9B-03A6-B055-7B43-110D9548121C}"/>
               </a:ext>
             </a:extLst>
           </p:cNvPr>
@@ -4487,7 +4472,7 @@
           <p:cNvPr id="22" name="직사각형 21">
             <a:extLst>
               <a:ext uri="{FF2B5EF4-FFF2-40B4-BE49-F238E27FC236}">
-                <a16:creationId xmlns="" xmlns:a16="http://schemas.microsoft.com/office/drawing/2014/main" id="{EE85E229-68EE-A531-B7CF-B59EA374055A}"/>
+                <a16:creationId xmlns:a16="http://schemas.microsoft.com/office/drawing/2014/main" xmlns="" id="{EE85E229-68EE-A531-B7CF-B59EA374055A}"/>
               </a:ext>
             </a:extLst>
           </p:cNvPr>
@@ -4542,7 +4527,7 @@
           <p:cNvPr id="26" name="직선 화살표 연결선 25">
             <a:extLst>
               <a:ext uri="{FF2B5EF4-FFF2-40B4-BE49-F238E27FC236}">
-                <a16:creationId xmlns="" xmlns:a16="http://schemas.microsoft.com/office/drawing/2014/main" id="{62673D90-A477-9860-407C-ABAC1BB77202}"/>
+                <a16:creationId xmlns:a16="http://schemas.microsoft.com/office/drawing/2014/main" xmlns="" id="{62673D90-A477-9860-407C-ABAC1BB77202}"/>
               </a:ext>
             </a:extLst>
           </p:cNvPr>
@@ -4589,7 +4574,7 @@
           <p:cNvPr id="29" name="직선 화살표 연결선 28">
             <a:extLst>
               <a:ext uri="{FF2B5EF4-FFF2-40B4-BE49-F238E27FC236}">
-                <a16:creationId xmlns="" xmlns:a16="http://schemas.microsoft.com/office/drawing/2014/main" id="{44B95310-76E0-A6FF-F9E9-E1F4AF9ADE9B}"/>
+                <a16:creationId xmlns:a16="http://schemas.microsoft.com/office/drawing/2014/main" xmlns="" id="{44B95310-76E0-A6FF-F9E9-E1F4AF9ADE9B}"/>
               </a:ext>
             </a:extLst>
           </p:cNvPr>
@@ -4636,7 +4621,7 @@
           <p:cNvPr id="37" name="직사각형 36">
             <a:extLst>
               <a:ext uri="{FF2B5EF4-FFF2-40B4-BE49-F238E27FC236}">
-                <a16:creationId xmlns="" xmlns:a16="http://schemas.microsoft.com/office/drawing/2014/main" id="{818D025D-43A4-994F-8E24-9BDAF01EC5E4}"/>
+                <a16:creationId xmlns:a16="http://schemas.microsoft.com/office/drawing/2014/main" xmlns="" id="{818D025D-43A4-994F-8E24-9BDAF01EC5E4}"/>
               </a:ext>
             </a:extLst>
           </p:cNvPr>

--- a/README.pptx
+++ b/README.pptx
@@ -137,7 +137,7 @@
           <p:cNvPr id="2" name="제목 1">
             <a:extLst>
               <a:ext uri="{FF2B5EF4-FFF2-40B4-BE49-F238E27FC236}">
-                <a16:creationId xmlns:a16="http://schemas.microsoft.com/office/drawing/2014/main" xmlns="" id="{311B7515-EE53-420C-7D6E-AB912E4465F8}"/>
+                <a16:creationId xmlns:a16="http://schemas.microsoft.com/office/drawing/2014/main" id="{311B7515-EE53-420C-7D6E-AB912E4465F8}"/>
               </a:ext>
             </a:extLst>
           </p:cNvPr>
@@ -175,7 +175,7 @@
           <p:cNvPr id="3" name="부제목 2">
             <a:extLst>
               <a:ext uri="{FF2B5EF4-FFF2-40B4-BE49-F238E27FC236}">
-                <a16:creationId xmlns:a16="http://schemas.microsoft.com/office/drawing/2014/main" xmlns="" id="{77250474-C614-2A43-E5AF-0946BE2F4F23}"/>
+                <a16:creationId xmlns:a16="http://schemas.microsoft.com/office/drawing/2014/main" id="{77250474-C614-2A43-E5AF-0946BE2F4F23}"/>
               </a:ext>
             </a:extLst>
           </p:cNvPr>
@@ -246,7 +246,7 @@
           <p:cNvPr id="4" name="날짜 개체 틀 3">
             <a:extLst>
               <a:ext uri="{FF2B5EF4-FFF2-40B4-BE49-F238E27FC236}">
-                <a16:creationId xmlns:a16="http://schemas.microsoft.com/office/drawing/2014/main" xmlns="" id="{F0402DF2-2C1A-2073-1EDF-29409E907983}"/>
+                <a16:creationId xmlns:a16="http://schemas.microsoft.com/office/drawing/2014/main" id="{F0402DF2-2C1A-2073-1EDF-29409E907983}"/>
               </a:ext>
             </a:extLst>
           </p:cNvPr>
@@ -264,7 +264,7 @@
           <a:p>
             <a:fld id="{19A184CB-0BE5-43F6-BF8C-D618442184FC}" type="datetimeFigureOut">
               <a:rPr lang="en-GB" smtClean="0"/>
-              <a:t>05/03/2024</a:t>
+              <a:t>09/03/2024</a:t>
             </a:fld>
             <a:endParaRPr lang="en-GB"/>
           </a:p>
@@ -275,7 +275,7 @@
           <p:cNvPr id="5" name="바닥글 개체 틀 4">
             <a:extLst>
               <a:ext uri="{FF2B5EF4-FFF2-40B4-BE49-F238E27FC236}">
-                <a16:creationId xmlns:a16="http://schemas.microsoft.com/office/drawing/2014/main" xmlns="" id="{C6844446-5725-248E-E30D-899BDF34E703}"/>
+                <a16:creationId xmlns:a16="http://schemas.microsoft.com/office/drawing/2014/main" id="{C6844446-5725-248E-E30D-899BDF34E703}"/>
               </a:ext>
             </a:extLst>
           </p:cNvPr>
@@ -300,7 +300,7 @@
           <p:cNvPr id="6" name="슬라이드 번호 개체 틀 5">
             <a:extLst>
               <a:ext uri="{FF2B5EF4-FFF2-40B4-BE49-F238E27FC236}">
-                <a16:creationId xmlns:a16="http://schemas.microsoft.com/office/drawing/2014/main" xmlns="" id="{968AEC9C-CB1D-9D94-7A1F-B62B66473DDA}"/>
+                <a16:creationId xmlns:a16="http://schemas.microsoft.com/office/drawing/2014/main" id="{968AEC9C-CB1D-9D94-7A1F-B62B66473DDA}"/>
               </a:ext>
             </a:extLst>
           </p:cNvPr>
@@ -359,7 +359,7 @@
           <p:cNvPr id="2" name="제목 1">
             <a:extLst>
               <a:ext uri="{FF2B5EF4-FFF2-40B4-BE49-F238E27FC236}">
-                <a16:creationId xmlns:a16="http://schemas.microsoft.com/office/drawing/2014/main" xmlns="" id="{2F73F04D-09EA-C8B2-C0DD-2F2D23D4F07E}"/>
+                <a16:creationId xmlns:a16="http://schemas.microsoft.com/office/drawing/2014/main" id="{2F73F04D-09EA-C8B2-C0DD-2F2D23D4F07E}"/>
               </a:ext>
             </a:extLst>
           </p:cNvPr>
@@ -388,7 +388,7 @@
           <p:cNvPr id="3" name="세로 텍스트 개체 틀 2">
             <a:extLst>
               <a:ext uri="{FF2B5EF4-FFF2-40B4-BE49-F238E27FC236}">
-                <a16:creationId xmlns:a16="http://schemas.microsoft.com/office/drawing/2014/main" xmlns="" id="{FA395587-DD7B-9B7D-DFF4-ABA50D9336CD}"/>
+                <a16:creationId xmlns:a16="http://schemas.microsoft.com/office/drawing/2014/main" id="{FA395587-DD7B-9B7D-DFF4-ABA50D9336CD}"/>
               </a:ext>
             </a:extLst>
           </p:cNvPr>
@@ -446,7 +446,7 @@
           <p:cNvPr id="4" name="날짜 개체 틀 3">
             <a:extLst>
               <a:ext uri="{FF2B5EF4-FFF2-40B4-BE49-F238E27FC236}">
-                <a16:creationId xmlns:a16="http://schemas.microsoft.com/office/drawing/2014/main" xmlns="" id="{6452F300-00E1-6ABC-4B6E-89DFD9BE7814}"/>
+                <a16:creationId xmlns:a16="http://schemas.microsoft.com/office/drawing/2014/main" id="{6452F300-00E1-6ABC-4B6E-89DFD9BE7814}"/>
               </a:ext>
             </a:extLst>
           </p:cNvPr>
@@ -464,7 +464,7 @@
           <a:p>
             <a:fld id="{19A184CB-0BE5-43F6-BF8C-D618442184FC}" type="datetimeFigureOut">
               <a:rPr lang="en-GB" smtClean="0"/>
-              <a:t>05/03/2024</a:t>
+              <a:t>09/03/2024</a:t>
             </a:fld>
             <a:endParaRPr lang="en-GB"/>
           </a:p>
@@ -475,7 +475,7 @@
           <p:cNvPr id="5" name="바닥글 개체 틀 4">
             <a:extLst>
               <a:ext uri="{FF2B5EF4-FFF2-40B4-BE49-F238E27FC236}">
-                <a16:creationId xmlns:a16="http://schemas.microsoft.com/office/drawing/2014/main" xmlns="" id="{6641C9E8-3676-2869-1FC1-C4D5F82912FF}"/>
+                <a16:creationId xmlns:a16="http://schemas.microsoft.com/office/drawing/2014/main" id="{6641C9E8-3676-2869-1FC1-C4D5F82912FF}"/>
               </a:ext>
             </a:extLst>
           </p:cNvPr>
@@ -500,7 +500,7 @@
           <p:cNvPr id="6" name="슬라이드 번호 개체 틀 5">
             <a:extLst>
               <a:ext uri="{FF2B5EF4-FFF2-40B4-BE49-F238E27FC236}">
-                <a16:creationId xmlns:a16="http://schemas.microsoft.com/office/drawing/2014/main" xmlns="" id="{B8E95876-5685-D5AA-F73C-ADBE038A0F68}"/>
+                <a16:creationId xmlns:a16="http://schemas.microsoft.com/office/drawing/2014/main" id="{B8E95876-5685-D5AA-F73C-ADBE038A0F68}"/>
               </a:ext>
             </a:extLst>
           </p:cNvPr>
@@ -559,7 +559,7 @@
           <p:cNvPr id="2" name="세로 제목 1">
             <a:extLst>
               <a:ext uri="{FF2B5EF4-FFF2-40B4-BE49-F238E27FC236}">
-                <a16:creationId xmlns:a16="http://schemas.microsoft.com/office/drawing/2014/main" xmlns="" id="{45F1B86B-89C0-B222-E506-E5AF1E02CCE5}"/>
+                <a16:creationId xmlns:a16="http://schemas.microsoft.com/office/drawing/2014/main" id="{45F1B86B-89C0-B222-E506-E5AF1E02CCE5}"/>
               </a:ext>
             </a:extLst>
           </p:cNvPr>
@@ -593,7 +593,7 @@
           <p:cNvPr id="3" name="세로 텍스트 개체 틀 2">
             <a:extLst>
               <a:ext uri="{FF2B5EF4-FFF2-40B4-BE49-F238E27FC236}">
-                <a16:creationId xmlns:a16="http://schemas.microsoft.com/office/drawing/2014/main" xmlns="" id="{27FD0F2D-1724-972C-1921-79D45A5BD24F}"/>
+                <a16:creationId xmlns:a16="http://schemas.microsoft.com/office/drawing/2014/main" id="{27FD0F2D-1724-972C-1921-79D45A5BD24F}"/>
               </a:ext>
             </a:extLst>
           </p:cNvPr>
@@ -656,7 +656,7 @@
           <p:cNvPr id="4" name="날짜 개체 틀 3">
             <a:extLst>
               <a:ext uri="{FF2B5EF4-FFF2-40B4-BE49-F238E27FC236}">
-                <a16:creationId xmlns:a16="http://schemas.microsoft.com/office/drawing/2014/main" xmlns="" id="{0F52CB6E-72BD-5BFC-FFFC-04552A738FB2}"/>
+                <a16:creationId xmlns:a16="http://schemas.microsoft.com/office/drawing/2014/main" id="{0F52CB6E-72BD-5BFC-FFFC-04552A738FB2}"/>
               </a:ext>
             </a:extLst>
           </p:cNvPr>
@@ -674,7 +674,7 @@
           <a:p>
             <a:fld id="{19A184CB-0BE5-43F6-BF8C-D618442184FC}" type="datetimeFigureOut">
               <a:rPr lang="en-GB" smtClean="0"/>
-              <a:t>05/03/2024</a:t>
+              <a:t>09/03/2024</a:t>
             </a:fld>
             <a:endParaRPr lang="en-GB"/>
           </a:p>
@@ -685,7 +685,7 @@
           <p:cNvPr id="5" name="바닥글 개체 틀 4">
             <a:extLst>
               <a:ext uri="{FF2B5EF4-FFF2-40B4-BE49-F238E27FC236}">
-                <a16:creationId xmlns:a16="http://schemas.microsoft.com/office/drawing/2014/main" xmlns="" id="{083BF6DC-EF39-401E-72B4-076FA446B125}"/>
+                <a16:creationId xmlns:a16="http://schemas.microsoft.com/office/drawing/2014/main" id="{083BF6DC-EF39-401E-72B4-076FA446B125}"/>
               </a:ext>
             </a:extLst>
           </p:cNvPr>
@@ -710,7 +710,7 @@
           <p:cNvPr id="6" name="슬라이드 번호 개체 틀 5">
             <a:extLst>
               <a:ext uri="{FF2B5EF4-FFF2-40B4-BE49-F238E27FC236}">
-                <a16:creationId xmlns:a16="http://schemas.microsoft.com/office/drawing/2014/main" xmlns="" id="{F0AF1AA8-2CF0-2C1B-DE79-633D2048A820}"/>
+                <a16:creationId xmlns:a16="http://schemas.microsoft.com/office/drawing/2014/main" id="{F0AF1AA8-2CF0-2C1B-DE79-633D2048A820}"/>
               </a:ext>
             </a:extLst>
           </p:cNvPr>
@@ -769,7 +769,7 @@
           <p:cNvPr id="2" name="제목 1">
             <a:extLst>
               <a:ext uri="{FF2B5EF4-FFF2-40B4-BE49-F238E27FC236}">
-                <a16:creationId xmlns:a16="http://schemas.microsoft.com/office/drawing/2014/main" xmlns="" id="{780F0D35-B2FE-580E-0144-10531DFBE2A7}"/>
+                <a16:creationId xmlns:a16="http://schemas.microsoft.com/office/drawing/2014/main" id="{780F0D35-B2FE-580E-0144-10531DFBE2A7}"/>
               </a:ext>
             </a:extLst>
           </p:cNvPr>
@@ -798,7 +798,7 @@
           <p:cNvPr id="3" name="내용 개체 틀 2">
             <a:extLst>
               <a:ext uri="{FF2B5EF4-FFF2-40B4-BE49-F238E27FC236}">
-                <a16:creationId xmlns:a16="http://schemas.microsoft.com/office/drawing/2014/main" xmlns="" id="{2172915C-203A-07A0-2261-4E4E07353C31}"/>
+                <a16:creationId xmlns:a16="http://schemas.microsoft.com/office/drawing/2014/main" id="{2172915C-203A-07A0-2261-4E4E07353C31}"/>
               </a:ext>
             </a:extLst>
           </p:cNvPr>
@@ -856,7 +856,7 @@
           <p:cNvPr id="4" name="날짜 개체 틀 3">
             <a:extLst>
               <a:ext uri="{FF2B5EF4-FFF2-40B4-BE49-F238E27FC236}">
-                <a16:creationId xmlns:a16="http://schemas.microsoft.com/office/drawing/2014/main" xmlns="" id="{F3173662-D25D-BB56-9C3F-177E415F895C}"/>
+                <a16:creationId xmlns:a16="http://schemas.microsoft.com/office/drawing/2014/main" id="{F3173662-D25D-BB56-9C3F-177E415F895C}"/>
               </a:ext>
             </a:extLst>
           </p:cNvPr>
@@ -874,7 +874,7 @@
           <a:p>
             <a:fld id="{19A184CB-0BE5-43F6-BF8C-D618442184FC}" type="datetimeFigureOut">
               <a:rPr lang="en-GB" smtClean="0"/>
-              <a:t>05/03/2024</a:t>
+              <a:t>09/03/2024</a:t>
             </a:fld>
             <a:endParaRPr lang="en-GB"/>
           </a:p>
@@ -885,7 +885,7 @@
           <p:cNvPr id="5" name="바닥글 개체 틀 4">
             <a:extLst>
               <a:ext uri="{FF2B5EF4-FFF2-40B4-BE49-F238E27FC236}">
-                <a16:creationId xmlns:a16="http://schemas.microsoft.com/office/drawing/2014/main" xmlns="" id="{CB8EFB24-1CC8-E783-C3E3-7323388198A8}"/>
+                <a16:creationId xmlns:a16="http://schemas.microsoft.com/office/drawing/2014/main" id="{CB8EFB24-1CC8-E783-C3E3-7323388198A8}"/>
               </a:ext>
             </a:extLst>
           </p:cNvPr>
@@ -910,7 +910,7 @@
           <p:cNvPr id="6" name="슬라이드 번호 개체 틀 5">
             <a:extLst>
               <a:ext uri="{FF2B5EF4-FFF2-40B4-BE49-F238E27FC236}">
-                <a16:creationId xmlns:a16="http://schemas.microsoft.com/office/drawing/2014/main" xmlns="" id="{0D516355-C8F3-660B-D6A6-10B797FBB889}"/>
+                <a16:creationId xmlns:a16="http://schemas.microsoft.com/office/drawing/2014/main" id="{0D516355-C8F3-660B-D6A6-10B797FBB889}"/>
               </a:ext>
             </a:extLst>
           </p:cNvPr>
@@ -969,7 +969,7 @@
           <p:cNvPr id="2" name="제목 1">
             <a:extLst>
               <a:ext uri="{FF2B5EF4-FFF2-40B4-BE49-F238E27FC236}">
-                <a16:creationId xmlns:a16="http://schemas.microsoft.com/office/drawing/2014/main" xmlns="" id="{429381C4-7423-6E40-ED0D-F3DB03FDC6E7}"/>
+                <a16:creationId xmlns:a16="http://schemas.microsoft.com/office/drawing/2014/main" id="{429381C4-7423-6E40-ED0D-F3DB03FDC6E7}"/>
               </a:ext>
             </a:extLst>
           </p:cNvPr>
@@ -1007,7 +1007,7 @@
           <p:cNvPr id="3" name="텍스트 개체 틀 2">
             <a:extLst>
               <a:ext uri="{FF2B5EF4-FFF2-40B4-BE49-F238E27FC236}">
-                <a16:creationId xmlns:a16="http://schemas.microsoft.com/office/drawing/2014/main" xmlns="" id="{8FB7FA7B-A4A0-1DB8-82C9-0A742BE2EF7F}"/>
+                <a16:creationId xmlns:a16="http://schemas.microsoft.com/office/drawing/2014/main" id="{8FB7FA7B-A4A0-1DB8-82C9-0A742BE2EF7F}"/>
               </a:ext>
             </a:extLst>
           </p:cNvPr>
@@ -1132,7 +1132,7 @@
           <p:cNvPr id="4" name="날짜 개체 틀 3">
             <a:extLst>
               <a:ext uri="{FF2B5EF4-FFF2-40B4-BE49-F238E27FC236}">
-                <a16:creationId xmlns:a16="http://schemas.microsoft.com/office/drawing/2014/main" xmlns="" id="{35893FD8-E6D3-3E88-922A-56BEF764BC70}"/>
+                <a16:creationId xmlns:a16="http://schemas.microsoft.com/office/drawing/2014/main" id="{35893FD8-E6D3-3E88-922A-56BEF764BC70}"/>
               </a:ext>
             </a:extLst>
           </p:cNvPr>
@@ -1150,7 +1150,7 @@
           <a:p>
             <a:fld id="{19A184CB-0BE5-43F6-BF8C-D618442184FC}" type="datetimeFigureOut">
               <a:rPr lang="en-GB" smtClean="0"/>
-              <a:t>05/03/2024</a:t>
+              <a:t>09/03/2024</a:t>
             </a:fld>
             <a:endParaRPr lang="en-GB"/>
           </a:p>
@@ -1161,7 +1161,7 @@
           <p:cNvPr id="5" name="바닥글 개체 틀 4">
             <a:extLst>
               <a:ext uri="{FF2B5EF4-FFF2-40B4-BE49-F238E27FC236}">
-                <a16:creationId xmlns:a16="http://schemas.microsoft.com/office/drawing/2014/main" xmlns="" id="{2AF93D38-D450-35CB-6611-8C650C24381E}"/>
+                <a16:creationId xmlns:a16="http://schemas.microsoft.com/office/drawing/2014/main" id="{2AF93D38-D450-35CB-6611-8C650C24381E}"/>
               </a:ext>
             </a:extLst>
           </p:cNvPr>
@@ -1186,7 +1186,7 @@
           <p:cNvPr id="6" name="슬라이드 번호 개체 틀 5">
             <a:extLst>
               <a:ext uri="{FF2B5EF4-FFF2-40B4-BE49-F238E27FC236}">
-                <a16:creationId xmlns:a16="http://schemas.microsoft.com/office/drawing/2014/main" xmlns="" id="{76BE51EB-362A-4133-93EA-D49B9E9D7EE8}"/>
+                <a16:creationId xmlns:a16="http://schemas.microsoft.com/office/drawing/2014/main" id="{76BE51EB-362A-4133-93EA-D49B9E9D7EE8}"/>
               </a:ext>
             </a:extLst>
           </p:cNvPr>
@@ -1245,7 +1245,7 @@
           <p:cNvPr id="2" name="제목 1">
             <a:extLst>
               <a:ext uri="{FF2B5EF4-FFF2-40B4-BE49-F238E27FC236}">
-                <a16:creationId xmlns:a16="http://schemas.microsoft.com/office/drawing/2014/main" xmlns="" id="{16277E31-8DFC-D4BF-7623-7EF8FA06A61D}"/>
+                <a16:creationId xmlns:a16="http://schemas.microsoft.com/office/drawing/2014/main" id="{16277E31-8DFC-D4BF-7623-7EF8FA06A61D}"/>
               </a:ext>
             </a:extLst>
           </p:cNvPr>
@@ -1274,7 +1274,7 @@
           <p:cNvPr id="3" name="내용 개체 틀 2">
             <a:extLst>
               <a:ext uri="{FF2B5EF4-FFF2-40B4-BE49-F238E27FC236}">
-                <a16:creationId xmlns:a16="http://schemas.microsoft.com/office/drawing/2014/main" xmlns="" id="{8D6642C3-9732-B14B-FBFD-62AC7DAE373F}"/>
+                <a16:creationId xmlns:a16="http://schemas.microsoft.com/office/drawing/2014/main" id="{8D6642C3-9732-B14B-FBFD-62AC7DAE373F}"/>
               </a:ext>
             </a:extLst>
           </p:cNvPr>
@@ -1337,7 +1337,7 @@
           <p:cNvPr id="4" name="내용 개체 틀 3">
             <a:extLst>
               <a:ext uri="{FF2B5EF4-FFF2-40B4-BE49-F238E27FC236}">
-                <a16:creationId xmlns:a16="http://schemas.microsoft.com/office/drawing/2014/main" xmlns="" id="{1996C33F-C44F-C1FA-23BC-43DC43717531}"/>
+                <a16:creationId xmlns:a16="http://schemas.microsoft.com/office/drawing/2014/main" id="{1996C33F-C44F-C1FA-23BC-43DC43717531}"/>
               </a:ext>
             </a:extLst>
           </p:cNvPr>
@@ -1400,7 +1400,7 @@
           <p:cNvPr id="5" name="날짜 개체 틀 4">
             <a:extLst>
               <a:ext uri="{FF2B5EF4-FFF2-40B4-BE49-F238E27FC236}">
-                <a16:creationId xmlns:a16="http://schemas.microsoft.com/office/drawing/2014/main" xmlns="" id="{161FA6F7-45FB-5FC3-1C38-89B231ACC59F}"/>
+                <a16:creationId xmlns:a16="http://schemas.microsoft.com/office/drawing/2014/main" id="{161FA6F7-45FB-5FC3-1C38-89B231ACC59F}"/>
               </a:ext>
             </a:extLst>
           </p:cNvPr>
@@ -1418,7 +1418,7 @@
           <a:p>
             <a:fld id="{19A184CB-0BE5-43F6-BF8C-D618442184FC}" type="datetimeFigureOut">
               <a:rPr lang="en-GB" smtClean="0"/>
-              <a:t>05/03/2024</a:t>
+              <a:t>09/03/2024</a:t>
             </a:fld>
             <a:endParaRPr lang="en-GB"/>
           </a:p>
@@ -1429,7 +1429,7 @@
           <p:cNvPr id="6" name="바닥글 개체 틀 5">
             <a:extLst>
               <a:ext uri="{FF2B5EF4-FFF2-40B4-BE49-F238E27FC236}">
-                <a16:creationId xmlns:a16="http://schemas.microsoft.com/office/drawing/2014/main" xmlns="" id="{5F7DCBC0-F587-19F1-875C-0BC2A303C35A}"/>
+                <a16:creationId xmlns:a16="http://schemas.microsoft.com/office/drawing/2014/main" id="{5F7DCBC0-F587-19F1-875C-0BC2A303C35A}"/>
               </a:ext>
             </a:extLst>
           </p:cNvPr>
@@ -1454,7 +1454,7 @@
           <p:cNvPr id="7" name="슬라이드 번호 개체 틀 6">
             <a:extLst>
               <a:ext uri="{FF2B5EF4-FFF2-40B4-BE49-F238E27FC236}">
-                <a16:creationId xmlns:a16="http://schemas.microsoft.com/office/drawing/2014/main" xmlns="" id="{707DB97F-4800-E669-804F-0CA306B41E6D}"/>
+                <a16:creationId xmlns:a16="http://schemas.microsoft.com/office/drawing/2014/main" id="{707DB97F-4800-E669-804F-0CA306B41E6D}"/>
               </a:ext>
             </a:extLst>
           </p:cNvPr>
@@ -1513,7 +1513,7 @@
           <p:cNvPr id="2" name="제목 1">
             <a:extLst>
               <a:ext uri="{FF2B5EF4-FFF2-40B4-BE49-F238E27FC236}">
-                <a16:creationId xmlns:a16="http://schemas.microsoft.com/office/drawing/2014/main" xmlns="" id="{6E022E0D-EAC3-6042-5FA3-B33C59B00F4C}"/>
+                <a16:creationId xmlns:a16="http://schemas.microsoft.com/office/drawing/2014/main" id="{6E022E0D-EAC3-6042-5FA3-B33C59B00F4C}"/>
               </a:ext>
             </a:extLst>
           </p:cNvPr>
@@ -1547,7 +1547,7 @@
           <p:cNvPr id="3" name="텍스트 개체 틀 2">
             <a:extLst>
               <a:ext uri="{FF2B5EF4-FFF2-40B4-BE49-F238E27FC236}">
-                <a16:creationId xmlns:a16="http://schemas.microsoft.com/office/drawing/2014/main" xmlns="" id="{0A2C544D-0F71-A79A-CDF8-E54596DC48F2}"/>
+                <a16:creationId xmlns:a16="http://schemas.microsoft.com/office/drawing/2014/main" id="{0A2C544D-0F71-A79A-CDF8-E54596DC48F2}"/>
               </a:ext>
             </a:extLst>
           </p:cNvPr>
@@ -1618,7 +1618,7 @@
           <p:cNvPr id="4" name="내용 개체 틀 3">
             <a:extLst>
               <a:ext uri="{FF2B5EF4-FFF2-40B4-BE49-F238E27FC236}">
-                <a16:creationId xmlns:a16="http://schemas.microsoft.com/office/drawing/2014/main" xmlns="" id="{F5A45FB7-A79D-9F40-790A-CC9559A6BED2}"/>
+                <a16:creationId xmlns:a16="http://schemas.microsoft.com/office/drawing/2014/main" id="{F5A45FB7-A79D-9F40-790A-CC9559A6BED2}"/>
               </a:ext>
             </a:extLst>
           </p:cNvPr>
@@ -1681,7 +1681,7 @@
           <p:cNvPr id="5" name="텍스트 개체 틀 4">
             <a:extLst>
               <a:ext uri="{FF2B5EF4-FFF2-40B4-BE49-F238E27FC236}">
-                <a16:creationId xmlns:a16="http://schemas.microsoft.com/office/drawing/2014/main" xmlns="" id="{303B8D91-26A6-C562-2C45-34E25B3BC2CF}"/>
+                <a16:creationId xmlns:a16="http://schemas.microsoft.com/office/drawing/2014/main" id="{303B8D91-26A6-C562-2C45-34E25B3BC2CF}"/>
               </a:ext>
             </a:extLst>
           </p:cNvPr>
@@ -1752,7 +1752,7 @@
           <p:cNvPr id="6" name="내용 개체 틀 5">
             <a:extLst>
               <a:ext uri="{FF2B5EF4-FFF2-40B4-BE49-F238E27FC236}">
-                <a16:creationId xmlns:a16="http://schemas.microsoft.com/office/drawing/2014/main" xmlns="" id="{84B994FD-CE12-5528-A66D-7A3BA11C3746}"/>
+                <a16:creationId xmlns:a16="http://schemas.microsoft.com/office/drawing/2014/main" id="{84B994FD-CE12-5528-A66D-7A3BA11C3746}"/>
               </a:ext>
             </a:extLst>
           </p:cNvPr>
@@ -1815,7 +1815,7 @@
           <p:cNvPr id="7" name="날짜 개체 틀 6">
             <a:extLst>
               <a:ext uri="{FF2B5EF4-FFF2-40B4-BE49-F238E27FC236}">
-                <a16:creationId xmlns:a16="http://schemas.microsoft.com/office/drawing/2014/main" xmlns="" id="{EEEFE133-9925-B865-D5B8-093E162EA893}"/>
+                <a16:creationId xmlns:a16="http://schemas.microsoft.com/office/drawing/2014/main" id="{EEEFE133-9925-B865-D5B8-093E162EA893}"/>
               </a:ext>
             </a:extLst>
           </p:cNvPr>
@@ -1833,7 +1833,7 @@
           <a:p>
             <a:fld id="{19A184CB-0BE5-43F6-BF8C-D618442184FC}" type="datetimeFigureOut">
               <a:rPr lang="en-GB" smtClean="0"/>
-              <a:t>05/03/2024</a:t>
+              <a:t>09/03/2024</a:t>
             </a:fld>
             <a:endParaRPr lang="en-GB"/>
           </a:p>
@@ -1844,7 +1844,7 @@
           <p:cNvPr id="8" name="바닥글 개체 틀 7">
             <a:extLst>
               <a:ext uri="{FF2B5EF4-FFF2-40B4-BE49-F238E27FC236}">
-                <a16:creationId xmlns:a16="http://schemas.microsoft.com/office/drawing/2014/main" xmlns="" id="{AC59C2F2-B8A1-64A9-F451-DCC5C8BD46C5}"/>
+                <a16:creationId xmlns:a16="http://schemas.microsoft.com/office/drawing/2014/main" id="{AC59C2F2-B8A1-64A9-F451-DCC5C8BD46C5}"/>
               </a:ext>
             </a:extLst>
           </p:cNvPr>
@@ -1869,7 +1869,7 @@
           <p:cNvPr id="9" name="슬라이드 번호 개체 틀 8">
             <a:extLst>
               <a:ext uri="{FF2B5EF4-FFF2-40B4-BE49-F238E27FC236}">
-                <a16:creationId xmlns:a16="http://schemas.microsoft.com/office/drawing/2014/main" xmlns="" id="{4E4DB212-7446-CBF1-C2CB-4047B7B019F8}"/>
+                <a16:creationId xmlns:a16="http://schemas.microsoft.com/office/drawing/2014/main" id="{4E4DB212-7446-CBF1-C2CB-4047B7B019F8}"/>
               </a:ext>
             </a:extLst>
           </p:cNvPr>
@@ -1928,7 +1928,7 @@
           <p:cNvPr id="2" name="제목 1">
             <a:extLst>
               <a:ext uri="{FF2B5EF4-FFF2-40B4-BE49-F238E27FC236}">
-                <a16:creationId xmlns:a16="http://schemas.microsoft.com/office/drawing/2014/main" xmlns="" id="{99482A6F-83AC-1F57-93C7-19F6518632A1}"/>
+                <a16:creationId xmlns:a16="http://schemas.microsoft.com/office/drawing/2014/main" id="{99482A6F-83AC-1F57-93C7-19F6518632A1}"/>
               </a:ext>
             </a:extLst>
           </p:cNvPr>
@@ -1957,7 +1957,7 @@
           <p:cNvPr id="3" name="날짜 개체 틀 2">
             <a:extLst>
               <a:ext uri="{FF2B5EF4-FFF2-40B4-BE49-F238E27FC236}">
-                <a16:creationId xmlns:a16="http://schemas.microsoft.com/office/drawing/2014/main" xmlns="" id="{35C84909-D24A-CF7A-61CA-F6F173D19BCF}"/>
+                <a16:creationId xmlns:a16="http://schemas.microsoft.com/office/drawing/2014/main" id="{35C84909-D24A-CF7A-61CA-F6F173D19BCF}"/>
               </a:ext>
             </a:extLst>
           </p:cNvPr>
@@ -1975,7 +1975,7 @@
           <a:p>
             <a:fld id="{19A184CB-0BE5-43F6-BF8C-D618442184FC}" type="datetimeFigureOut">
               <a:rPr lang="en-GB" smtClean="0"/>
-              <a:t>05/03/2024</a:t>
+              <a:t>09/03/2024</a:t>
             </a:fld>
             <a:endParaRPr lang="en-GB"/>
           </a:p>
@@ -1986,7 +1986,7 @@
           <p:cNvPr id="4" name="바닥글 개체 틀 3">
             <a:extLst>
               <a:ext uri="{FF2B5EF4-FFF2-40B4-BE49-F238E27FC236}">
-                <a16:creationId xmlns:a16="http://schemas.microsoft.com/office/drawing/2014/main" xmlns="" id="{21F01083-6EC2-1350-D7D4-3A585D70EE61}"/>
+                <a16:creationId xmlns:a16="http://schemas.microsoft.com/office/drawing/2014/main" id="{21F01083-6EC2-1350-D7D4-3A585D70EE61}"/>
               </a:ext>
             </a:extLst>
           </p:cNvPr>
@@ -2011,7 +2011,7 @@
           <p:cNvPr id="5" name="슬라이드 번호 개체 틀 4">
             <a:extLst>
               <a:ext uri="{FF2B5EF4-FFF2-40B4-BE49-F238E27FC236}">
-                <a16:creationId xmlns:a16="http://schemas.microsoft.com/office/drawing/2014/main" xmlns="" id="{A04CE8B5-006A-A8CF-54B0-FCD53BE4A7E7}"/>
+                <a16:creationId xmlns:a16="http://schemas.microsoft.com/office/drawing/2014/main" id="{A04CE8B5-006A-A8CF-54B0-FCD53BE4A7E7}"/>
               </a:ext>
             </a:extLst>
           </p:cNvPr>
@@ -2070,7 +2070,7 @@
           <p:cNvPr id="2" name="날짜 개체 틀 1">
             <a:extLst>
               <a:ext uri="{FF2B5EF4-FFF2-40B4-BE49-F238E27FC236}">
-                <a16:creationId xmlns:a16="http://schemas.microsoft.com/office/drawing/2014/main" xmlns="" id="{AC2876A9-7E1E-8906-E89F-33D13DD2FC9E}"/>
+                <a16:creationId xmlns:a16="http://schemas.microsoft.com/office/drawing/2014/main" id="{AC2876A9-7E1E-8906-E89F-33D13DD2FC9E}"/>
               </a:ext>
             </a:extLst>
           </p:cNvPr>
@@ -2088,7 +2088,7 @@
           <a:p>
             <a:fld id="{19A184CB-0BE5-43F6-BF8C-D618442184FC}" type="datetimeFigureOut">
               <a:rPr lang="en-GB" smtClean="0"/>
-              <a:t>05/03/2024</a:t>
+              <a:t>09/03/2024</a:t>
             </a:fld>
             <a:endParaRPr lang="en-GB"/>
           </a:p>
@@ -2099,7 +2099,7 @@
           <p:cNvPr id="3" name="바닥글 개체 틀 2">
             <a:extLst>
               <a:ext uri="{FF2B5EF4-FFF2-40B4-BE49-F238E27FC236}">
-                <a16:creationId xmlns:a16="http://schemas.microsoft.com/office/drawing/2014/main" xmlns="" id="{762EE38A-7488-5624-8584-173A6DC11248}"/>
+                <a16:creationId xmlns:a16="http://schemas.microsoft.com/office/drawing/2014/main" id="{762EE38A-7488-5624-8584-173A6DC11248}"/>
               </a:ext>
             </a:extLst>
           </p:cNvPr>
@@ -2124,7 +2124,7 @@
           <p:cNvPr id="4" name="슬라이드 번호 개체 틀 3">
             <a:extLst>
               <a:ext uri="{FF2B5EF4-FFF2-40B4-BE49-F238E27FC236}">
-                <a16:creationId xmlns:a16="http://schemas.microsoft.com/office/drawing/2014/main" xmlns="" id="{8B01BCFC-4D05-F592-2248-C388B46C4D99}"/>
+                <a16:creationId xmlns:a16="http://schemas.microsoft.com/office/drawing/2014/main" id="{8B01BCFC-4D05-F592-2248-C388B46C4D99}"/>
               </a:ext>
             </a:extLst>
           </p:cNvPr>
@@ -2183,7 +2183,7 @@
           <p:cNvPr id="2" name="제목 1">
             <a:extLst>
               <a:ext uri="{FF2B5EF4-FFF2-40B4-BE49-F238E27FC236}">
-                <a16:creationId xmlns:a16="http://schemas.microsoft.com/office/drawing/2014/main" xmlns="" id="{E95E2211-85C5-836A-82C0-D56134E50C2A}"/>
+                <a16:creationId xmlns:a16="http://schemas.microsoft.com/office/drawing/2014/main" id="{E95E2211-85C5-836A-82C0-D56134E50C2A}"/>
               </a:ext>
             </a:extLst>
           </p:cNvPr>
@@ -2221,7 +2221,7 @@
           <p:cNvPr id="3" name="내용 개체 틀 2">
             <a:extLst>
               <a:ext uri="{FF2B5EF4-FFF2-40B4-BE49-F238E27FC236}">
-                <a16:creationId xmlns:a16="http://schemas.microsoft.com/office/drawing/2014/main" xmlns="" id="{FDB7ED04-9A8A-DF7F-0B3B-34EBD14B1CED}"/>
+                <a16:creationId xmlns:a16="http://schemas.microsoft.com/office/drawing/2014/main" id="{FDB7ED04-9A8A-DF7F-0B3B-34EBD14B1CED}"/>
               </a:ext>
             </a:extLst>
           </p:cNvPr>
@@ -2312,7 +2312,7 @@
           <p:cNvPr id="4" name="텍스트 개체 틀 3">
             <a:extLst>
               <a:ext uri="{FF2B5EF4-FFF2-40B4-BE49-F238E27FC236}">
-                <a16:creationId xmlns:a16="http://schemas.microsoft.com/office/drawing/2014/main" xmlns="" id="{230417B2-43CD-367A-C4FA-C108334D29BC}"/>
+                <a16:creationId xmlns:a16="http://schemas.microsoft.com/office/drawing/2014/main" id="{230417B2-43CD-367A-C4FA-C108334D29BC}"/>
               </a:ext>
             </a:extLst>
           </p:cNvPr>
@@ -2383,7 +2383,7 @@
           <p:cNvPr id="5" name="날짜 개체 틀 4">
             <a:extLst>
               <a:ext uri="{FF2B5EF4-FFF2-40B4-BE49-F238E27FC236}">
-                <a16:creationId xmlns:a16="http://schemas.microsoft.com/office/drawing/2014/main" xmlns="" id="{C8A854EF-02C3-1482-6906-6C4B4E5EEBC0}"/>
+                <a16:creationId xmlns:a16="http://schemas.microsoft.com/office/drawing/2014/main" id="{C8A854EF-02C3-1482-6906-6C4B4E5EEBC0}"/>
               </a:ext>
             </a:extLst>
           </p:cNvPr>
@@ -2401,7 +2401,7 @@
           <a:p>
             <a:fld id="{19A184CB-0BE5-43F6-BF8C-D618442184FC}" type="datetimeFigureOut">
               <a:rPr lang="en-GB" smtClean="0"/>
-              <a:t>05/03/2024</a:t>
+              <a:t>09/03/2024</a:t>
             </a:fld>
             <a:endParaRPr lang="en-GB"/>
           </a:p>
@@ -2412,7 +2412,7 @@
           <p:cNvPr id="6" name="바닥글 개체 틀 5">
             <a:extLst>
               <a:ext uri="{FF2B5EF4-FFF2-40B4-BE49-F238E27FC236}">
-                <a16:creationId xmlns:a16="http://schemas.microsoft.com/office/drawing/2014/main" xmlns="" id="{753EF6B5-EBC6-2A53-291C-37D3A6CB9CD1}"/>
+                <a16:creationId xmlns:a16="http://schemas.microsoft.com/office/drawing/2014/main" id="{753EF6B5-EBC6-2A53-291C-37D3A6CB9CD1}"/>
               </a:ext>
             </a:extLst>
           </p:cNvPr>
@@ -2437,7 +2437,7 @@
           <p:cNvPr id="7" name="슬라이드 번호 개체 틀 6">
             <a:extLst>
               <a:ext uri="{FF2B5EF4-FFF2-40B4-BE49-F238E27FC236}">
-                <a16:creationId xmlns:a16="http://schemas.microsoft.com/office/drawing/2014/main" xmlns="" id="{F6579A36-8E03-BCD5-B99F-DE50516E6E5A}"/>
+                <a16:creationId xmlns:a16="http://schemas.microsoft.com/office/drawing/2014/main" id="{F6579A36-8E03-BCD5-B99F-DE50516E6E5A}"/>
               </a:ext>
             </a:extLst>
           </p:cNvPr>
@@ -2496,7 +2496,7 @@
           <p:cNvPr id="2" name="제목 1">
             <a:extLst>
               <a:ext uri="{FF2B5EF4-FFF2-40B4-BE49-F238E27FC236}">
-                <a16:creationId xmlns:a16="http://schemas.microsoft.com/office/drawing/2014/main" xmlns="" id="{E54DE2A8-24D0-F9D7-161B-21A75FEED36B}"/>
+                <a16:creationId xmlns:a16="http://schemas.microsoft.com/office/drawing/2014/main" id="{E54DE2A8-24D0-F9D7-161B-21A75FEED36B}"/>
               </a:ext>
             </a:extLst>
           </p:cNvPr>
@@ -2534,7 +2534,7 @@
           <p:cNvPr id="3" name="그림 개체 틀 2">
             <a:extLst>
               <a:ext uri="{FF2B5EF4-FFF2-40B4-BE49-F238E27FC236}">
-                <a16:creationId xmlns:a16="http://schemas.microsoft.com/office/drawing/2014/main" xmlns="" id="{6C7BAFBD-8FC3-6B26-0905-08EADFFD0639}"/>
+                <a16:creationId xmlns:a16="http://schemas.microsoft.com/office/drawing/2014/main" id="{6C7BAFBD-8FC3-6B26-0905-08EADFFD0639}"/>
               </a:ext>
             </a:extLst>
           </p:cNvPr>
@@ -2601,7 +2601,7 @@
           <p:cNvPr id="4" name="텍스트 개체 틀 3">
             <a:extLst>
               <a:ext uri="{FF2B5EF4-FFF2-40B4-BE49-F238E27FC236}">
-                <a16:creationId xmlns:a16="http://schemas.microsoft.com/office/drawing/2014/main" xmlns="" id="{FF6C4D23-A691-6C2C-8A53-CB1554B248BC}"/>
+                <a16:creationId xmlns:a16="http://schemas.microsoft.com/office/drawing/2014/main" id="{FF6C4D23-A691-6C2C-8A53-CB1554B248BC}"/>
               </a:ext>
             </a:extLst>
           </p:cNvPr>
@@ -2672,7 +2672,7 @@
           <p:cNvPr id="5" name="날짜 개체 틀 4">
             <a:extLst>
               <a:ext uri="{FF2B5EF4-FFF2-40B4-BE49-F238E27FC236}">
-                <a16:creationId xmlns:a16="http://schemas.microsoft.com/office/drawing/2014/main" xmlns="" id="{7D9F8A0C-D606-6C27-890D-3A811C31E982}"/>
+                <a16:creationId xmlns:a16="http://schemas.microsoft.com/office/drawing/2014/main" id="{7D9F8A0C-D606-6C27-890D-3A811C31E982}"/>
               </a:ext>
             </a:extLst>
           </p:cNvPr>
@@ -2690,7 +2690,7 @@
           <a:p>
             <a:fld id="{19A184CB-0BE5-43F6-BF8C-D618442184FC}" type="datetimeFigureOut">
               <a:rPr lang="en-GB" smtClean="0"/>
-              <a:t>05/03/2024</a:t>
+              <a:t>09/03/2024</a:t>
             </a:fld>
             <a:endParaRPr lang="en-GB"/>
           </a:p>
@@ -2701,7 +2701,7 @@
           <p:cNvPr id="6" name="바닥글 개체 틀 5">
             <a:extLst>
               <a:ext uri="{FF2B5EF4-FFF2-40B4-BE49-F238E27FC236}">
-                <a16:creationId xmlns:a16="http://schemas.microsoft.com/office/drawing/2014/main" xmlns="" id="{93FF41C1-9E8D-D4CE-5BF5-1F342410E10C}"/>
+                <a16:creationId xmlns:a16="http://schemas.microsoft.com/office/drawing/2014/main" id="{93FF41C1-9E8D-D4CE-5BF5-1F342410E10C}"/>
               </a:ext>
             </a:extLst>
           </p:cNvPr>
@@ -2726,7 +2726,7 @@
           <p:cNvPr id="7" name="슬라이드 번호 개체 틀 6">
             <a:extLst>
               <a:ext uri="{FF2B5EF4-FFF2-40B4-BE49-F238E27FC236}">
-                <a16:creationId xmlns:a16="http://schemas.microsoft.com/office/drawing/2014/main" xmlns="" id="{25C40A7A-28C5-9A78-3173-631A90C2E01C}"/>
+                <a16:creationId xmlns:a16="http://schemas.microsoft.com/office/drawing/2014/main" id="{25C40A7A-28C5-9A78-3173-631A90C2E01C}"/>
               </a:ext>
             </a:extLst>
           </p:cNvPr>
@@ -2790,7 +2790,7 @@
           <p:cNvPr id="2" name="제목 개체 틀 1">
             <a:extLst>
               <a:ext uri="{FF2B5EF4-FFF2-40B4-BE49-F238E27FC236}">
-                <a16:creationId xmlns:a16="http://schemas.microsoft.com/office/drawing/2014/main" xmlns="" id="{13CFF629-1EE0-03D5-B7EC-E01B65D09BDF}"/>
+                <a16:creationId xmlns:a16="http://schemas.microsoft.com/office/drawing/2014/main" id="{13CFF629-1EE0-03D5-B7EC-E01B65D09BDF}"/>
               </a:ext>
             </a:extLst>
           </p:cNvPr>
@@ -2829,7 +2829,7 @@
           <p:cNvPr id="3" name="텍스트 개체 틀 2">
             <a:extLst>
               <a:ext uri="{FF2B5EF4-FFF2-40B4-BE49-F238E27FC236}">
-                <a16:creationId xmlns:a16="http://schemas.microsoft.com/office/drawing/2014/main" xmlns="" id="{889BE61F-E1D0-DDB2-0418-C6EE6E9A27ED}"/>
+                <a16:creationId xmlns:a16="http://schemas.microsoft.com/office/drawing/2014/main" id="{889BE61F-E1D0-DDB2-0418-C6EE6E9A27ED}"/>
               </a:ext>
             </a:extLst>
           </p:cNvPr>
@@ -2897,7 +2897,7 @@
           <p:cNvPr id="4" name="날짜 개체 틀 3">
             <a:extLst>
               <a:ext uri="{FF2B5EF4-FFF2-40B4-BE49-F238E27FC236}">
-                <a16:creationId xmlns:a16="http://schemas.microsoft.com/office/drawing/2014/main" xmlns="" id="{41639F38-ADE5-9E97-1C82-D5A1FA566ABC}"/>
+                <a16:creationId xmlns:a16="http://schemas.microsoft.com/office/drawing/2014/main" id="{41639F38-ADE5-9E97-1C82-D5A1FA566ABC}"/>
               </a:ext>
             </a:extLst>
           </p:cNvPr>
@@ -2933,7 +2933,7 @@
           <a:p>
             <a:fld id="{19A184CB-0BE5-43F6-BF8C-D618442184FC}" type="datetimeFigureOut">
               <a:rPr lang="en-GB" smtClean="0"/>
-              <a:t>05/03/2024</a:t>
+              <a:t>09/03/2024</a:t>
             </a:fld>
             <a:endParaRPr lang="en-GB"/>
           </a:p>
@@ -2944,7 +2944,7 @@
           <p:cNvPr id="5" name="바닥글 개체 틀 4">
             <a:extLst>
               <a:ext uri="{FF2B5EF4-FFF2-40B4-BE49-F238E27FC236}">
-                <a16:creationId xmlns:a16="http://schemas.microsoft.com/office/drawing/2014/main" xmlns="" id="{FC30A4F6-0F6C-D11A-856B-44CC98A5B602}"/>
+                <a16:creationId xmlns:a16="http://schemas.microsoft.com/office/drawing/2014/main" id="{FC30A4F6-0F6C-D11A-856B-44CC98A5B602}"/>
               </a:ext>
             </a:extLst>
           </p:cNvPr>
@@ -2987,7 +2987,7 @@
           <p:cNvPr id="6" name="슬라이드 번호 개체 틀 5">
             <a:extLst>
               <a:ext uri="{FF2B5EF4-FFF2-40B4-BE49-F238E27FC236}">
-                <a16:creationId xmlns:a16="http://schemas.microsoft.com/office/drawing/2014/main" xmlns="" id="{65094DD9-4382-B902-73ED-CE4959595A78}"/>
+                <a16:creationId xmlns:a16="http://schemas.microsoft.com/office/drawing/2014/main" id="{65094DD9-4382-B902-73ED-CE4959595A78}"/>
               </a:ext>
             </a:extLst>
           </p:cNvPr>
@@ -3355,7 +3355,7 @@
           <p:cNvPr id="2" name="제목 1">
             <a:extLst>
               <a:ext uri="{FF2B5EF4-FFF2-40B4-BE49-F238E27FC236}">
-                <a16:creationId xmlns:a16="http://schemas.microsoft.com/office/drawing/2014/main" xmlns="" id="{F69618F1-5DDE-DA41-95B7-6015670CF558}"/>
+                <a16:creationId xmlns:a16="http://schemas.microsoft.com/office/drawing/2014/main" id="{F69618F1-5DDE-DA41-95B7-6015670CF558}"/>
               </a:ext>
             </a:extLst>
           </p:cNvPr>
@@ -3380,7 +3380,7 @@
           <p:cNvPr id="3" name="부제목 2">
             <a:extLst>
               <a:ext uri="{FF2B5EF4-FFF2-40B4-BE49-F238E27FC236}">
-                <a16:creationId xmlns:a16="http://schemas.microsoft.com/office/drawing/2014/main" xmlns="" id="{174259CA-9970-EABB-6AE3-16A293288F6E}"/>
+                <a16:creationId xmlns:a16="http://schemas.microsoft.com/office/drawing/2014/main" id="{174259CA-9970-EABB-6AE3-16A293288F6E}"/>
               </a:ext>
             </a:extLst>
           </p:cNvPr>
@@ -3432,20 +3432,23 @@
       </p:grpSpPr>
       <p:sp>
         <p:nvSpPr>
-          <p:cNvPr id="31" name="아래쪽 화살표 30"/>
+          <p:cNvPr id="37" name="직사각형 36">
+            <a:extLst>
+              <a:ext uri="{FF2B5EF4-FFF2-40B4-BE49-F238E27FC236}">
+                <a16:creationId xmlns:a16="http://schemas.microsoft.com/office/drawing/2014/main" id="{D08DFE67-2622-76E6-E7F2-2E56AF6D1306}"/>
+              </a:ext>
+            </a:extLst>
+          </p:cNvPr>
           <p:cNvSpPr/>
           <p:nvPr/>
         </p:nvSpPr>
         <p:spPr>
           <a:xfrm>
-            <a:off x="8898333" y="1993134"/>
-            <a:ext cx="377328" cy="2022155"/>
-          </a:xfrm>
-          <a:prstGeom prst="downArrow">
-            <a:avLst>
-              <a:gd name="adj1" fmla="val 71640"/>
-              <a:gd name="adj2" fmla="val 50000"/>
-            </a:avLst>
+            <a:off x="9315206" y="1268597"/>
+            <a:ext cx="870106" cy="4651189"/>
+          </a:xfrm>
+          <a:prstGeom prst="rect">
+            <a:avLst/>
           </a:prstGeom>
           <a:solidFill>
             <a:schemeClr val="bg1">
@@ -3463,7 +3466,7 @@
         <p:style>
           <a:lnRef idx="2">
             <a:schemeClr val="accent1">
-              <a:shade val="50000"/>
+              <a:shade val="15000"/>
             </a:schemeClr>
           </a:lnRef>
           <a:fillRef idx="1">
@@ -3481,7 +3484,7 @@
           <a:lstStyle/>
           <a:p>
             <a:pPr algn="ctr"/>
-            <a:endParaRPr lang="ko-KR" altLang="en-US"/>
+            <a:endParaRPr lang="en-GB"/>
           </a:p>
         </p:txBody>
       </p:sp>
@@ -3508,7 +3511,7 @@
         </p:blipFill>
         <p:spPr bwMode="auto">
           <a:xfrm>
-            <a:off x="1175308" y="728663"/>
+            <a:off x="903340" y="728663"/>
             <a:ext cx="7353300" cy="5400675"/>
           </a:xfrm>
           <a:prstGeom prst="rect">
@@ -3534,7 +3537,7 @@
         </p:nvSpPr>
         <p:spPr>
           <a:xfrm>
-            <a:off x="8761427" y="2961472"/>
+            <a:off x="9309632" y="2961472"/>
             <a:ext cx="651140" cy="276999"/>
           </a:xfrm>
           <a:prstGeom prst="rect">
@@ -3549,20 +3552,16 @@
           <a:lstStyle/>
           <a:p>
             <a:r>
-              <a:rPr lang="en-US" altLang="ko-KR" sz="1200" b="1" smtClean="0">
+              <a:rPr lang="en-US" altLang="ko-KR" sz="1200" b="1" dirty="0" err="1">
                 <a:solidFill>
-                  <a:schemeClr val="bg1">
-                    <a:lumMod val="65000"/>
-                  </a:schemeClr>
+                  <a:srgbClr val="0070C0"/>
                 </a:solidFill>
               </a:rPr>
               <a:t>Adaper</a:t>
             </a:r>
-            <a:endParaRPr lang="ko-KR" altLang="en-US" sz="1200" b="1">
+            <a:endParaRPr lang="ko-KR" altLang="en-US" sz="1200" b="1" dirty="0">
               <a:solidFill>
-                <a:schemeClr val="bg1">
-                  <a:lumMod val="65000"/>
-                </a:schemeClr>
+                <a:srgbClr val="0070C0"/>
               </a:solidFill>
             </a:endParaRPr>
           </a:p>
@@ -3576,7 +3575,7 @@
         </p:nvSpPr>
         <p:spPr>
           <a:xfrm>
-            <a:off x="8628731" y="2685245"/>
+            <a:off x="9309632" y="2685245"/>
             <a:ext cx="916533" cy="276999"/>
           </a:xfrm>
           <a:prstGeom prst="rect">
@@ -3591,20 +3590,16 @@
           <a:lstStyle/>
           <a:p>
             <a:r>
-              <a:rPr lang="en-US" altLang="ko-KR" sz="1200" b="1" smtClean="0">
+              <a:rPr lang="en-US" altLang="ko-KR" sz="1200" b="1">
                 <a:solidFill>
-                  <a:schemeClr val="bg1">
-                    <a:lumMod val="65000"/>
-                  </a:schemeClr>
+                  <a:srgbClr val="0070C0"/>
                 </a:solidFill>
               </a:rPr>
               <a:t>Application</a:t>
             </a:r>
             <a:endParaRPr lang="ko-KR" altLang="en-US" sz="1200" b="1">
               <a:solidFill>
-                <a:schemeClr val="bg1">
-                  <a:lumMod val="65000"/>
-                </a:schemeClr>
+                <a:srgbClr val="0070C0"/>
               </a:solidFill>
             </a:endParaRPr>
           </a:p>
@@ -3618,7 +3613,7 @@
         </p:nvSpPr>
         <p:spPr>
           <a:xfrm>
-            <a:off x="8742993" y="2412736"/>
+            <a:off x="9309632" y="2412736"/>
             <a:ext cx="688009" cy="276999"/>
           </a:xfrm>
           <a:prstGeom prst="rect">
@@ -3633,20 +3628,16 @@
           <a:lstStyle/>
           <a:p>
             <a:r>
-              <a:rPr lang="en-US" altLang="ko-KR" sz="1200" b="1" smtClean="0">
+              <a:rPr lang="en-US" altLang="ko-KR" sz="1200" b="1" dirty="0">
                 <a:solidFill>
-                  <a:schemeClr val="bg1">
-                    <a:lumMod val="65000"/>
-                  </a:schemeClr>
+                  <a:srgbClr val="0070C0"/>
                 </a:solidFill>
               </a:rPr>
               <a:t>Domain</a:t>
             </a:r>
-            <a:endParaRPr lang="ko-KR" altLang="en-US" sz="1200" b="1">
+            <a:endParaRPr lang="ko-KR" altLang="en-US" sz="1200" b="1" dirty="0">
               <a:solidFill>
-                <a:schemeClr val="bg1">
-                  <a:lumMod val="65000"/>
-                </a:schemeClr>
+                <a:srgbClr val="0070C0"/>
               </a:solidFill>
             </a:endParaRPr>
           </a:p>
@@ -3660,7 +3651,7 @@
         </p:nvSpPr>
         <p:spPr>
           <a:xfrm>
-            <a:off x="8694870" y="1993134"/>
+            <a:off x="9362895" y="1380080"/>
             <a:ext cx="784254" cy="369332"/>
           </a:xfrm>
           <a:prstGeom prst="rect">
@@ -3675,31 +3666,584 @@
           <a:lstStyle/>
           <a:p>
             <a:r>
-              <a:rPr lang="en-US" altLang="ko-KR" b="1" smtClean="0"/>
+              <a:rPr lang="en-US" altLang="ko-KR" b="1" dirty="0"/>
               <a:t>Layers</a:t>
             </a:r>
-            <a:endParaRPr lang="ko-KR" altLang="en-US" b="1"/>
+            <a:endParaRPr lang="ko-KR" altLang="en-US" b="1" dirty="0"/>
+          </a:p>
+        </p:txBody>
+      </p:sp>
+      <p:grpSp>
+        <p:nvGrpSpPr>
+          <p:cNvPr id="19" name="그룹 18">
+            <a:extLst>
+              <a:ext uri="{FF2B5EF4-FFF2-40B4-BE49-F238E27FC236}">
+                <a16:creationId xmlns:a16="http://schemas.microsoft.com/office/drawing/2014/main" id="{17F57FB6-ECCB-46A3-0B7C-387D6245EA5F}"/>
+              </a:ext>
+            </a:extLst>
+          </p:cNvPr>
+          <p:cNvGrpSpPr/>
+          <p:nvPr/>
+        </p:nvGrpSpPr>
+        <p:grpSpPr>
+          <a:xfrm>
+            <a:off x="6071752" y="2689735"/>
+            <a:ext cx="5216909" cy="548736"/>
+            <a:chOff x="6343720" y="2689735"/>
+            <a:chExt cx="3472961" cy="548736"/>
+          </a:xfrm>
+        </p:grpSpPr>
+        <p:cxnSp>
+          <p:nvCxnSpPr>
+            <p:cNvPr id="24" name="직선 연결선 23"/>
+            <p:cNvCxnSpPr/>
+            <p:nvPr/>
+          </p:nvCxnSpPr>
+          <p:spPr>
+            <a:xfrm>
+              <a:off x="6343720" y="2689735"/>
+              <a:ext cx="3472961" cy="0"/>
+            </a:xfrm>
+            <a:prstGeom prst="line">
+              <a:avLst/>
+            </a:prstGeom>
+            <a:ln w="9525">
+              <a:solidFill>
+                <a:schemeClr val="bg1">
+                  <a:lumMod val="50000"/>
+                </a:schemeClr>
+              </a:solidFill>
+              <a:prstDash val="dash"/>
+            </a:ln>
+          </p:spPr>
+          <p:style>
+            <a:lnRef idx="1">
+              <a:schemeClr val="accent1"/>
+            </a:lnRef>
+            <a:fillRef idx="0">
+              <a:schemeClr val="accent1"/>
+            </a:fillRef>
+            <a:effectRef idx="0">
+              <a:schemeClr val="accent1"/>
+            </a:effectRef>
+            <a:fontRef idx="minor">
+              <a:schemeClr val="tx1"/>
+            </a:fontRef>
+          </p:style>
+        </p:cxnSp>
+        <p:cxnSp>
+          <p:nvCxnSpPr>
+            <p:cNvPr id="26" name="직선 연결선 25"/>
+            <p:cNvCxnSpPr/>
+            <p:nvPr/>
+          </p:nvCxnSpPr>
+          <p:spPr>
+            <a:xfrm>
+              <a:off x="6343720" y="2962244"/>
+              <a:ext cx="3472961" cy="0"/>
+            </a:xfrm>
+            <a:prstGeom prst="line">
+              <a:avLst/>
+            </a:prstGeom>
+            <a:ln w="9525">
+              <a:solidFill>
+                <a:schemeClr val="bg1">
+                  <a:lumMod val="50000"/>
+                </a:schemeClr>
+              </a:solidFill>
+              <a:prstDash val="dash"/>
+            </a:ln>
+          </p:spPr>
+          <p:style>
+            <a:lnRef idx="1">
+              <a:schemeClr val="accent1"/>
+            </a:lnRef>
+            <a:fillRef idx="0">
+              <a:schemeClr val="accent1"/>
+            </a:fillRef>
+            <a:effectRef idx="0">
+              <a:schemeClr val="accent1"/>
+            </a:effectRef>
+            <a:fontRef idx="minor">
+              <a:schemeClr val="tx1"/>
+            </a:fontRef>
+          </p:style>
+        </p:cxnSp>
+        <p:cxnSp>
+          <p:nvCxnSpPr>
+            <p:cNvPr id="27" name="직선 연결선 26"/>
+            <p:cNvCxnSpPr/>
+            <p:nvPr/>
+          </p:nvCxnSpPr>
+          <p:spPr>
+            <a:xfrm>
+              <a:off x="6343720" y="3238471"/>
+              <a:ext cx="3472961" cy="0"/>
+            </a:xfrm>
+            <a:prstGeom prst="line">
+              <a:avLst/>
+            </a:prstGeom>
+            <a:ln w="9525">
+              <a:solidFill>
+                <a:schemeClr val="bg1">
+                  <a:lumMod val="50000"/>
+                </a:schemeClr>
+              </a:solidFill>
+              <a:prstDash val="dash"/>
+            </a:ln>
+          </p:spPr>
+          <p:style>
+            <a:lnRef idx="1">
+              <a:schemeClr val="accent1"/>
+            </a:lnRef>
+            <a:fillRef idx="0">
+              <a:schemeClr val="accent1"/>
+            </a:fillRef>
+            <a:effectRef idx="0">
+              <a:schemeClr val="accent1"/>
+            </a:effectRef>
+            <a:fontRef idx="minor">
+              <a:schemeClr val="tx1"/>
+            </a:fontRef>
+          </p:style>
+        </p:cxnSp>
+      </p:grpSp>
+      <p:sp>
+        <p:nvSpPr>
+          <p:cNvPr id="29" name="TextBox 28"/>
+          <p:cNvSpPr txBox="1"/>
+          <p:nvPr/>
+        </p:nvSpPr>
+        <p:spPr>
+          <a:xfrm>
+            <a:off x="9312882" y="1749476"/>
+            <a:ext cx="884281" cy="338554"/>
+          </a:xfrm>
+          <a:prstGeom prst="rect">
+            <a:avLst/>
+          </a:prstGeom>
+          <a:noFill/>
+        </p:spPr>
+        <p:txBody>
+          <a:bodyPr wrap="none" rtlCol="0">
+            <a:spAutoFit/>
+          </a:bodyPr>
+          <a:lstStyle/>
+          <a:p>
+            <a:r>
+              <a:rPr lang="en-US" altLang="ko-KR" sz="1600" dirty="0"/>
+              <a:t>T1.</a:t>
+            </a:r>
+            <a:r>
+              <a:rPr lang="en-US" altLang="ko-KR" sz="1600" b="1" dirty="0">
+                <a:solidFill>
+                  <a:srgbClr val="0070C0"/>
+                </a:solidFill>
+              </a:rPr>
+              <a:t>T2</a:t>
+            </a:r>
+            <a:r>
+              <a:rPr lang="en-US" altLang="ko-KR" sz="1600" dirty="0"/>
+              <a:t>.T3</a:t>
+            </a:r>
+            <a:endParaRPr lang="ko-KR" altLang="en-US" sz="1600" dirty="0"/>
+          </a:p>
+        </p:txBody>
+      </p:sp>
+      <p:sp>
+        <p:nvSpPr>
+          <p:cNvPr id="2" name="TextBox 1">
+            <a:extLst>
+              <a:ext uri="{FF2B5EF4-FFF2-40B4-BE49-F238E27FC236}">
+                <a16:creationId xmlns:a16="http://schemas.microsoft.com/office/drawing/2014/main" id="{73491BFA-AB0A-6B75-FD74-3324CFEC7FCD}"/>
+              </a:ext>
+            </a:extLst>
+          </p:cNvPr>
+          <p:cNvSpPr txBox="1"/>
+          <p:nvPr/>
+        </p:nvSpPr>
+        <p:spPr>
+          <a:xfrm>
+            <a:off x="9309632" y="3233980"/>
+            <a:ext cx="477888" cy="276999"/>
+          </a:xfrm>
+          <a:prstGeom prst="rect">
+            <a:avLst/>
+          </a:prstGeom>
+          <a:noFill/>
+        </p:spPr>
+        <p:txBody>
+          <a:bodyPr wrap="none" rtlCol="0">
+            <a:spAutoFit/>
+          </a:bodyPr>
+          <a:lstStyle/>
+          <a:p>
+            <a:r>
+              <a:rPr lang="en-US" altLang="ko-KR" sz="1200" b="1" dirty="0">
+                <a:solidFill>
+                  <a:srgbClr val="0070C0"/>
+                </a:solidFill>
+              </a:rPr>
+              <a:t>Host</a:t>
+            </a:r>
+            <a:endParaRPr lang="ko-KR" altLang="en-US" sz="1200" b="1" dirty="0">
+              <a:solidFill>
+                <a:srgbClr val="0070C0"/>
+              </a:solidFill>
+            </a:endParaRPr>
+          </a:p>
+        </p:txBody>
+      </p:sp>
+      <p:sp>
+        <p:nvSpPr>
+          <p:cNvPr id="5" name="TextBox 4">
+            <a:extLst>
+              <a:ext uri="{FF2B5EF4-FFF2-40B4-BE49-F238E27FC236}">
+                <a16:creationId xmlns:a16="http://schemas.microsoft.com/office/drawing/2014/main" id="{8AB1571B-1864-431C-7FF7-05D98A3971EE}"/>
+              </a:ext>
+            </a:extLst>
+          </p:cNvPr>
+          <p:cNvSpPr txBox="1"/>
+          <p:nvPr/>
+        </p:nvSpPr>
+        <p:spPr>
+          <a:xfrm>
+            <a:off x="8299506" y="3662062"/>
+            <a:ext cx="448969" cy="369332"/>
+          </a:xfrm>
+          <a:prstGeom prst="rect">
+            <a:avLst/>
+          </a:prstGeom>
+          <a:noFill/>
+        </p:spPr>
+        <p:txBody>
+          <a:bodyPr wrap="none" rtlCol="0">
+            <a:spAutoFit/>
+          </a:bodyPr>
+          <a:lstStyle/>
+          <a:p>
+            <a:r>
+              <a:rPr lang="en-GB" dirty="0" err="1"/>
+              <a:t>src</a:t>
+            </a:r>
+            <a:endParaRPr lang="en-GB" dirty="0"/>
+          </a:p>
+        </p:txBody>
+      </p:sp>
+      <p:sp>
+        <p:nvSpPr>
+          <p:cNvPr id="6" name="TextBox 5">
+            <a:extLst>
+              <a:ext uri="{FF2B5EF4-FFF2-40B4-BE49-F238E27FC236}">
+                <a16:creationId xmlns:a16="http://schemas.microsoft.com/office/drawing/2014/main" id="{3C0188DC-21B1-A30F-0490-306BB4969A53}"/>
+              </a:ext>
+            </a:extLst>
+          </p:cNvPr>
+          <p:cNvSpPr txBox="1"/>
+          <p:nvPr/>
+        </p:nvSpPr>
+        <p:spPr>
+          <a:xfrm>
+            <a:off x="8623404" y="4043183"/>
+            <a:ext cx="1329210" cy="276999"/>
+          </a:xfrm>
+          <a:prstGeom prst="rect">
+            <a:avLst/>
+          </a:prstGeom>
+          <a:noFill/>
+        </p:spPr>
+        <p:txBody>
+          <a:bodyPr wrap="none" rtlCol="0">
+            <a:spAutoFit/>
+          </a:bodyPr>
+          <a:lstStyle/>
+          <a:p>
+            <a:r>
+              <a:rPr lang="en-GB" sz="1200" dirty="0" err="1"/>
+              <a:t>CleanDdd.</a:t>
+            </a:r>
+            <a:r>
+              <a:rPr lang="en-GB" sz="1200" b="1" dirty="0" err="1">
+                <a:solidFill>
+                  <a:srgbClr val="0070C0"/>
+                </a:solidFill>
+              </a:rPr>
+              <a:t>Domain</a:t>
+            </a:r>
+            <a:endParaRPr lang="en-GB" sz="1200" b="1" dirty="0">
+              <a:solidFill>
+                <a:srgbClr val="0070C0"/>
+              </a:solidFill>
+            </a:endParaRPr>
+          </a:p>
+        </p:txBody>
+      </p:sp>
+      <p:sp>
+        <p:nvSpPr>
+          <p:cNvPr id="7" name="TextBox 6">
+            <a:extLst>
+              <a:ext uri="{FF2B5EF4-FFF2-40B4-BE49-F238E27FC236}">
+                <a16:creationId xmlns:a16="http://schemas.microsoft.com/office/drawing/2014/main" id="{BD0B6D3B-FE55-D2AA-AE75-CACFB21259D8}"/>
+              </a:ext>
+            </a:extLst>
+          </p:cNvPr>
+          <p:cNvSpPr txBox="1"/>
+          <p:nvPr/>
+        </p:nvSpPr>
+        <p:spPr>
+          <a:xfrm>
+            <a:off x="8623404" y="4343760"/>
+            <a:ext cx="1557734" cy="276999"/>
+          </a:xfrm>
+          <a:prstGeom prst="rect">
+            <a:avLst/>
+          </a:prstGeom>
+          <a:noFill/>
+        </p:spPr>
+        <p:txBody>
+          <a:bodyPr wrap="none" rtlCol="0">
+            <a:spAutoFit/>
+          </a:bodyPr>
+          <a:lstStyle/>
+          <a:p>
+            <a:r>
+              <a:rPr lang="en-GB" sz="1200" dirty="0" err="1"/>
+              <a:t>CleanDdd.</a:t>
+            </a:r>
+            <a:r>
+              <a:rPr lang="en-GB" sz="1200" b="1" dirty="0" err="1">
+                <a:solidFill>
+                  <a:srgbClr val="0070C0"/>
+                </a:solidFill>
+              </a:rPr>
+              <a:t>Application</a:t>
+            </a:r>
+            <a:endParaRPr lang="en-GB" sz="1200" b="1" dirty="0">
+              <a:solidFill>
+                <a:srgbClr val="0070C0"/>
+              </a:solidFill>
+            </a:endParaRPr>
+          </a:p>
+        </p:txBody>
+      </p:sp>
+      <p:sp>
+        <p:nvSpPr>
+          <p:cNvPr id="8" name="TextBox 7">
+            <a:extLst>
+              <a:ext uri="{FF2B5EF4-FFF2-40B4-BE49-F238E27FC236}">
+                <a16:creationId xmlns:a16="http://schemas.microsoft.com/office/drawing/2014/main" id="{0D94932A-D9CA-0370-1D9F-9E8F7C1075E7}"/>
+              </a:ext>
+            </a:extLst>
+          </p:cNvPr>
+          <p:cNvSpPr txBox="1"/>
+          <p:nvPr/>
+        </p:nvSpPr>
+        <p:spPr>
+          <a:xfrm>
+            <a:off x="8623404" y="4644337"/>
+            <a:ext cx="2282291" cy="276999"/>
+          </a:xfrm>
+          <a:prstGeom prst="rect">
+            <a:avLst/>
+          </a:prstGeom>
+          <a:noFill/>
+        </p:spPr>
+        <p:txBody>
+          <a:bodyPr wrap="none" rtlCol="0">
+            <a:spAutoFit/>
+          </a:bodyPr>
+          <a:lstStyle/>
+          <a:p>
+            <a:r>
+              <a:rPr lang="en-GB" sz="1200" dirty="0" err="1"/>
+              <a:t>CleanDdd.</a:t>
+            </a:r>
+            <a:r>
+              <a:rPr lang="en-GB" sz="1200" b="1" dirty="0" err="1">
+                <a:solidFill>
+                  <a:srgbClr val="0070C0"/>
+                </a:solidFill>
+              </a:rPr>
+              <a:t>Adapters</a:t>
+            </a:r>
+            <a:r>
+              <a:rPr lang="en-GB" sz="1200" dirty="0" err="1"/>
+              <a:t>.Infrastructure</a:t>
+            </a:r>
+            <a:endParaRPr lang="en-GB" sz="1200" dirty="0"/>
+          </a:p>
+        </p:txBody>
+      </p:sp>
+      <p:sp>
+        <p:nvSpPr>
+          <p:cNvPr id="11" name="TextBox 10">
+            <a:extLst>
+              <a:ext uri="{FF2B5EF4-FFF2-40B4-BE49-F238E27FC236}">
+                <a16:creationId xmlns:a16="http://schemas.microsoft.com/office/drawing/2014/main" id="{70E039FA-997D-3F76-ACC3-C2186D66CFA5}"/>
+              </a:ext>
+            </a:extLst>
+          </p:cNvPr>
+          <p:cNvSpPr txBox="1"/>
+          <p:nvPr/>
+        </p:nvSpPr>
+        <p:spPr>
+          <a:xfrm>
+            <a:off x="8623404" y="4933125"/>
+            <a:ext cx="2135136" cy="276999"/>
+          </a:xfrm>
+          <a:prstGeom prst="rect">
+            <a:avLst/>
+          </a:prstGeom>
+          <a:noFill/>
+        </p:spPr>
+        <p:txBody>
+          <a:bodyPr wrap="none" rtlCol="0">
+            <a:spAutoFit/>
+          </a:bodyPr>
+          <a:lstStyle/>
+          <a:p>
+            <a:r>
+              <a:rPr lang="en-GB" sz="1200" dirty="0" err="1"/>
+              <a:t>CleanDdd.</a:t>
+            </a:r>
+            <a:r>
+              <a:rPr lang="en-GB" sz="1200" b="1" dirty="0" err="1">
+                <a:solidFill>
+                  <a:srgbClr val="0070C0"/>
+                </a:solidFill>
+              </a:rPr>
+              <a:t>Adapters</a:t>
+            </a:r>
+            <a:r>
+              <a:rPr lang="en-GB" sz="1200" dirty="0" err="1"/>
+              <a:t>.Persistence</a:t>
+            </a:r>
+            <a:endParaRPr lang="en-GB" sz="1200" dirty="0"/>
+          </a:p>
+        </p:txBody>
+      </p:sp>
+      <p:sp>
+        <p:nvSpPr>
+          <p:cNvPr id="13" name="TextBox 12">
+            <a:extLst>
+              <a:ext uri="{FF2B5EF4-FFF2-40B4-BE49-F238E27FC236}">
+                <a16:creationId xmlns:a16="http://schemas.microsoft.com/office/drawing/2014/main" id="{650693AD-293D-9CC7-8F9D-D70FE855ECC5}"/>
+              </a:ext>
+            </a:extLst>
+          </p:cNvPr>
+          <p:cNvSpPr txBox="1"/>
+          <p:nvPr/>
+        </p:nvSpPr>
+        <p:spPr>
+          <a:xfrm>
+            <a:off x="8623404" y="5221913"/>
+            <a:ext cx="2220864" cy="276999"/>
+          </a:xfrm>
+          <a:prstGeom prst="rect">
+            <a:avLst/>
+          </a:prstGeom>
+          <a:noFill/>
+        </p:spPr>
+        <p:txBody>
+          <a:bodyPr wrap="none" rtlCol="0">
+            <a:spAutoFit/>
+          </a:bodyPr>
+          <a:lstStyle/>
+          <a:p>
+            <a:r>
+              <a:rPr lang="en-GB" sz="1200" dirty="0" err="1"/>
+              <a:t>CleanDdd.</a:t>
+            </a:r>
+            <a:r>
+              <a:rPr lang="en-GB" sz="1200" b="1" dirty="0" err="1">
+                <a:solidFill>
+                  <a:srgbClr val="0070C0"/>
+                </a:solidFill>
+              </a:rPr>
+              <a:t>Adapters</a:t>
+            </a:r>
+            <a:r>
+              <a:rPr lang="en-GB" sz="1200" dirty="0" err="1"/>
+              <a:t>.Presentation</a:t>
+            </a:r>
+            <a:endParaRPr lang="en-GB" sz="1200" dirty="0"/>
+          </a:p>
+        </p:txBody>
+      </p:sp>
+      <p:sp>
+        <p:nvSpPr>
+          <p:cNvPr id="14" name="TextBox 13">
+            <a:extLst>
+              <a:ext uri="{FF2B5EF4-FFF2-40B4-BE49-F238E27FC236}">
+                <a16:creationId xmlns:a16="http://schemas.microsoft.com/office/drawing/2014/main" id="{97B297B1-1F07-4896-052A-235CE79807B9}"/>
+              </a:ext>
+            </a:extLst>
+          </p:cNvPr>
+          <p:cNvSpPr txBox="1"/>
+          <p:nvPr/>
+        </p:nvSpPr>
+        <p:spPr>
+          <a:xfrm>
+            <a:off x="8623404" y="5522494"/>
+            <a:ext cx="1114279" cy="276999"/>
+          </a:xfrm>
+          <a:prstGeom prst="rect">
+            <a:avLst/>
+          </a:prstGeom>
+          <a:noFill/>
+        </p:spPr>
+        <p:txBody>
+          <a:bodyPr wrap="none" rtlCol="0">
+            <a:spAutoFit/>
+          </a:bodyPr>
+          <a:lstStyle/>
+          <a:p>
+            <a:r>
+              <a:rPr lang="en-GB" sz="1200" dirty="0" err="1"/>
+              <a:t>CleanDdd.</a:t>
+            </a:r>
+            <a:r>
+              <a:rPr lang="en-GB" sz="1200" b="1" dirty="0" err="1">
+                <a:solidFill>
+                  <a:srgbClr val="0070C0"/>
+                </a:solidFill>
+              </a:rPr>
+              <a:t>Host</a:t>
+            </a:r>
+            <a:endParaRPr lang="en-GB" sz="1200" b="1" dirty="0">
+              <a:solidFill>
+                <a:srgbClr val="0070C0"/>
+              </a:solidFill>
+            </a:endParaRPr>
           </a:p>
         </p:txBody>
       </p:sp>
       <p:cxnSp>
         <p:nvCxnSpPr>
-          <p:cNvPr id="24" name="직선 연결선 23"/>
-          <p:cNvCxnSpPr/>
+          <p:cNvPr id="15" name="직선 연결선 14">
+            <a:extLst>
+              <a:ext uri="{FF2B5EF4-FFF2-40B4-BE49-F238E27FC236}">
+                <a16:creationId xmlns:a16="http://schemas.microsoft.com/office/drawing/2014/main" id="{FB41DF9C-F0A4-346C-C854-1F4377D1C6A2}"/>
+              </a:ext>
+            </a:extLst>
+          </p:cNvPr>
+          <p:cNvCxnSpPr>
+            <a:cxnSpLocks/>
+          </p:cNvCxnSpPr>
           <p:nvPr/>
         </p:nvCxnSpPr>
         <p:spPr>
           <a:xfrm>
-            <a:off x="6343720" y="2689735"/>
-            <a:ext cx="3472961" cy="0"/>
+            <a:off x="8256640" y="4331971"/>
+            <a:ext cx="3032021" cy="0"/>
           </a:xfrm>
           <a:prstGeom prst="line">
             <a:avLst/>
           </a:prstGeom>
-          <a:ln>
+          <a:ln w="9525">
             <a:solidFill>
               <a:schemeClr val="bg1">
-                <a:lumMod val="65000"/>
+                <a:lumMod val="50000"/>
               </a:schemeClr>
             </a:solidFill>
             <a:prstDash val="dash"/>
@@ -3722,22 +4266,30 @@
       </p:cxnSp>
       <p:cxnSp>
         <p:nvCxnSpPr>
-          <p:cNvPr id="26" name="직선 연결선 25"/>
-          <p:cNvCxnSpPr/>
+          <p:cNvPr id="16" name="직선 연결선 15">
+            <a:extLst>
+              <a:ext uri="{FF2B5EF4-FFF2-40B4-BE49-F238E27FC236}">
+                <a16:creationId xmlns:a16="http://schemas.microsoft.com/office/drawing/2014/main" id="{21763325-2FAF-5205-6358-82B5FD1AB40D}"/>
+              </a:ext>
+            </a:extLst>
+          </p:cNvPr>
+          <p:cNvCxnSpPr>
+            <a:cxnSpLocks/>
+          </p:cNvCxnSpPr>
           <p:nvPr/>
         </p:nvCxnSpPr>
         <p:spPr>
           <a:xfrm>
-            <a:off x="6343720" y="2962244"/>
-            <a:ext cx="3472961" cy="0"/>
+            <a:off x="8256640" y="4632548"/>
+            <a:ext cx="3032021" cy="0"/>
           </a:xfrm>
           <a:prstGeom prst="line">
             <a:avLst/>
           </a:prstGeom>
-          <a:ln>
+          <a:ln w="9525">
             <a:solidFill>
               <a:schemeClr val="bg1">
-                <a:lumMod val="65000"/>
+                <a:lumMod val="50000"/>
               </a:schemeClr>
             </a:solidFill>
             <a:prstDash val="dash"/>
@@ -3760,22 +4312,30 @@
       </p:cxnSp>
       <p:cxnSp>
         <p:nvCxnSpPr>
-          <p:cNvPr id="27" name="직선 연결선 26"/>
-          <p:cNvCxnSpPr/>
+          <p:cNvPr id="17" name="직선 연결선 16">
+            <a:extLst>
+              <a:ext uri="{FF2B5EF4-FFF2-40B4-BE49-F238E27FC236}">
+                <a16:creationId xmlns:a16="http://schemas.microsoft.com/office/drawing/2014/main" id="{4CE0282E-5083-6037-8234-F9C70C9F510D}"/>
+              </a:ext>
+            </a:extLst>
+          </p:cNvPr>
+          <p:cNvCxnSpPr>
+            <a:cxnSpLocks/>
+          </p:cNvCxnSpPr>
           <p:nvPr/>
         </p:nvCxnSpPr>
         <p:spPr>
           <a:xfrm>
-            <a:off x="6343720" y="3238471"/>
-            <a:ext cx="3472961" cy="0"/>
+            <a:off x="8256640" y="5510701"/>
+            <a:ext cx="3032021" cy="0"/>
           </a:xfrm>
           <a:prstGeom prst="line">
             <a:avLst/>
           </a:prstGeom>
-          <a:ln>
+          <a:ln w="9525">
             <a:solidFill>
               <a:schemeClr val="bg1">
-                <a:lumMod val="65000"/>
+                <a:lumMod val="50000"/>
               </a:schemeClr>
             </a:solidFill>
             <a:prstDash val="dash"/>
@@ -3796,69 +4356,395 @@
           </a:fontRef>
         </p:style>
       </p:cxnSp>
-      <p:pic>
-        <p:nvPicPr>
-          <p:cNvPr id="28" name="그림 27"/>
-          <p:cNvPicPr>
-            <a:picLocks noChangeAspect="1"/>
-          </p:cNvPicPr>
+      <p:sp>
+        <p:nvSpPr>
+          <p:cNvPr id="21" name="직사각형 20">
+            <a:extLst>
+              <a:ext uri="{FF2B5EF4-FFF2-40B4-BE49-F238E27FC236}">
+                <a16:creationId xmlns:a16="http://schemas.microsoft.com/office/drawing/2014/main" id="{B4BFD0D5-E4DB-DF72-F263-2B91AFA2A441}"/>
+              </a:ext>
+            </a:extLst>
+          </p:cNvPr>
+          <p:cNvSpPr/>
           <p:nvPr/>
-        </p:nvPicPr>
-        <p:blipFill>
-          <a:blip r:embed="rId3"/>
-          <a:stretch>
-            <a:fillRect/>
-          </a:stretch>
-        </p:blipFill>
-        <p:spPr>
-          <a:xfrm>
-            <a:off x="8425893" y="4056733"/>
-            <a:ext cx="2590800" cy="1438275"/>
+        </p:nvSpPr>
+        <p:spPr>
+          <a:xfrm>
+            <a:off x="9046381" y="2471477"/>
+            <a:ext cx="183357" cy="164008"/>
           </a:xfrm>
           <a:prstGeom prst="rect">
             <a:avLst/>
           </a:prstGeom>
-        </p:spPr>
-      </p:pic>
-      <p:sp>
-        <p:nvSpPr>
-          <p:cNvPr id="29" name="TextBox 28"/>
-          <p:cNvSpPr txBox="1"/>
+          <a:solidFill>
+            <a:srgbClr val="FCFDB9"/>
+          </a:solidFill>
+        </p:spPr>
+        <p:style>
+          <a:lnRef idx="2">
+            <a:schemeClr val="accent1">
+              <a:shade val="15000"/>
+            </a:schemeClr>
+          </a:lnRef>
+          <a:fillRef idx="1">
+            <a:schemeClr val="accent1"/>
+          </a:fillRef>
+          <a:effectRef idx="0">
+            <a:schemeClr val="accent1"/>
+          </a:effectRef>
+          <a:fontRef idx="minor">
+            <a:schemeClr val="lt1"/>
+          </a:fontRef>
+        </p:style>
+        <p:txBody>
+          <a:bodyPr rtlCol="0" anchor="ctr"/>
+          <a:lstStyle/>
+          <a:p>
+            <a:pPr algn="ctr"/>
+            <a:endParaRPr lang="en-GB"/>
+          </a:p>
+        </p:txBody>
+      </p:sp>
+      <p:sp>
+        <p:nvSpPr>
+          <p:cNvPr id="25" name="직사각형 24">
+            <a:extLst>
+              <a:ext uri="{FF2B5EF4-FFF2-40B4-BE49-F238E27FC236}">
+                <a16:creationId xmlns:a16="http://schemas.microsoft.com/office/drawing/2014/main" id="{251E9527-4D0E-47F1-DDC5-B302B10F4048}"/>
+              </a:ext>
+            </a:extLst>
+          </p:cNvPr>
+          <p:cNvSpPr/>
           <p:nvPr/>
         </p:nvSpPr>
         <p:spPr>
           <a:xfrm>
-            <a:off x="8600934" y="3438567"/>
-            <a:ext cx="972126" cy="369332"/>
+            <a:off x="9046381" y="2742545"/>
+            <a:ext cx="183357" cy="164008"/>
           </a:xfrm>
           <a:prstGeom prst="rect">
             <a:avLst/>
           </a:prstGeom>
-          <a:noFill/>
-        </p:spPr>
-        <p:txBody>
-          <a:bodyPr wrap="none" rtlCol="0">
-            <a:spAutoFit/>
-          </a:bodyPr>
-          <a:lstStyle/>
-          <a:p>
-            <a:r>
-              <a:rPr lang="en-US" altLang="ko-KR" smtClean="0"/>
-              <a:t>T1.</a:t>
-            </a:r>
-            <a:r>
-              <a:rPr lang="en-US" altLang="ko-KR" b="1" smtClean="0">
-                <a:solidFill>
-                  <a:srgbClr val="0070C0"/>
-                </a:solidFill>
-              </a:rPr>
-              <a:t>T2</a:t>
-            </a:r>
-            <a:r>
-              <a:rPr lang="en-US" altLang="ko-KR" smtClean="0"/>
-              <a:t>.T3</a:t>
-            </a:r>
-            <a:endParaRPr lang="ko-KR" altLang="en-US"/>
+          <a:solidFill>
+            <a:srgbClr val="FFA6BC"/>
+          </a:solidFill>
+        </p:spPr>
+        <p:style>
+          <a:lnRef idx="2">
+            <a:schemeClr val="accent1">
+              <a:shade val="15000"/>
+            </a:schemeClr>
+          </a:lnRef>
+          <a:fillRef idx="1">
+            <a:schemeClr val="accent1"/>
+          </a:fillRef>
+          <a:effectRef idx="0">
+            <a:schemeClr val="accent1"/>
+          </a:effectRef>
+          <a:fontRef idx="minor">
+            <a:schemeClr val="lt1"/>
+          </a:fontRef>
+        </p:style>
+        <p:txBody>
+          <a:bodyPr rtlCol="0" anchor="ctr"/>
+          <a:lstStyle/>
+          <a:p>
+            <a:pPr algn="ctr"/>
+            <a:endParaRPr lang="en-GB"/>
+          </a:p>
+        </p:txBody>
+      </p:sp>
+      <p:sp>
+        <p:nvSpPr>
+          <p:cNvPr id="30" name="직사각형 29">
+            <a:extLst>
+              <a:ext uri="{FF2B5EF4-FFF2-40B4-BE49-F238E27FC236}">
+                <a16:creationId xmlns:a16="http://schemas.microsoft.com/office/drawing/2014/main" id="{65C02FDF-809E-D3AC-32E4-F432FEB014D8}"/>
+              </a:ext>
+            </a:extLst>
+          </p:cNvPr>
+          <p:cNvSpPr/>
+          <p:nvPr/>
+        </p:nvSpPr>
+        <p:spPr>
+          <a:xfrm>
+            <a:off x="9046381" y="3013613"/>
+            <a:ext cx="183357" cy="164008"/>
+          </a:xfrm>
+          <a:prstGeom prst="rect">
+            <a:avLst/>
+          </a:prstGeom>
+          <a:solidFill>
+            <a:srgbClr val="8FFFAB"/>
+          </a:solidFill>
+        </p:spPr>
+        <p:style>
+          <a:lnRef idx="2">
+            <a:schemeClr val="accent1">
+              <a:shade val="15000"/>
+            </a:schemeClr>
+          </a:lnRef>
+          <a:fillRef idx="1">
+            <a:schemeClr val="accent1"/>
+          </a:fillRef>
+          <a:effectRef idx="0">
+            <a:schemeClr val="accent1"/>
+          </a:effectRef>
+          <a:fontRef idx="minor">
+            <a:schemeClr val="lt1"/>
+          </a:fontRef>
+        </p:style>
+        <p:txBody>
+          <a:bodyPr rtlCol="0" anchor="ctr"/>
+          <a:lstStyle/>
+          <a:p>
+            <a:pPr algn="ctr"/>
+            <a:endParaRPr lang="en-GB"/>
+          </a:p>
+        </p:txBody>
+      </p:sp>
+      <p:sp>
+        <p:nvSpPr>
+          <p:cNvPr id="32" name="직사각형 31">
+            <a:extLst>
+              <a:ext uri="{FF2B5EF4-FFF2-40B4-BE49-F238E27FC236}">
+                <a16:creationId xmlns:a16="http://schemas.microsoft.com/office/drawing/2014/main" id="{A939B754-1F1C-165D-2D6B-1CA3815110F1}"/>
+              </a:ext>
+            </a:extLst>
+          </p:cNvPr>
+          <p:cNvSpPr/>
+          <p:nvPr/>
+        </p:nvSpPr>
+        <p:spPr>
+          <a:xfrm>
+            <a:off x="9046381" y="3284681"/>
+            <a:ext cx="183357" cy="164008"/>
+          </a:xfrm>
+          <a:prstGeom prst="rect">
+            <a:avLst/>
+          </a:prstGeom>
+          <a:solidFill>
+            <a:srgbClr val="BAFBFF"/>
+          </a:solidFill>
+        </p:spPr>
+        <p:style>
+          <a:lnRef idx="2">
+            <a:schemeClr val="accent1">
+              <a:shade val="15000"/>
+            </a:schemeClr>
+          </a:lnRef>
+          <a:fillRef idx="1">
+            <a:schemeClr val="accent1"/>
+          </a:fillRef>
+          <a:effectRef idx="0">
+            <a:schemeClr val="accent1"/>
+          </a:effectRef>
+          <a:fontRef idx="minor">
+            <a:schemeClr val="lt1"/>
+          </a:fontRef>
+        </p:style>
+        <p:txBody>
+          <a:bodyPr rtlCol="0" anchor="ctr"/>
+          <a:lstStyle/>
+          <a:p>
+            <a:pPr algn="ctr"/>
+            <a:endParaRPr lang="en-GB"/>
+          </a:p>
+        </p:txBody>
+      </p:sp>
+      <p:sp>
+        <p:nvSpPr>
+          <p:cNvPr id="33" name="직사각형 32">
+            <a:extLst>
+              <a:ext uri="{FF2B5EF4-FFF2-40B4-BE49-F238E27FC236}">
+                <a16:creationId xmlns:a16="http://schemas.microsoft.com/office/drawing/2014/main" id="{B1C0CBAB-4443-7559-6225-A27E7124114E}"/>
+              </a:ext>
+            </a:extLst>
+          </p:cNvPr>
+          <p:cNvSpPr/>
+          <p:nvPr/>
+        </p:nvSpPr>
+        <p:spPr>
+          <a:xfrm>
+            <a:off x="8432312" y="4096394"/>
+            <a:ext cx="183357" cy="164008"/>
+          </a:xfrm>
+          <a:prstGeom prst="rect">
+            <a:avLst/>
+          </a:prstGeom>
+          <a:solidFill>
+            <a:srgbClr val="FCFDB9"/>
+          </a:solidFill>
+        </p:spPr>
+        <p:style>
+          <a:lnRef idx="2">
+            <a:schemeClr val="accent1">
+              <a:shade val="15000"/>
+            </a:schemeClr>
+          </a:lnRef>
+          <a:fillRef idx="1">
+            <a:schemeClr val="accent1"/>
+          </a:fillRef>
+          <a:effectRef idx="0">
+            <a:schemeClr val="accent1"/>
+          </a:effectRef>
+          <a:fontRef idx="minor">
+            <a:schemeClr val="lt1"/>
+          </a:fontRef>
+        </p:style>
+        <p:txBody>
+          <a:bodyPr rtlCol="0" anchor="ctr"/>
+          <a:lstStyle/>
+          <a:p>
+            <a:pPr algn="ctr"/>
+            <a:endParaRPr lang="en-GB"/>
+          </a:p>
+        </p:txBody>
+      </p:sp>
+      <p:sp>
+        <p:nvSpPr>
+          <p:cNvPr id="34" name="직사각형 33">
+            <a:extLst>
+              <a:ext uri="{FF2B5EF4-FFF2-40B4-BE49-F238E27FC236}">
+                <a16:creationId xmlns:a16="http://schemas.microsoft.com/office/drawing/2014/main" id="{2A5A1B07-C592-77E2-9C89-C994F28BEAAF}"/>
+              </a:ext>
+            </a:extLst>
+          </p:cNvPr>
+          <p:cNvSpPr/>
+          <p:nvPr/>
+        </p:nvSpPr>
+        <p:spPr>
+          <a:xfrm>
+            <a:off x="8432312" y="4406928"/>
+            <a:ext cx="183357" cy="164008"/>
+          </a:xfrm>
+          <a:prstGeom prst="rect">
+            <a:avLst/>
+          </a:prstGeom>
+          <a:solidFill>
+            <a:srgbClr val="FFA6BC"/>
+          </a:solidFill>
+        </p:spPr>
+        <p:style>
+          <a:lnRef idx="2">
+            <a:schemeClr val="accent1">
+              <a:shade val="15000"/>
+            </a:schemeClr>
+          </a:lnRef>
+          <a:fillRef idx="1">
+            <a:schemeClr val="accent1"/>
+          </a:fillRef>
+          <a:effectRef idx="0">
+            <a:schemeClr val="accent1"/>
+          </a:effectRef>
+          <a:fontRef idx="minor">
+            <a:schemeClr val="lt1"/>
+          </a:fontRef>
+        </p:style>
+        <p:txBody>
+          <a:bodyPr rtlCol="0" anchor="ctr"/>
+          <a:lstStyle/>
+          <a:p>
+            <a:pPr algn="ctr"/>
+            <a:endParaRPr lang="en-GB"/>
+          </a:p>
+        </p:txBody>
+      </p:sp>
+      <p:sp>
+        <p:nvSpPr>
+          <p:cNvPr id="35" name="직사각형 34">
+            <a:extLst>
+              <a:ext uri="{FF2B5EF4-FFF2-40B4-BE49-F238E27FC236}">
+                <a16:creationId xmlns:a16="http://schemas.microsoft.com/office/drawing/2014/main" id="{55E9EEFA-318F-E7AE-A547-30F14BD74649}"/>
+              </a:ext>
+            </a:extLst>
+          </p:cNvPr>
+          <p:cNvSpPr/>
+          <p:nvPr/>
+        </p:nvSpPr>
+        <p:spPr>
+          <a:xfrm>
+            <a:off x="8432312" y="4991678"/>
+            <a:ext cx="183357" cy="164008"/>
+          </a:xfrm>
+          <a:prstGeom prst="rect">
+            <a:avLst/>
+          </a:prstGeom>
+          <a:solidFill>
+            <a:srgbClr val="8FFFAB"/>
+          </a:solidFill>
+        </p:spPr>
+        <p:style>
+          <a:lnRef idx="2">
+            <a:schemeClr val="accent1">
+              <a:shade val="15000"/>
+            </a:schemeClr>
+          </a:lnRef>
+          <a:fillRef idx="1">
+            <a:schemeClr val="accent1"/>
+          </a:fillRef>
+          <a:effectRef idx="0">
+            <a:schemeClr val="accent1"/>
+          </a:effectRef>
+          <a:fontRef idx="minor">
+            <a:schemeClr val="lt1"/>
+          </a:fontRef>
+        </p:style>
+        <p:txBody>
+          <a:bodyPr rtlCol="0" anchor="ctr"/>
+          <a:lstStyle/>
+          <a:p>
+            <a:pPr algn="ctr"/>
+            <a:endParaRPr lang="en-GB"/>
+          </a:p>
+        </p:txBody>
+      </p:sp>
+      <p:sp>
+        <p:nvSpPr>
+          <p:cNvPr id="36" name="직사각형 35">
+            <a:extLst>
+              <a:ext uri="{FF2B5EF4-FFF2-40B4-BE49-F238E27FC236}">
+                <a16:creationId xmlns:a16="http://schemas.microsoft.com/office/drawing/2014/main" id="{58834F78-80A3-9627-F342-345B3F4306F6}"/>
+              </a:ext>
+            </a:extLst>
+          </p:cNvPr>
+          <p:cNvSpPr/>
+          <p:nvPr/>
+        </p:nvSpPr>
+        <p:spPr>
+          <a:xfrm>
+            <a:off x="8432312" y="5580967"/>
+            <a:ext cx="183357" cy="164008"/>
+          </a:xfrm>
+          <a:prstGeom prst="rect">
+            <a:avLst/>
+          </a:prstGeom>
+          <a:solidFill>
+            <a:srgbClr val="BAFBFF"/>
+          </a:solidFill>
+        </p:spPr>
+        <p:style>
+          <a:lnRef idx="2">
+            <a:schemeClr val="accent1">
+              <a:shade val="15000"/>
+            </a:schemeClr>
+          </a:lnRef>
+          <a:fillRef idx="1">
+            <a:schemeClr val="accent1"/>
+          </a:fillRef>
+          <a:effectRef idx="0">
+            <a:schemeClr val="accent1"/>
+          </a:effectRef>
+          <a:fontRef idx="minor">
+            <a:schemeClr val="lt1"/>
+          </a:fontRef>
+        </p:style>
+        <p:txBody>
+          <a:bodyPr rtlCol="0" anchor="ctr"/>
+          <a:lstStyle/>
+          <a:p>
+            <a:pPr algn="ctr"/>
+            <a:endParaRPr lang="en-GB"/>
           </a:p>
         </p:txBody>
       </p:sp>
@@ -4019,11 +4905,11 @@
           <a:lstStyle/>
           <a:p>
             <a:r>
-              <a:rPr lang="en-US" altLang="ko-KR" smtClean="0"/>
+              <a:rPr lang="en-US" altLang="ko-KR"/>
               <a:t>T1.T2.</a:t>
             </a:r>
             <a:r>
-              <a:rPr lang="en-US" altLang="ko-KR" b="1" smtClean="0">
+              <a:rPr lang="en-US" altLang="ko-KR" b="1">
                 <a:solidFill>
                   <a:srgbClr val="0070C0"/>
                 </a:solidFill>
@@ -4097,7 +4983,7 @@
           <p:cNvPr id="5" name="그림 4">
             <a:extLst>
               <a:ext uri="{FF2B5EF4-FFF2-40B4-BE49-F238E27FC236}">
-                <a16:creationId xmlns:a16="http://schemas.microsoft.com/office/drawing/2014/main" xmlns="" id="{C66CF9E4-7429-2045-31AD-C3C0AAEBAC4E}"/>
+                <a16:creationId xmlns:a16="http://schemas.microsoft.com/office/drawing/2014/main" id="{C66CF9E4-7429-2045-31AD-C3C0AAEBAC4E}"/>
               </a:ext>
             </a:extLst>
           </p:cNvPr>
@@ -4127,7 +5013,7 @@
           <p:cNvPr id="9" name="그림 8">
             <a:extLst>
               <a:ext uri="{FF2B5EF4-FFF2-40B4-BE49-F238E27FC236}">
-                <a16:creationId xmlns:a16="http://schemas.microsoft.com/office/drawing/2014/main" xmlns="" id="{CFEFACE2-EAE9-A8B4-10F7-7B0568691D46}"/>
+                <a16:creationId xmlns:a16="http://schemas.microsoft.com/office/drawing/2014/main" id="{CFEFACE2-EAE9-A8B4-10F7-7B0568691D46}"/>
               </a:ext>
             </a:extLst>
           </p:cNvPr>
@@ -4162,7 +5048,7 @@
           <p:cNvPr id="10" name="직사각형 9">
             <a:extLst>
               <a:ext uri="{FF2B5EF4-FFF2-40B4-BE49-F238E27FC236}">
-                <a16:creationId xmlns:a16="http://schemas.microsoft.com/office/drawing/2014/main" xmlns="" id="{88B54AAB-E66D-108F-9A8E-390CB8AEC364}"/>
+                <a16:creationId xmlns:a16="http://schemas.microsoft.com/office/drawing/2014/main" id="{88B54AAB-E66D-108F-9A8E-390CB8AEC364}"/>
               </a:ext>
             </a:extLst>
           </p:cNvPr>
@@ -4217,7 +5103,7 @@
           <p:cNvPr id="12" name="직선 화살표 연결선 11">
             <a:extLst>
               <a:ext uri="{FF2B5EF4-FFF2-40B4-BE49-F238E27FC236}">
-                <a16:creationId xmlns:a16="http://schemas.microsoft.com/office/drawing/2014/main" xmlns="" id="{FC33E20D-351D-B391-80EF-AB36B522A123}"/>
+                <a16:creationId xmlns:a16="http://schemas.microsoft.com/office/drawing/2014/main" id="{FC33E20D-351D-B391-80EF-AB36B522A123}"/>
               </a:ext>
             </a:extLst>
           </p:cNvPr>
@@ -4265,7 +5151,7 @@
           <p:cNvPr id="13" name="TextBox 12">
             <a:extLst>
               <a:ext uri="{FF2B5EF4-FFF2-40B4-BE49-F238E27FC236}">
-                <a16:creationId xmlns:a16="http://schemas.microsoft.com/office/drawing/2014/main" xmlns="" id="{1392B027-5A74-988A-6375-B8E6C6582439}"/>
+                <a16:creationId xmlns:a16="http://schemas.microsoft.com/office/drawing/2014/main" id="{1392B027-5A74-988A-6375-B8E6C6582439}"/>
               </a:ext>
             </a:extLst>
           </p:cNvPr>
@@ -4326,7 +5212,7 @@
           <p:cNvPr id="14" name="직사각형 13">
             <a:extLst>
               <a:ext uri="{FF2B5EF4-FFF2-40B4-BE49-F238E27FC236}">
-                <a16:creationId xmlns:a16="http://schemas.microsoft.com/office/drawing/2014/main" xmlns="" id="{D65C9D1C-1B1D-89DF-80A2-5F3E6C2C5C36}"/>
+                <a16:creationId xmlns:a16="http://schemas.microsoft.com/office/drawing/2014/main" id="{D65C9D1C-1B1D-89DF-80A2-5F3E6C2C5C36}"/>
               </a:ext>
             </a:extLst>
           </p:cNvPr>
@@ -4380,7 +5266,7 @@
           <p:cNvPr id="15" name="직선 화살표 연결선 14">
             <a:extLst>
               <a:ext uri="{FF2B5EF4-FFF2-40B4-BE49-F238E27FC236}">
-                <a16:creationId xmlns:a16="http://schemas.microsoft.com/office/drawing/2014/main" xmlns="" id="{423EA57F-8830-43C9-70E8-0C715487F934}"/>
+                <a16:creationId xmlns:a16="http://schemas.microsoft.com/office/drawing/2014/main" id="{423EA57F-8830-43C9-70E8-0C715487F934}"/>
               </a:ext>
             </a:extLst>
           </p:cNvPr>
@@ -4426,7 +5312,7 @@
           <p:cNvPr id="18" name="직선 화살표 연결선 17">
             <a:extLst>
               <a:ext uri="{FF2B5EF4-FFF2-40B4-BE49-F238E27FC236}">
-                <a16:creationId xmlns:a16="http://schemas.microsoft.com/office/drawing/2014/main" xmlns="" id="{48105D9B-03A6-B055-7B43-110D9548121C}"/>
+                <a16:creationId xmlns:a16="http://schemas.microsoft.com/office/drawing/2014/main" id="{48105D9B-03A6-B055-7B43-110D9548121C}"/>
               </a:ext>
             </a:extLst>
           </p:cNvPr>
@@ -4472,7 +5358,7 @@
           <p:cNvPr id="22" name="직사각형 21">
             <a:extLst>
               <a:ext uri="{FF2B5EF4-FFF2-40B4-BE49-F238E27FC236}">
-                <a16:creationId xmlns:a16="http://schemas.microsoft.com/office/drawing/2014/main" xmlns="" id="{EE85E229-68EE-A531-B7CF-B59EA374055A}"/>
+                <a16:creationId xmlns:a16="http://schemas.microsoft.com/office/drawing/2014/main" id="{EE85E229-68EE-A531-B7CF-B59EA374055A}"/>
               </a:ext>
             </a:extLst>
           </p:cNvPr>
@@ -4527,7 +5413,7 @@
           <p:cNvPr id="26" name="직선 화살표 연결선 25">
             <a:extLst>
               <a:ext uri="{FF2B5EF4-FFF2-40B4-BE49-F238E27FC236}">
-                <a16:creationId xmlns:a16="http://schemas.microsoft.com/office/drawing/2014/main" xmlns="" id="{62673D90-A477-9860-407C-ABAC1BB77202}"/>
+                <a16:creationId xmlns:a16="http://schemas.microsoft.com/office/drawing/2014/main" id="{62673D90-A477-9860-407C-ABAC1BB77202}"/>
               </a:ext>
             </a:extLst>
           </p:cNvPr>
@@ -4574,7 +5460,7 @@
           <p:cNvPr id="29" name="직선 화살표 연결선 28">
             <a:extLst>
               <a:ext uri="{FF2B5EF4-FFF2-40B4-BE49-F238E27FC236}">
-                <a16:creationId xmlns:a16="http://schemas.microsoft.com/office/drawing/2014/main" xmlns="" id="{44B95310-76E0-A6FF-F9E9-E1F4AF9ADE9B}"/>
+                <a16:creationId xmlns:a16="http://schemas.microsoft.com/office/drawing/2014/main" id="{44B95310-76E0-A6FF-F9E9-E1F4AF9ADE9B}"/>
               </a:ext>
             </a:extLst>
           </p:cNvPr>
@@ -4621,7 +5507,7 @@
           <p:cNvPr id="37" name="직사각형 36">
             <a:extLst>
               <a:ext uri="{FF2B5EF4-FFF2-40B4-BE49-F238E27FC236}">
-                <a16:creationId xmlns:a16="http://schemas.microsoft.com/office/drawing/2014/main" xmlns="" id="{818D025D-43A4-994F-8E24-9BDAF01EC5E4}"/>
+                <a16:creationId xmlns:a16="http://schemas.microsoft.com/office/drawing/2014/main" id="{818D025D-43A4-994F-8E24-9BDAF01EC5E4}"/>
               </a:ext>
             </a:extLst>
           </p:cNvPr>

--- a/README.pptx
+++ b/README.pptx
@@ -7,7 +7,7 @@
   <p:sldIdLst>
     <p:sldId id="256" r:id="rId2"/>
     <p:sldId id="258" r:id="rId3"/>
-    <p:sldId id="259" r:id="rId4"/>
+    <p:sldId id="260" r:id="rId4"/>
     <p:sldId id="257" r:id="rId5"/>
   </p:sldIdLst>
   <p:sldSz cx="12192000" cy="6858000"/>
@@ -264,7 +264,7 @@
           <a:p>
             <a:fld id="{19A184CB-0BE5-43F6-BF8C-D618442184FC}" type="datetimeFigureOut">
               <a:rPr lang="en-GB" smtClean="0"/>
-              <a:t>09/03/2024</a:t>
+              <a:t>10/03/2024</a:t>
             </a:fld>
             <a:endParaRPr lang="en-GB"/>
           </a:p>
@@ -464,7 +464,7 @@
           <a:p>
             <a:fld id="{19A184CB-0BE5-43F6-BF8C-D618442184FC}" type="datetimeFigureOut">
               <a:rPr lang="en-GB" smtClean="0"/>
-              <a:t>09/03/2024</a:t>
+              <a:t>10/03/2024</a:t>
             </a:fld>
             <a:endParaRPr lang="en-GB"/>
           </a:p>
@@ -674,7 +674,7 @@
           <a:p>
             <a:fld id="{19A184CB-0BE5-43F6-BF8C-D618442184FC}" type="datetimeFigureOut">
               <a:rPr lang="en-GB" smtClean="0"/>
-              <a:t>09/03/2024</a:t>
+              <a:t>10/03/2024</a:t>
             </a:fld>
             <a:endParaRPr lang="en-GB"/>
           </a:p>
@@ -874,7 +874,7 @@
           <a:p>
             <a:fld id="{19A184CB-0BE5-43F6-BF8C-D618442184FC}" type="datetimeFigureOut">
               <a:rPr lang="en-GB" smtClean="0"/>
-              <a:t>09/03/2024</a:t>
+              <a:t>10/03/2024</a:t>
             </a:fld>
             <a:endParaRPr lang="en-GB"/>
           </a:p>
@@ -1150,7 +1150,7 @@
           <a:p>
             <a:fld id="{19A184CB-0BE5-43F6-BF8C-D618442184FC}" type="datetimeFigureOut">
               <a:rPr lang="en-GB" smtClean="0"/>
-              <a:t>09/03/2024</a:t>
+              <a:t>10/03/2024</a:t>
             </a:fld>
             <a:endParaRPr lang="en-GB"/>
           </a:p>
@@ -1418,7 +1418,7 @@
           <a:p>
             <a:fld id="{19A184CB-0BE5-43F6-BF8C-D618442184FC}" type="datetimeFigureOut">
               <a:rPr lang="en-GB" smtClean="0"/>
-              <a:t>09/03/2024</a:t>
+              <a:t>10/03/2024</a:t>
             </a:fld>
             <a:endParaRPr lang="en-GB"/>
           </a:p>
@@ -1833,7 +1833,7 @@
           <a:p>
             <a:fld id="{19A184CB-0BE5-43F6-BF8C-D618442184FC}" type="datetimeFigureOut">
               <a:rPr lang="en-GB" smtClean="0"/>
-              <a:t>09/03/2024</a:t>
+              <a:t>10/03/2024</a:t>
             </a:fld>
             <a:endParaRPr lang="en-GB"/>
           </a:p>
@@ -1975,7 +1975,7 @@
           <a:p>
             <a:fld id="{19A184CB-0BE5-43F6-BF8C-D618442184FC}" type="datetimeFigureOut">
               <a:rPr lang="en-GB" smtClean="0"/>
-              <a:t>09/03/2024</a:t>
+              <a:t>10/03/2024</a:t>
             </a:fld>
             <a:endParaRPr lang="en-GB"/>
           </a:p>
@@ -2088,7 +2088,7 @@
           <a:p>
             <a:fld id="{19A184CB-0BE5-43F6-BF8C-D618442184FC}" type="datetimeFigureOut">
               <a:rPr lang="en-GB" smtClean="0"/>
-              <a:t>09/03/2024</a:t>
+              <a:t>10/03/2024</a:t>
             </a:fld>
             <a:endParaRPr lang="en-GB"/>
           </a:p>
@@ -2401,7 +2401,7 @@
           <a:p>
             <a:fld id="{19A184CB-0BE5-43F6-BF8C-D618442184FC}" type="datetimeFigureOut">
               <a:rPr lang="en-GB" smtClean="0"/>
-              <a:t>09/03/2024</a:t>
+              <a:t>10/03/2024</a:t>
             </a:fld>
             <a:endParaRPr lang="en-GB"/>
           </a:p>
@@ -2690,7 +2690,7 @@
           <a:p>
             <a:fld id="{19A184CB-0BE5-43F6-BF8C-D618442184FC}" type="datetimeFigureOut">
               <a:rPr lang="en-GB" smtClean="0"/>
-              <a:t>09/03/2024</a:t>
+              <a:t>10/03/2024</a:t>
             </a:fld>
             <a:endParaRPr lang="en-GB"/>
           </a:p>
@@ -2933,7 +2933,7 @@
           <a:p>
             <a:fld id="{19A184CB-0BE5-43F6-BF8C-D618442184FC}" type="datetimeFigureOut">
               <a:rPr lang="en-GB" smtClean="0"/>
-              <a:t>09/03/2024</a:t>
+              <a:t>10/03/2024</a:t>
             </a:fld>
             <a:endParaRPr lang="en-GB"/>
           </a:p>
@@ -3444,8 +3444,8 @@
         </p:nvSpPr>
         <p:spPr>
           <a:xfrm>
-            <a:off x="9315206" y="1268597"/>
-            <a:ext cx="870106" cy="4651189"/>
+            <a:off x="9315206" y="3782113"/>
+            <a:ext cx="870106" cy="2137673"/>
           </a:xfrm>
           <a:prstGeom prst="rect">
             <a:avLst/>
@@ -3531,371 +3531,6 @@
       </p:pic>
       <p:sp>
         <p:nvSpPr>
-          <p:cNvPr id="10" name="TextBox 9"/>
-          <p:cNvSpPr txBox="1"/>
-          <p:nvPr/>
-        </p:nvSpPr>
-        <p:spPr>
-          <a:xfrm>
-            <a:off x="9309632" y="2961472"/>
-            <a:ext cx="651140" cy="276999"/>
-          </a:xfrm>
-          <a:prstGeom prst="rect">
-            <a:avLst/>
-          </a:prstGeom>
-          <a:noFill/>
-        </p:spPr>
-        <p:txBody>
-          <a:bodyPr wrap="none" rtlCol="0">
-            <a:spAutoFit/>
-          </a:bodyPr>
-          <a:lstStyle/>
-          <a:p>
-            <a:r>
-              <a:rPr lang="en-US" altLang="ko-KR" sz="1200" b="1" dirty="0" err="1">
-                <a:solidFill>
-                  <a:srgbClr val="0070C0"/>
-                </a:solidFill>
-              </a:rPr>
-              <a:t>Adaper</a:t>
-            </a:r>
-            <a:endParaRPr lang="ko-KR" altLang="en-US" sz="1200" b="1" dirty="0">
-              <a:solidFill>
-                <a:srgbClr val="0070C0"/>
-              </a:solidFill>
-            </a:endParaRPr>
-          </a:p>
-        </p:txBody>
-      </p:sp>
-      <p:sp>
-        <p:nvSpPr>
-          <p:cNvPr id="12" name="TextBox 11"/>
-          <p:cNvSpPr txBox="1"/>
-          <p:nvPr/>
-        </p:nvSpPr>
-        <p:spPr>
-          <a:xfrm>
-            <a:off x="9309632" y="2685245"/>
-            <a:ext cx="916533" cy="276999"/>
-          </a:xfrm>
-          <a:prstGeom prst="rect">
-            <a:avLst/>
-          </a:prstGeom>
-          <a:noFill/>
-        </p:spPr>
-        <p:txBody>
-          <a:bodyPr wrap="none" rtlCol="0">
-            <a:spAutoFit/>
-          </a:bodyPr>
-          <a:lstStyle/>
-          <a:p>
-            <a:r>
-              <a:rPr lang="en-US" altLang="ko-KR" sz="1200" b="1">
-                <a:solidFill>
-                  <a:srgbClr val="0070C0"/>
-                </a:solidFill>
-              </a:rPr>
-              <a:t>Application</a:t>
-            </a:r>
-            <a:endParaRPr lang="ko-KR" altLang="en-US" sz="1200" b="1">
-              <a:solidFill>
-                <a:srgbClr val="0070C0"/>
-              </a:solidFill>
-            </a:endParaRPr>
-          </a:p>
-        </p:txBody>
-      </p:sp>
-      <p:sp>
-        <p:nvSpPr>
-          <p:cNvPr id="22" name="TextBox 21"/>
-          <p:cNvSpPr txBox="1"/>
-          <p:nvPr/>
-        </p:nvSpPr>
-        <p:spPr>
-          <a:xfrm>
-            <a:off x="9309632" y="2412736"/>
-            <a:ext cx="688009" cy="276999"/>
-          </a:xfrm>
-          <a:prstGeom prst="rect">
-            <a:avLst/>
-          </a:prstGeom>
-          <a:noFill/>
-        </p:spPr>
-        <p:txBody>
-          <a:bodyPr wrap="none" rtlCol="0">
-            <a:spAutoFit/>
-          </a:bodyPr>
-          <a:lstStyle/>
-          <a:p>
-            <a:r>
-              <a:rPr lang="en-US" altLang="ko-KR" sz="1200" b="1" dirty="0">
-                <a:solidFill>
-                  <a:srgbClr val="0070C0"/>
-                </a:solidFill>
-              </a:rPr>
-              <a:t>Domain</a:t>
-            </a:r>
-            <a:endParaRPr lang="ko-KR" altLang="en-US" sz="1200" b="1" dirty="0">
-              <a:solidFill>
-                <a:srgbClr val="0070C0"/>
-              </a:solidFill>
-            </a:endParaRPr>
-          </a:p>
-        </p:txBody>
-      </p:sp>
-      <p:sp>
-        <p:nvSpPr>
-          <p:cNvPr id="23" name="TextBox 22"/>
-          <p:cNvSpPr txBox="1"/>
-          <p:nvPr/>
-        </p:nvSpPr>
-        <p:spPr>
-          <a:xfrm>
-            <a:off x="9362895" y="1380080"/>
-            <a:ext cx="784254" cy="369332"/>
-          </a:xfrm>
-          <a:prstGeom prst="rect">
-            <a:avLst/>
-          </a:prstGeom>
-          <a:noFill/>
-        </p:spPr>
-        <p:txBody>
-          <a:bodyPr wrap="none" rtlCol="0">
-            <a:spAutoFit/>
-          </a:bodyPr>
-          <a:lstStyle/>
-          <a:p>
-            <a:r>
-              <a:rPr lang="en-US" altLang="ko-KR" b="1" dirty="0"/>
-              <a:t>Layers</a:t>
-            </a:r>
-            <a:endParaRPr lang="ko-KR" altLang="en-US" b="1" dirty="0"/>
-          </a:p>
-        </p:txBody>
-      </p:sp>
-      <p:grpSp>
-        <p:nvGrpSpPr>
-          <p:cNvPr id="19" name="그룹 18">
-            <a:extLst>
-              <a:ext uri="{FF2B5EF4-FFF2-40B4-BE49-F238E27FC236}">
-                <a16:creationId xmlns:a16="http://schemas.microsoft.com/office/drawing/2014/main" id="{17F57FB6-ECCB-46A3-0B7C-387D6245EA5F}"/>
-              </a:ext>
-            </a:extLst>
-          </p:cNvPr>
-          <p:cNvGrpSpPr/>
-          <p:nvPr/>
-        </p:nvGrpSpPr>
-        <p:grpSpPr>
-          <a:xfrm>
-            <a:off x="6071752" y="2689735"/>
-            <a:ext cx="5216909" cy="548736"/>
-            <a:chOff x="6343720" y="2689735"/>
-            <a:chExt cx="3472961" cy="548736"/>
-          </a:xfrm>
-        </p:grpSpPr>
-        <p:cxnSp>
-          <p:nvCxnSpPr>
-            <p:cNvPr id="24" name="직선 연결선 23"/>
-            <p:cNvCxnSpPr/>
-            <p:nvPr/>
-          </p:nvCxnSpPr>
-          <p:spPr>
-            <a:xfrm>
-              <a:off x="6343720" y="2689735"/>
-              <a:ext cx="3472961" cy="0"/>
-            </a:xfrm>
-            <a:prstGeom prst="line">
-              <a:avLst/>
-            </a:prstGeom>
-            <a:ln w="9525">
-              <a:solidFill>
-                <a:schemeClr val="bg1">
-                  <a:lumMod val="50000"/>
-                </a:schemeClr>
-              </a:solidFill>
-              <a:prstDash val="dash"/>
-            </a:ln>
-          </p:spPr>
-          <p:style>
-            <a:lnRef idx="1">
-              <a:schemeClr val="accent1"/>
-            </a:lnRef>
-            <a:fillRef idx="0">
-              <a:schemeClr val="accent1"/>
-            </a:fillRef>
-            <a:effectRef idx="0">
-              <a:schemeClr val="accent1"/>
-            </a:effectRef>
-            <a:fontRef idx="minor">
-              <a:schemeClr val="tx1"/>
-            </a:fontRef>
-          </p:style>
-        </p:cxnSp>
-        <p:cxnSp>
-          <p:nvCxnSpPr>
-            <p:cNvPr id="26" name="직선 연결선 25"/>
-            <p:cNvCxnSpPr/>
-            <p:nvPr/>
-          </p:nvCxnSpPr>
-          <p:spPr>
-            <a:xfrm>
-              <a:off x="6343720" y="2962244"/>
-              <a:ext cx="3472961" cy="0"/>
-            </a:xfrm>
-            <a:prstGeom prst="line">
-              <a:avLst/>
-            </a:prstGeom>
-            <a:ln w="9525">
-              <a:solidFill>
-                <a:schemeClr val="bg1">
-                  <a:lumMod val="50000"/>
-                </a:schemeClr>
-              </a:solidFill>
-              <a:prstDash val="dash"/>
-            </a:ln>
-          </p:spPr>
-          <p:style>
-            <a:lnRef idx="1">
-              <a:schemeClr val="accent1"/>
-            </a:lnRef>
-            <a:fillRef idx="0">
-              <a:schemeClr val="accent1"/>
-            </a:fillRef>
-            <a:effectRef idx="0">
-              <a:schemeClr val="accent1"/>
-            </a:effectRef>
-            <a:fontRef idx="minor">
-              <a:schemeClr val="tx1"/>
-            </a:fontRef>
-          </p:style>
-        </p:cxnSp>
-        <p:cxnSp>
-          <p:nvCxnSpPr>
-            <p:cNvPr id="27" name="직선 연결선 26"/>
-            <p:cNvCxnSpPr/>
-            <p:nvPr/>
-          </p:nvCxnSpPr>
-          <p:spPr>
-            <a:xfrm>
-              <a:off x="6343720" y="3238471"/>
-              <a:ext cx="3472961" cy="0"/>
-            </a:xfrm>
-            <a:prstGeom prst="line">
-              <a:avLst/>
-            </a:prstGeom>
-            <a:ln w="9525">
-              <a:solidFill>
-                <a:schemeClr val="bg1">
-                  <a:lumMod val="50000"/>
-                </a:schemeClr>
-              </a:solidFill>
-              <a:prstDash val="dash"/>
-            </a:ln>
-          </p:spPr>
-          <p:style>
-            <a:lnRef idx="1">
-              <a:schemeClr val="accent1"/>
-            </a:lnRef>
-            <a:fillRef idx="0">
-              <a:schemeClr val="accent1"/>
-            </a:fillRef>
-            <a:effectRef idx="0">
-              <a:schemeClr val="accent1"/>
-            </a:effectRef>
-            <a:fontRef idx="minor">
-              <a:schemeClr val="tx1"/>
-            </a:fontRef>
-          </p:style>
-        </p:cxnSp>
-      </p:grpSp>
-      <p:sp>
-        <p:nvSpPr>
-          <p:cNvPr id="29" name="TextBox 28"/>
-          <p:cNvSpPr txBox="1"/>
-          <p:nvPr/>
-        </p:nvSpPr>
-        <p:spPr>
-          <a:xfrm>
-            <a:off x="9312882" y="1749476"/>
-            <a:ext cx="884281" cy="338554"/>
-          </a:xfrm>
-          <a:prstGeom prst="rect">
-            <a:avLst/>
-          </a:prstGeom>
-          <a:noFill/>
-        </p:spPr>
-        <p:txBody>
-          <a:bodyPr wrap="none" rtlCol="0">
-            <a:spAutoFit/>
-          </a:bodyPr>
-          <a:lstStyle/>
-          <a:p>
-            <a:r>
-              <a:rPr lang="en-US" altLang="ko-KR" sz="1600" dirty="0"/>
-              <a:t>T1.</a:t>
-            </a:r>
-            <a:r>
-              <a:rPr lang="en-US" altLang="ko-KR" sz="1600" b="1" dirty="0">
-                <a:solidFill>
-                  <a:srgbClr val="0070C0"/>
-                </a:solidFill>
-              </a:rPr>
-              <a:t>T2</a:t>
-            </a:r>
-            <a:r>
-              <a:rPr lang="en-US" altLang="ko-KR" sz="1600" dirty="0"/>
-              <a:t>.T3</a:t>
-            </a:r>
-            <a:endParaRPr lang="ko-KR" altLang="en-US" sz="1600" dirty="0"/>
-          </a:p>
-        </p:txBody>
-      </p:sp>
-      <p:sp>
-        <p:nvSpPr>
-          <p:cNvPr id="2" name="TextBox 1">
-            <a:extLst>
-              <a:ext uri="{FF2B5EF4-FFF2-40B4-BE49-F238E27FC236}">
-                <a16:creationId xmlns:a16="http://schemas.microsoft.com/office/drawing/2014/main" id="{73491BFA-AB0A-6B75-FD74-3324CFEC7FCD}"/>
-              </a:ext>
-            </a:extLst>
-          </p:cNvPr>
-          <p:cNvSpPr txBox="1"/>
-          <p:nvPr/>
-        </p:nvSpPr>
-        <p:spPr>
-          <a:xfrm>
-            <a:off x="9309632" y="3233980"/>
-            <a:ext cx="477888" cy="276999"/>
-          </a:xfrm>
-          <a:prstGeom prst="rect">
-            <a:avLst/>
-          </a:prstGeom>
-          <a:noFill/>
-        </p:spPr>
-        <p:txBody>
-          <a:bodyPr wrap="none" rtlCol="0">
-            <a:spAutoFit/>
-          </a:bodyPr>
-          <a:lstStyle/>
-          <a:p>
-            <a:r>
-              <a:rPr lang="en-US" altLang="ko-KR" sz="1200" b="1" dirty="0">
-                <a:solidFill>
-                  <a:srgbClr val="0070C0"/>
-                </a:solidFill>
-              </a:rPr>
-              <a:t>Host</a:t>
-            </a:r>
-            <a:endParaRPr lang="ko-KR" altLang="en-US" sz="1200" b="1" dirty="0">
-              <a:solidFill>
-                <a:srgbClr val="0070C0"/>
-              </a:solidFill>
-            </a:endParaRPr>
-          </a:p>
-        </p:txBody>
-      </p:sp>
-      <p:sp>
-        <p:nvSpPr>
           <p:cNvPr id="5" name="TextBox 4">
             <a:extLst>
               <a:ext uri="{FF2B5EF4-FFF2-40B4-BE49-F238E27FC236}">
@@ -4358,10 +3993,10 @@
       </p:cxnSp>
       <p:sp>
         <p:nvSpPr>
-          <p:cNvPr id="21" name="직사각형 20">
-            <a:extLst>
-              <a:ext uri="{FF2B5EF4-FFF2-40B4-BE49-F238E27FC236}">
-                <a16:creationId xmlns:a16="http://schemas.microsoft.com/office/drawing/2014/main" id="{B4BFD0D5-E4DB-DF72-F263-2B91AFA2A441}"/>
+          <p:cNvPr id="33" name="직사각형 32">
+            <a:extLst>
+              <a:ext uri="{FF2B5EF4-FFF2-40B4-BE49-F238E27FC236}">
+                <a16:creationId xmlns:a16="http://schemas.microsoft.com/office/drawing/2014/main" id="{B1C0CBAB-4443-7559-6225-A27E7124114E}"/>
               </a:ext>
             </a:extLst>
           </p:cNvPr>
@@ -4370,7 +4005,7 @@
         </p:nvSpPr>
         <p:spPr>
           <a:xfrm>
-            <a:off x="9046381" y="2471477"/>
+            <a:off x="8432312" y="4096394"/>
             <a:ext cx="183357" cy="164008"/>
           </a:xfrm>
           <a:prstGeom prst="rect">
@@ -4407,10 +4042,10 @@
       </p:sp>
       <p:sp>
         <p:nvSpPr>
-          <p:cNvPr id="25" name="직사각형 24">
-            <a:extLst>
-              <a:ext uri="{FF2B5EF4-FFF2-40B4-BE49-F238E27FC236}">
-                <a16:creationId xmlns:a16="http://schemas.microsoft.com/office/drawing/2014/main" id="{251E9527-4D0E-47F1-DDC5-B302B10F4048}"/>
+          <p:cNvPr id="34" name="직사각형 33">
+            <a:extLst>
+              <a:ext uri="{FF2B5EF4-FFF2-40B4-BE49-F238E27FC236}">
+                <a16:creationId xmlns:a16="http://schemas.microsoft.com/office/drawing/2014/main" id="{2A5A1B07-C592-77E2-9C89-C994F28BEAAF}"/>
               </a:ext>
             </a:extLst>
           </p:cNvPr>
@@ -4419,7 +4054,7 @@
         </p:nvSpPr>
         <p:spPr>
           <a:xfrm>
-            <a:off x="9046381" y="2742545"/>
+            <a:off x="8432312" y="4406928"/>
             <a:ext cx="183357" cy="164008"/>
           </a:xfrm>
           <a:prstGeom prst="rect">
@@ -4456,10 +4091,10 @@
       </p:sp>
       <p:sp>
         <p:nvSpPr>
-          <p:cNvPr id="30" name="직사각형 29">
-            <a:extLst>
-              <a:ext uri="{FF2B5EF4-FFF2-40B4-BE49-F238E27FC236}">
-                <a16:creationId xmlns:a16="http://schemas.microsoft.com/office/drawing/2014/main" id="{65C02FDF-809E-D3AC-32E4-F432FEB014D8}"/>
+          <p:cNvPr id="35" name="직사각형 34">
+            <a:extLst>
+              <a:ext uri="{FF2B5EF4-FFF2-40B4-BE49-F238E27FC236}">
+                <a16:creationId xmlns:a16="http://schemas.microsoft.com/office/drawing/2014/main" id="{55E9EEFA-318F-E7AE-A547-30F14BD74649}"/>
               </a:ext>
             </a:extLst>
           </p:cNvPr>
@@ -4468,7 +4103,7 @@
         </p:nvSpPr>
         <p:spPr>
           <a:xfrm>
-            <a:off x="9046381" y="3013613"/>
+            <a:off x="8432312" y="4991678"/>
             <a:ext cx="183357" cy="164008"/>
           </a:xfrm>
           <a:prstGeom prst="rect">
@@ -4505,10 +4140,10 @@
       </p:sp>
       <p:sp>
         <p:nvSpPr>
-          <p:cNvPr id="32" name="직사각형 31">
-            <a:extLst>
-              <a:ext uri="{FF2B5EF4-FFF2-40B4-BE49-F238E27FC236}">
-                <a16:creationId xmlns:a16="http://schemas.microsoft.com/office/drawing/2014/main" id="{A939B754-1F1C-165D-2D6B-1CA3815110F1}"/>
+          <p:cNvPr id="36" name="직사각형 35">
+            <a:extLst>
+              <a:ext uri="{FF2B5EF4-FFF2-40B4-BE49-F238E27FC236}">
+                <a16:creationId xmlns:a16="http://schemas.microsoft.com/office/drawing/2014/main" id="{58834F78-80A3-9627-F342-345B3F4306F6}"/>
               </a:ext>
             </a:extLst>
           </p:cNvPr>
@@ -4517,7 +4152,7 @@
         </p:nvSpPr>
         <p:spPr>
           <a:xfrm>
-            <a:off x="9046381" y="3284681"/>
+            <a:off x="8432312" y="5580967"/>
             <a:ext cx="183357" cy="164008"/>
           </a:xfrm>
           <a:prstGeom prst="rect">
@@ -4554,10 +4189,10 @@
       </p:sp>
       <p:sp>
         <p:nvSpPr>
-          <p:cNvPr id="33" name="직사각형 32">
-            <a:extLst>
-              <a:ext uri="{FF2B5EF4-FFF2-40B4-BE49-F238E27FC236}">
-                <a16:creationId xmlns:a16="http://schemas.microsoft.com/office/drawing/2014/main" id="{B1C0CBAB-4443-7559-6225-A27E7124114E}"/>
+          <p:cNvPr id="3" name="평행 사변형 2">
+            <a:extLst>
+              <a:ext uri="{FF2B5EF4-FFF2-40B4-BE49-F238E27FC236}">
+                <a16:creationId xmlns:a16="http://schemas.microsoft.com/office/drawing/2014/main" id="{40D94431-966B-E643-F3AC-F39B394E6945}"/>
               </a:ext>
             </a:extLst>
           </p:cNvPr>
@@ -4565,16 +4200,27 @@
           <p:nvPr/>
         </p:nvSpPr>
         <p:spPr>
-          <a:xfrm>
-            <a:off x="8432312" y="4096394"/>
-            <a:ext cx="183357" cy="164008"/>
-          </a:xfrm>
-          <a:prstGeom prst="rect">
-            <a:avLst/>
+          <a:xfrm flipH="1">
+            <a:off x="8741978" y="3591595"/>
+            <a:ext cx="1439160" cy="190517"/>
+          </a:xfrm>
+          <a:prstGeom prst="parallelogram">
+            <a:avLst>
+              <a:gd name="adj" fmla="val 309641"/>
+            </a:avLst>
           </a:prstGeom>
           <a:solidFill>
-            <a:srgbClr val="FCFDB9"/>
+            <a:schemeClr val="bg1">
+              <a:lumMod val="95000"/>
+            </a:schemeClr>
           </a:solidFill>
+          <a:ln>
+            <a:solidFill>
+              <a:schemeClr val="bg1">
+                <a:lumMod val="95000"/>
+              </a:schemeClr>
+            </a:solidFill>
+          </a:ln>
         </p:spPr>
         <p:style>
           <a:lnRef idx="2">
@@ -4603,10 +4249,10 @@
       </p:sp>
       <p:sp>
         <p:nvSpPr>
-          <p:cNvPr id="34" name="직사각형 33">
-            <a:extLst>
-              <a:ext uri="{FF2B5EF4-FFF2-40B4-BE49-F238E27FC236}">
-                <a16:creationId xmlns:a16="http://schemas.microsoft.com/office/drawing/2014/main" id="{2A5A1B07-C592-77E2-9C89-C994F28BEAAF}"/>
+          <p:cNvPr id="9" name="직사각형 8">
+            <a:extLst>
+              <a:ext uri="{FF2B5EF4-FFF2-40B4-BE49-F238E27FC236}">
+                <a16:creationId xmlns:a16="http://schemas.microsoft.com/office/drawing/2014/main" id="{327AD5D2-4BDB-0E1F-60EE-3A312D50F798}"/>
               </a:ext>
             </a:extLst>
           </p:cNvPr>
@@ -4615,15 +4261,24 @@
         </p:nvSpPr>
         <p:spPr>
           <a:xfrm>
-            <a:off x="8432312" y="4406928"/>
-            <a:ext cx="183357" cy="164008"/>
+            <a:off x="8711317" y="1336637"/>
+            <a:ext cx="870106" cy="2250468"/>
           </a:xfrm>
           <a:prstGeom prst="rect">
             <a:avLst/>
           </a:prstGeom>
           <a:solidFill>
-            <a:srgbClr val="FFA6BC"/>
+            <a:schemeClr val="bg1">
+              <a:lumMod val="95000"/>
+            </a:schemeClr>
           </a:solidFill>
+          <a:ln>
+            <a:solidFill>
+              <a:schemeClr val="bg1">
+                <a:lumMod val="95000"/>
+              </a:schemeClr>
+            </a:solidFill>
+          </a:ln>
         </p:spPr>
         <p:style>
           <a:lnRef idx="2">
@@ -4652,10 +4307,240 @@
       </p:sp>
       <p:sp>
         <p:nvSpPr>
-          <p:cNvPr id="35" name="직사각형 34">
-            <a:extLst>
-              <a:ext uri="{FF2B5EF4-FFF2-40B4-BE49-F238E27FC236}">
-                <a16:creationId xmlns:a16="http://schemas.microsoft.com/office/drawing/2014/main" id="{55E9EEFA-318F-E7AE-A547-30F14BD74649}"/>
+          <p:cNvPr id="23" name="TextBox 22"/>
+          <p:cNvSpPr txBox="1"/>
+          <p:nvPr/>
+        </p:nvSpPr>
+        <p:spPr>
+          <a:xfrm>
+            <a:off x="8754243" y="1389912"/>
+            <a:ext cx="784254" cy="369332"/>
+          </a:xfrm>
+          <a:prstGeom prst="rect">
+            <a:avLst/>
+          </a:prstGeom>
+          <a:noFill/>
+        </p:spPr>
+        <p:txBody>
+          <a:bodyPr wrap="none" rtlCol="0">
+            <a:spAutoFit/>
+          </a:bodyPr>
+          <a:lstStyle/>
+          <a:p>
+            <a:r>
+              <a:rPr lang="en-US" altLang="ko-KR" b="1" dirty="0"/>
+              <a:t>Layers</a:t>
+            </a:r>
+            <a:endParaRPr lang="ko-KR" altLang="en-US" b="1" dirty="0"/>
+          </a:p>
+        </p:txBody>
+      </p:sp>
+      <p:sp>
+        <p:nvSpPr>
+          <p:cNvPr id="29" name="TextBox 28"/>
+          <p:cNvSpPr txBox="1"/>
+          <p:nvPr/>
+        </p:nvSpPr>
+        <p:spPr>
+          <a:xfrm>
+            <a:off x="8704230" y="1759308"/>
+            <a:ext cx="884281" cy="338554"/>
+          </a:xfrm>
+          <a:prstGeom prst="rect">
+            <a:avLst/>
+          </a:prstGeom>
+          <a:noFill/>
+        </p:spPr>
+        <p:txBody>
+          <a:bodyPr wrap="none" rtlCol="0">
+            <a:spAutoFit/>
+          </a:bodyPr>
+          <a:lstStyle/>
+          <a:p>
+            <a:r>
+              <a:rPr lang="en-US" altLang="ko-KR" sz="1600" dirty="0"/>
+              <a:t>T1.</a:t>
+            </a:r>
+            <a:r>
+              <a:rPr lang="en-US" altLang="ko-KR" sz="1600" b="1" dirty="0">
+                <a:solidFill>
+                  <a:srgbClr val="0070C0"/>
+                </a:solidFill>
+              </a:rPr>
+              <a:t>T2</a:t>
+            </a:r>
+            <a:r>
+              <a:rPr lang="en-US" altLang="ko-KR" sz="1600" dirty="0"/>
+              <a:t>.T3</a:t>
+            </a:r>
+            <a:endParaRPr lang="ko-KR" altLang="en-US" sz="1600" dirty="0"/>
+          </a:p>
+        </p:txBody>
+      </p:sp>
+      <p:sp>
+        <p:nvSpPr>
+          <p:cNvPr id="10" name="TextBox 9"/>
+          <p:cNvSpPr txBox="1"/>
+          <p:nvPr/>
+        </p:nvSpPr>
+        <p:spPr>
+          <a:xfrm>
+            <a:off x="8695563" y="2961472"/>
+            <a:ext cx="701602" cy="276999"/>
+          </a:xfrm>
+          <a:prstGeom prst="rect">
+            <a:avLst/>
+          </a:prstGeom>
+          <a:noFill/>
+        </p:spPr>
+        <p:txBody>
+          <a:bodyPr wrap="none" rtlCol="0">
+            <a:spAutoFit/>
+          </a:bodyPr>
+          <a:lstStyle/>
+          <a:p>
+            <a:r>
+              <a:rPr lang="en-US" altLang="ko-KR" sz="1200" b="1" dirty="0">
+                <a:solidFill>
+                  <a:srgbClr val="0070C0"/>
+                </a:solidFill>
+              </a:rPr>
+              <a:t>Adapter</a:t>
+            </a:r>
+            <a:endParaRPr lang="ko-KR" altLang="en-US" sz="1200" b="1" dirty="0">
+              <a:solidFill>
+                <a:srgbClr val="0070C0"/>
+              </a:solidFill>
+            </a:endParaRPr>
+          </a:p>
+        </p:txBody>
+      </p:sp>
+      <p:sp>
+        <p:nvSpPr>
+          <p:cNvPr id="12" name="TextBox 11"/>
+          <p:cNvSpPr txBox="1"/>
+          <p:nvPr/>
+        </p:nvSpPr>
+        <p:spPr>
+          <a:xfrm>
+            <a:off x="8695563" y="2685245"/>
+            <a:ext cx="916533" cy="276999"/>
+          </a:xfrm>
+          <a:prstGeom prst="rect">
+            <a:avLst/>
+          </a:prstGeom>
+          <a:noFill/>
+        </p:spPr>
+        <p:txBody>
+          <a:bodyPr wrap="none" rtlCol="0">
+            <a:spAutoFit/>
+          </a:bodyPr>
+          <a:lstStyle/>
+          <a:p>
+            <a:r>
+              <a:rPr lang="en-US" altLang="ko-KR" sz="1200" b="1">
+                <a:solidFill>
+                  <a:srgbClr val="0070C0"/>
+                </a:solidFill>
+              </a:rPr>
+              <a:t>Application</a:t>
+            </a:r>
+            <a:endParaRPr lang="ko-KR" altLang="en-US" sz="1200" b="1">
+              <a:solidFill>
+                <a:srgbClr val="0070C0"/>
+              </a:solidFill>
+            </a:endParaRPr>
+          </a:p>
+        </p:txBody>
+      </p:sp>
+      <p:sp>
+        <p:nvSpPr>
+          <p:cNvPr id="22" name="TextBox 21"/>
+          <p:cNvSpPr txBox="1"/>
+          <p:nvPr/>
+        </p:nvSpPr>
+        <p:spPr>
+          <a:xfrm>
+            <a:off x="8695563" y="2412736"/>
+            <a:ext cx="688009" cy="276999"/>
+          </a:xfrm>
+          <a:prstGeom prst="rect">
+            <a:avLst/>
+          </a:prstGeom>
+          <a:noFill/>
+        </p:spPr>
+        <p:txBody>
+          <a:bodyPr wrap="none" rtlCol="0">
+            <a:spAutoFit/>
+          </a:bodyPr>
+          <a:lstStyle/>
+          <a:p>
+            <a:r>
+              <a:rPr lang="en-US" altLang="ko-KR" sz="1200" b="1" dirty="0">
+                <a:solidFill>
+                  <a:srgbClr val="0070C0"/>
+                </a:solidFill>
+              </a:rPr>
+              <a:t>Domain</a:t>
+            </a:r>
+            <a:endParaRPr lang="ko-KR" altLang="en-US" sz="1200" b="1" dirty="0">
+              <a:solidFill>
+                <a:srgbClr val="0070C0"/>
+              </a:solidFill>
+            </a:endParaRPr>
+          </a:p>
+        </p:txBody>
+      </p:sp>
+      <p:sp>
+        <p:nvSpPr>
+          <p:cNvPr id="2" name="TextBox 1">
+            <a:extLst>
+              <a:ext uri="{FF2B5EF4-FFF2-40B4-BE49-F238E27FC236}">
+                <a16:creationId xmlns:a16="http://schemas.microsoft.com/office/drawing/2014/main" id="{73491BFA-AB0A-6B75-FD74-3324CFEC7FCD}"/>
+              </a:ext>
+            </a:extLst>
+          </p:cNvPr>
+          <p:cNvSpPr txBox="1"/>
+          <p:nvPr/>
+        </p:nvSpPr>
+        <p:spPr>
+          <a:xfrm>
+            <a:off x="8695563" y="3233980"/>
+            <a:ext cx="477888" cy="276999"/>
+          </a:xfrm>
+          <a:prstGeom prst="rect">
+            <a:avLst/>
+          </a:prstGeom>
+          <a:noFill/>
+        </p:spPr>
+        <p:txBody>
+          <a:bodyPr wrap="none" rtlCol="0">
+            <a:spAutoFit/>
+          </a:bodyPr>
+          <a:lstStyle/>
+          <a:p>
+            <a:r>
+              <a:rPr lang="en-US" altLang="ko-KR" sz="1200" b="1" dirty="0">
+                <a:solidFill>
+                  <a:srgbClr val="0070C0"/>
+                </a:solidFill>
+              </a:rPr>
+              <a:t>Host</a:t>
+            </a:r>
+            <a:endParaRPr lang="ko-KR" altLang="en-US" sz="1200" b="1" dirty="0">
+              <a:solidFill>
+                <a:srgbClr val="0070C0"/>
+              </a:solidFill>
+            </a:endParaRPr>
+          </a:p>
+        </p:txBody>
+      </p:sp>
+      <p:sp>
+        <p:nvSpPr>
+          <p:cNvPr id="21" name="직사각형 20">
+            <a:extLst>
+              <a:ext uri="{FF2B5EF4-FFF2-40B4-BE49-F238E27FC236}">
+                <a16:creationId xmlns:a16="http://schemas.microsoft.com/office/drawing/2014/main" id="{B4BFD0D5-E4DB-DF72-F263-2B91AFA2A441}"/>
               </a:ext>
             </a:extLst>
           </p:cNvPr>
@@ -4664,14 +4549,14 @@
         </p:nvSpPr>
         <p:spPr>
           <a:xfrm>
-            <a:off x="8432312" y="4991678"/>
+            <a:off x="8432312" y="2471477"/>
             <a:ext cx="183357" cy="164008"/>
           </a:xfrm>
           <a:prstGeom prst="rect">
             <a:avLst/>
           </a:prstGeom>
           <a:solidFill>
-            <a:srgbClr val="8FFFAB"/>
+            <a:srgbClr val="FCFDB9"/>
           </a:solidFill>
         </p:spPr>
         <p:style>
@@ -4701,10 +4586,10 @@
       </p:sp>
       <p:sp>
         <p:nvSpPr>
-          <p:cNvPr id="36" name="직사각형 35">
-            <a:extLst>
-              <a:ext uri="{FF2B5EF4-FFF2-40B4-BE49-F238E27FC236}">
-                <a16:creationId xmlns:a16="http://schemas.microsoft.com/office/drawing/2014/main" id="{58834F78-80A3-9627-F342-345B3F4306F6}"/>
+          <p:cNvPr id="25" name="직사각형 24">
+            <a:extLst>
+              <a:ext uri="{FF2B5EF4-FFF2-40B4-BE49-F238E27FC236}">
+                <a16:creationId xmlns:a16="http://schemas.microsoft.com/office/drawing/2014/main" id="{251E9527-4D0E-47F1-DDC5-B302B10F4048}"/>
               </a:ext>
             </a:extLst>
           </p:cNvPr>
@@ -4713,14 +4598,14 @@
         </p:nvSpPr>
         <p:spPr>
           <a:xfrm>
-            <a:off x="8432312" y="5580967"/>
+            <a:off x="8432312" y="2742545"/>
             <a:ext cx="183357" cy="164008"/>
           </a:xfrm>
           <a:prstGeom prst="rect">
             <a:avLst/>
           </a:prstGeom>
           <a:solidFill>
-            <a:srgbClr val="BAFBFF"/>
+            <a:srgbClr val="FFA6BC"/>
           </a:solidFill>
         </p:spPr>
         <p:style>
@@ -4748,6 +4633,218 @@
           </a:p>
         </p:txBody>
       </p:sp>
+      <p:sp>
+        <p:nvSpPr>
+          <p:cNvPr id="30" name="직사각형 29">
+            <a:extLst>
+              <a:ext uri="{FF2B5EF4-FFF2-40B4-BE49-F238E27FC236}">
+                <a16:creationId xmlns:a16="http://schemas.microsoft.com/office/drawing/2014/main" id="{65C02FDF-809E-D3AC-32E4-F432FEB014D8}"/>
+              </a:ext>
+            </a:extLst>
+          </p:cNvPr>
+          <p:cNvSpPr/>
+          <p:nvPr/>
+        </p:nvSpPr>
+        <p:spPr>
+          <a:xfrm>
+            <a:off x="8432312" y="3013613"/>
+            <a:ext cx="183357" cy="164008"/>
+          </a:xfrm>
+          <a:prstGeom prst="rect">
+            <a:avLst/>
+          </a:prstGeom>
+          <a:solidFill>
+            <a:srgbClr val="8FFFAB"/>
+          </a:solidFill>
+        </p:spPr>
+        <p:style>
+          <a:lnRef idx="2">
+            <a:schemeClr val="accent1">
+              <a:shade val="15000"/>
+            </a:schemeClr>
+          </a:lnRef>
+          <a:fillRef idx="1">
+            <a:schemeClr val="accent1"/>
+          </a:fillRef>
+          <a:effectRef idx="0">
+            <a:schemeClr val="accent1"/>
+          </a:effectRef>
+          <a:fontRef idx="minor">
+            <a:schemeClr val="lt1"/>
+          </a:fontRef>
+        </p:style>
+        <p:txBody>
+          <a:bodyPr rtlCol="0" anchor="ctr"/>
+          <a:lstStyle/>
+          <a:p>
+            <a:pPr algn="ctr"/>
+            <a:endParaRPr lang="en-GB"/>
+          </a:p>
+        </p:txBody>
+      </p:sp>
+      <p:sp>
+        <p:nvSpPr>
+          <p:cNvPr id="32" name="직사각형 31">
+            <a:extLst>
+              <a:ext uri="{FF2B5EF4-FFF2-40B4-BE49-F238E27FC236}">
+                <a16:creationId xmlns:a16="http://schemas.microsoft.com/office/drawing/2014/main" id="{A939B754-1F1C-165D-2D6B-1CA3815110F1}"/>
+              </a:ext>
+            </a:extLst>
+          </p:cNvPr>
+          <p:cNvSpPr/>
+          <p:nvPr/>
+        </p:nvSpPr>
+        <p:spPr>
+          <a:xfrm>
+            <a:off x="8432312" y="3284681"/>
+            <a:ext cx="183357" cy="164008"/>
+          </a:xfrm>
+          <a:prstGeom prst="rect">
+            <a:avLst/>
+          </a:prstGeom>
+          <a:solidFill>
+            <a:srgbClr val="BAFBFF"/>
+          </a:solidFill>
+        </p:spPr>
+        <p:style>
+          <a:lnRef idx="2">
+            <a:schemeClr val="accent1">
+              <a:shade val="15000"/>
+            </a:schemeClr>
+          </a:lnRef>
+          <a:fillRef idx="1">
+            <a:schemeClr val="accent1"/>
+          </a:fillRef>
+          <a:effectRef idx="0">
+            <a:schemeClr val="accent1"/>
+          </a:effectRef>
+          <a:fontRef idx="minor">
+            <a:schemeClr val="lt1"/>
+          </a:fontRef>
+        </p:style>
+        <p:txBody>
+          <a:bodyPr rtlCol="0" anchor="ctr"/>
+          <a:lstStyle/>
+          <a:p>
+            <a:pPr algn="ctr"/>
+            <a:endParaRPr lang="en-GB"/>
+          </a:p>
+        </p:txBody>
+      </p:sp>
+      <p:cxnSp>
+        <p:nvCxnSpPr>
+          <p:cNvPr id="24" name="직선 연결선 23"/>
+          <p:cNvCxnSpPr/>
+          <p:nvPr/>
+        </p:nvCxnSpPr>
+        <p:spPr>
+          <a:xfrm>
+            <a:off x="6071752" y="2689735"/>
+            <a:ext cx="5216909" cy="0"/>
+          </a:xfrm>
+          <a:prstGeom prst="line">
+            <a:avLst/>
+          </a:prstGeom>
+          <a:ln w="9525">
+            <a:solidFill>
+              <a:schemeClr val="bg1">
+                <a:lumMod val="50000"/>
+              </a:schemeClr>
+            </a:solidFill>
+            <a:prstDash val="dash"/>
+          </a:ln>
+        </p:spPr>
+        <p:style>
+          <a:lnRef idx="1">
+            <a:schemeClr val="accent1"/>
+          </a:lnRef>
+          <a:fillRef idx="0">
+            <a:schemeClr val="accent1"/>
+          </a:fillRef>
+          <a:effectRef idx="0">
+            <a:schemeClr val="accent1"/>
+          </a:effectRef>
+          <a:fontRef idx="minor">
+            <a:schemeClr val="tx1"/>
+          </a:fontRef>
+        </p:style>
+      </p:cxnSp>
+      <p:cxnSp>
+        <p:nvCxnSpPr>
+          <p:cNvPr id="26" name="직선 연결선 25"/>
+          <p:cNvCxnSpPr/>
+          <p:nvPr/>
+        </p:nvCxnSpPr>
+        <p:spPr>
+          <a:xfrm>
+            <a:off x="6071752" y="2962244"/>
+            <a:ext cx="5216909" cy="0"/>
+          </a:xfrm>
+          <a:prstGeom prst="line">
+            <a:avLst/>
+          </a:prstGeom>
+          <a:ln w="9525">
+            <a:solidFill>
+              <a:schemeClr val="bg1">
+                <a:lumMod val="50000"/>
+              </a:schemeClr>
+            </a:solidFill>
+            <a:prstDash val="dash"/>
+          </a:ln>
+        </p:spPr>
+        <p:style>
+          <a:lnRef idx="1">
+            <a:schemeClr val="accent1"/>
+          </a:lnRef>
+          <a:fillRef idx="0">
+            <a:schemeClr val="accent1"/>
+          </a:fillRef>
+          <a:effectRef idx="0">
+            <a:schemeClr val="accent1"/>
+          </a:effectRef>
+          <a:fontRef idx="minor">
+            <a:schemeClr val="tx1"/>
+          </a:fontRef>
+        </p:style>
+      </p:cxnSp>
+      <p:cxnSp>
+        <p:nvCxnSpPr>
+          <p:cNvPr id="27" name="직선 연결선 26"/>
+          <p:cNvCxnSpPr/>
+          <p:nvPr/>
+        </p:nvCxnSpPr>
+        <p:spPr>
+          <a:xfrm>
+            <a:off x="6071752" y="3238471"/>
+            <a:ext cx="5216909" cy="0"/>
+          </a:xfrm>
+          <a:prstGeom prst="line">
+            <a:avLst/>
+          </a:prstGeom>
+          <a:ln w="9525">
+            <a:solidFill>
+              <a:schemeClr val="bg1">
+                <a:lumMod val="50000"/>
+              </a:schemeClr>
+            </a:solidFill>
+            <a:prstDash val="dash"/>
+          </a:ln>
+        </p:spPr>
+        <p:style>
+          <a:lnRef idx="1">
+            <a:schemeClr val="accent1"/>
+          </a:lnRef>
+          <a:fillRef idx="0">
+            <a:schemeClr val="accent1"/>
+          </a:fillRef>
+          <a:effectRef idx="0">
+            <a:schemeClr val="accent1"/>
+          </a:effectRef>
+          <a:fontRef idx="minor">
+            <a:schemeClr val="tx1"/>
+          </a:fontRef>
+        </p:style>
+      </p:cxnSp>
     </p:spTree>
     <p:extLst>
       <p:ext uri="{BB962C8B-B14F-4D97-AF65-F5344CB8AC3E}">
@@ -4780,7 +4877,13 @@
       </p:grpSpPr>
       <p:pic>
         <p:nvPicPr>
-          <p:cNvPr id="1026" name="Picture 2" descr="https://semaphoreci.com/wp-content/uploads/2022/03/pyramid1.jpg"/>
+          <p:cNvPr id="4" name="Picture 2" descr="https://semaphoreci.com/wp-content/uploads/2022/03/pyramid1.jpg">
+            <a:extLst>
+              <a:ext uri="{FF2B5EF4-FFF2-40B4-BE49-F238E27FC236}">
+                <a16:creationId xmlns:a16="http://schemas.microsoft.com/office/drawing/2014/main" id="{E2EE2791-FB52-5D00-FB85-59D7591D9B25}"/>
+              </a:ext>
+            </a:extLst>
+          </p:cNvPr>
           <p:cNvPicPr>
             <a:picLocks noChangeAspect="1" noChangeArrowheads="1"/>
           </p:cNvPicPr>
@@ -4801,7 +4904,7 @@
         </p:blipFill>
         <p:spPr bwMode="auto">
           <a:xfrm>
-            <a:off x="3737262" y="1751990"/>
+            <a:off x="3128312" y="1751989"/>
             <a:ext cx="3089230" cy="3354021"/>
           </a:xfrm>
           <a:prstGeom prst="rect">
@@ -4821,34 +4924,33 @@
       </p:pic>
       <p:sp>
         <p:nvSpPr>
-          <p:cNvPr id="5" name="굽은 화살표 4"/>
+          <p:cNvPr id="17" name="직사각형 16">
+            <a:extLst>
+              <a:ext uri="{FF2B5EF4-FFF2-40B4-BE49-F238E27FC236}">
+                <a16:creationId xmlns:a16="http://schemas.microsoft.com/office/drawing/2014/main" id="{47A27837-C729-CBC5-0154-423DF875A3CB}"/>
+              </a:ext>
+            </a:extLst>
+          </p:cNvPr>
           <p:cNvSpPr/>
           <p:nvPr/>
         </p:nvSpPr>
         <p:spPr>
-          <a:xfrm rot="5400000">
-            <a:off x="6784210" y="1479751"/>
-            <a:ext cx="887189" cy="1784916"/>
-          </a:xfrm>
-          <a:prstGeom prst="bentArrow">
-            <a:avLst>
-              <a:gd name="adj1" fmla="val 39883"/>
-              <a:gd name="adj2" fmla="val 28415"/>
-              <a:gd name="adj3" fmla="val 25000"/>
-              <a:gd name="adj4" fmla="val 13750"/>
-            </a:avLst>
+          <a:xfrm>
+            <a:off x="7907109" y="3940150"/>
+            <a:ext cx="870106" cy="1165860"/>
+          </a:xfrm>
+          <a:prstGeom prst="rect">
+            <a:avLst/>
           </a:prstGeom>
           <a:solidFill>
-            <a:schemeClr val="accent1">
-              <a:lumMod val="20000"/>
-              <a:lumOff val="80000"/>
+            <a:schemeClr val="bg1">
+              <a:lumMod val="95000"/>
             </a:schemeClr>
           </a:solidFill>
           <a:ln>
             <a:solidFill>
-              <a:schemeClr val="accent1">
-                <a:lumMod val="20000"/>
-                <a:lumOff val="80000"/>
+              <a:schemeClr val="bg1">
+                <a:lumMod val="95000"/>
               </a:schemeClr>
             </a:solidFill>
           </a:ln>
@@ -4856,7 +4958,7 @@
         <p:style>
           <a:lnRef idx="2">
             <a:schemeClr val="accent1">
-              <a:shade val="50000"/>
+              <a:shade val="15000"/>
             </a:schemeClr>
           </a:lnRef>
           <a:fillRef idx="1">
@@ -4874,24 +4976,26 @@
           <a:lstStyle/>
           <a:p>
             <a:pPr algn="ctr"/>
-            <a:endParaRPr lang="ko-KR" altLang="en-US">
-              <a:solidFill>
-                <a:schemeClr val="tx1"/>
-              </a:solidFill>
-            </a:endParaRPr>
-          </a:p>
-        </p:txBody>
-      </p:sp>
-      <p:sp>
-        <p:nvSpPr>
-          <p:cNvPr id="6" name="TextBox 5"/>
+            <a:endParaRPr lang="en-GB"/>
+          </a:p>
+        </p:txBody>
+      </p:sp>
+      <p:sp>
+        <p:nvSpPr>
+          <p:cNvPr id="18" name="TextBox 17">
+            <a:extLst>
+              <a:ext uri="{FF2B5EF4-FFF2-40B4-BE49-F238E27FC236}">
+                <a16:creationId xmlns:a16="http://schemas.microsoft.com/office/drawing/2014/main" id="{1D57051A-FC72-7851-3E58-1EA721984C8B}"/>
+              </a:ext>
+            </a:extLst>
+          </p:cNvPr>
           <p:cNvSpPr txBox="1"/>
           <p:nvPr/>
         </p:nvSpPr>
         <p:spPr>
           <a:xfrm>
-            <a:off x="7066444" y="1928614"/>
-            <a:ext cx="972126" cy="369332"/>
+            <a:off x="6533269" y="3742681"/>
+            <a:ext cx="448969" cy="369332"/>
           </a:xfrm>
           <a:prstGeom prst="rect">
             <a:avLst/>
@@ -4905,18 +5009,538 @@
           <a:lstStyle/>
           <a:p>
             <a:r>
-              <a:rPr lang="en-US" altLang="ko-KR"/>
-              <a:t>T1.T2.</a:t>
-            </a:r>
-            <a:r>
-              <a:rPr lang="en-US" altLang="ko-KR" b="1">
+              <a:rPr lang="en-GB" dirty="0" err="1"/>
+              <a:t>src</a:t>
+            </a:r>
+            <a:endParaRPr lang="en-GB" dirty="0"/>
+          </a:p>
+        </p:txBody>
+      </p:sp>
+      <p:sp>
+        <p:nvSpPr>
+          <p:cNvPr id="19" name="TextBox 18">
+            <a:extLst>
+              <a:ext uri="{FF2B5EF4-FFF2-40B4-BE49-F238E27FC236}">
+                <a16:creationId xmlns:a16="http://schemas.microsoft.com/office/drawing/2014/main" id="{C9522406-DCB6-FF74-497E-2D558203995C}"/>
+              </a:ext>
+            </a:extLst>
+          </p:cNvPr>
+          <p:cNvSpPr txBox="1"/>
+          <p:nvPr/>
+        </p:nvSpPr>
+        <p:spPr>
+          <a:xfrm>
+            <a:off x="6857167" y="4123802"/>
+            <a:ext cx="1410386" cy="276999"/>
+          </a:xfrm>
+          <a:prstGeom prst="rect">
+            <a:avLst/>
+          </a:prstGeom>
+          <a:noFill/>
+        </p:spPr>
+        <p:txBody>
+          <a:bodyPr wrap="none" rtlCol="0">
+            <a:spAutoFit/>
+          </a:bodyPr>
+          <a:lstStyle/>
+          <a:p>
+            <a:r>
+              <a:rPr lang="en-GB" sz="1200" dirty="0"/>
+              <a:t>CleanDdd.</a:t>
+            </a:r>
+            <a:r>
+              <a:rPr lang="en-GB" sz="1200" b="1" dirty="0">
+                <a:solidFill>
+                  <a:srgbClr val="C00000"/>
+                </a:solidFill>
+              </a:rPr>
+              <a:t>Tests</a:t>
+            </a:r>
+            <a:r>
+              <a:rPr lang="en-GB" sz="1200" b="1" dirty="0"/>
+              <a:t>.</a:t>
+            </a:r>
+            <a:r>
+              <a:rPr lang="en-GB" sz="1200" b="1" dirty="0">
+                <a:solidFill>
+                  <a:srgbClr val="0070C0"/>
+                </a:solidFill>
+              </a:rPr>
+              <a:t>E2E</a:t>
+            </a:r>
+          </a:p>
+        </p:txBody>
+      </p:sp>
+      <p:sp>
+        <p:nvSpPr>
+          <p:cNvPr id="20" name="TextBox 19">
+            <a:extLst>
+              <a:ext uri="{FF2B5EF4-FFF2-40B4-BE49-F238E27FC236}">
+                <a16:creationId xmlns:a16="http://schemas.microsoft.com/office/drawing/2014/main" id="{A1CDC861-8345-7E45-7BAF-1F09CF7205D6}"/>
+              </a:ext>
+            </a:extLst>
+          </p:cNvPr>
+          <p:cNvSpPr txBox="1"/>
+          <p:nvPr/>
+        </p:nvSpPr>
+        <p:spPr>
+          <a:xfrm>
+            <a:off x="6857167" y="4424379"/>
+            <a:ext cx="1886414" cy="276999"/>
+          </a:xfrm>
+          <a:prstGeom prst="rect">
+            <a:avLst/>
+          </a:prstGeom>
+          <a:noFill/>
+        </p:spPr>
+        <p:txBody>
+          <a:bodyPr wrap="none" rtlCol="0">
+            <a:spAutoFit/>
+          </a:bodyPr>
+          <a:lstStyle/>
+          <a:p>
+            <a:r>
+              <a:rPr lang="en-GB" sz="1200" dirty="0" err="1"/>
+              <a:t>CleanDdd.</a:t>
+            </a:r>
+            <a:r>
+              <a:rPr lang="en-GB" sz="1200" b="1" dirty="0" err="1">
+                <a:solidFill>
+                  <a:srgbClr val="C00000"/>
+                </a:solidFill>
+              </a:rPr>
+              <a:t>Tests</a:t>
+            </a:r>
+            <a:r>
+              <a:rPr lang="en-GB" sz="1200" dirty="0" err="1"/>
+              <a:t>.</a:t>
+            </a:r>
+            <a:r>
+              <a:rPr lang="en-GB" sz="1200" b="1" dirty="0" err="1">
+                <a:solidFill>
+                  <a:srgbClr val="0070C0"/>
+                </a:solidFill>
+              </a:rPr>
+              <a:t>Integration</a:t>
+            </a:r>
+            <a:endParaRPr lang="en-GB" sz="1200" b="1" dirty="0">
+              <a:solidFill>
+                <a:srgbClr val="0070C0"/>
+              </a:solidFill>
+            </a:endParaRPr>
+          </a:p>
+        </p:txBody>
+      </p:sp>
+      <p:sp>
+        <p:nvSpPr>
+          <p:cNvPr id="21" name="TextBox 20">
+            <a:extLst>
+              <a:ext uri="{FF2B5EF4-FFF2-40B4-BE49-F238E27FC236}">
+                <a16:creationId xmlns:a16="http://schemas.microsoft.com/office/drawing/2014/main" id="{F0211E49-4203-1783-30F7-FC80A008F20D}"/>
+              </a:ext>
+            </a:extLst>
+          </p:cNvPr>
+          <p:cNvSpPr txBox="1"/>
+          <p:nvPr/>
+        </p:nvSpPr>
+        <p:spPr>
+          <a:xfrm>
+            <a:off x="6857167" y="4724956"/>
+            <a:ext cx="1453668" cy="276999"/>
+          </a:xfrm>
+          <a:prstGeom prst="rect">
+            <a:avLst/>
+          </a:prstGeom>
+          <a:noFill/>
+        </p:spPr>
+        <p:txBody>
+          <a:bodyPr wrap="none" rtlCol="0">
+            <a:spAutoFit/>
+          </a:bodyPr>
+          <a:lstStyle/>
+          <a:p>
+            <a:r>
+              <a:rPr lang="en-GB" sz="1200" dirty="0" err="1"/>
+              <a:t>CleanDdd.</a:t>
+            </a:r>
+            <a:r>
+              <a:rPr lang="en-GB" sz="1200" b="1" dirty="0" err="1">
+                <a:solidFill>
+                  <a:srgbClr val="C00000"/>
+                </a:solidFill>
+              </a:rPr>
+              <a:t>Tests</a:t>
+            </a:r>
+            <a:r>
+              <a:rPr lang="en-GB" sz="1200" dirty="0" err="1"/>
+              <a:t>.</a:t>
+            </a:r>
+            <a:r>
+              <a:rPr lang="en-GB" sz="1200" b="1" dirty="0" err="1">
+                <a:solidFill>
+                  <a:srgbClr val="0070C0"/>
+                </a:solidFill>
+              </a:rPr>
+              <a:t>Unit</a:t>
+            </a:r>
+            <a:endParaRPr lang="en-GB" sz="1200" dirty="0"/>
+          </a:p>
+        </p:txBody>
+      </p:sp>
+      <p:sp>
+        <p:nvSpPr>
+          <p:cNvPr id="28" name="직사각형 27">
+            <a:extLst>
+              <a:ext uri="{FF2B5EF4-FFF2-40B4-BE49-F238E27FC236}">
+                <a16:creationId xmlns:a16="http://schemas.microsoft.com/office/drawing/2014/main" id="{68B0D06A-31B1-F049-8AA4-46CCD9907447}"/>
+              </a:ext>
+            </a:extLst>
+          </p:cNvPr>
+          <p:cNvSpPr/>
+          <p:nvPr/>
+        </p:nvSpPr>
+        <p:spPr>
+          <a:xfrm>
+            <a:off x="6666075" y="4177013"/>
+            <a:ext cx="183357" cy="164008"/>
+          </a:xfrm>
+          <a:prstGeom prst="rect">
+            <a:avLst/>
+          </a:prstGeom>
+          <a:solidFill>
+            <a:srgbClr val="F8C325"/>
+          </a:solidFill>
+        </p:spPr>
+        <p:style>
+          <a:lnRef idx="2">
+            <a:schemeClr val="accent1">
+              <a:shade val="15000"/>
+            </a:schemeClr>
+          </a:lnRef>
+          <a:fillRef idx="1">
+            <a:schemeClr val="accent1"/>
+          </a:fillRef>
+          <a:effectRef idx="0">
+            <a:schemeClr val="accent1"/>
+          </a:effectRef>
+          <a:fontRef idx="minor">
+            <a:schemeClr val="lt1"/>
+          </a:fontRef>
+        </p:style>
+        <p:txBody>
+          <a:bodyPr rtlCol="0" anchor="ctr"/>
+          <a:lstStyle/>
+          <a:p>
+            <a:pPr algn="ctr"/>
+            <a:endParaRPr lang="en-GB"/>
+          </a:p>
+        </p:txBody>
+      </p:sp>
+      <p:sp>
+        <p:nvSpPr>
+          <p:cNvPr id="29" name="직사각형 28">
+            <a:extLst>
+              <a:ext uri="{FF2B5EF4-FFF2-40B4-BE49-F238E27FC236}">
+                <a16:creationId xmlns:a16="http://schemas.microsoft.com/office/drawing/2014/main" id="{F57C7D5E-10AC-5A3F-DFD9-3D594C248C95}"/>
+              </a:ext>
+            </a:extLst>
+          </p:cNvPr>
+          <p:cNvSpPr/>
+          <p:nvPr/>
+        </p:nvSpPr>
+        <p:spPr>
+          <a:xfrm>
+            <a:off x="6666075" y="4487547"/>
+            <a:ext cx="183357" cy="164008"/>
+          </a:xfrm>
+          <a:prstGeom prst="rect">
+            <a:avLst/>
+          </a:prstGeom>
+          <a:solidFill>
+            <a:srgbClr val="1AAE9E"/>
+          </a:solidFill>
+        </p:spPr>
+        <p:style>
+          <a:lnRef idx="2">
+            <a:schemeClr val="accent1">
+              <a:shade val="15000"/>
+            </a:schemeClr>
+          </a:lnRef>
+          <a:fillRef idx="1">
+            <a:schemeClr val="accent1"/>
+          </a:fillRef>
+          <a:effectRef idx="0">
+            <a:schemeClr val="accent1"/>
+          </a:effectRef>
+          <a:fontRef idx="minor">
+            <a:schemeClr val="lt1"/>
+          </a:fontRef>
+        </p:style>
+        <p:txBody>
+          <a:bodyPr rtlCol="0" anchor="ctr"/>
+          <a:lstStyle/>
+          <a:p>
+            <a:pPr algn="ctr"/>
+            <a:endParaRPr lang="en-GB"/>
+          </a:p>
+        </p:txBody>
+      </p:sp>
+      <p:sp>
+        <p:nvSpPr>
+          <p:cNvPr id="30" name="직사각형 29">
+            <a:extLst>
+              <a:ext uri="{FF2B5EF4-FFF2-40B4-BE49-F238E27FC236}">
+                <a16:creationId xmlns:a16="http://schemas.microsoft.com/office/drawing/2014/main" id="{BABD4DB2-7A4E-8D70-9E43-8BFA1AB86C4B}"/>
+              </a:ext>
+            </a:extLst>
+          </p:cNvPr>
+          <p:cNvSpPr/>
+          <p:nvPr/>
+        </p:nvSpPr>
+        <p:spPr>
+          <a:xfrm>
+            <a:off x="6666075" y="4786651"/>
+            <a:ext cx="183357" cy="164008"/>
+          </a:xfrm>
+          <a:prstGeom prst="rect">
+            <a:avLst/>
+          </a:prstGeom>
+          <a:solidFill>
+            <a:srgbClr val="2C89D9"/>
+          </a:solidFill>
+        </p:spPr>
+        <p:style>
+          <a:lnRef idx="2">
+            <a:schemeClr val="accent1">
+              <a:shade val="15000"/>
+            </a:schemeClr>
+          </a:lnRef>
+          <a:fillRef idx="1">
+            <a:schemeClr val="accent1"/>
+          </a:fillRef>
+          <a:effectRef idx="0">
+            <a:schemeClr val="accent1"/>
+          </a:effectRef>
+          <a:fontRef idx="minor">
+            <a:schemeClr val="lt1"/>
+          </a:fontRef>
+        </p:style>
+        <p:txBody>
+          <a:bodyPr rtlCol="0" anchor="ctr"/>
+          <a:lstStyle/>
+          <a:p>
+            <a:pPr algn="ctr"/>
+            <a:endParaRPr lang="en-GB"/>
+          </a:p>
+        </p:txBody>
+      </p:sp>
+      <p:sp>
+        <p:nvSpPr>
+          <p:cNvPr id="32" name="평행 사변형 31">
+            <a:extLst>
+              <a:ext uri="{FF2B5EF4-FFF2-40B4-BE49-F238E27FC236}">
+                <a16:creationId xmlns:a16="http://schemas.microsoft.com/office/drawing/2014/main" id="{C4EF1105-FF1B-05F6-9E88-D169FBCD0C3F}"/>
+              </a:ext>
+            </a:extLst>
+          </p:cNvPr>
+          <p:cNvSpPr/>
+          <p:nvPr/>
+        </p:nvSpPr>
+        <p:spPr>
+          <a:xfrm flipH="1">
+            <a:off x="6937993" y="3691650"/>
+            <a:ext cx="1839222" cy="248500"/>
+          </a:xfrm>
+          <a:prstGeom prst="parallelogram">
+            <a:avLst>
+              <a:gd name="adj" fmla="val 380074"/>
+            </a:avLst>
+          </a:prstGeom>
+          <a:solidFill>
+            <a:schemeClr val="bg1">
+              <a:lumMod val="95000"/>
+            </a:schemeClr>
+          </a:solidFill>
+          <a:ln>
+            <a:solidFill>
+              <a:schemeClr val="bg1">
+                <a:lumMod val="95000"/>
+              </a:schemeClr>
+            </a:solidFill>
+          </a:ln>
+        </p:spPr>
+        <p:style>
+          <a:lnRef idx="2">
+            <a:schemeClr val="accent1">
+              <a:shade val="15000"/>
+            </a:schemeClr>
+          </a:lnRef>
+          <a:fillRef idx="1">
+            <a:schemeClr val="accent1"/>
+          </a:fillRef>
+          <a:effectRef idx="0">
+            <a:schemeClr val="accent1"/>
+          </a:effectRef>
+          <a:fontRef idx="minor">
+            <a:schemeClr val="lt1"/>
+          </a:fontRef>
+        </p:style>
+        <p:txBody>
+          <a:bodyPr rtlCol="0" anchor="ctr"/>
+          <a:lstStyle/>
+          <a:p>
+            <a:pPr algn="ctr"/>
+            <a:endParaRPr lang="en-GB"/>
+          </a:p>
+        </p:txBody>
+      </p:sp>
+      <p:sp>
+        <p:nvSpPr>
+          <p:cNvPr id="33" name="직사각형 32">
+            <a:extLst>
+              <a:ext uri="{FF2B5EF4-FFF2-40B4-BE49-F238E27FC236}">
+                <a16:creationId xmlns:a16="http://schemas.microsoft.com/office/drawing/2014/main" id="{D409046D-68FD-2497-549B-269961F10627}"/>
+              </a:ext>
+            </a:extLst>
+          </p:cNvPr>
+          <p:cNvSpPr/>
+          <p:nvPr/>
+        </p:nvSpPr>
+        <p:spPr>
+          <a:xfrm>
+            <a:off x="6945080" y="1695387"/>
+            <a:ext cx="870106" cy="1984474"/>
+          </a:xfrm>
+          <a:prstGeom prst="rect">
+            <a:avLst/>
+          </a:prstGeom>
+          <a:solidFill>
+            <a:schemeClr val="bg1">
+              <a:lumMod val="95000"/>
+            </a:schemeClr>
+          </a:solidFill>
+          <a:ln>
+            <a:solidFill>
+              <a:schemeClr val="bg1">
+                <a:lumMod val="95000"/>
+              </a:schemeClr>
+            </a:solidFill>
+          </a:ln>
+        </p:spPr>
+        <p:style>
+          <a:lnRef idx="2">
+            <a:schemeClr val="accent1">
+              <a:shade val="15000"/>
+            </a:schemeClr>
+          </a:lnRef>
+          <a:fillRef idx="1">
+            <a:schemeClr val="accent1"/>
+          </a:fillRef>
+          <a:effectRef idx="0">
+            <a:schemeClr val="accent1"/>
+          </a:effectRef>
+          <a:fontRef idx="minor">
+            <a:schemeClr val="lt1"/>
+          </a:fontRef>
+        </p:style>
+        <p:txBody>
+          <a:bodyPr rtlCol="0" anchor="ctr"/>
+          <a:lstStyle/>
+          <a:p>
+            <a:pPr algn="ctr"/>
+            <a:endParaRPr lang="en-GB"/>
+          </a:p>
+        </p:txBody>
+      </p:sp>
+      <p:sp>
+        <p:nvSpPr>
+          <p:cNvPr id="34" name="TextBox 33">
+            <a:extLst>
+              <a:ext uri="{FF2B5EF4-FFF2-40B4-BE49-F238E27FC236}">
+                <a16:creationId xmlns:a16="http://schemas.microsoft.com/office/drawing/2014/main" id="{23C698B1-383D-28AB-4928-D67E0A777208}"/>
+              </a:ext>
+            </a:extLst>
+          </p:cNvPr>
+          <p:cNvSpPr txBox="1"/>
+          <p:nvPr/>
+        </p:nvSpPr>
+        <p:spPr>
+          <a:xfrm>
+            <a:off x="6874023" y="1748724"/>
+            <a:ext cx="1003736" cy="369332"/>
+          </a:xfrm>
+          <a:prstGeom prst="rect">
+            <a:avLst/>
+          </a:prstGeom>
+          <a:noFill/>
+        </p:spPr>
+        <p:txBody>
+          <a:bodyPr wrap="none" rtlCol="0">
+            <a:spAutoFit/>
+          </a:bodyPr>
+          <a:lstStyle/>
+          <a:p>
+            <a:r>
+              <a:rPr lang="en-US" altLang="ko-KR" b="1" dirty="0"/>
+              <a:t>Features</a:t>
+            </a:r>
+            <a:endParaRPr lang="ko-KR" altLang="en-US" b="1" dirty="0"/>
+          </a:p>
+        </p:txBody>
+      </p:sp>
+      <p:sp>
+        <p:nvSpPr>
+          <p:cNvPr id="35" name="TextBox 34">
+            <a:extLst>
+              <a:ext uri="{FF2B5EF4-FFF2-40B4-BE49-F238E27FC236}">
+                <a16:creationId xmlns:a16="http://schemas.microsoft.com/office/drawing/2014/main" id="{E81EBDDC-7D50-3B2F-9FFB-46655435A951}"/>
+              </a:ext>
+            </a:extLst>
+          </p:cNvPr>
+          <p:cNvSpPr txBox="1"/>
+          <p:nvPr/>
+        </p:nvSpPr>
+        <p:spPr>
+          <a:xfrm>
+            <a:off x="6937993" y="2118057"/>
+            <a:ext cx="901209" cy="338554"/>
+          </a:xfrm>
+          <a:prstGeom prst="rect">
+            <a:avLst/>
+          </a:prstGeom>
+          <a:noFill/>
+        </p:spPr>
+        <p:txBody>
+          <a:bodyPr wrap="none" rtlCol="0">
+            <a:spAutoFit/>
+          </a:bodyPr>
+          <a:lstStyle/>
+          <a:p>
+            <a:r>
+              <a:rPr lang="en-US" altLang="ko-KR" sz="1600" dirty="0"/>
+              <a:t>T1.</a:t>
+            </a:r>
+            <a:r>
+              <a:rPr lang="en-US" altLang="ko-KR" sz="1600" b="1" dirty="0">
+                <a:solidFill>
+                  <a:srgbClr val="C00000"/>
+                </a:solidFill>
+              </a:rPr>
+              <a:t>T2</a:t>
+            </a:r>
+            <a:r>
+              <a:rPr lang="en-US" altLang="ko-KR" sz="1600" dirty="0"/>
+              <a:t>.</a:t>
+            </a:r>
+            <a:r>
+              <a:rPr lang="en-US" altLang="ko-KR" sz="1600" b="1" dirty="0">
                 <a:solidFill>
                   <a:srgbClr val="0070C0"/>
                 </a:solidFill>
               </a:rPr>
               <a:t>T3</a:t>
             </a:r>
-            <a:endParaRPr lang="ko-KR" altLang="en-US" b="1">
+            <a:endParaRPr lang="ko-KR" altLang="en-US" sz="1600" b="1" dirty="0">
               <a:solidFill>
                 <a:srgbClr val="0070C0"/>
               </a:solidFill>
@@ -4924,34 +5548,490 @@
           </a:p>
         </p:txBody>
       </p:sp>
-      <p:pic>
-        <p:nvPicPr>
-          <p:cNvPr id="2" name="그림 1"/>
-          <p:cNvPicPr>
-            <a:picLocks noChangeAspect="1"/>
-          </p:cNvPicPr>
+      <p:sp>
+        <p:nvSpPr>
+          <p:cNvPr id="36" name="TextBox 35">
+            <a:extLst>
+              <a:ext uri="{FF2B5EF4-FFF2-40B4-BE49-F238E27FC236}">
+                <a16:creationId xmlns:a16="http://schemas.microsoft.com/office/drawing/2014/main" id="{B72A8046-0F67-1490-3BB7-4FDB91F9BD46}"/>
+              </a:ext>
+            </a:extLst>
+          </p:cNvPr>
+          <p:cNvSpPr txBox="1"/>
           <p:nvPr/>
-        </p:nvPicPr>
-        <p:blipFill>
-          <a:blip r:embed="rId3"/>
-          <a:stretch>
-            <a:fillRect/>
-          </a:stretch>
-        </p:blipFill>
-        <p:spPr>
-          <a:xfrm>
-            <a:off x="6335346" y="2815804"/>
-            <a:ext cx="2266950" cy="819150"/>
+        </p:nvSpPr>
+        <p:spPr>
+          <a:xfrm>
+            <a:off x="6929326" y="3320221"/>
+            <a:ext cx="460382" cy="276999"/>
           </a:xfrm>
           <a:prstGeom prst="rect">
             <a:avLst/>
           </a:prstGeom>
-        </p:spPr>
-      </p:pic>
+          <a:noFill/>
+        </p:spPr>
+        <p:txBody>
+          <a:bodyPr wrap="none" rtlCol="0">
+            <a:spAutoFit/>
+          </a:bodyPr>
+          <a:lstStyle/>
+          <a:p>
+            <a:r>
+              <a:rPr lang="en-US" altLang="ko-KR" sz="1200" b="1" dirty="0">
+                <a:solidFill>
+                  <a:srgbClr val="0070C0"/>
+                </a:solidFill>
+              </a:rPr>
+              <a:t>Unit</a:t>
+            </a:r>
+            <a:endParaRPr lang="ko-KR" altLang="en-US" sz="1200" b="1" dirty="0">
+              <a:solidFill>
+                <a:srgbClr val="0070C0"/>
+              </a:solidFill>
+            </a:endParaRPr>
+          </a:p>
+        </p:txBody>
+      </p:sp>
+      <p:sp>
+        <p:nvSpPr>
+          <p:cNvPr id="37" name="TextBox 36">
+            <a:extLst>
+              <a:ext uri="{FF2B5EF4-FFF2-40B4-BE49-F238E27FC236}">
+                <a16:creationId xmlns:a16="http://schemas.microsoft.com/office/drawing/2014/main" id="{E185DD96-F4A3-793B-85BD-94013A886E0D}"/>
+              </a:ext>
+            </a:extLst>
+          </p:cNvPr>
+          <p:cNvSpPr txBox="1"/>
+          <p:nvPr/>
+        </p:nvSpPr>
+        <p:spPr>
+          <a:xfrm>
+            <a:off x="6929326" y="3043994"/>
+            <a:ext cx="893130" cy="276999"/>
+          </a:xfrm>
+          <a:prstGeom prst="rect">
+            <a:avLst/>
+          </a:prstGeom>
+          <a:noFill/>
+        </p:spPr>
+        <p:txBody>
+          <a:bodyPr wrap="none" rtlCol="0">
+            <a:spAutoFit/>
+          </a:bodyPr>
+          <a:lstStyle/>
+          <a:p>
+            <a:r>
+              <a:rPr lang="en-US" altLang="ko-KR" sz="1200" b="1" dirty="0">
+                <a:solidFill>
+                  <a:srgbClr val="0070C0"/>
+                </a:solidFill>
+              </a:rPr>
+              <a:t>Integration</a:t>
+            </a:r>
+            <a:endParaRPr lang="ko-KR" altLang="en-US" sz="1200" b="1" dirty="0">
+              <a:solidFill>
+                <a:srgbClr val="0070C0"/>
+              </a:solidFill>
+            </a:endParaRPr>
+          </a:p>
+        </p:txBody>
+      </p:sp>
+      <p:sp>
+        <p:nvSpPr>
+          <p:cNvPr id="38" name="TextBox 37">
+            <a:extLst>
+              <a:ext uri="{FF2B5EF4-FFF2-40B4-BE49-F238E27FC236}">
+                <a16:creationId xmlns:a16="http://schemas.microsoft.com/office/drawing/2014/main" id="{B7957D4A-89D7-865B-37A1-0DE0E1BAC398}"/>
+              </a:ext>
+            </a:extLst>
+          </p:cNvPr>
+          <p:cNvSpPr txBox="1"/>
+          <p:nvPr/>
+        </p:nvSpPr>
+        <p:spPr>
+          <a:xfrm>
+            <a:off x="6929326" y="2771485"/>
+            <a:ext cx="413896" cy="276999"/>
+          </a:xfrm>
+          <a:prstGeom prst="rect">
+            <a:avLst/>
+          </a:prstGeom>
+          <a:noFill/>
+        </p:spPr>
+        <p:txBody>
+          <a:bodyPr wrap="none" rtlCol="0">
+            <a:spAutoFit/>
+          </a:bodyPr>
+          <a:lstStyle/>
+          <a:p>
+            <a:r>
+              <a:rPr lang="en-US" altLang="ko-KR" sz="1200" b="1" dirty="0">
+                <a:solidFill>
+                  <a:srgbClr val="0070C0"/>
+                </a:solidFill>
+              </a:rPr>
+              <a:t>E2E</a:t>
+            </a:r>
+            <a:endParaRPr lang="ko-KR" altLang="en-US" sz="1200" b="1" dirty="0">
+              <a:solidFill>
+                <a:srgbClr val="0070C0"/>
+              </a:solidFill>
+            </a:endParaRPr>
+          </a:p>
+        </p:txBody>
+      </p:sp>
+      <p:sp>
+        <p:nvSpPr>
+          <p:cNvPr id="40" name="직사각형 39">
+            <a:extLst>
+              <a:ext uri="{FF2B5EF4-FFF2-40B4-BE49-F238E27FC236}">
+                <a16:creationId xmlns:a16="http://schemas.microsoft.com/office/drawing/2014/main" id="{A05095E2-86EB-2650-92A6-9057F2FE481B}"/>
+              </a:ext>
+            </a:extLst>
+          </p:cNvPr>
+          <p:cNvSpPr/>
+          <p:nvPr/>
+        </p:nvSpPr>
+        <p:spPr>
+          <a:xfrm>
+            <a:off x="6666075" y="2830226"/>
+            <a:ext cx="183357" cy="164008"/>
+          </a:xfrm>
+          <a:prstGeom prst="rect">
+            <a:avLst/>
+          </a:prstGeom>
+          <a:solidFill>
+            <a:srgbClr val="F8C325"/>
+          </a:solidFill>
+        </p:spPr>
+        <p:style>
+          <a:lnRef idx="2">
+            <a:schemeClr val="accent1">
+              <a:shade val="15000"/>
+            </a:schemeClr>
+          </a:lnRef>
+          <a:fillRef idx="1">
+            <a:schemeClr val="accent1"/>
+          </a:fillRef>
+          <a:effectRef idx="0">
+            <a:schemeClr val="accent1"/>
+          </a:effectRef>
+          <a:fontRef idx="minor">
+            <a:schemeClr val="lt1"/>
+          </a:fontRef>
+        </p:style>
+        <p:txBody>
+          <a:bodyPr rtlCol="0" anchor="ctr"/>
+          <a:lstStyle/>
+          <a:p>
+            <a:pPr algn="ctr"/>
+            <a:endParaRPr lang="en-GB"/>
+          </a:p>
+        </p:txBody>
+      </p:sp>
+      <p:sp>
+        <p:nvSpPr>
+          <p:cNvPr id="41" name="직사각형 40">
+            <a:extLst>
+              <a:ext uri="{FF2B5EF4-FFF2-40B4-BE49-F238E27FC236}">
+                <a16:creationId xmlns:a16="http://schemas.microsoft.com/office/drawing/2014/main" id="{5E1625F1-8DFA-B55F-1DCF-D298CEAF9918}"/>
+              </a:ext>
+            </a:extLst>
+          </p:cNvPr>
+          <p:cNvSpPr/>
+          <p:nvPr/>
+        </p:nvSpPr>
+        <p:spPr>
+          <a:xfrm>
+            <a:off x="6666075" y="3101294"/>
+            <a:ext cx="183357" cy="164008"/>
+          </a:xfrm>
+          <a:prstGeom prst="rect">
+            <a:avLst/>
+          </a:prstGeom>
+          <a:solidFill>
+            <a:srgbClr val="1AAE9E"/>
+          </a:solidFill>
+        </p:spPr>
+        <p:style>
+          <a:lnRef idx="2">
+            <a:schemeClr val="accent1">
+              <a:shade val="15000"/>
+            </a:schemeClr>
+          </a:lnRef>
+          <a:fillRef idx="1">
+            <a:schemeClr val="accent1"/>
+          </a:fillRef>
+          <a:effectRef idx="0">
+            <a:schemeClr val="accent1"/>
+          </a:effectRef>
+          <a:fontRef idx="minor">
+            <a:schemeClr val="lt1"/>
+          </a:fontRef>
+        </p:style>
+        <p:txBody>
+          <a:bodyPr rtlCol="0" anchor="ctr"/>
+          <a:lstStyle/>
+          <a:p>
+            <a:pPr algn="ctr"/>
+            <a:endParaRPr lang="en-GB"/>
+          </a:p>
+        </p:txBody>
+      </p:sp>
+      <p:sp>
+        <p:nvSpPr>
+          <p:cNvPr id="42" name="직사각형 41">
+            <a:extLst>
+              <a:ext uri="{FF2B5EF4-FFF2-40B4-BE49-F238E27FC236}">
+                <a16:creationId xmlns:a16="http://schemas.microsoft.com/office/drawing/2014/main" id="{87A1A19A-60B1-D186-E7DD-ACE1DDDC0479}"/>
+              </a:ext>
+            </a:extLst>
+          </p:cNvPr>
+          <p:cNvSpPr/>
+          <p:nvPr/>
+        </p:nvSpPr>
+        <p:spPr>
+          <a:xfrm>
+            <a:off x="6666075" y="3372362"/>
+            <a:ext cx="183357" cy="164008"/>
+          </a:xfrm>
+          <a:prstGeom prst="rect">
+            <a:avLst/>
+          </a:prstGeom>
+          <a:solidFill>
+            <a:srgbClr val="2C89D9"/>
+          </a:solidFill>
+        </p:spPr>
+        <p:style>
+          <a:lnRef idx="2">
+            <a:schemeClr val="accent1">
+              <a:shade val="15000"/>
+            </a:schemeClr>
+          </a:lnRef>
+          <a:fillRef idx="1">
+            <a:schemeClr val="accent1"/>
+          </a:fillRef>
+          <a:effectRef idx="0">
+            <a:schemeClr val="accent1"/>
+          </a:effectRef>
+          <a:fontRef idx="minor">
+            <a:schemeClr val="lt1"/>
+          </a:fontRef>
+        </p:style>
+        <p:txBody>
+          <a:bodyPr rtlCol="0" anchor="ctr"/>
+          <a:lstStyle/>
+          <a:p>
+            <a:pPr algn="ctr"/>
+            <a:endParaRPr lang="en-GB"/>
+          </a:p>
+        </p:txBody>
+      </p:sp>
+      <p:grpSp>
+        <p:nvGrpSpPr>
+          <p:cNvPr id="49" name="그룹 48">
+            <a:extLst>
+              <a:ext uri="{FF2B5EF4-FFF2-40B4-BE49-F238E27FC236}">
+                <a16:creationId xmlns:a16="http://schemas.microsoft.com/office/drawing/2014/main" id="{9CD2D0C5-6728-150C-B3BD-7B459682BBFF}"/>
+              </a:ext>
+            </a:extLst>
+          </p:cNvPr>
+          <p:cNvGrpSpPr/>
+          <p:nvPr/>
+        </p:nvGrpSpPr>
+        <p:grpSpPr>
+          <a:xfrm>
+            <a:off x="6364303" y="3048484"/>
+            <a:ext cx="2699385" cy="1664683"/>
+            <a:chOff x="5211128" y="3048484"/>
+            <a:chExt cx="3158121" cy="1664683"/>
+          </a:xfrm>
+        </p:grpSpPr>
+        <p:cxnSp>
+          <p:nvCxnSpPr>
+            <p:cNvPr id="25" name="직선 연결선 24">
+              <a:extLst>
+                <a:ext uri="{FF2B5EF4-FFF2-40B4-BE49-F238E27FC236}">
+                  <a16:creationId xmlns:a16="http://schemas.microsoft.com/office/drawing/2014/main" id="{1452FFF1-8EF9-D700-EAC6-6E656CED74D7}"/>
+                </a:ext>
+              </a:extLst>
+            </p:cNvPr>
+            <p:cNvCxnSpPr>
+              <a:cxnSpLocks/>
+            </p:cNvCxnSpPr>
+            <p:nvPr/>
+          </p:nvCxnSpPr>
+          <p:spPr>
+            <a:xfrm>
+              <a:off x="5337228" y="4412590"/>
+              <a:ext cx="3032021" cy="0"/>
+            </a:xfrm>
+            <a:prstGeom prst="line">
+              <a:avLst/>
+            </a:prstGeom>
+            <a:ln w="9525">
+              <a:solidFill>
+                <a:schemeClr val="bg1">
+                  <a:lumMod val="50000"/>
+                </a:schemeClr>
+              </a:solidFill>
+              <a:prstDash val="dash"/>
+            </a:ln>
+          </p:spPr>
+          <p:style>
+            <a:lnRef idx="1">
+              <a:schemeClr val="accent1"/>
+            </a:lnRef>
+            <a:fillRef idx="0">
+              <a:schemeClr val="accent1"/>
+            </a:fillRef>
+            <a:effectRef idx="0">
+              <a:schemeClr val="accent1"/>
+            </a:effectRef>
+            <a:fontRef idx="minor">
+              <a:schemeClr val="tx1"/>
+            </a:fontRef>
+          </p:style>
+        </p:cxnSp>
+        <p:cxnSp>
+          <p:nvCxnSpPr>
+            <p:cNvPr id="26" name="직선 연결선 25">
+              <a:extLst>
+                <a:ext uri="{FF2B5EF4-FFF2-40B4-BE49-F238E27FC236}">
+                  <a16:creationId xmlns:a16="http://schemas.microsoft.com/office/drawing/2014/main" id="{7D241362-1763-C310-7BA8-C794DFA39FEF}"/>
+                </a:ext>
+              </a:extLst>
+            </p:cNvPr>
+            <p:cNvCxnSpPr>
+              <a:cxnSpLocks/>
+            </p:cNvCxnSpPr>
+            <p:nvPr/>
+          </p:nvCxnSpPr>
+          <p:spPr>
+            <a:xfrm>
+              <a:off x="5337228" y="4713167"/>
+              <a:ext cx="3032021" cy="0"/>
+            </a:xfrm>
+            <a:prstGeom prst="line">
+              <a:avLst/>
+            </a:prstGeom>
+            <a:ln w="9525">
+              <a:solidFill>
+                <a:schemeClr val="bg1">
+                  <a:lumMod val="50000"/>
+                </a:schemeClr>
+              </a:solidFill>
+              <a:prstDash val="dash"/>
+            </a:ln>
+          </p:spPr>
+          <p:style>
+            <a:lnRef idx="1">
+              <a:schemeClr val="accent1"/>
+            </a:lnRef>
+            <a:fillRef idx="0">
+              <a:schemeClr val="accent1"/>
+            </a:fillRef>
+            <a:effectRef idx="0">
+              <a:schemeClr val="accent1"/>
+            </a:effectRef>
+            <a:fontRef idx="minor">
+              <a:schemeClr val="tx1"/>
+            </a:fontRef>
+          </p:style>
+        </p:cxnSp>
+        <p:cxnSp>
+          <p:nvCxnSpPr>
+            <p:cNvPr id="44" name="직선 연결선 43">
+              <a:extLst>
+                <a:ext uri="{FF2B5EF4-FFF2-40B4-BE49-F238E27FC236}">
+                  <a16:creationId xmlns:a16="http://schemas.microsoft.com/office/drawing/2014/main" id="{5E3657CE-AC50-86B8-8F74-3E7A6B434D98}"/>
+                </a:ext>
+              </a:extLst>
+            </p:cNvPr>
+            <p:cNvCxnSpPr/>
+            <p:nvPr/>
+          </p:nvCxnSpPr>
+          <p:spPr>
+            <a:xfrm>
+              <a:off x="5211128" y="3048484"/>
+              <a:ext cx="3158121" cy="0"/>
+            </a:xfrm>
+            <a:prstGeom prst="line">
+              <a:avLst/>
+            </a:prstGeom>
+            <a:ln w="9525">
+              <a:solidFill>
+                <a:schemeClr val="bg1">
+                  <a:lumMod val="50000"/>
+                </a:schemeClr>
+              </a:solidFill>
+              <a:prstDash val="dash"/>
+            </a:ln>
+          </p:spPr>
+          <p:style>
+            <a:lnRef idx="1">
+              <a:schemeClr val="accent1"/>
+            </a:lnRef>
+            <a:fillRef idx="0">
+              <a:schemeClr val="accent1"/>
+            </a:fillRef>
+            <a:effectRef idx="0">
+              <a:schemeClr val="accent1"/>
+            </a:effectRef>
+            <a:fontRef idx="minor">
+              <a:schemeClr val="tx1"/>
+            </a:fontRef>
+          </p:style>
+        </p:cxnSp>
+        <p:cxnSp>
+          <p:nvCxnSpPr>
+            <p:cNvPr id="45" name="직선 연결선 44">
+              <a:extLst>
+                <a:ext uri="{FF2B5EF4-FFF2-40B4-BE49-F238E27FC236}">
+                  <a16:creationId xmlns:a16="http://schemas.microsoft.com/office/drawing/2014/main" id="{FDE52124-723B-88B5-DD1F-698E483C310C}"/>
+                </a:ext>
+              </a:extLst>
+            </p:cNvPr>
+            <p:cNvCxnSpPr/>
+            <p:nvPr/>
+          </p:nvCxnSpPr>
+          <p:spPr>
+            <a:xfrm>
+              <a:off x="5211128" y="3320993"/>
+              <a:ext cx="3158121" cy="0"/>
+            </a:xfrm>
+            <a:prstGeom prst="line">
+              <a:avLst/>
+            </a:prstGeom>
+            <a:ln w="9525">
+              <a:solidFill>
+                <a:schemeClr val="bg1">
+                  <a:lumMod val="50000"/>
+                </a:schemeClr>
+              </a:solidFill>
+              <a:prstDash val="dash"/>
+            </a:ln>
+          </p:spPr>
+          <p:style>
+            <a:lnRef idx="1">
+              <a:schemeClr val="accent1"/>
+            </a:lnRef>
+            <a:fillRef idx="0">
+              <a:schemeClr val="accent1"/>
+            </a:fillRef>
+            <a:effectRef idx="0">
+              <a:schemeClr val="accent1"/>
+            </a:effectRef>
+            <a:fontRef idx="minor">
+              <a:schemeClr val="tx1"/>
+            </a:fontRef>
+          </p:style>
+        </p:cxnSp>
+      </p:grpSp>
     </p:spTree>
     <p:extLst>
       <p:ext uri="{BB962C8B-B14F-4D97-AF65-F5344CB8AC3E}">
-        <p14:creationId xmlns:p14="http://schemas.microsoft.com/office/powerpoint/2010/main" val="2139506220"/>
+        <p14:creationId xmlns:p14="http://schemas.microsoft.com/office/powerpoint/2010/main" val="31535604"/>
       </p:ext>
     </p:extLst>
   </p:cSld>

--- a/README.pptx
+++ b/README.pptx
@@ -4994,8 +4994,8 @@
         </p:nvSpPr>
         <p:spPr>
           <a:xfrm>
-            <a:off x="6533269" y="3742681"/>
-            <a:ext cx="448969" cy="369332"/>
+            <a:off x="6443532" y="3751430"/>
+            <a:ext cx="628442" cy="369332"/>
           </a:xfrm>
           <a:prstGeom prst="rect">
             <a:avLst/>
@@ -5009,10 +5009,9 @@
           <a:lstStyle/>
           <a:p>
             <a:r>
-              <a:rPr lang="en-GB" dirty="0" err="1"/>
-              <a:t>src</a:t>
-            </a:r>
-            <a:endParaRPr lang="en-GB" dirty="0"/>
+              <a:rPr lang="en-GB" dirty="0"/>
+              <a:t>tests</a:t>
+            </a:r>
           </a:p>
         </p:txBody>
       </p:sp>
@@ -5842,7 +5841,7 @@
         <p:grpSpPr>
           <a:xfrm>
             <a:off x="6364303" y="3048484"/>
-            <a:ext cx="2699385" cy="1664683"/>
+            <a:ext cx="2927181" cy="1664683"/>
             <a:chOff x="5211128" y="3048484"/>
             <a:chExt cx="3158121" cy="1664683"/>
           </a:xfrm>

--- a/README.pptx
+++ b/README.pptx
@@ -6,9 +6,10 @@
   </p:sldMasterIdLst>
   <p:sldIdLst>
     <p:sldId id="256" r:id="rId2"/>
-    <p:sldId id="258" r:id="rId3"/>
-    <p:sldId id="260" r:id="rId4"/>
-    <p:sldId id="257" r:id="rId5"/>
+    <p:sldId id="261" r:id="rId3"/>
+    <p:sldId id="258" r:id="rId4"/>
+    <p:sldId id="260" r:id="rId5"/>
+    <p:sldId id="257" r:id="rId6"/>
   </p:sldIdLst>
   <p:sldSz cx="12192000" cy="6858000"/>
   <p:notesSz cx="6858000" cy="9144000"/>
@@ -3352,51 +3353,126 @@
       </p:grpSpPr>
       <p:sp>
         <p:nvSpPr>
-          <p:cNvPr id="2" name="제목 1">
-            <a:extLst>
-              <a:ext uri="{FF2B5EF4-FFF2-40B4-BE49-F238E27FC236}">
-                <a16:creationId xmlns:a16="http://schemas.microsoft.com/office/drawing/2014/main" id="{F69618F1-5DDE-DA41-95B7-6015670CF558}"/>
-              </a:ext>
-            </a:extLst>
-          </p:cNvPr>
-          <p:cNvSpPr>
-            <a:spLocks noGrp="1"/>
-          </p:cNvSpPr>
-          <p:nvPr>
-            <p:ph type="ctrTitle"/>
-          </p:nvPr>
-        </p:nvSpPr>
-        <p:spPr/>
-        <p:txBody>
-          <a:bodyPr/>
-          <a:lstStyle/>
-          <a:p>
-            <a:endParaRPr lang="en-GB"/>
-          </a:p>
-        </p:txBody>
-      </p:sp>
-      <p:sp>
-        <p:nvSpPr>
-          <p:cNvPr id="3" name="부제목 2">
-            <a:extLst>
-              <a:ext uri="{FF2B5EF4-FFF2-40B4-BE49-F238E27FC236}">
-                <a16:creationId xmlns:a16="http://schemas.microsoft.com/office/drawing/2014/main" id="{174259CA-9970-EABB-6AE3-16A293288F6E}"/>
-              </a:ext>
-            </a:extLst>
-          </p:cNvPr>
-          <p:cNvSpPr>
-            <a:spLocks noGrp="1"/>
-          </p:cNvSpPr>
-          <p:nvPr>
-            <p:ph type="subTitle" idx="1"/>
-          </p:nvPr>
-        </p:nvSpPr>
-        <p:spPr/>
-        <p:txBody>
-          <a:bodyPr/>
-          <a:lstStyle/>
-          <a:p>
-            <a:endParaRPr lang="en-GB"/>
+          <p:cNvPr id="4" name="TextBox 3">
+            <a:extLst>
+              <a:ext uri="{FF2B5EF4-FFF2-40B4-BE49-F238E27FC236}">
+                <a16:creationId xmlns:a16="http://schemas.microsoft.com/office/drawing/2014/main" id="{13FAB6D1-BEB2-5C73-20C1-74A41EF90CEB}"/>
+              </a:ext>
+            </a:extLst>
+          </p:cNvPr>
+          <p:cNvSpPr txBox="1"/>
+          <p:nvPr/>
+        </p:nvSpPr>
+        <p:spPr>
+          <a:xfrm>
+            <a:off x="1899980" y="1666568"/>
+            <a:ext cx="8392041" cy="707886"/>
+          </a:xfrm>
+          <a:prstGeom prst="rect">
+            <a:avLst/>
+          </a:prstGeom>
+          <a:noFill/>
+        </p:spPr>
+        <p:txBody>
+          <a:bodyPr wrap="none" rtlCol="0">
+            <a:spAutoFit/>
+          </a:bodyPr>
+          <a:lstStyle/>
+          <a:p>
+            <a:r>
+              <a:rPr lang="ko-KR" altLang="en-US" sz="4000" b="1" dirty="0" err="1"/>
+              <a:t>클린</a:t>
+            </a:r>
+            <a:r>
+              <a:rPr lang="ko-KR" altLang="en-US" sz="4000" b="1" dirty="0"/>
+              <a:t> 아키텍처 </a:t>
+            </a:r>
+            <a:r>
+              <a:rPr lang="en-GB" altLang="ko-KR" sz="4000" b="1" dirty="0"/>
+              <a:t>with </a:t>
+            </a:r>
+            <a:r>
+              <a:rPr lang="ko-KR" altLang="en-US" sz="4000" b="1" dirty="0"/>
+              <a:t>도메인 주도 설계</a:t>
+            </a:r>
+            <a:endParaRPr lang="en-GB" sz="4000" b="1" dirty="0"/>
+          </a:p>
+        </p:txBody>
+      </p:sp>
+      <p:sp>
+        <p:nvSpPr>
+          <p:cNvPr id="5" name="TextBox 4">
+            <a:extLst>
+              <a:ext uri="{FF2B5EF4-FFF2-40B4-BE49-F238E27FC236}">
+                <a16:creationId xmlns:a16="http://schemas.microsoft.com/office/drawing/2014/main" id="{C3A9E18B-2362-7EF1-82C7-DF035D001B07}"/>
+              </a:ext>
+            </a:extLst>
+          </p:cNvPr>
+          <p:cNvSpPr txBox="1"/>
+          <p:nvPr/>
+        </p:nvSpPr>
+        <p:spPr>
+          <a:xfrm>
+            <a:off x="5096207" y="3531996"/>
+            <a:ext cx="1999586" cy="1536254"/>
+          </a:xfrm>
+          <a:prstGeom prst="rect">
+            <a:avLst/>
+          </a:prstGeom>
+          <a:noFill/>
+        </p:spPr>
+        <p:txBody>
+          <a:bodyPr wrap="none" rtlCol="0">
+            <a:spAutoFit/>
+          </a:bodyPr>
+          <a:lstStyle/>
+          <a:p>
+            <a:pPr algn="ctr">
+              <a:lnSpc>
+                <a:spcPct val="150000"/>
+              </a:lnSpc>
+            </a:pPr>
+            <a:r>
+              <a:rPr lang="ko-KR" altLang="en-US" dirty="0"/>
+              <a:t>고형호</a:t>
+            </a:r>
+            <a:endParaRPr lang="en-GB" altLang="ko-KR" dirty="0"/>
+          </a:p>
+          <a:p>
+            <a:pPr algn="ctr">
+              <a:lnSpc>
+                <a:spcPct val="150000"/>
+              </a:lnSpc>
+            </a:pPr>
+            <a:endParaRPr lang="en-GB" altLang="ko-KR" dirty="0"/>
+          </a:p>
+          <a:p>
+            <a:pPr algn="ctr">
+              <a:lnSpc>
+                <a:spcPct val="150000"/>
+              </a:lnSpc>
+            </a:pPr>
+            <a:r>
+              <a:rPr lang="en-GB" sz="1400" dirty="0">
+                <a:hlinkClick r:id="rId2"/>
+              </a:rPr>
+              <a:t>hyungho.ko@gmail.com</a:t>
+            </a:r>
+            <a:endParaRPr lang="en-GB" sz="1400" dirty="0"/>
+          </a:p>
+          <a:p>
+            <a:pPr algn="ctr">
+              <a:lnSpc>
+                <a:spcPct val="150000"/>
+              </a:lnSpc>
+            </a:pPr>
+            <a:r>
+              <a:rPr lang="en-GB" sz="1400" dirty="0">
+                <a:hlinkClick r:id="rId3"/>
+              </a:rPr>
+              <a:t>https://github.com/hhko</a:t>
+            </a:r>
+            <a:endParaRPr lang="en-GB" sz="1400" dirty="0"/>
           </a:p>
         </p:txBody>
       </p:sp>
@@ -3432,6 +3508,2236 @@
       </p:grpSpPr>
       <p:sp>
         <p:nvSpPr>
+          <p:cNvPr id="4" name="직사각형 3">
+            <a:extLst>
+              <a:ext uri="{FF2B5EF4-FFF2-40B4-BE49-F238E27FC236}">
+                <a16:creationId xmlns:a16="http://schemas.microsoft.com/office/drawing/2014/main" id="{5D2F44D7-A4E3-5CE0-5C3D-C637D3593E03}"/>
+              </a:ext>
+            </a:extLst>
+          </p:cNvPr>
+          <p:cNvSpPr/>
+          <p:nvPr/>
+        </p:nvSpPr>
+        <p:spPr>
+          <a:xfrm>
+            <a:off x="1835894" y="552790"/>
+            <a:ext cx="447648" cy="1351368"/>
+          </a:xfrm>
+          <a:prstGeom prst="rect">
+            <a:avLst/>
+          </a:prstGeom>
+          <a:solidFill>
+            <a:schemeClr val="accent2">
+              <a:lumMod val="20000"/>
+              <a:lumOff val="80000"/>
+            </a:schemeClr>
+          </a:solidFill>
+          <a:ln>
+            <a:solidFill>
+              <a:schemeClr val="accent2">
+                <a:lumMod val="20000"/>
+                <a:lumOff val="80000"/>
+              </a:schemeClr>
+            </a:solidFill>
+          </a:ln>
+        </p:spPr>
+        <p:style>
+          <a:lnRef idx="2">
+            <a:schemeClr val="accent1">
+              <a:shade val="50000"/>
+            </a:schemeClr>
+          </a:lnRef>
+          <a:fillRef idx="1">
+            <a:schemeClr val="accent1"/>
+          </a:fillRef>
+          <a:effectRef idx="0">
+            <a:schemeClr val="accent1"/>
+          </a:effectRef>
+          <a:fontRef idx="minor">
+            <a:schemeClr val="lt1"/>
+          </a:fontRef>
+        </p:style>
+        <p:txBody>
+          <a:bodyPr rtlCol="0" anchor="ctr"/>
+          <a:lstStyle/>
+          <a:p>
+            <a:pPr algn="ctr"/>
+            <a:endParaRPr lang="ko-KR" altLang="en-US"/>
+          </a:p>
+        </p:txBody>
+      </p:sp>
+      <p:sp>
+        <p:nvSpPr>
+          <p:cNvPr id="5" name="직사각형 4">
+            <a:extLst>
+              <a:ext uri="{FF2B5EF4-FFF2-40B4-BE49-F238E27FC236}">
+                <a16:creationId xmlns:a16="http://schemas.microsoft.com/office/drawing/2014/main" id="{21A5733A-A7BE-FF82-08DD-F9ABCB2C6D03}"/>
+              </a:ext>
+            </a:extLst>
+          </p:cNvPr>
+          <p:cNvSpPr/>
+          <p:nvPr/>
+        </p:nvSpPr>
+        <p:spPr>
+          <a:xfrm>
+            <a:off x="9336963" y="3773311"/>
+            <a:ext cx="2751992" cy="503760"/>
+          </a:xfrm>
+          <a:prstGeom prst="rect">
+            <a:avLst/>
+          </a:prstGeom>
+          <a:solidFill>
+            <a:schemeClr val="accent6">
+              <a:lumMod val="20000"/>
+              <a:lumOff val="80000"/>
+            </a:schemeClr>
+          </a:solidFill>
+          <a:ln>
+            <a:solidFill>
+              <a:schemeClr val="accent6">
+                <a:lumMod val="20000"/>
+                <a:lumOff val="80000"/>
+              </a:schemeClr>
+            </a:solidFill>
+          </a:ln>
+        </p:spPr>
+        <p:style>
+          <a:lnRef idx="2">
+            <a:schemeClr val="accent1">
+              <a:shade val="50000"/>
+            </a:schemeClr>
+          </a:lnRef>
+          <a:fillRef idx="1">
+            <a:schemeClr val="accent1"/>
+          </a:fillRef>
+          <a:effectRef idx="0">
+            <a:schemeClr val="accent1"/>
+          </a:effectRef>
+          <a:fontRef idx="minor">
+            <a:schemeClr val="lt1"/>
+          </a:fontRef>
+        </p:style>
+        <p:txBody>
+          <a:bodyPr rtlCol="0" anchor="ctr"/>
+          <a:lstStyle/>
+          <a:p>
+            <a:pPr algn="ctr"/>
+            <a:endParaRPr lang="ko-KR" altLang="en-US"/>
+          </a:p>
+        </p:txBody>
+      </p:sp>
+      <p:sp>
+        <p:nvSpPr>
+          <p:cNvPr id="6" name="직사각형 5">
+            <a:extLst>
+              <a:ext uri="{FF2B5EF4-FFF2-40B4-BE49-F238E27FC236}">
+                <a16:creationId xmlns:a16="http://schemas.microsoft.com/office/drawing/2014/main" id="{602B8895-8B4C-4D2C-CFBD-FD5E5B708A0B}"/>
+              </a:ext>
+            </a:extLst>
+          </p:cNvPr>
+          <p:cNvSpPr/>
+          <p:nvPr/>
+        </p:nvSpPr>
+        <p:spPr>
+          <a:xfrm>
+            <a:off x="4920357" y="2013052"/>
+            <a:ext cx="1768975" cy="503760"/>
+          </a:xfrm>
+          <a:prstGeom prst="rect">
+            <a:avLst/>
+          </a:prstGeom>
+          <a:solidFill>
+            <a:schemeClr val="accent1">
+              <a:lumMod val="20000"/>
+              <a:lumOff val="80000"/>
+            </a:schemeClr>
+          </a:solidFill>
+          <a:ln>
+            <a:solidFill>
+              <a:schemeClr val="accent1">
+                <a:lumMod val="20000"/>
+                <a:lumOff val="80000"/>
+              </a:schemeClr>
+            </a:solidFill>
+          </a:ln>
+        </p:spPr>
+        <p:style>
+          <a:lnRef idx="2">
+            <a:schemeClr val="accent1">
+              <a:shade val="50000"/>
+            </a:schemeClr>
+          </a:lnRef>
+          <a:fillRef idx="1">
+            <a:schemeClr val="accent1"/>
+          </a:fillRef>
+          <a:effectRef idx="0">
+            <a:schemeClr val="accent1"/>
+          </a:effectRef>
+          <a:fontRef idx="minor">
+            <a:schemeClr val="lt1"/>
+          </a:fontRef>
+        </p:style>
+        <p:txBody>
+          <a:bodyPr rtlCol="0" anchor="ctr"/>
+          <a:lstStyle/>
+          <a:p>
+            <a:pPr algn="ctr"/>
+            <a:endParaRPr lang="ko-KR" altLang="en-US"/>
+          </a:p>
+        </p:txBody>
+      </p:sp>
+      <p:sp>
+        <p:nvSpPr>
+          <p:cNvPr id="7" name="직사각형 6">
+            <a:extLst>
+              <a:ext uri="{FF2B5EF4-FFF2-40B4-BE49-F238E27FC236}">
+                <a16:creationId xmlns:a16="http://schemas.microsoft.com/office/drawing/2014/main" id="{6616FA10-1102-82E1-5E2A-78B1CDBB3C0F}"/>
+              </a:ext>
+            </a:extLst>
+          </p:cNvPr>
+          <p:cNvSpPr/>
+          <p:nvPr/>
+        </p:nvSpPr>
+        <p:spPr>
+          <a:xfrm>
+            <a:off x="6274307" y="3773311"/>
+            <a:ext cx="2919352" cy="503760"/>
+          </a:xfrm>
+          <a:prstGeom prst="rect">
+            <a:avLst/>
+          </a:prstGeom>
+          <a:solidFill>
+            <a:schemeClr val="accent4">
+              <a:lumMod val="20000"/>
+              <a:lumOff val="80000"/>
+            </a:schemeClr>
+          </a:solidFill>
+          <a:ln>
+            <a:solidFill>
+              <a:schemeClr val="accent4">
+                <a:lumMod val="20000"/>
+                <a:lumOff val="80000"/>
+              </a:schemeClr>
+            </a:solidFill>
+          </a:ln>
+        </p:spPr>
+        <p:style>
+          <a:lnRef idx="2">
+            <a:schemeClr val="accent1">
+              <a:shade val="50000"/>
+            </a:schemeClr>
+          </a:lnRef>
+          <a:fillRef idx="1">
+            <a:schemeClr val="accent1"/>
+          </a:fillRef>
+          <a:effectRef idx="0">
+            <a:schemeClr val="accent1"/>
+          </a:effectRef>
+          <a:fontRef idx="minor">
+            <a:schemeClr val="lt1"/>
+          </a:fontRef>
+        </p:style>
+        <p:txBody>
+          <a:bodyPr rtlCol="0" anchor="ctr"/>
+          <a:lstStyle/>
+          <a:p>
+            <a:pPr algn="ctr"/>
+            <a:endParaRPr lang="ko-KR" altLang="en-US"/>
+          </a:p>
+        </p:txBody>
+      </p:sp>
+      <p:sp>
+        <p:nvSpPr>
+          <p:cNvPr id="8" name="직사각형 7">
+            <a:extLst>
+              <a:ext uri="{FF2B5EF4-FFF2-40B4-BE49-F238E27FC236}">
+                <a16:creationId xmlns:a16="http://schemas.microsoft.com/office/drawing/2014/main" id="{146DF417-239A-ED74-2AE0-32271666CF8E}"/>
+              </a:ext>
+            </a:extLst>
+          </p:cNvPr>
+          <p:cNvSpPr/>
+          <p:nvPr/>
+        </p:nvSpPr>
+        <p:spPr>
+          <a:xfrm>
+            <a:off x="10321702" y="2013052"/>
+            <a:ext cx="1591409" cy="503760"/>
+          </a:xfrm>
+          <a:prstGeom prst="rect">
+            <a:avLst/>
+          </a:prstGeom>
+          <a:solidFill>
+            <a:schemeClr val="accent4">
+              <a:lumMod val="20000"/>
+              <a:lumOff val="80000"/>
+            </a:schemeClr>
+          </a:solidFill>
+          <a:ln>
+            <a:solidFill>
+              <a:schemeClr val="accent4">
+                <a:lumMod val="20000"/>
+                <a:lumOff val="80000"/>
+              </a:schemeClr>
+            </a:solidFill>
+          </a:ln>
+        </p:spPr>
+        <p:style>
+          <a:lnRef idx="2">
+            <a:schemeClr val="accent1">
+              <a:shade val="50000"/>
+            </a:schemeClr>
+          </a:lnRef>
+          <a:fillRef idx="1">
+            <a:schemeClr val="accent1"/>
+          </a:fillRef>
+          <a:effectRef idx="0">
+            <a:schemeClr val="accent1"/>
+          </a:effectRef>
+          <a:fontRef idx="minor">
+            <a:schemeClr val="lt1"/>
+          </a:fontRef>
+        </p:style>
+        <p:txBody>
+          <a:bodyPr rtlCol="0" anchor="ctr"/>
+          <a:lstStyle/>
+          <a:p>
+            <a:pPr algn="ctr"/>
+            <a:endParaRPr lang="ko-KR" altLang="en-US"/>
+          </a:p>
+        </p:txBody>
+      </p:sp>
+      <p:sp>
+        <p:nvSpPr>
+          <p:cNvPr id="9" name="직사각형 8">
+            <a:extLst>
+              <a:ext uri="{FF2B5EF4-FFF2-40B4-BE49-F238E27FC236}">
+                <a16:creationId xmlns:a16="http://schemas.microsoft.com/office/drawing/2014/main" id="{BFA7BA9C-1448-022E-DE1E-7E104646CD49}"/>
+              </a:ext>
+            </a:extLst>
+          </p:cNvPr>
+          <p:cNvSpPr/>
+          <p:nvPr/>
+        </p:nvSpPr>
+        <p:spPr>
+          <a:xfrm>
+            <a:off x="7918201" y="2013052"/>
+            <a:ext cx="1591409" cy="503760"/>
+          </a:xfrm>
+          <a:prstGeom prst="rect">
+            <a:avLst/>
+          </a:prstGeom>
+          <a:solidFill>
+            <a:schemeClr val="accent4">
+              <a:lumMod val="20000"/>
+              <a:lumOff val="80000"/>
+            </a:schemeClr>
+          </a:solidFill>
+          <a:ln>
+            <a:solidFill>
+              <a:schemeClr val="accent4">
+                <a:lumMod val="20000"/>
+                <a:lumOff val="80000"/>
+              </a:schemeClr>
+            </a:solidFill>
+          </a:ln>
+        </p:spPr>
+        <p:style>
+          <a:lnRef idx="2">
+            <a:schemeClr val="accent1">
+              <a:shade val="50000"/>
+            </a:schemeClr>
+          </a:lnRef>
+          <a:fillRef idx="1">
+            <a:schemeClr val="accent1"/>
+          </a:fillRef>
+          <a:effectRef idx="0">
+            <a:schemeClr val="accent1"/>
+          </a:effectRef>
+          <a:fontRef idx="minor">
+            <a:schemeClr val="lt1"/>
+          </a:fontRef>
+        </p:style>
+        <p:txBody>
+          <a:bodyPr rtlCol="0" anchor="ctr"/>
+          <a:lstStyle/>
+          <a:p>
+            <a:pPr algn="ctr"/>
+            <a:endParaRPr lang="ko-KR" altLang="en-US"/>
+          </a:p>
+        </p:txBody>
+      </p:sp>
+      <p:sp>
+        <p:nvSpPr>
+          <p:cNvPr id="10" name="직사각형 9">
+            <a:extLst>
+              <a:ext uri="{FF2B5EF4-FFF2-40B4-BE49-F238E27FC236}">
+                <a16:creationId xmlns:a16="http://schemas.microsoft.com/office/drawing/2014/main" id="{0304E307-A244-5052-9D91-0F18242906A8}"/>
+              </a:ext>
+            </a:extLst>
+          </p:cNvPr>
+          <p:cNvSpPr/>
+          <p:nvPr/>
+        </p:nvSpPr>
+        <p:spPr>
+          <a:xfrm>
+            <a:off x="102109" y="1495922"/>
+            <a:ext cx="3405554" cy="1024961"/>
+          </a:xfrm>
+          <a:prstGeom prst="rect">
+            <a:avLst/>
+          </a:prstGeom>
+        </p:spPr>
+        <p:txBody>
+          <a:bodyPr wrap="square">
+            <a:spAutoFit/>
+          </a:bodyPr>
+          <a:lstStyle/>
+          <a:p>
+            <a:pPr>
+              <a:lnSpc>
+                <a:spcPct val="150000"/>
+              </a:lnSpc>
+            </a:pPr>
+            <a:r>
+              <a:rPr lang="en-US" altLang="ko-KR" sz="1000" b="1" dirty="0"/>
+              <a:t>Three-tier Architecture &gt; </a:t>
+            </a:r>
+            <a:r>
+              <a:rPr lang="ko-KR" altLang="en-US" sz="1000" b="1" dirty="0" err="1"/>
+              <a:t>Three-</a:t>
+            </a:r>
+            <a:r>
+              <a:rPr lang="ko-KR" altLang="en-US" sz="1000" b="1" dirty="0" err="1">
+                <a:solidFill>
+                  <a:srgbClr val="C00000"/>
+                </a:solidFill>
+              </a:rPr>
+              <a:t>layered</a:t>
+            </a:r>
+            <a:r>
+              <a:rPr lang="ko-KR" altLang="en-US" sz="1000" b="1" dirty="0"/>
+              <a:t> </a:t>
+            </a:r>
+            <a:r>
+              <a:rPr lang="en-US" altLang="ko-KR" sz="1000" b="1" dirty="0"/>
+              <a:t>A</a:t>
+            </a:r>
+            <a:r>
+              <a:rPr lang="ko-KR" altLang="en-US" sz="1000" b="1" dirty="0" err="1"/>
+              <a:t>rchitecture</a:t>
+            </a:r>
+            <a:endParaRPr lang="ko-KR" altLang="en-US" sz="900" b="1" dirty="0"/>
+          </a:p>
+          <a:p>
+            <a:pPr>
+              <a:lnSpc>
+                <a:spcPct val="150000"/>
+              </a:lnSpc>
+            </a:pPr>
+            <a:r>
+              <a:rPr lang="ko-KR" altLang="en-US" sz="900" dirty="0" err="1"/>
+              <a:t>by</a:t>
+            </a:r>
+            <a:r>
+              <a:rPr lang="ko-KR" altLang="en-US" sz="900" dirty="0"/>
+              <a:t> </a:t>
+            </a:r>
+            <a:r>
+              <a:rPr lang="ko-KR" altLang="en-US" sz="900" dirty="0" err="1"/>
+              <a:t>John</a:t>
+            </a:r>
+            <a:r>
+              <a:rPr lang="ko-KR" altLang="en-US" sz="900" dirty="0"/>
+              <a:t> </a:t>
+            </a:r>
+            <a:r>
+              <a:rPr lang="ko-KR" altLang="en-US" sz="900" dirty="0" err="1"/>
+              <a:t>J</a:t>
+            </a:r>
+            <a:r>
+              <a:rPr lang="ko-KR" altLang="en-US" sz="900" dirty="0"/>
+              <a:t>. </a:t>
+            </a:r>
+            <a:r>
+              <a:rPr lang="ko-KR" altLang="en-US" sz="900" dirty="0" err="1"/>
+              <a:t>Donovan</a:t>
+            </a:r>
+            <a:endParaRPr lang="ko-KR" altLang="en-US" sz="900" dirty="0"/>
+          </a:p>
+          <a:p>
+            <a:pPr>
+              <a:lnSpc>
+                <a:spcPct val="200000"/>
+              </a:lnSpc>
+            </a:pPr>
+            <a:r>
+              <a:rPr lang="ko-KR" altLang="en-US" sz="1000" b="1" dirty="0" err="1"/>
+              <a:t>Entity</a:t>
+            </a:r>
+            <a:r>
+              <a:rPr lang="ko-KR" altLang="en-US" sz="1000" b="1" dirty="0"/>
+              <a:t>-</a:t>
+            </a:r>
+            <a:r>
+              <a:rPr lang="en-US" altLang="ko-KR" sz="1000" b="1" dirty="0"/>
+              <a:t>C</a:t>
+            </a:r>
+            <a:r>
+              <a:rPr lang="ko-KR" altLang="en-US" sz="1000" b="1" dirty="0" err="1"/>
+              <a:t>ontrol</a:t>
+            </a:r>
+            <a:r>
+              <a:rPr lang="ko-KR" altLang="en-US" sz="1000" b="1" dirty="0"/>
+              <a:t>-</a:t>
+            </a:r>
+            <a:r>
+              <a:rPr lang="en-US" altLang="ko-KR" sz="1000" b="1" dirty="0"/>
+              <a:t>B</a:t>
+            </a:r>
+            <a:r>
+              <a:rPr lang="ko-KR" altLang="en-US" sz="1000" b="1" dirty="0" err="1"/>
+              <a:t>oundary</a:t>
+            </a:r>
+            <a:r>
+              <a:rPr lang="ko-KR" altLang="en-US" sz="1000" b="1" dirty="0"/>
+              <a:t>(ECB)</a:t>
+            </a:r>
+          </a:p>
+          <a:p>
+            <a:pPr>
+              <a:lnSpc>
+                <a:spcPct val="150000"/>
+              </a:lnSpc>
+            </a:pPr>
+            <a:r>
+              <a:rPr lang="ko-KR" altLang="en-US" sz="900" dirty="0" err="1"/>
+              <a:t>by</a:t>
+            </a:r>
+            <a:r>
+              <a:rPr lang="ko-KR" altLang="en-US" sz="900" dirty="0"/>
+              <a:t> </a:t>
+            </a:r>
+            <a:r>
+              <a:rPr lang="ko-KR" altLang="en-US" sz="900" dirty="0" err="1"/>
+              <a:t>lvar</a:t>
+            </a:r>
+            <a:r>
+              <a:rPr lang="ko-KR" altLang="en-US" sz="900" dirty="0"/>
+              <a:t> </a:t>
+            </a:r>
+            <a:r>
+              <a:rPr lang="ko-KR" altLang="en-US" sz="900" dirty="0" err="1"/>
+              <a:t>Jacobson</a:t>
+            </a:r>
+            <a:endParaRPr lang="ko-KR" altLang="en-US" sz="900" dirty="0"/>
+          </a:p>
+        </p:txBody>
+      </p:sp>
+      <p:sp>
+        <p:nvSpPr>
+          <p:cNvPr id="11" name="직사각형 10">
+            <a:extLst>
+              <a:ext uri="{FF2B5EF4-FFF2-40B4-BE49-F238E27FC236}">
+                <a16:creationId xmlns:a16="http://schemas.microsoft.com/office/drawing/2014/main" id="{164FF0BF-9900-0FB4-B088-D03BF6A12BCD}"/>
+              </a:ext>
+            </a:extLst>
+          </p:cNvPr>
+          <p:cNvSpPr/>
+          <p:nvPr/>
+        </p:nvSpPr>
+        <p:spPr>
+          <a:xfrm>
+            <a:off x="893417" y="3742864"/>
+            <a:ext cx="2825262" cy="507831"/>
+          </a:xfrm>
+          <a:prstGeom prst="rect">
+            <a:avLst/>
+          </a:prstGeom>
+        </p:spPr>
+        <p:txBody>
+          <a:bodyPr wrap="square">
+            <a:spAutoFit/>
+          </a:bodyPr>
+          <a:lstStyle/>
+          <a:p>
+            <a:pPr>
+              <a:lnSpc>
+                <a:spcPct val="150000"/>
+              </a:lnSpc>
+            </a:pPr>
+            <a:r>
+              <a:rPr lang="ko-KR" altLang="en-US" sz="900" b="1"/>
+              <a:t>Extreme Programming(XP) book published</a:t>
+            </a:r>
+          </a:p>
+          <a:p>
+            <a:pPr>
+              <a:lnSpc>
+                <a:spcPct val="150000"/>
+              </a:lnSpc>
+            </a:pPr>
+            <a:r>
+              <a:rPr lang="ko-KR" altLang="en-US" sz="900"/>
+              <a:t>by Kent Beck</a:t>
+            </a:r>
+          </a:p>
+        </p:txBody>
+      </p:sp>
+      <p:sp>
+        <p:nvSpPr>
+          <p:cNvPr id="12" name="직사각형 11">
+            <a:extLst>
+              <a:ext uri="{FF2B5EF4-FFF2-40B4-BE49-F238E27FC236}">
+                <a16:creationId xmlns:a16="http://schemas.microsoft.com/office/drawing/2014/main" id="{CFBA07C9-8EB5-ADCF-4475-9B6DFEA31A50}"/>
+              </a:ext>
+            </a:extLst>
+          </p:cNvPr>
+          <p:cNvSpPr/>
+          <p:nvPr/>
+        </p:nvSpPr>
+        <p:spPr>
+          <a:xfrm>
+            <a:off x="3006735" y="2290051"/>
+            <a:ext cx="1059906" cy="230832"/>
+          </a:xfrm>
+          <a:prstGeom prst="rect">
+            <a:avLst/>
+          </a:prstGeom>
+        </p:spPr>
+        <p:txBody>
+          <a:bodyPr wrap="none">
+            <a:spAutoFit/>
+          </a:bodyPr>
+          <a:lstStyle/>
+          <a:p>
+            <a:r>
+              <a:rPr lang="ko-KR" altLang="en-US" sz="900" b="1"/>
+              <a:t>Agile Manifesto</a:t>
+            </a:r>
+          </a:p>
+        </p:txBody>
+      </p:sp>
+      <p:sp>
+        <p:nvSpPr>
+          <p:cNvPr id="13" name="직사각형 12">
+            <a:extLst>
+              <a:ext uri="{FF2B5EF4-FFF2-40B4-BE49-F238E27FC236}">
+                <a16:creationId xmlns:a16="http://schemas.microsoft.com/office/drawing/2014/main" id="{9C54F276-8A83-0252-1D18-39ABE31D0E8C}"/>
+              </a:ext>
+            </a:extLst>
+          </p:cNvPr>
+          <p:cNvSpPr/>
+          <p:nvPr/>
+        </p:nvSpPr>
+        <p:spPr>
+          <a:xfrm>
+            <a:off x="3803973" y="3742864"/>
+            <a:ext cx="2455985" cy="507831"/>
+          </a:xfrm>
+          <a:prstGeom prst="rect">
+            <a:avLst/>
+          </a:prstGeom>
+        </p:spPr>
+        <p:txBody>
+          <a:bodyPr wrap="square">
+            <a:spAutoFit/>
+          </a:bodyPr>
+          <a:lstStyle/>
+          <a:p>
+            <a:pPr>
+              <a:lnSpc>
+                <a:spcPct val="150000"/>
+              </a:lnSpc>
+            </a:pPr>
+            <a:r>
+              <a:rPr lang="ko-KR" altLang="en-US" sz="900" b="1"/>
+              <a:t>Test</a:t>
+            </a:r>
+            <a:r>
+              <a:rPr lang="en-US" altLang="ko-KR" sz="900" b="1"/>
+              <a:t>-</a:t>
+            </a:r>
+            <a:r>
+              <a:rPr lang="ko-KR" altLang="en-US" sz="900" b="1"/>
+              <a:t>Driven</a:t>
+            </a:r>
+            <a:r>
+              <a:rPr lang="en-US" altLang="ko-KR" sz="900" b="1"/>
+              <a:t> </a:t>
+            </a:r>
+            <a:r>
+              <a:rPr lang="ko-KR" altLang="en-US" sz="900" b="1"/>
+              <a:t>Development by Example</a:t>
+            </a:r>
+          </a:p>
+          <a:p>
+            <a:pPr>
+              <a:lnSpc>
+                <a:spcPct val="150000"/>
+              </a:lnSpc>
+            </a:pPr>
+            <a:r>
+              <a:rPr lang="ko-KR" altLang="en-US" sz="900"/>
+              <a:t>by Kent Beck</a:t>
+            </a:r>
+          </a:p>
+        </p:txBody>
+      </p:sp>
+      <p:sp>
+        <p:nvSpPr>
+          <p:cNvPr id="14" name="직사각형 13">
+            <a:extLst>
+              <a:ext uri="{FF2B5EF4-FFF2-40B4-BE49-F238E27FC236}">
+                <a16:creationId xmlns:a16="http://schemas.microsoft.com/office/drawing/2014/main" id="{3A781544-D910-D73C-496D-4328CBF55767}"/>
+              </a:ext>
+            </a:extLst>
+          </p:cNvPr>
+          <p:cNvSpPr/>
+          <p:nvPr/>
+        </p:nvSpPr>
+        <p:spPr>
+          <a:xfrm>
+            <a:off x="5031965" y="2013052"/>
+            <a:ext cx="1594338" cy="507831"/>
+          </a:xfrm>
+          <a:prstGeom prst="rect">
+            <a:avLst/>
+          </a:prstGeom>
+        </p:spPr>
+        <p:txBody>
+          <a:bodyPr wrap="square">
+            <a:spAutoFit/>
+          </a:bodyPr>
+          <a:lstStyle/>
+          <a:p>
+            <a:pPr>
+              <a:lnSpc>
+                <a:spcPct val="150000"/>
+              </a:lnSpc>
+            </a:pPr>
+            <a:r>
+              <a:rPr lang="ko-KR" altLang="en-US" sz="900" b="1">
+                <a:solidFill>
+                  <a:srgbClr val="0070C0"/>
+                </a:solidFill>
+              </a:rPr>
+              <a:t>Domain-Driven Design</a:t>
+            </a:r>
+          </a:p>
+          <a:p>
+            <a:pPr>
+              <a:lnSpc>
+                <a:spcPct val="150000"/>
+              </a:lnSpc>
+            </a:pPr>
+            <a:r>
+              <a:rPr lang="ko-KR" altLang="en-US" sz="900">
+                <a:solidFill>
+                  <a:srgbClr val="0070C0"/>
+                </a:solidFill>
+              </a:rPr>
+              <a:t>by Eric Evans</a:t>
+            </a:r>
+          </a:p>
+        </p:txBody>
+      </p:sp>
+      <p:sp>
+        <p:nvSpPr>
+          <p:cNvPr id="15" name="직사각형 14">
+            <a:extLst>
+              <a:ext uri="{FF2B5EF4-FFF2-40B4-BE49-F238E27FC236}">
+                <a16:creationId xmlns:a16="http://schemas.microsoft.com/office/drawing/2014/main" id="{BE3C52DD-C6CE-1DE3-933B-66B8C1824713}"/>
+              </a:ext>
+            </a:extLst>
+          </p:cNvPr>
+          <p:cNvSpPr/>
+          <p:nvPr/>
+        </p:nvSpPr>
+        <p:spPr>
+          <a:xfrm>
+            <a:off x="6388609" y="3742864"/>
+            <a:ext cx="2805050" cy="507831"/>
+          </a:xfrm>
+          <a:prstGeom prst="rect">
+            <a:avLst/>
+          </a:prstGeom>
+        </p:spPr>
+        <p:txBody>
+          <a:bodyPr wrap="square">
+            <a:spAutoFit/>
+          </a:bodyPr>
+          <a:lstStyle/>
+          <a:p>
+            <a:pPr>
+              <a:lnSpc>
+                <a:spcPct val="150000"/>
+              </a:lnSpc>
+            </a:pPr>
+            <a:r>
+              <a:rPr lang="ko-KR" altLang="en-US" sz="900" b="1"/>
+              <a:t>Hexagonal Architecture / Ports &amp; Adapters</a:t>
+            </a:r>
+          </a:p>
+          <a:p>
+            <a:pPr>
+              <a:lnSpc>
+                <a:spcPct val="150000"/>
+              </a:lnSpc>
+            </a:pPr>
+            <a:r>
+              <a:rPr lang="ko-KR" altLang="en-US" sz="900"/>
+              <a:t>by Alistair Cockburn </a:t>
+            </a:r>
+          </a:p>
+        </p:txBody>
+      </p:sp>
+      <p:sp>
+        <p:nvSpPr>
+          <p:cNvPr id="16" name="직사각형 15">
+            <a:extLst>
+              <a:ext uri="{FF2B5EF4-FFF2-40B4-BE49-F238E27FC236}">
+                <a16:creationId xmlns:a16="http://schemas.microsoft.com/office/drawing/2014/main" id="{B3894C1A-354D-43FF-8348-90E0A992AEFB}"/>
+              </a:ext>
+            </a:extLst>
+          </p:cNvPr>
+          <p:cNvSpPr/>
+          <p:nvPr/>
+        </p:nvSpPr>
+        <p:spPr>
+          <a:xfrm>
+            <a:off x="8076733" y="2013052"/>
+            <a:ext cx="1383323" cy="507831"/>
+          </a:xfrm>
+          <a:prstGeom prst="rect">
+            <a:avLst/>
+          </a:prstGeom>
+        </p:spPr>
+        <p:txBody>
+          <a:bodyPr wrap="square">
+            <a:spAutoFit/>
+          </a:bodyPr>
+          <a:lstStyle/>
+          <a:p>
+            <a:pPr>
+              <a:lnSpc>
+                <a:spcPct val="150000"/>
+              </a:lnSpc>
+            </a:pPr>
+            <a:r>
+              <a:rPr lang="ko-KR" altLang="en-US" sz="900" b="1"/>
+              <a:t>Onion Architecture</a:t>
+            </a:r>
+          </a:p>
+          <a:p>
+            <a:pPr>
+              <a:lnSpc>
+                <a:spcPct val="150000"/>
+              </a:lnSpc>
+            </a:pPr>
+            <a:r>
+              <a:rPr lang="ko-KR" altLang="en-US" sz="900"/>
+              <a:t>by Jeffrey Palermo</a:t>
+            </a:r>
+          </a:p>
+        </p:txBody>
+      </p:sp>
+      <p:sp>
+        <p:nvSpPr>
+          <p:cNvPr id="17" name="직사각형 16">
+            <a:extLst>
+              <a:ext uri="{FF2B5EF4-FFF2-40B4-BE49-F238E27FC236}">
+                <a16:creationId xmlns:a16="http://schemas.microsoft.com/office/drawing/2014/main" id="{3F83ECC8-5DA1-1EDA-897D-151670EE38AF}"/>
+              </a:ext>
+            </a:extLst>
+          </p:cNvPr>
+          <p:cNvSpPr/>
+          <p:nvPr/>
+        </p:nvSpPr>
+        <p:spPr>
+          <a:xfrm>
+            <a:off x="9434174" y="3742864"/>
+            <a:ext cx="2593236" cy="507831"/>
+          </a:xfrm>
+          <a:prstGeom prst="rect">
+            <a:avLst/>
+          </a:prstGeom>
+        </p:spPr>
+        <p:txBody>
+          <a:bodyPr wrap="square">
+            <a:spAutoFit/>
+          </a:bodyPr>
+          <a:lstStyle/>
+          <a:p>
+            <a:pPr>
+              <a:lnSpc>
+                <a:spcPct val="150000"/>
+              </a:lnSpc>
+            </a:pPr>
+            <a:r>
+              <a:rPr lang="ko-KR" altLang="en-US" sz="900" b="1">
+                <a:solidFill>
+                  <a:srgbClr val="00B050"/>
+                </a:solidFill>
+              </a:rPr>
+              <a:t>Test Pyramid</a:t>
+            </a:r>
+          </a:p>
+          <a:p>
+            <a:pPr>
+              <a:lnSpc>
+                <a:spcPct val="150000"/>
+              </a:lnSpc>
+            </a:pPr>
+            <a:r>
+              <a:rPr lang="ko-KR" altLang="en-US" sz="900">
+                <a:solidFill>
+                  <a:srgbClr val="00B050"/>
+                </a:solidFill>
+              </a:rPr>
+              <a:t>by M</a:t>
+            </a:r>
+            <a:r>
+              <a:rPr lang="en-US" altLang="ko-KR" sz="900">
+                <a:solidFill>
+                  <a:srgbClr val="00B050"/>
+                </a:solidFill>
+              </a:rPr>
+              <a:t>i</a:t>
+            </a:r>
+            <a:r>
+              <a:rPr lang="ko-KR" altLang="en-US" sz="900">
+                <a:solidFill>
+                  <a:srgbClr val="00B050"/>
+                </a:solidFill>
+              </a:rPr>
+              <a:t>ke Cohn at Succeeding with Agile Book</a:t>
+            </a:r>
+          </a:p>
+        </p:txBody>
+      </p:sp>
+      <p:sp>
+        <p:nvSpPr>
+          <p:cNvPr id="18" name="직사각형 17">
+            <a:extLst>
+              <a:ext uri="{FF2B5EF4-FFF2-40B4-BE49-F238E27FC236}">
+                <a16:creationId xmlns:a16="http://schemas.microsoft.com/office/drawing/2014/main" id="{94721813-7663-F1E7-0E79-A5791836619D}"/>
+              </a:ext>
+            </a:extLst>
+          </p:cNvPr>
+          <p:cNvSpPr/>
+          <p:nvPr/>
+        </p:nvSpPr>
+        <p:spPr>
+          <a:xfrm>
+            <a:off x="10462531" y="2013052"/>
+            <a:ext cx="1432994" cy="507831"/>
+          </a:xfrm>
+          <a:prstGeom prst="rect">
+            <a:avLst/>
+          </a:prstGeom>
+        </p:spPr>
+        <p:txBody>
+          <a:bodyPr wrap="square">
+            <a:spAutoFit/>
+          </a:bodyPr>
+          <a:lstStyle/>
+          <a:p>
+            <a:pPr>
+              <a:lnSpc>
+                <a:spcPct val="150000"/>
+              </a:lnSpc>
+            </a:pPr>
+            <a:r>
+              <a:rPr lang="ko-KR" altLang="en-US" sz="900" b="1"/>
+              <a:t>Clean Architecture</a:t>
+            </a:r>
+          </a:p>
+          <a:p>
+            <a:pPr>
+              <a:lnSpc>
+                <a:spcPct val="150000"/>
+              </a:lnSpc>
+            </a:pPr>
+            <a:r>
+              <a:rPr lang="ko-KR" altLang="en-US" sz="900"/>
+              <a:t>by Robert C. Martin</a:t>
+            </a:r>
+          </a:p>
+        </p:txBody>
+      </p:sp>
+      <p:cxnSp>
+        <p:nvCxnSpPr>
+          <p:cNvPr id="19" name="직선 화살표 연결선 18">
+            <a:extLst>
+              <a:ext uri="{FF2B5EF4-FFF2-40B4-BE49-F238E27FC236}">
+                <a16:creationId xmlns:a16="http://schemas.microsoft.com/office/drawing/2014/main" id="{F653B4C7-ACF2-F41F-23F2-BCED261F8007}"/>
+              </a:ext>
+            </a:extLst>
+          </p:cNvPr>
+          <p:cNvCxnSpPr/>
+          <p:nvPr/>
+        </p:nvCxnSpPr>
+        <p:spPr>
+          <a:xfrm>
+            <a:off x="102109" y="3130855"/>
+            <a:ext cx="11793416" cy="0"/>
+          </a:xfrm>
+          <a:prstGeom prst="straightConnector1">
+            <a:avLst/>
+          </a:prstGeom>
+          <a:ln w="57150">
+            <a:solidFill>
+              <a:schemeClr val="tx1"/>
+            </a:solidFill>
+            <a:tailEnd type="triangle"/>
+          </a:ln>
+        </p:spPr>
+        <p:style>
+          <a:lnRef idx="1">
+            <a:schemeClr val="accent1"/>
+          </a:lnRef>
+          <a:fillRef idx="0">
+            <a:schemeClr val="accent1"/>
+          </a:fillRef>
+          <a:effectRef idx="0">
+            <a:schemeClr val="accent1"/>
+          </a:effectRef>
+          <a:fontRef idx="minor">
+            <a:schemeClr val="tx1"/>
+          </a:fontRef>
+        </p:style>
+      </p:cxnSp>
+      <p:grpSp>
+        <p:nvGrpSpPr>
+          <p:cNvPr id="20" name="그룹 19">
+            <a:extLst>
+              <a:ext uri="{FF2B5EF4-FFF2-40B4-BE49-F238E27FC236}">
+                <a16:creationId xmlns:a16="http://schemas.microsoft.com/office/drawing/2014/main" id="{BD626D93-F5ED-6F11-87D4-6DC79665E6B0}"/>
+              </a:ext>
+            </a:extLst>
+          </p:cNvPr>
+          <p:cNvGrpSpPr/>
+          <p:nvPr/>
+        </p:nvGrpSpPr>
+        <p:grpSpPr>
+          <a:xfrm>
+            <a:off x="893417" y="2999127"/>
+            <a:ext cx="601447" cy="745772"/>
+            <a:chOff x="946639" y="2937937"/>
+            <a:chExt cx="601447" cy="745772"/>
+          </a:xfrm>
+        </p:grpSpPr>
+        <p:sp>
+          <p:nvSpPr>
+            <p:cNvPr id="21" name="직사각형 20">
+              <a:extLst>
+                <a:ext uri="{FF2B5EF4-FFF2-40B4-BE49-F238E27FC236}">
+                  <a16:creationId xmlns:a16="http://schemas.microsoft.com/office/drawing/2014/main" id="{2A936A5C-E129-0547-4347-3F435EB6C212}"/>
+                </a:ext>
+              </a:extLst>
+            </p:cNvPr>
+            <p:cNvSpPr/>
+            <p:nvPr/>
+          </p:nvSpPr>
+          <p:spPr>
+            <a:xfrm>
+              <a:off x="946639" y="3375932"/>
+              <a:ext cx="601447" cy="307777"/>
+            </a:xfrm>
+            <a:prstGeom prst="rect">
+              <a:avLst/>
+            </a:prstGeom>
+          </p:spPr>
+          <p:txBody>
+            <a:bodyPr wrap="none">
+              <a:spAutoFit/>
+            </a:bodyPr>
+            <a:lstStyle/>
+            <a:p>
+              <a:r>
+                <a:rPr lang="ko-KR" altLang="en-US" sz="1400" b="1"/>
+                <a:t>1999</a:t>
+              </a:r>
+            </a:p>
+          </p:txBody>
+        </p:sp>
+        <p:cxnSp>
+          <p:nvCxnSpPr>
+            <p:cNvPr id="22" name="직선 연결선 21">
+              <a:extLst>
+                <a:ext uri="{FF2B5EF4-FFF2-40B4-BE49-F238E27FC236}">
+                  <a16:creationId xmlns:a16="http://schemas.microsoft.com/office/drawing/2014/main" id="{8ED99DFD-3CF6-2E3D-EECA-AD3EDA175717}"/>
+                </a:ext>
+              </a:extLst>
+            </p:cNvPr>
+            <p:cNvCxnSpPr/>
+            <p:nvPr/>
+          </p:nvCxnSpPr>
+          <p:spPr>
+            <a:xfrm>
+              <a:off x="1247362" y="2937937"/>
+              <a:ext cx="0" cy="457200"/>
+            </a:xfrm>
+            <a:prstGeom prst="line">
+              <a:avLst/>
+            </a:prstGeom>
+            <a:ln w="19050">
+              <a:solidFill>
+                <a:schemeClr val="tx1"/>
+              </a:solidFill>
+            </a:ln>
+          </p:spPr>
+          <p:style>
+            <a:lnRef idx="1">
+              <a:schemeClr val="accent1"/>
+            </a:lnRef>
+            <a:fillRef idx="0">
+              <a:schemeClr val="accent1"/>
+            </a:fillRef>
+            <a:effectRef idx="0">
+              <a:schemeClr val="accent1"/>
+            </a:effectRef>
+            <a:fontRef idx="minor">
+              <a:schemeClr val="tx1"/>
+            </a:fontRef>
+          </p:style>
+        </p:cxnSp>
+      </p:grpSp>
+      <p:grpSp>
+        <p:nvGrpSpPr>
+          <p:cNvPr id="23" name="그룹 22">
+            <a:extLst>
+              <a:ext uri="{FF2B5EF4-FFF2-40B4-BE49-F238E27FC236}">
+                <a16:creationId xmlns:a16="http://schemas.microsoft.com/office/drawing/2014/main" id="{6448BC09-9EC2-8834-7D3C-14D510360075}"/>
+              </a:ext>
+            </a:extLst>
+          </p:cNvPr>
+          <p:cNvGrpSpPr/>
+          <p:nvPr/>
+        </p:nvGrpSpPr>
+        <p:grpSpPr>
+          <a:xfrm>
+            <a:off x="3803973" y="2999127"/>
+            <a:ext cx="601447" cy="745772"/>
+            <a:chOff x="3857195" y="2937937"/>
+            <a:chExt cx="601447" cy="745772"/>
+          </a:xfrm>
+        </p:grpSpPr>
+        <p:sp>
+          <p:nvSpPr>
+            <p:cNvPr id="24" name="직사각형 23">
+              <a:extLst>
+                <a:ext uri="{FF2B5EF4-FFF2-40B4-BE49-F238E27FC236}">
+                  <a16:creationId xmlns:a16="http://schemas.microsoft.com/office/drawing/2014/main" id="{9F55BA78-8589-C33B-0BFF-218BA1131767}"/>
+                </a:ext>
+              </a:extLst>
+            </p:cNvPr>
+            <p:cNvSpPr/>
+            <p:nvPr/>
+          </p:nvSpPr>
+          <p:spPr>
+            <a:xfrm>
+              <a:off x="3857195" y="3375932"/>
+              <a:ext cx="601447" cy="307777"/>
+            </a:xfrm>
+            <a:prstGeom prst="rect">
+              <a:avLst/>
+            </a:prstGeom>
+          </p:spPr>
+          <p:txBody>
+            <a:bodyPr wrap="none">
+              <a:spAutoFit/>
+            </a:bodyPr>
+            <a:lstStyle/>
+            <a:p>
+              <a:r>
+                <a:rPr lang="ko-KR" altLang="en-US" sz="1400" b="1"/>
+                <a:t>2002</a:t>
+              </a:r>
+            </a:p>
+          </p:txBody>
+        </p:sp>
+        <p:cxnSp>
+          <p:nvCxnSpPr>
+            <p:cNvPr id="25" name="직선 연결선 24">
+              <a:extLst>
+                <a:ext uri="{FF2B5EF4-FFF2-40B4-BE49-F238E27FC236}">
+                  <a16:creationId xmlns:a16="http://schemas.microsoft.com/office/drawing/2014/main" id="{7F0CBB92-820A-7A02-C990-A226561A4FB9}"/>
+                </a:ext>
+              </a:extLst>
+            </p:cNvPr>
+            <p:cNvCxnSpPr/>
+            <p:nvPr/>
+          </p:nvCxnSpPr>
+          <p:spPr>
+            <a:xfrm>
+              <a:off x="4157918" y="2937937"/>
+              <a:ext cx="0" cy="457200"/>
+            </a:xfrm>
+            <a:prstGeom prst="line">
+              <a:avLst/>
+            </a:prstGeom>
+            <a:ln w="19050">
+              <a:solidFill>
+                <a:schemeClr val="tx1"/>
+              </a:solidFill>
+            </a:ln>
+          </p:spPr>
+          <p:style>
+            <a:lnRef idx="1">
+              <a:schemeClr val="accent1"/>
+            </a:lnRef>
+            <a:fillRef idx="0">
+              <a:schemeClr val="accent1"/>
+            </a:fillRef>
+            <a:effectRef idx="0">
+              <a:schemeClr val="accent1"/>
+            </a:effectRef>
+            <a:fontRef idx="minor">
+              <a:schemeClr val="tx1"/>
+            </a:fontRef>
+          </p:style>
+        </p:cxnSp>
+      </p:grpSp>
+      <p:grpSp>
+        <p:nvGrpSpPr>
+          <p:cNvPr id="26" name="그룹 25">
+            <a:extLst>
+              <a:ext uri="{FF2B5EF4-FFF2-40B4-BE49-F238E27FC236}">
+                <a16:creationId xmlns:a16="http://schemas.microsoft.com/office/drawing/2014/main" id="{22C69A84-8923-8037-8E46-03DABD375C9F}"/>
+              </a:ext>
+            </a:extLst>
+          </p:cNvPr>
+          <p:cNvGrpSpPr/>
+          <p:nvPr/>
+        </p:nvGrpSpPr>
+        <p:grpSpPr>
+          <a:xfrm>
+            <a:off x="6388609" y="2981224"/>
+            <a:ext cx="601447" cy="763675"/>
+            <a:chOff x="6600093" y="2920034"/>
+            <a:chExt cx="601447" cy="763675"/>
+          </a:xfrm>
+        </p:grpSpPr>
+        <p:sp>
+          <p:nvSpPr>
+            <p:cNvPr id="27" name="직사각형 26">
+              <a:extLst>
+                <a:ext uri="{FF2B5EF4-FFF2-40B4-BE49-F238E27FC236}">
+                  <a16:creationId xmlns:a16="http://schemas.microsoft.com/office/drawing/2014/main" id="{C620C845-5B8D-219A-4968-7C0EB591828A}"/>
+                </a:ext>
+              </a:extLst>
+            </p:cNvPr>
+            <p:cNvSpPr/>
+            <p:nvPr/>
+          </p:nvSpPr>
+          <p:spPr>
+            <a:xfrm>
+              <a:off x="6600093" y="3375932"/>
+              <a:ext cx="601447" cy="307777"/>
+            </a:xfrm>
+            <a:prstGeom prst="rect">
+              <a:avLst/>
+            </a:prstGeom>
+          </p:spPr>
+          <p:txBody>
+            <a:bodyPr wrap="none">
+              <a:spAutoFit/>
+            </a:bodyPr>
+            <a:lstStyle/>
+            <a:p>
+              <a:r>
+                <a:rPr lang="ko-KR" altLang="en-US" sz="1400" b="1"/>
+                <a:t>2005</a:t>
+              </a:r>
+            </a:p>
+          </p:txBody>
+        </p:sp>
+        <p:cxnSp>
+          <p:nvCxnSpPr>
+            <p:cNvPr id="28" name="직선 연결선 27">
+              <a:extLst>
+                <a:ext uri="{FF2B5EF4-FFF2-40B4-BE49-F238E27FC236}">
+                  <a16:creationId xmlns:a16="http://schemas.microsoft.com/office/drawing/2014/main" id="{7CDD474A-4D83-C3AC-0DD1-8E919669E4A7}"/>
+                </a:ext>
+              </a:extLst>
+            </p:cNvPr>
+            <p:cNvCxnSpPr/>
+            <p:nvPr/>
+          </p:nvCxnSpPr>
+          <p:spPr>
+            <a:xfrm>
+              <a:off x="6900816" y="2920034"/>
+              <a:ext cx="0" cy="457200"/>
+            </a:xfrm>
+            <a:prstGeom prst="line">
+              <a:avLst/>
+            </a:prstGeom>
+            <a:ln w="19050">
+              <a:solidFill>
+                <a:schemeClr val="tx1"/>
+              </a:solidFill>
+            </a:ln>
+          </p:spPr>
+          <p:style>
+            <a:lnRef idx="1">
+              <a:schemeClr val="accent1"/>
+            </a:lnRef>
+            <a:fillRef idx="0">
+              <a:schemeClr val="accent1"/>
+            </a:fillRef>
+            <a:effectRef idx="0">
+              <a:schemeClr val="accent1"/>
+            </a:effectRef>
+            <a:fontRef idx="minor">
+              <a:schemeClr val="tx1"/>
+            </a:fontRef>
+          </p:style>
+        </p:cxnSp>
+      </p:grpSp>
+      <p:grpSp>
+        <p:nvGrpSpPr>
+          <p:cNvPr id="29" name="그룹 28">
+            <a:extLst>
+              <a:ext uri="{FF2B5EF4-FFF2-40B4-BE49-F238E27FC236}">
+                <a16:creationId xmlns:a16="http://schemas.microsoft.com/office/drawing/2014/main" id="{9E51C5B4-A5C4-2D2A-C27B-A049C4E5C728}"/>
+              </a:ext>
+            </a:extLst>
+          </p:cNvPr>
+          <p:cNvGrpSpPr/>
+          <p:nvPr/>
+        </p:nvGrpSpPr>
+        <p:grpSpPr>
+          <a:xfrm>
+            <a:off x="9434174" y="2999127"/>
+            <a:ext cx="601447" cy="745772"/>
+            <a:chOff x="9487396" y="2937937"/>
+            <a:chExt cx="601447" cy="745772"/>
+          </a:xfrm>
+        </p:grpSpPr>
+        <p:sp>
+          <p:nvSpPr>
+            <p:cNvPr id="30" name="직사각형 29">
+              <a:extLst>
+                <a:ext uri="{FF2B5EF4-FFF2-40B4-BE49-F238E27FC236}">
+                  <a16:creationId xmlns:a16="http://schemas.microsoft.com/office/drawing/2014/main" id="{B7B03657-4871-B36B-B1E6-9914126489FD}"/>
+                </a:ext>
+              </a:extLst>
+            </p:cNvPr>
+            <p:cNvSpPr/>
+            <p:nvPr/>
+          </p:nvSpPr>
+          <p:spPr>
+            <a:xfrm>
+              <a:off x="9487396" y="3375932"/>
+              <a:ext cx="601447" cy="307777"/>
+            </a:xfrm>
+            <a:prstGeom prst="rect">
+              <a:avLst/>
+            </a:prstGeom>
+          </p:spPr>
+          <p:txBody>
+            <a:bodyPr wrap="none">
+              <a:spAutoFit/>
+            </a:bodyPr>
+            <a:lstStyle/>
+            <a:p>
+              <a:r>
+                <a:rPr lang="ko-KR" altLang="en-US" sz="1400" b="1">
+                  <a:solidFill>
+                    <a:srgbClr val="0070C0"/>
+                  </a:solidFill>
+                </a:rPr>
+                <a:t>2009</a:t>
+              </a:r>
+            </a:p>
+          </p:txBody>
+        </p:sp>
+        <p:cxnSp>
+          <p:nvCxnSpPr>
+            <p:cNvPr id="31" name="직선 연결선 30">
+              <a:extLst>
+                <a:ext uri="{FF2B5EF4-FFF2-40B4-BE49-F238E27FC236}">
+                  <a16:creationId xmlns:a16="http://schemas.microsoft.com/office/drawing/2014/main" id="{3E8A7E45-29AC-1FFC-89C7-DBFD70718787}"/>
+                </a:ext>
+              </a:extLst>
+            </p:cNvPr>
+            <p:cNvCxnSpPr/>
+            <p:nvPr/>
+          </p:nvCxnSpPr>
+          <p:spPr>
+            <a:xfrm>
+              <a:off x="9788119" y="2937937"/>
+              <a:ext cx="0" cy="457200"/>
+            </a:xfrm>
+            <a:prstGeom prst="line">
+              <a:avLst/>
+            </a:prstGeom>
+            <a:ln w="19050">
+              <a:solidFill>
+                <a:srgbClr val="0070C0"/>
+              </a:solidFill>
+            </a:ln>
+          </p:spPr>
+          <p:style>
+            <a:lnRef idx="1">
+              <a:schemeClr val="accent1"/>
+            </a:lnRef>
+            <a:fillRef idx="0">
+              <a:schemeClr val="accent1"/>
+            </a:fillRef>
+            <a:effectRef idx="0">
+              <a:schemeClr val="accent1"/>
+            </a:effectRef>
+            <a:fontRef idx="minor">
+              <a:schemeClr val="tx1"/>
+            </a:fontRef>
+          </p:style>
+        </p:cxnSp>
+      </p:grpSp>
+      <p:grpSp>
+        <p:nvGrpSpPr>
+          <p:cNvPr id="32" name="그룹 31">
+            <a:extLst>
+              <a:ext uri="{FF2B5EF4-FFF2-40B4-BE49-F238E27FC236}">
+                <a16:creationId xmlns:a16="http://schemas.microsoft.com/office/drawing/2014/main" id="{5C3A84D9-7786-B7C3-44FD-1AD390641282}"/>
+              </a:ext>
+            </a:extLst>
+          </p:cNvPr>
+          <p:cNvGrpSpPr/>
+          <p:nvPr/>
+        </p:nvGrpSpPr>
+        <p:grpSpPr>
+          <a:xfrm>
+            <a:off x="102109" y="2516812"/>
+            <a:ext cx="601447" cy="754724"/>
+            <a:chOff x="155331" y="2455622"/>
+            <a:chExt cx="601447" cy="754724"/>
+          </a:xfrm>
+        </p:grpSpPr>
+        <p:sp>
+          <p:nvSpPr>
+            <p:cNvPr id="33" name="직사각형 32">
+              <a:extLst>
+                <a:ext uri="{FF2B5EF4-FFF2-40B4-BE49-F238E27FC236}">
+                  <a16:creationId xmlns:a16="http://schemas.microsoft.com/office/drawing/2014/main" id="{53B8E1BC-8380-C398-2DB0-41541E4B584D}"/>
+                </a:ext>
+              </a:extLst>
+            </p:cNvPr>
+            <p:cNvSpPr/>
+            <p:nvPr/>
+          </p:nvSpPr>
+          <p:spPr>
+            <a:xfrm>
+              <a:off x="155331" y="2455622"/>
+              <a:ext cx="601447" cy="307777"/>
+            </a:xfrm>
+            <a:prstGeom prst="rect">
+              <a:avLst/>
+            </a:prstGeom>
+          </p:spPr>
+          <p:txBody>
+            <a:bodyPr wrap="none">
+              <a:spAutoFit/>
+            </a:bodyPr>
+            <a:lstStyle/>
+            <a:p>
+              <a:r>
+                <a:rPr lang="ko-KR" altLang="en-US" sz="1400" b="1"/>
+                <a:t>1992</a:t>
+              </a:r>
+            </a:p>
+          </p:txBody>
+        </p:sp>
+        <p:cxnSp>
+          <p:nvCxnSpPr>
+            <p:cNvPr id="34" name="직선 연결선 33">
+              <a:extLst>
+                <a:ext uri="{FF2B5EF4-FFF2-40B4-BE49-F238E27FC236}">
+                  <a16:creationId xmlns:a16="http://schemas.microsoft.com/office/drawing/2014/main" id="{F61EC135-6731-A09A-3F5A-D5B6A24CD625}"/>
+                </a:ext>
+              </a:extLst>
+            </p:cNvPr>
+            <p:cNvCxnSpPr/>
+            <p:nvPr/>
+          </p:nvCxnSpPr>
+          <p:spPr>
+            <a:xfrm>
+              <a:off x="456054" y="2753146"/>
+              <a:ext cx="0" cy="457200"/>
+            </a:xfrm>
+            <a:prstGeom prst="line">
+              <a:avLst/>
+            </a:prstGeom>
+            <a:ln w="19050">
+              <a:solidFill>
+                <a:schemeClr val="tx1"/>
+              </a:solidFill>
+            </a:ln>
+          </p:spPr>
+          <p:style>
+            <a:lnRef idx="1">
+              <a:schemeClr val="accent1"/>
+            </a:lnRef>
+            <a:fillRef idx="0">
+              <a:schemeClr val="accent1"/>
+            </a:fillRef>
+            <a:effectRef idx="0">
+              <a:schemeClr val="accent1"/>
+            </a:effectRef>
+            <a:fontRef idx="minor">
+              <a:schemeClr val="tx1"/>
+            </a:fontRef>
+          </p:style>
+        </p:cxnSp>
+      </p:grpSp>
+      <p:grpSp>
+        <p:nvGrpSpPr>
+          <p:cNvPr id="35" name="그룹 34">
+            <a:extLst>
+              <a:ext uri="{FF2B5EF4-FFF2-40B4-BE49-F238E27FC236}">
+                <a16:creationId xmlns:a16="http://schemas.microsoft.com/office/drawing/2014/main" id="{438FDDB6-0602-9E96-141B-1AE90000A873}"/>
+              </a:ext>
+            </a:extLst>
+          </p:cNvPr>
+          <p:cNvGrpSpPr/>
+          <p:nvPr/>
+        </p:nvGrpSpPr>
+        <p:grpSpPr>
+          <a:xfrm>
+            <a:off x="3006735" y="2516812"/>
+            <a:ext cx="601447" cy="754724"/>
+            <a:chOff x="3191842" y="2455622"/>
+            <a:chExt cx="601447" cy="754724"/>
+          </a:xfrm>
+        </p:grpSpPr>
+        <p:sp>
+          <p:nvSpPr>
+            <p:cNvPr id="36" name="직사각형 35">
+              <a:extLst>
+                <a:ext uri="{FF2B5EF4-FFF2-40B4-BE49-F238E27FC236}">
+                  <a16:creationId xmlns:a16="http://schemas.microsoft.com/office/drawing/2014/main" id="{EA0F8413-B4C1-35CB-AFCE-8F80894E9D1A}"/>
+                </a:ext>
+              </a:extLst>
+            </p:cNvPr>
+            <p:cNvSpPr/>
+            <p:nvPr/>
+          </p:nvSpPr>
+          <p:spPr>
+            <a:xfrm>
+              <a:off x="3191842" y="2455622"/>
+              <a:ext cx="601447" cy="307777"/>
+            </a:xfrm>
+            <a:prstGeom prst="rect">
+              <a:avLst/>
+            </a:prstGeom>
+          </p:spPr>
+          <p:txBody>
+            <a:bodyPr wrap="none">
+              <a:spAutoFit/>
+            </a:bodyPr>
+            <a:lstStyle/>
+            <a:p>
+              <a:r>
+                <a:rPr lang="ko-KR" altLang="en-US" sz="1400" b="1"/>
+                <a:t>2001</a:t>
+              </a:r>
+            </a:p>
+          </p:txBody>
+        </p:sp>
+        <p:cxnSp>
+          <p:nvCxnSpPr>
+            <p:cNvPr id="37" name="직선 연결선 36">
+              <a:extLst>
+                <a:ext uri="{FF2B5EF4-FFF2-40B4-BE49-F238E27FC236}">
+                  <a16:creationId xmlns:a16="http://schemas.microsoft.com/office/drawing/2014/main" id="{99712234-7961-6B7E-4F96-EF06BBF483B7}"/>
+                </a:ext>
+              </a:extLst>
+            </p:cNvPr>
+            <p:cNvCxnSpPr/>
+            <p:nvPr/>
+          </p:nvCxnSpPr>
+          <p:spPr>
+            <a:xfrm>
+              <a:off x="3492565" y="2753146"/>
+              <a:ext cx="0" cy="457200"/>
+            </a:xfrm>
+            <a:prstGeom prst="line">
+              <a:avLst/>
+            </a:prstGeom>
+            <a:ln w="19050">
+              <a:solidFill>
+                <a:schemeClr val="tx1"/>
+              </a:solidFill>
+            </a:ln>
+          </p:spPr>
+          <p:style>
+            <a:lnRef idx="1">
+              <a:schemeClr val="accent1"/>
+            </a:lnRef>
+            <a:fillRef idx="0">
+              <a:schemeClr val="accent1"/>
+            </a:fillRef>
+            <a:effectRef idx="0">
+              <a:schemeClr val="accent1"/>
+            </a:effectRef>
+            <a:fontRef idx="minor">
+              <a:schemeClr val="tx1"/>
+            </a:fontRef>
+          </p:style>
+        </p:cxnSp>
+      </p:grpSp>
+      <p:grpSp>
+        <p:nvGrpSpPr>
+          <p:cNvPr id="38" name="그룹 37">
+            <a:extLst>
+              <a:ext uri="{FF2B5EF4-FFF2-40B4-BE49-F238E27FC236}">
+                <a16:creationId xmlns:a16="http://schemas.microsoft.com/office/drawing/2014/main" id="{DC144E5E-A04D-0597-B6D6-D8E94FF7BD09}"/>
+              </a:ext>
+            </a:extLst>
+          </p:cNvPr>
+          <p:cNvGrpSpPr/>
+          <p:nvPr/>
+        </p:nvGrpSpPr>
+        <p:grpSpPr>
+          <a:xfrm>
+            <a:off x="5031965" y="2516812"/>
+            <a:ext cx="601447" cy="754724"/>
+            <a:chOff x="5085187" y="2455622"/>
+            <a:chExt cx="601447" cy="754724"/>
+          </a:xfrm>
+        </p:grpSpPr>
+        <p:sp>
+          <p:nvSpPr>
+            <p:cNvPr id="39" name="직사각형 38">
+              <a:extLst>
+                <a:ext uri="{FF2B5EF4-FFF2-40B4-BE49-F238E27FC236}">
+                  <a16:creationId xmlns:a16="http://schemas.microsoft.com/office/drawing/2014/main" id="{448D38A9-1011-26FD-EB7C-27066EA69F3A}"/>
+                </a:ext>
+              </a:extLst>
+            </p:cNvPr>
+            <p:cNvSpPr/>
+            <p:nvPr/>
+          </p:nvSpPr>
+          <p:spPr>
+            <a:xfrm>
+              <a:off x="5085187" y="2455622"/>
+              <a:ext cx="601447" cy="307777"/>
+            </a:xfrm>
+            <a:prstGeom prst="rect">
+              <a:avLst/>
+            </a:prstGeom>
+          </p:spPr>
+          <p:txBody>
+            <a:bodyPr wrap="none">
+              <a:spAutoFit/>
+            </a:bodyPr>
+            <a:lstStyle/>
+            <a:p>
+              <a:r>
+                <a:rPr lang="ko-KR" altLang="en-US" sz="1400" b="1">
+                  <a:solidFill>
+                    <a:srgbClr val="0070C0"/>
+                  </a:solidFill>
+                </a:rPr>
+                <a:t>2003</a:t>
+              </a:r>
+            </a:p>
+          </p:txBody>
+        </p:sp>
+        <p:cxnSp>
+          <p:nvCxnSpPr>
+            <p:cNvPr id="40" name="직선 연결선 39">
+              <a:extLst>
+                <a:ext uri="{FF2B5EF4-FFF2-40B4-BE49-F238E27FC236}">
+                  <a16:creationId xmlns:a16="http://schemas.microsoft.com/office/drawing/2014/main" id="{A78158DD-CE49-BE27-F828-00AF8A88153C}"/>
+                </a:ext>
+              </a:extLst>
+            </p:cNvPr>
+            <p:cNvCxnSpPr/>
+            <p:nvPr/>
+          </p:nvCxnSpPr>
+          <p:spPr>
+            <a:xfrm>
+              <a:off x="5385910" y="2753146"/>
+              <a:ext cx="0" cy="457200"/>
+            </a:xfrm>
+            <a:prstGeom prst="line">
+              <a:avLst/>
+            </a:prstGeom>
+            <a:ln w="19050">
+              <a:solidFill>
+                <a:srgbClr val="0070C0"/>
+              </a:solidFill>
+            </a:ln>
+          </p:spPr>
+          <p:style>
+            <a:lnRef idx="1">
+              <a:schemeClr val="accent1"/>
+            </a:lnRef>
+            <a:fillRef idx="0">
+              <a:schemeClr val="accent1"/>
+            </a:fillRef>
+            <a:effectRef idx="0">
+              <a:schemeClr val="accent1"/>
+            </a:effectRef>
+            <a:fontRef idx="minor">
+              <a:schemeClr val="tx1"/>
+            </a:fontRef>
+          </p:style>
+        </p:cxnSp>
+      </p:grpSp>
+      <p:grpSp>
+        <p:nvGrpSpPr>
+          <p:cNvPr id="41" name="그룹 40">
+            <a:extLst>
+              <a:ext uri="{FF2B5EF4-FFF2-40B4-BE49-F238E27FC236}">
+                <a16:creationId xmlns:a16="http://schemas.microsoft.com/office/drawing/2014/main" id="{9CC9B961-21AC-C75E-26E4-653BC80CF409}"/>
+              </a:ext>
+            </a:extLst>
+          </p:cNvPr>
+          <p:cNvGrpSpPr/>
+          <p:nvPr/>
+        </p:nvGrpSpPr>
+        <p:grpSpPr>
+          <a:xfrm>
+            <a:off x="8076733" y="2516812"/>
+            <a:ext cx="601447" cy="754724"/>
+            <a:chOff x="8129955" y="2455622"/>
+            <a:chExt cx="601447" cy="754724"/>
+          </a:xfrm>
+        </p:grpSpPr>
+        <p:sp>
+          <p:nvSpPr>
+            <p:cNvPr id="42" name="직사각형 41">
+              <a:extLst>
+                <a:ext uri="{FF2B5EF4-FFF2-40B4-BE49-F238E27FC236}">
+                  <a16:creationId xmlns:a16="http://schemas.microsoft.com/office/drawing/2014/main" id="{F04E28C6-18DF-C3E4-2883-F72DAA3A3AF6}"/>
+                </a:ext>
+              </a:extLst>
+            </p:cNvPr>
+            <p:cNvSpPr/>
+            <p:nvPr/>
+          </p:nvSpPr>
+          <p:spPr>
+            <a:xfrm>
+              <a:off x="8129955" y="2455622"/>
+              <a:ext cx="601447" cy="307777"/>
+            </a:xfrm>
+            <a:prstGeom prst="rect">
+              <a:avLst/>
+            </a:prstGeom>
+          </p:spPr>
+          <p:txBody>
+            <a:bodyPr wrap="none">
+              <a:spAutoFit/>
+            </a:bodyPr>
+            <a:lstStyle/>
+            <a:p>
+              <a:r>
+                <a:rPr lang="ko-KR" altLang="en-US" sz="1400" b="1"/>
+                <a:t>2008</a:t>
+              </a:r>
+            </a:p>
+          </p:txBody>
+        </p:sp>
+        <p:cxnSp>
+          <p:nvCxnSpPr>
+            <p:cNvPr id="43" name="직선 연결선 42">
+              <a:extLst>
+                <a:ext uri="{FF2B5EF4-FFF2-40B4-BE49-F238E27FC236}">
+                  <a16:creationId xmlns:a16="http://schemas.microsoft.com/office/drawing/2014/main" id="{EFE3A582-7533-B65E-0CA8-B71D3737D514}"/>
+                </a:ext>
+              </a:extLst>
+            </p:cNvPr>
+            <p:cNvCxnSpPr/>
+            <p:nvPr/>
+          </p:nvCxnSpPr>
+          <p:spPr>
+            <a:xfrm>
+              <a:off x="8430678" y="2753146"/>
+              <a:ext cx="0" cy="457200"/>
+            </a:xfrm>
+            <a:prstGeom prst="line">
+              <a:avLst/>
+            </a:prstGeom>
+            <a:ln w="19050">
+              <a:solidFill>
+                <a:schemeClr val="tx1"/>
+              </a:solidFill>
+            </a:ln>
+          </p:spPr>
+          <p:style>
+            <a:lnRef idx="1">
+              <a:schemeClr val="accent1"/>
+            </a:lnRef>
+            <a:fillRef idx="0">
+              <a:schemeClr val="accent1"/>
+            </a:fillRef>
+            <a:effectRef idx="0">
+              <a:schemeClr val="accent1"/>
+            </a:effectRef>
+            <a:fontRef idx="minor">
+              <a:schemeClr val="tx1"/>
+            </a:fontRef>
+          </p:style>
+        </p:cxnSp>
+      </p:grpSp>
+      <p:grpSp>
+        <p:nvGrpSpPr>
+          <p:cNvPr id="44" name="그룹 43">
+            <a:extLst>
+              <a:ext uri="{FF2B5EF4-FFF2-40B4-BE49-F238E27FC236}">
+                <a16:creationId xmlns:a16="http://schemas.microsoft.com/office/drawing/2014/main" id="{28F7ED91-B94F-52F7-C38C-42D2DF6E48C2}"/>
+              </a:ext>
+            </a:extLst>
+          </p:cNvPr>
+          <p:cNvGrpSpPr/>
+          <p:nvPr/>
+        </p:nvGrpSpPr>
+        <p:grpSpPr>
+          <a:xfrm>
+            <a:off x="10462531" y="2516812"/>
+            <a:ext cx="601447" cy="754724"/>
+            <a:chOff x="10515753" y="2455622"/>
+            <a:chExt cx="601447" cy="754724"/>
+          </a:xfrm>
+        </p:grpSpPr>
+        <p:sp>
+          <p:nvSpPr>
+            <p:cNvPr id="45" name="직사각형 44">
+              <a:extLst>
+                <a:ext uri="{FF2B5EF4-FFF2-40B4-BE49-F238E27FC236}">
+                  <a16:creationId xmlns:a16="http://schemas.microsoft.com/office/drawing/2014/main" id="{E649DFA3-03BA-C990-6B92-C7E84CF00A67}"/>
+                </a:ext>
+              </a:extLst>
+            </p:cNvPr>
+            <p:cNvSpPr/>
+            <p:nvPr/>
+          </p:nvSpPr>
+          <p:spPr>
+            <a:xfrm>
+              <a:off x="10515753" y="2455622"/>
+              <a:ext cx="601447" cy="307777"/>
+            </a:xfrm>
+            <a:prstGeom prst="rect">
+              <a:avLst/>
+            </a:prstGeom>
+          </p:spPr>
+          <p:txBody>
+            <a:bodyPr wrap="none">
+              <a:spAutoFit/>
+            </a:bodyPr>
+            <a:lstStyle/>
+            <a:p>
+              <a:r>
+                <a:rPr lang="ko-KR" altLang="en-US" sz="1400" b="1"/>
+                <a:t>2012</a:t>
+              </a:r>
+            </a:p>
+          </p:txBody>
+        </p:sp>
+        <p:cxnSp>
+          <p:nvCxnSpPr>
+            <p:cNvPr id="46" name="직선 연결선 45">
+              <a:extLst>
+                <a:ext uri="{FF2B5EF4-FFF2-40B4-BE49-F238E27FC236}">
+                  <a16:creationId xmlns:a16="http://schemas.microsoft.com/office/drawing/2014/main" id="{248776FA-D272-2852-9F4F-38002AA2DD53}"/>
+                </a:ext>
+              </a:extLst>
+            </p:cNvPr>
+            <p:cNvCxnSpPr/>
+            <p:nvPr/>
+          </p:nvCxnSpPr>
+          <p:spPr>
+            <a:xfrm>
+              <a:off x="10816476" y="2753146"/>
+              <a:ext cx="0" cy="457200"/>
+            </a:xfrm>
+            <a:prstGeom prst="line">
+              <a:avLst/>
+            </a:prstGeom>
+            <a:ln w="19050">
+              <a:solidFill>
+                <a:schemeClr val="tx1"/>
+              </a:solidFill>
+            </a:ln>
+          </p:spPr>
+          <p:style>
+            <a:lnRef idx="1">
+              <a:schemeClr val="accent1"/>
+            </a:lnRef>
+            <a:fillRef idx="0">
+              <a:schemeClr val="accent1"/>
+            </a:fillRef>
+            <a:effectRef idx="0">
+              <a:schemeClr val="accent1"/>
+            </a:effectRef>
+            <a:fontRef idx="minor">
+              <a:schemeClr val="tx1"/>
+            </a:fontRef>
+          </p:style>
+        </p:cxnSp>
+      </p:grpSp>
+      <p:sp>
+        <p:nvSpPr>
+          <p:cNvPr id="47" name="TextBox 46">
+            <a:extLst>
+              <a:ext uri="{FF2B5EF4-FFF2-40B4-BE49-F238E27FC236}">
+                <a16:creationId xmlns:a16="http://schemas.microsoft.com/office/drawing/2014/main" id="{A3339488-085D-4438-B71B-2E6966A9117D}"/>
+              </a:ext>
+            </a:extLst>
+          </p:cNvPr>
+          <p:cNvSpPr txBox="1"/>
+          <p:nvPr/>
+        </p:nvSpPr>
+        <p:spPr>
+          <a:xfrm>
+            <a:off x="8119031" y="1573380"/>
+            <a:ext cx="1189749" cy="369332"/>
+          </a:xfrm>
+          <a:prstGeom prst="rect">
+            <a:avLst/>
+          </a:prstGeom>
+          <a:noFill/>
+        </p:spPr>
+        <p:txBody>
+          <a:bodyPr wrap="none" rtlCol="0">
+            <a:spAutoFit/>
+          </a:bodyPr>
+          <a:lstStyle/>
+          <a:p>
+            <a:r>
+              <a:rPr lang="ko-KR" altLang="en-US" b="1">
+                <a:solidFill>
+                  <a:srgbClr val="FFC000"/>
+                </a:solidFill>
+              </a:rPr>
+              <a:t>설계 패턴</a:t>
+            </a:r>
+          </a:p>
+        </p:txBody>
+      </p:sp>
+      <p:sp>
+        <p:nvSpPr>
+          <p:cNvPr id="48" name="TextBox 47">
+            <a:extLst>
+              <a:ext uri="{FF2B5EF4-FFF2-40B4-BE49-F238E27FC236}">
+                <a16:creationId xmlns:a16="http://schemas.microsoft.com/office/drawing/2014/main" id="{A431F961-973B-4B64-7381-248BB9A5E6AA}"/>
+              </a:ext>
+            </a:extLst>
+          </p:cNvPr>
+          <p:cNvSpPr txBox="1"/>
+          <p:nvPr/>
+        </p:nvSpPr>
+        <p:spPr>
+          <a:xfrm>
+            <a:off x="5195947" y="1573380"/>
+            <a:ext cx="1189749" cy="369332"/>
+          </a:xfrm>
+          <a:prstGeom prst="rect">
+            <a:avLst/>
+          </a:prstGeom>
+          <a:noFill/>
+        </p:spPr>
+        <p:txBody>
+          <a:bodyPr wrap="none" rtlCol="0">
+            <a:spAutoFit/>
+          </a:bodyPr>
+          <a:lstStyle/>
+          <a:p>
+            <a:r>
+              <a:rPr lang="ko-KR" altLang="en-US" b="1">
+                <a:solidFill>
+                  <a:srgbClr val="0070C0"/>
+                </a:solidFill>
+              </a:rPr>
+              <a:t>설계 기술</a:t>
+            </a:r>
+          </a:p>
+        </p:txBody>
+      </p:sp>
+      <p:sp>
+        <p:nvSpPr>
+          <p:cNvPr id="49" name="TextBox 48">
+            <a:extLst>
+              <a:ext uri="{FF2B5EF4-FFF2-40B4-BE49-F238E27FC236}">
+                <a16:creationId xmlns:a16="http://schemas.microsoft.com/office/drawing/2014/main" id="{3037C36C-1ABB-1DDC-05AE-E2F3BFD549AE}"/>
+              </a:ext>
+            </a:extLst>
+          </p:cNvPr>
+          <p:cNvSpPr txBox="1"/>
+          <p:nvPr/>
+        </p:nvSpPr>
+        <p:spPr>
+          <a:xfrm>
+            <a:off x="10017095" y="4387354"/>
+            <a:ext cx="1391728" cy="369332"/>
+          </a:xfrm>
+          <a:prstGeom prst="rect">
+            <a:avLst/>
+          </a:prstGeom>
+          <a:noFill/>
+        </p:spPr>
+        <p:txBody>
+          <a:bodyPr wrap="none" rtlCol="0">
+            <a:spAutoFit/>
+          </a:bodyPr>
+          <a:lstStyle/>
+          <a:p>
+            <a:r>
+              <a:rPr lang="ko-KR" altLang="en-US" b="1" dirty="0">
+                <a:solidFill>
+                  <a:srgbClr val="00B050"/>
+                </a:solidFill>
+              </a:rPr>
+              <a:t>설계 테스트</a:t>
+            </a:r>
+          </a:p>
+        </p:txBody>
+      </p:sp>
+      <p:sp>
+        <p:nvSpPr>
+          <p:cNvPr id="50" name="TextBox 49">
+            <a:extLst>
+              <a:ext uri="{FF2B5EF4-FFF2-40B4-BE49-F238E27FC236}">
+                <a16:creationId xmlns:a16="http://schemas.microsoft.com/office/drawing/2014/main" id="{C18DD5DA-56DD-289D-2D8A-F34ADD73C615}"/>
+              </a:ext>
+            </a:extLst>
+          </p:cNvPr>
+          <p:cNvSpPr txBox="1"/>
+          <p:nvPr/>
+        </p:nvSpPr>
+        <p:spPr>
+          <a:xfrm>
+            <a:off x="1176304" y="667087"/>
+            <a:ext cx="1766829" cy="669414"/>
+          </a:xfrm>
+          <a:prstGeom prst="rect">
+            <a:avLst/>
+          </a:prstGeom>
+          <a:noFill/>
+        </p:spPr>
+        <p:txBody>
+          <a:bodyPr wrap="none" rtlCol="0">
+            <a:spAutoFit/>
+          </a:bodyPr>
+          <a:lstStyle/>
+          <a:p>
+            <a:pPr algn="ctr">
+              <a:lnSpc>
+                <a:spcPct val="150000"/>
+              </a:lnSpc>
+            </a:pPr>
+            <a:r>
+              <a:rPr lang="ko-KR" altLang="en-US" sz="1400" b="1" dirty="0">
+                <a:solidFill>
+                  <a:srgbClr val="C00000"/>
+                </a:solidFill>
+              </a:rPr>
+              <a:t>관심사의 분리</a:t>
+            </a:r>
+            <a:endParaRPr lang="en-US" altLang="ko-KR" sz="1400" b="1" dirty="0">
+              <a:solidFill>
+                <a:srgbClr val="C00000"/>
+              </a:solidFill>
+            </a:endParaRPr>
+          </a:p>
+          <a:p>
+            <a:pPr algn="ctr">
+              <a:lnSpc>
+                <a:spcPct val="150000"/>
+              </a:lnSpc>
+            </a:pPr>
+            <a:r>
+              <a:rPr lang="en-US" altLang="ko-KR" sz="1100" b="1" dirty="0">
+                <a:solidFill>
+                  <a:srgbClr val="C00000"/>
+                </a:solidFill>
+              </a:rPr>
+              <a:t>Separation of Concerns</a:t>
+            </a:r>
+            <a:endParaRPr lang="ko-KR" altLang="en-US" sz="1100" b="1" dirty="0">
+              <a:solidFill>
+                <a:srgbClr val="C00000"/>
+              </a:solidFill>
+            </a:endParaRPr>
+          </a:p>
+        </p:txBody>
+      </p:sp>
+      <p:pic>
+        <p:nvPicPr>
+          <p:cNvPr id="51" name="Picture 4" descr="Clean Coder Blog">
+            <a:extLst>
+              <a:ext uri="{FF2B5EF4-FFF2-40B4-BE49-F238E27FC236}">
+                <a16:creationId xmlns:a16="http://schemas.microsoft.com/office/drawing/2014/main" id="{E72C3703-868B-FDD7-9AFC-C933C0F08FB3}"/>
+              </a:ext>
+            </a:extLst>
+          </p:cNvPr>
+          <p:cNvPicPr>
+            <a:picLocks noChangeAspect="1" noChangeArrowheads="1"/>
+          </p:cNvPicPr>
+          <p:nvPr/>
+        </p:nvPicPr>
+        <p:blipFill>
+          <a:blip r:embed="rId2" cstate="print">
+            <a:extLst>
+              <a:ext uri="{28A0092B-C50C-407E-A947-70E740481C1C}">
+                <a14:useLocalDpi xmlns:a14="http://schemas.microsoft.com/office/drawing/2010/main" val="0"/>
+              </a:ext>
+            </a:extLst>
+          </a:blip>
+          <a:srcRect/>
+          <a:stretch>
+            <a:fillRect/>
+          </a:stretch>
+        </p:blipFill>
+        <p:spPr bwMode="auto">
+          <a:xfrm>
+            <a:off x="10127891" y="458652"/>
+            <a:ext cx="1979029" cy="1453510"/>
+          </a:xfrm>
+          <a:prstGeom prst="rect">
+            <a:avLst/>
+          </a:prstGeom>
+          <a:noFill/>
+          <a:extLst>
+            <a:ext uri="{909E8E84-426E-40DD-AFC4-6F175D3DCCD1}">
+              <a14:hiddenFill xmlns:a14="http://schemas.microsoft.com/office/drawing/2010/main">
+                <a:solidFill>
+                  <a:srgbClr val="FFFFFF"/>
+                </a:solidFill>
+              </a14:hiddenFill>
+            </a:ext>
+          </a:extLst>
+        </p:spPr>
+      </p:pic>
+      <p:pic>
+        <p:nvPicPr>
+          <p:cNvPr id="52" name="Picture 6" descr="https://semaphoreci.com/wp-content/uploads/2022/03/pyramid-progression.jpg">
+            <a:extLst>
+              <a:ext uri="{FF2B5EF4-FFF2-40B4-BE49-F238E27FC236}">
+                <a16:creationId xmlns:a16="http://schemas.microsoft.com/office/drawing/2014/main" id="{4B98FB0D-F354-4B34-F4BF-631FF7709D50}"/>
+              </a:ext>
+            </a:extLst>
+          </p:cNvPr>
+          <p:cNvPicPr>
+            <a:picLocks noChangeAspect="1" noChangeArrowheads="1"/>
+          </p:cNvPicPr>
+          <p:nvPr/>
+        </p:nvPicPr>
+        <p:blipFill>
+          <a:blip r:embed="rId3" cstate="print">
+            <a:extLst>
+              <a:ext uri="{28A0092B-C50C-407E-A947-70E740481C1C}">
+                <a14:useLocalDpi xmlns:a14="http://schemas.microsoft.com/office/drawing/2010/main" val="0"/>
+              </a:ext>
+            </a:extLst>
+          </a:blip>
+          <a:srcRect/>
+          <a:stretch>
+            <a:fillRect/>
+          </a:stretch>
+        </p:blipFill>
+        <p:spPr bwMode="auto">
+          <a:xfrm>
+            <a:off x="9090778" y="4816530"/>
+            <a:ext cx="2999114" cy="1581232"/>
+          </a:xfrm>
+          <a:prstGeom prst="rect">
+            <a:avLst/>
+          </a:prstGeom>
+          <a:noFill/>
+          <a:extLst>
+            <a:ext uri="{909E8E84-426E-40DD-AFC4-6F175D3DCCD1}">
+              <a14:hiddenFill xmlns:a14="http://schemas.microsoft.com/office/drawing/2010/main">
+                <a:solidFill>
+                  <a:srgbClr val="FFFFFF"/>
+                </a:solidFill>
+              </a14:hiddenFill>
+            </a:ext>
+          </a:extLst>
+        </p:spPr>
+      </p:pic>
+      <p:pic>
+        <p:nvPicPr>
+          <p:cNvPr id="53" name="Picture 4" descr="https://tech.osci.kr/wp-content/uploads/2023/03/hexagonal-architecture.png">
+            <a:extLst>
+              <a:ext uri="{FF2B5EF4-FFF2-40B4-BE49-F238E27FC236}">
+                <a16:creationId xmlns:a16="http://schemas.microsoft.com/office/drawing/2014/main" id="{B12EADA3-52E0-E8BF-7A3F-11EAB62EACA5}"/>
+              </a:ext>
+            </a:extLst>
+          </p:cNvPr>
+          <p:cNvPicPr>
+            <a:picLocks noChangeAspect="1" noChangeArrowheads="1"/>
+          </p:cNvPicPr>
+          <p:nvPr/>
+        </p:nvPicPr>
+        <p:blipFill>
+          <a:blip r:embed="rId4" cstate="print">
+            <a:extLst>
+              <a:ext uri="{28A0092B-C50C-407E-A947-70E740481C1C}">
+                <a14:useLocalDpi xmlns:a14="http://schemas.microsoft.com/office/drawing/2010/main" val="0"/>
+              </a:ext>
+            </a:extLst>
+          </a:blip>
+          <a:srcRect/>
+          <a:stretch>
+            <a:fillRect/>
+          </a:stretch>
+        </p:blipFill>
+        <p:spPr bwMode="auto">
+          <a:xfrm>
+            <a:off x="6432432" y="4498477"/>
+            <a:ext cx="2603102" cy="1279768"/>
+          </a:xfrm>
+          <a:prstGeom prst="rect">
+            <a:avLst/>
+          </a:prstGeom>
+          <a:noFill/>
+          <a:extLst>
+            <a:ext uri="{909E8E84-426E-40DD-AFC4-6F175D3DCCD1}">
+              <a14:hiddenFill xmlns:a14="http://schemas.microsoft.com/office/drawing/2010/main">
+                <a:solidFill>
+                  <a:srgbClr val="FFFFFF"/>
+                </a:solidFill>
+              </a14:hiddenFill>
+            </a:ext>
+          </a:extLst>
+        </p:spPr>
+      </p:pic>
+    </p:spTree>
+    <p:extLst>
+      <p:ext uri="{BB962C8B-B14F-4D97-AF65-F5344CB8AC3E}">
+        <p14:creationId xmlns:p14="http://schemas.microsoft.com/office/powerpoint/2010/main" val="1442965318"/>
+      </p:ext>
+    </p:extLst>
+  </p:cSld>
+  <p:clrMapOvr>
+    <a:masterClrMapping/>
+  </p:clrMapOvr>
+</p:sld>
+</file>
+
+<file path=ppt/slides/slide3.xml><?xml version="1.0" encoding="utf-8"?>
+<p:sld xmlns:a="http://schemas.openxmlformats.org/drawingml/2006/main" xmlns:r="http://schemas.openxmlformats.org/officeDocument/2006/relationships" xmlns:p="http://schemas.openxmlformats.org/presentationml/2006/main">
+  <p:cSld>
+    <p:spTree>
+      <p:nvGrpSpPr>
+        <p:cNvPr id="1" name=""/>
+        <p:cNvGrpSpPr/>
+        <p:nvPr/>
+      </p:nvGrpSpPr>
+      <p:grpSpPr>
+        <a:xfrm>
+          <a:off x="0" y="0"/>
+          <a:ext cx="0" cy="0"/>
+          <a:chOff x="0" y="0"/>
+          <a:chExt cx="0" cy="0"/>
+        </a:xfrm>
+      </p:grpSpPr>
+      <p:sp>
+        <p:nvSpPr>
           <p:cNvPr id="37" name="직사각형 36">
             <a:extLst>
               <a:ext uri="{FF2B5EF4-FFF2-40B4-BE49-F238E27FC236}">
@@ -4858,7 +7164,7 @@
 </p:sld>
 </file>
 
-<file path=ppt/slides/slide3.xml><?xml version="1.0" encoding="utf-8"?>
+<file path=ppt/slides/slide4.xml><?xml version="1.0" encoding="utf-8"?>
 <p:sld xmlns:a="http://schemas.openxmlformats.org/drawingml/2006/main" xmlns:r="http://schemas.openxmlformats.org/officeDocument/2006/relationships" xmlns:p="http://schemas.openxmlformats.org/presentationml/2006/main">
   <p:cSld>
     <p:spTree>
@@ -6040,7 +8346,7 @@
 </p:sld>
 </file>
 
-<file path=ppt/slides/slide4.xml><?xml version="1.0" encoding="utf-8"?>
+<file path=ppt/slides/slide5.xml><?xml version="1.0" encoding="utf-8"?>
 <p:sld xmlns:a="http://schemas.openxmlformats.org/drawingml/2006/main" xmlns:r="http://schemas.openxmlformats.org/officeDocument/2006/relationships" xmlns:p="http://schemas.openxmlformats.org/presentationml/2006/main">
   <p:cSld>
     <p:spTree>

--- a/README.pptx
+++ b/README.pptx
@@ -7,9 +7,11 @@
   <p:sldIdLst>
     <p:sldId id="256" r:id="rId2"/>
     <p:sldId id="261" r:id="rId3"/>
-    <p:sldId id="258" r:id="rId4"/>
-    <p:sldId id="260" r:id="rId5"/>
-    <p:sldId id="257" r:id="rId6"/>
+    <p:sldId id="262" r:id="rId4"/>
+    <p:sldId id="258" r:id="rId5"/>
+    <p:sldId id="260" r:id="rId6"/>
+    <p:sldId id="257" r:id="rId7"/>
+    <p:sldId id="263" r:id="rId8"/>
   </p:sldIdLst>
   <p:sldSz cx="12192000" cy="6858000"/>
   <p:notesSz cx="6858000" cy="9144000"/>
@@ -265,7 +267,7 @@
           <a:p>
             <a:fld id="{19A184CB-0BE5-43F6-BF8C-D618442184FC}" type="datetimeFigureOut">
               <a:rPr lang="en-GB" smtClean="0"/>
-              <a:t>10/03/2024</a:t>
+              <a:t>16/03/2024</a:t>
             </a:fld>
             <a:endParaRPr lang="en-GB"/>
           </a:p>
@@ -465,7 +467,7 @@
           <a:p>
             <a:fld id="{19A184CB-0BE5-43F6-BF8C-D618442184FC}" type="datetimeFigureOut">
               <a:rPr lang="en-GB" smtClean="0"/>
-              <a:t>10/03/2024</a:t>
+              <a:t>16/03/2024</a:t>
             </a:fld>
             <a:endParaRPr lang="en-GB"/>
           </a:p>
@@ -675,7 +677,7 @@
           <a:p>
             <a:fld id="{19A184CB-0BE5-43F6-BF8C-D618442184FC}" type="datetimeFigureOut">
               <a:rPr lang="en-GB" smtClean="0"/>
-              <a:t>10/03/2024</a:t>
+              <a:t>16/03/2024</a:t>
             </a:fld>
             <a:endParaRPr lang="en-GB"/>
           </a:p>
@@ -875,7 +877,7 @@
           <a:p>
             <a:fld id="{19A184CB-0BE5-43F6-BF8C-D618442184FC}" type="datetimeFigureOut">
               <a:rPr lang="en-GB" smtClean="0"/>
-              <a:t>10/03/2024</a:t>
+              <a:t>16/03/2024</a:t>
             </a:fld>
             <a:endParaRPr lang="en-GB"/>
           </a:p>
@@ -1151,7 +1153,7 @@
           <a:p>
             <a:fld id="{19A184CB-0BE5-43F6-BF8C-D618442184FC}" type="datetimeFigureOut">
               <a:rPr lang="en-GB" smtClean="0"/>
-              <a:t>10/03/2024</a:t>
+              <a:t>16/03/2024</a:t>
             </a:fld>
             <a:endParaRPr lang="en-GB"/>
           </a:p>
@@ -1419,7 +1421,7 @@
           <a:p>
             <a:fld id="{19A184CB-0BE5-43F6-BF8C-D618442184FC}" type="datetimeFigureOut">
               <a:rPr lang="en-GB" smtClean="0"/>
-              <a:t>10/03/2024</a:t>
+              <a:t>16/03/2024</a:t>
             </a:fld>
             <a:endParaRPr lang="en-GB"/>
           </a:p>
@@ -1834,7 +1836,7 @@
           <a:p>
             <a:fld id="{19A184CB-0BE5-43F6-BF8C-D618442184FC}" type="datetimeFigureOut">
               <a:rPr lang="en-GB" smtClean="0"/>
-              <a:t>10/03/2024</a:t>
+              <a:t>16/03/2024</a:t>
             </a:fld>
             <a:endParaRPr lang="en-GB"/>
           </a:p>
@@ -1976,7 +1978,7 @@
           <a:p>
             <a:fld id="{19A184CB-0BE5-43F6-BF8C-D618442184FC}" type="datetimeFigureOut">
               <a:rPr lang="en-GB" smtClean="0"/>
-              <a:t>10/03/2024</a:t>
+              <a:t>16/03/2024</a:t>
             </a:fld>
             <a:endParaRPr lang="en-GB"/>
           </a:p>
@@ -2089,7 +2091,7 @@
           <a:p>
             <a:fld id="{19A184CB-0BE5-43F6-BF8C-D618442184FC}" type="datetimeFigureOut">
               <a:rPr lang="en-GB" smtClean="0"/>
-              <a:t>10/03/2024</a:t>
+              <a:t>16/03/2024</a:t>
             </a:fld>
             <a:endParaRPr lang="en-GB"/>
           </a:p>
@@ -2402,7 +2404,7 @@
           <a:p>
             <a:fld id="{19A184CB-0BE5-43F6-BF8C-D618442184FC}" type="datetimeFigureOut">
               <a:rPr lang="en-GB" smtClean="0"/>
-              <a:t>10/03/2024</a:t>
+              <a:t>16/03/2024</a:t>
             </a:fld>
             <a:endParaRPr lang="en-GB"/>
           </a:p>
@@ -2691,7 +2693,7 @@
           <a:p>
             <a:fld id="{19A184CB-0BE5-43F6-BF8C-D618442184FC}" type="datetimeFigureOut">
               <a:rPr lang="en-GB" smtClean="0"/>
-              <a:t>10/03/2024</a:t>
+              <a:t>16/03/2024</a:t>
             </a:fld>
             <a:endParaRPr lang="en-GB"/>
           </a:p>
@@ -2934,7 +2936,7 @@
           <a:p>
             <a:fld id="{19A184CB-0BE5-43F6-BF8C-D618442184FC}" type="datetimeFigureOut">
               <a:rPr lang="en-GB" smtClean="0"/>
-              <a:t>10/03/2024</a:t>
+              <a:t>16/03/2024</a:t>
             </a:fld>
             <a:endParaRPr lang="en-GB"/>
           </a:p>
@@ -3365,8 +3367,8 @@
         </p:nvSpPr>
         <p:spPr>
           <a:xfrm>
-            <a:off x="1899980" y="1666568"/>
-            <a:ext cx="8392041" cy="707886"/>
+            <a:off x="1842272" y="1666568"/>
+            <a:ext cx="8507457" cy="707886"/>
           </a:xfrm>
           <a:prstGeom prst="rect">
             <a:avLst/>
@@ -3380,20 +3382,20 @@
           <a:lstStyle/>
           <a:p>
             <a:r>
+              <a:rPr lang="ko-KR" altLang="en-US" sz="4000" b="1" dirty="0"/>
+              <a:t>도메인 주도 설계 </a:t>
+            </a:r>
+            <a:r>
+              <a:rPr lang="en-GB" altLang="ko-KR" sz="4000" b="1" dirty="0"/>
+              <a:t>with </a:t>
+            </a:r>
+            <a:r>
               <a:rPr lang="ko-KR" altLang="en-US" sz="4000" b="1" dirty="0" err="1"/>
               <a:t>클린</a:t>
             </a:r>
             <a:r>
               <a:rPr lang="ko-KR" altLang="en-US" sz="4000" b="1" dirty="0"/>
               <a:t> 아키텍처 </a:t>
-            </a:r>
-            <a:r>
-              <a:rPr lang="en-GB" altLang="ko-KR" sz="4000" b="1" dirty="0"/>
-              <a:t>with </a:t>
-            </a:r>
-            <a:r>
-              <a:rPr lang="ko-KR" altLang="en-US" sz="4000" b="1" dirty="0"/>
-              <a:t>도메인 주도 설계</a:t>
             </a:r>
             <a:endParaRPr lang="en-GB" sz="4000" b="1" dirty="0"/>
           </a:p>
@@ -5393,8 +5395,8 @@
         </p:nvSpPr>
         <p:spPr>
           <a:xfrm>
-            <a:off x="8119031" y="1573380"/>
-            <a:ext cx="1189749" cy="369332"/>
+            <a:off x="7921509" y="1573380"/>
+            <a:ext cx="1584793" cy="369332"/>
           </a:xfrm>
           <a:prstGeom prst="rect">
             <a:avLst/>
@@ -5407,14 +5409,36 @@
           </a:bodyPr>
           <a:lstStyle/>
           <a:p>
-            <a:r>
-              <a:rPr lang="ko-KR" altLang="en-US" b="1">
+            <a:pPr algn="ctr"/>
+            <a:r>
+              <a:rPr lang="en-GB" altLang="ko-KR" b="1" dirty="0">
                 <a:solidFill>
                   <a:srgbClr val="FFC000"/>
                 </a:solidFill>
               </a:rPr>
-              <a:t>설계 패턴</a:t>
-            </a:r>
+              <a:t>Design</a:t>
+            </a:r>
+            <a:r>
+              <a:rPr lang="ko-KR" altLang="en-US" b="1" dirty="0">
+                <a:solidFill>
+                  <a:srgbClr val="FFC000"/>
+                </a:solidFill>
+              </a:rPr>
+              <a:t> </a:t>
+            </a:r>
+            <a:r>
+              <a:rPr lang="en-GB" altLang="ko-KR" b="1" dirty="0">
+                <a:solidFill>
+                  <a:srgbClr val="FFC000"/>
+                </a:solidFill>
+              </a:rPr>
+              <a:t>Pattern</a:t>
+            </a:r>
+            <a:endParaRPr lang="ko-KR" altLang="en-US" b="1" dirty="0">
+              <a:solidFill>
+                <a:srgbClr val="FFC000"/>
+              </a:solidFill>
+            </a:endParaRPr>
           </a:p>
         </p:txBody>
       </p:sp>
@@ -5432,8 +5456,8 @@
         </p:nvSpPr>
         <p:spPr>
           <a:xfrm>
-            <a:off x="5195947" y="1573380"/>
-            <a:ext cx="1189749" cy="369332"/>
+            <a:off x="5120554" y="1573380"/>
+            <a:ext cx="1368580" cy="369332"/>
           </a:xfrm>
           <a:prstGeom prst="rect">
             <a:avLst/>
@@ -5447,13 +5471,34 @@
           <a:lstStyle/>
           <a:p>
             <a:r>
-              <a:rPr lang="ko-KR" altLang="en-US" b="1">
+              <a:rPr lang="en-GB" altLang="ko-KR" b="1" dirty="0">
                 <a:solidFill>
                   <a:srgbClr val="0070C0"/>
                 </a:solidFill>
               </a:rPr>
-              <a:t>설계 기술</a:t>
-            </a:r>
+              <a:t>Design</a:t>
+            </a:r>
+            <a:r>
+              <a:rPr lang="ko-KR" altLang="en-US" b="1" dirty="0">
+                <a:solidFill>
+                  <a:srgbClr val="0070C0"/>
+                </a:solidFill>
+              </a:rPr>
+              <a:t> </a:t>
+            </a:r>
+            <a:r>
+              <a:rPr lang="en-GB" altLang="ko-KR" b="1" dirty="0">
+                <a:solidFill>
+                  <a:srgbClr val="0070C0"/>
+                </a:solidFill>
+              </a:rPr>
+              <a:t>Tech.</a:t>
+            </a:r>
+            <a:endParaRPr lang="ko-KR" altLang="en-US" b="1" dirty="0">
+              <a:solidFill>
+                <a:srgbClr val="0070C0"/>
+              </a:solidFill>
+            </a:endParaRPr>
           </a:p>
         </p:txBody>
       </p:sp>
@@ -5471,8 +5516,8 @@
         </p:nvSpPr>
         <p:spPr>
           <a:xfrm>
-            <a:off x="10017095" y="4387354"/>
-            <a:ext cx="1391728" cy="369332"/>
+            <a:off x="9961830" y="4387354"/>
+            <a:ext cx="1257011" cy="369332"/>
           </a:xfrm>
           <a:prstGeom prst="rect">
             <a:avLst/>
@@ -5486,13 +5531,18 @@
           <a:lstStyle/>
           <a:p>
             <a:r>
-              <a:rPr lang="ko-KR" altLang="en-US" b="1" dirty="0">
+              <a:rPr lang="en-GB" altLang="ko-KR" b="1" dirty="0">
                 <a:solidFill>
                   <a:srgbClr val="00B050"/>
                 </a:solidFill>
               </a:rPr>
-              <a:t>설계 테스트</a:t>
-            </a:r>
+              <a:t>Design Test</a:t>
+            </a:r>
+            <a:endParaRPr lang="ko-KR" altLang="en-US" b="1" dirty="0">
+              <a:solidFill>
+                <a:srgbClr val="00B050"/>
+              </a:solidFill>
+            </a:endParaRPr>
           </a:p>
         </p:txBody>
       </p:sp>
@@ -5510,8 +5560,8 @@
         </p:nvSpPr>
         <p:spPr>
           <a:xfrm>
-            <a:off x="1176304" y="667087"/>
-            <a:ext cx="1766829" cy="669414"/>
+            <a:off x="860898" y="809651"/>
+            <a:ext cx="2397643" cy="369332"/>
           </a:xfrm>
           <a:prstGeom prst="rect">
             <a:avLst/>
@@ -5524,40 +5574,16 @@
           </a:bodyPr>
           <a:lstStyle/>
           <a:p>
-            <a:pPr algn="ctr">
-              <a:lnSpc>
-                <a:spcPct val="150000"/>
-              </a:lnSpc>
-            </a:pPr>
-            <a:r>
-              <a:rPr lang="ko-KR" altLang="en-US" sz="1400" b="1" dirty="0">
-                <a:solidFill>
-                  <a:srgbClr val="C00000"/>
-                </a:solidFill>
-              </a:rPr>
-              <a:t>관심사의 분리</a:t>
-            </a:r>
-            <a:endParaRPr lang="en-US" altLang="ko-KR" sz="1400" b="1" dirty="0">
-              <a:solidFill>
-                <a:srgbClr val="C00000"/>
-              </a:solidFill>
-            </a:endParaRPr>
-          </a:p>
-          <a:p>
-            <a:pPr algn="ctr">
-              <a:lnSpc>
-                <a:spcPct val="150000"/>
-              </a:lnSpc>
-            </a:pPr>
-            <a:r>
-              <a:rPr lang="en-US" altLang="ko-KR" sz="1100" b="1" dirty="0">
+            <a:pPr algn="ctr"/>
+            <a:r>
+              <a:rPr lang="en-US" altLang="ko-KR" b="1" dirty="0">
                 <a:solidFill>
                   <a:srgbClr val="C00000"/>
                 </a:solidFill>
               </a:rPr>
               <a:t>Separation of Concerns</a:t>
             </a:r>
-            <a:endParaRPr lang="ko-KR" altLang="en-US" sz="1100" b="1" dirty="0">
+            <a:endParaRPr lang="ko-KR" altLang="en-US" b="1" dirty="0">
               <a:solidFill>
                 <a:srgbClr val="C00000"/>
               </a:solidFill>
@@ -5738,6 +5764,2236 @@
       </p:grpSpPr>
       <p:sp>
         <p:nvSpPr>
+          <p:cNvPr id="4" name="직사각형 3">
+            <a:extLst>
+              <a:ext uri="{FF2B5EF4-FFF2-40B4-BE49-F238E27FC236}">
+                <a16:creationId xmlns:a16="http://schemas.microsoft.com/office/drawing/2014/main" id="{5D2F44D7-A4E3-5CE0-5C3D-C637D3593E03}"/>
+              </a:ext>
+            </a:extLst>
+          </p:cNvPr>
+          <p:cNvSpPr/>
+          <p:nvPr/>
+        </p:nvSpPr>
+        <p:spPr>
+          <a:xfrm>
+            <a:off x="1835894" y="552790"/>
+            <a:ext cx="447648" cy="1351368"/>
+          </a:xfrm>
+          <a:prstGeom prst="rect">
+            <a:avLst/>
+          </a:prstGeom>
+          <a:solidFill>
+            <a:schemeClr val="accent2">
+              <a:lumMod val="20000"/>
+              <a:lumOff val="80000"/>
+            </a:schemeClr>
+          </a:solidFill>
+          <a:ln>
+            <a:solidFill>
+              <a:schemeClr val="accent2">
+                <a:lumMod val="20000"/>
+                <a:lumOff val="80000"/>
+              </a:schemeClr>
+            </a:solidFill>
+          </a:ln>
+        </p:spPr>
+        <p:style>
+          <a:lnRef idx="2">
+            <a:schemeClr val="accent1">
+              <a:shade val="50000"/>
+            </a:schemeClr>
+          </a:lnRef>
+          <a:fillRef idx="1">
+            <a:schemeClr val="accent1"/>
+          </a:fillRef>
+          <a:effectRef idx="0">
+            <a:schemeClr val="accent1"/>
+          </a:effectRef>
+          <a:fontRef idx="minor">
+            <a:schemeClr val="lt1"/>
+          </a:fontRef>
+        </p:style>
+        <p:txBody>
+          <a:bodyPr rtlCol="0" anchor="ctr"/>
+          <a:lstStyle/>
+          <a:p>
+            <a:pPr algn="ctr"/>
+            <a:endParaRPr lang="ko-KR" altLang="en-US"/>
+          </a:p>
+        </p:txBody>
+      </p:sp>
+      <p:sp>
+        <p:nvSpPr>
+          <p:cNvPr id="5" name="직사각형 4">
+            <a:extLst>
+              <a:ext uri="{FF2B5EF4-FFF2-40B4-BE49-F238E27FC236}">
+                <a16:creationId xmlns:a16="http://schemas.microsoft.com/office/drawing/2014/main" id="{21A5733A-A7BE-FF82-08DD-F9ABCB2C6D03}"/>
+              </a:ext>
+            </a:extLst>
+          </p:cNvPr>
+          <p:cNvSpPr/>
+          <p:nvPr/>
+        </p:nvSpPr>
+        <p:spPr>
+          <a:xfrm>
+            <a:off x="9336963" y="3773311"/>
+            <a:ext cx="2751992" cy="503760"/>
+          </a:xfrm>
+          <a:prstGeom prst="rect">
+            <a:avLst/>
+          </a:prstGeom>
+          <a:solidFill>
+            <a:schemeClr val="accent6">
+              <a:lumMod val="20000"/>
+              <a:lumOff val="80000"/>
+            </a:schemeClr>
+          </a:solidFill>
+          <a:ln>
+            <a:solidFill>
+              <a:schemeClr val="accent6">
+                <a:lumMod val="20000"/>
+                <a:lumOff val="80000"/>
+              </a:schemeClr>
+            </a:solidFill>
+          </a:ln>
+        </p:spPr>
+        <p:style>
+          <a:lnRef idx="2">
+            <a:schemeClr val="accent1">
+              <a:shade val="50000"/>
+            </a:schemeClr>
+          </a:lnRef>
+          <a:fillRef idx="1">
+            <a:schemeClr val="accent1"/>
+          </a:fillRef>
+          <a:effectRef idx="0">
+            <a:schemeClr val="accent1"/>
+          </a:effectRef>
+          <a:fontRef idx="minor">
+            <a:schemeClr val="lt1"/>
+          </a:fontRef>
+        </p:style>
+        <p:txBody>
+          <a:bodyPr rtlCol="0" anchor="ctr"/>
+          <a:lstStyle/>
+          <a:p>
+            <a:pPr algn="ctr"/>
+            <a:endParaRPr lang="ko-KR" altLang="en-US"/>
+          </a:p>
+        </p:txBody>
+      </p:sp>
+      <p:sp>
+        <p:nvSpPr>
+          <p:cNvPr id="6" name="직사각형 5">
+            <a:extLst>
+              <a:ext uri="{FF2B5EF4-FFF2-40B4-BE49-F238E27FC236}">
+                <a16:creationId xmlns:a16="http://schemas.microsoft.com/office/drawing/2014/main" id="{602B8895-8B4C-4D2C-CFBD-FD5E5B708A0B}"/>
+              </a:ext>
+            </a:extLst>
+          </p:cNvPr>
+          <p:cNvSpPr/>
+          <p:nvPr/>
+        </p:nvSpPr>
+        <p:spPr>
+          <a:xfrm>
+            <a:off x="4920357" y="2013052"/>
+            <a:ext cx="1768975" cy="503760"/>
+          </a:xfrm>
+          <a:prstGeom prst="rect">
+            <a:avLst/>
+          </a:prstGeom>
+          <a:solidFill>
+            <a:schemeClr val="accent1">
+              <a:lumMod val="20000"/>
+              <a:lumOff val="80000"/>
+            </a:schemeClr>
+          </a:solidFill>
+          <a:ln>
+            <a:solidFill>
+              <a:schemeClr val="accent1">
+                <a:lumMod val="20000"/>
+                <a:lumOff val="80000"/>
+              </a:schemeClr>
+            </a:solidFill>
+          </a:ln>
+        </p:spPr>
+        <p:style>
+          <a:lnRef idx="2">
+            <a:schemeClr val="accent1">
+              <a:shade val="50000"/>
+            </a:schemeClr>
+          </a:lnRef>
+          <a:fillRef idx="1">
+            <a:schemeClr val="accent1"/>
+          </a:fillRef>
+          <a:effectRef idx="0">
+            <a:schemeClr val="accent1"/>
+          </a:effectRef>
+          <a:fontRef idx="minor">
+            <a:schemeClr val="lt1"/>
+          </a:fontRef>
+        </p:style>
+        <p:txBody>
+          <a:bodyPr rtlCol="0" anchor="ctr"/>
+          <a:lstStyle/>
+          <a:p>
+            <a:pPr algn="ctr"/>
+            <a:endParaRPr lang="ko-KR" altLang="en-US"/>
+          </a:p>
+        </p:txBody>
+      </p:sp>
+      <p:sp>
+        <p:nvSpPr>
+          <p:cNvPr id="7" name="직사각형 6">
+            <a:extLst>
+              <a:ext uri="{FF2B5EF4-FFF2-40B4-BE49-F238E27FC236}">
+                <a16:creationId xmlns:a16="http://schemas.microsoft.com/office/drawing/2014/main" id="{6616FA10-1102-82E1-5E2A-78B1CDBB3C0F}"/>
+              </a:ext>
+            </a:extLst>
+          </p:cNvPr>
+          <p:cNvSpPr/>
+          <p:nvPr/>
+        </p:nvSpPr>
+        <p:spPr>
+          <a:xfrm>
+            <a:off x="6274307" y="3773311"/>
+            <a:ext cx="2919352" cy="503760"/>
+          </a:xfrm>
+          <a:prstGeom prst="rect">
+            <a:avLst/>
+          </a:prstGeom>
+          <a:solidFill>
+            <a:schemeClr val="accent4">
+              <a:lumMod val="20000"/>
+              <a:lumOff val="80000"/>
+            </a:schemeClr>
+          </a:solidFill>
+          <a:ln>
+            <a:solidFill>
+              <a:schemeClr val="accent4">
+                <a:lumMod val="20000"/>
+                <a:lumOff val="80000"/>
+              </a:schemeClr>
+            </a:solidFill>
+          </a:ln>
+        </p:spPr>
+        <p:style>
+          <a:lnRef idx="2">
+            <a:schemeClr val="accent1">
+              <a:shade val="50000"/>
+            </a:schemeClr>
+          </a:lnRef>
+          <a:fillRef idx="1">
+            <a:schemeClr val="accent1"/>
+          </a:fillRef>
+          <a:effectRef idx="0">
+            <a:schemeClr val="accent1"/>
+          </a:effectRef>
+          <a:fontRef idx="minor">
+            <a:schemeClr val="lt1"/>
+          </a:fontRef>
+        </p:style>
+        <p:txBody>
+          <a:bodyPr rtlCol="0" anchor="ctr"/>
+          <a:lstStyle/>
+          <a:p>
+            <a:pPr algn="ctr"/>
+            <a:endParaRPr lang="ko-KR" altLang="en-US"/>
+          </a:p>
+        </p:txBody>
+      </p:sp>
+      <p:sp>
+        <p:nvSpPr>
+          <p:cNvPr id="8" name="직사각형 7">
+            <a:extLst>
+              <a:ext uri="{FF2B5EF4-FFF2-40B4-BE49-F238E27FC236}">
+                <a16:creationId xmlns:a16="http://schemas.microsoft.com/office/drawing/2014/main" id="{146DF417-239A-ED74-2AE0-32271666CF8E}"/>
+              </a:ext>
+            </a:extLst>
+          </p:cNvPr>
+          <p:cNvSpPr/>
+          <p:nvPr/>
+        </p:nvSpPr>
+        <p:spPr>
+          <a:xfrm>
+            <a:off x="10321702" y="2013052"/>
+            <a:ext cx="1591409" cy="503760"/>
+          </a:xfrm>
+          <a:prstGeom prst="rect">
+            <a:avLst/>
+          </a:prstGeom>
+          <a:solidFill>
+            <a:schemeClr val="accent4">
+              <a:lumMod val="20000"/>
+              <a:lumOff val="80000"/>
+            </a:schemeClr>
+          </a:solidFill>
+          <a:ln>
+            <a:solidFill>
+              <a:schemeClr val="accent4">
+                <a:lumMod val="20000"/>
+                <a:lumOff val="80000"/>
+              </a:schemeClr>
+            </a:solidFill>
+          </a:ln>
+        </p:spPr>
+        <p:style>
+          <a:lnRef idx="2">
+            <a:schemeClr val="accent1">
+              <a:shade val="50000"/>
+            </a:schemeClr>
+          </a:lnRef>
+          <a:fillRef idx="1">
+            <a:schemeClr val="accent1"/>
+          </a:fillRef>
+          <a:effectRef idx="0">
+            <a:schemeClr val="accent1"/>
+          </a:effectRef>
+          <a:fontRef idx="minor">
+            <a:schemeClr val="lt1"/>
+          </a:fontRef>
+        </p:style>
+        <p:txBody>
+          <a:bodyPr rtlCol="0" anchor="ctr"/>
+          <a:lstStyle/>
+          <a:p>
+            <a:pPr algn="ctr"/>
+            <a:endParaRPr lang="ko-KR" altLang="en-US"/>
+          </a:p>
+        </p:txBody>
+      </p:sp>
+      <p:sp>
+        <p:nvSpPr>
+          <p:cNvPr id="9" name="직사각형 8">
+            <a:extLst>
+              <a:ext uri="{FF2B5EF4-FFF2-40B4-BE49-F238E27FC236}">
+                <a16:creationId xmlns:a16="http://schemas.microsoft.com/office/drawing/2014/main" id="{BFA7BA9C-1448-022E-DE1E-7E104646CD49}"/>
+              </a:ext>
+            </a:extLst>
+          </p:cNvPr>
+          <p:cNvSpPr/>
+          <p:nvPr/>
+        </p:nvSpPr>
+        <p:spPr>
+          <a:xfrm>
+            <a:off x="7918201" y="2013052"/>
+            <a:ext cx="1591409" cy="503760"/>
+          </a:xfrm>
+          <a:prstGeom prst="rect">
+            <a:avLst/>
+          </a:prstGeom>
+          <a:solidFill>
+            <a:schemeClr val="accent4">
+              <a:lumMod val="20000"/>
+              <a:lumOff val="80000"/>
+            </a:schemeClr>
+          </a:solidFill>
+          <a:ln>
+            <a:solidFill>
+              <a:schemeClr val="accent4">
+                <a:lumMod val="20000"/>
+                <a:lumOff val="80000"/>
+              </a:schemeClr>
+            </a:solidFill>
+          </a:ln>
+        </p:spPr>
+        <p:style>
+          <a:lnRef idx="2">
+            <a:schemeClr val="accent1">
+              <a:shade val="50000"/>
+            </a:schemeClr>
+          </a:lnRef>
+          <a:fillRef idx="1">
+            <a:schemeClr val="accent1"/>
+          </a:fillRef>
+          <a:effectRef idx="0">
+            <a:schemeClr val="accent1"/>
+          </a:effectRef>
+          <a:fontRef idx="minor">
+            <a:schemeClr val="lt1"/>
+          </a:fontRef>
+        </p:style>
+        <p:txBody>
+          <a:bodyPr rtlCol="0" anchor="ctr"/>
+          <a:lstStyle/>
+          <a:p>
+            <a:pPr algn="ctr"/>
+            <a:endParaRPr lang="ko-KR" altLang="en-US"/>
+          </a:p>
+        </p:txBody>
+      </p:sp>
+      <p:sp>
+        <p:nvSpPr>
+          <p:cNvPr id="10" name="직사각형 9">
+            <a:extLst>
+              <a:ext uri="{FF2B5EF4-FFF2-40B4-BE49-F238E27FC236}">
+                <a16:creationId xmlns:a16="http://schemas.microsoft.com/office/drawing/2014/main" id="{0304E307-A244-5052-9D91-0F18242906A8}"/>
+              </a:ext>
+            </a:extLst>
+          </p:cNvPr>
+          <p:cNvSpPr/>
+          <p:nvPr/>
+        </p:nvSpPr>
+        <p:spPr>
+          <a:xfrm>
+            <a:off x="102109" y="1495922"/>
+            <a:ext cx="3405554" cy="1024961"/>
+          </a:xfrm>
+          <a:prstGeom prst="rect">
+            <a:avLst/>
+          </a:prstGeom>
+        </p:spPr>
+        <p:txBody>
+          <a:bodyPr wrap="square">
+            <a:spAutoFit/>
+          </a:bodyPr>
+          <a:lstStyle/>
+          <a:p>
+            <a:pPr>
+              <a:lnSpc>
+                <a:spcPct val="150000"/>
+              </a:lnSpc>
+            </a:pPr>
+            <a:r>
+              <a:rPr lang="en-US" altLang="ko-KR" sz="1000" b="1" dirty="0"/>
+              <a:t>Three-tier Architecture &gt; </a:t>
+            </a:r>
+            <a:r>
+              <a:rPr lang="ko-KR" altLang="en-US" sz="1000" b="1" dirty="0" err="1"/>
+              <a:t>Three-</a:t>
+            </a:r>
+            <a:r>
+              <a:rPr lang="ko-KR" altLang="en-US" sz="1000" b="1" dirty="0" err="1">
+                <a:solidFill>
+                  <a:srgbClr val="C00000"/>
+                </a:solidFill>
+              </a:rPr>
+              <a:t>layered</a:t>
+            </a:r>
+            <a:r>
+              <a:rPr lang="ko-KR" altLang="en-US" sz="1000" b="1" dirty="0"/>
+              <a:t> </a:t>
+            </a:r>
+            <a:r>
+              <a:rPr lang="en-US" altLang="ko-KR" sz="1000" b="1" dirty="0"/>
+              <a:t>A</a:t>
+            </a:r>
+            <a:r>
+              <a:rPr lang="ko-KR" altLang="en-US" sz="1000" b="1" dirty="0" err="1"/>
+              <a:t>rchitecture</a:t>
+            </a:r>
+            <a:endParaRPr lang="ko-KR" altLang="en-US" sz="900" b="1" dirty="0"/>
+          </a:p>
+          <a:p>
+            <a:pPr>
+              <a:lnSpc>
+                <a:spcPct val="150000"/>
+              </a:lnSpc>
+            </a:pPr>
+            <a:r>
+              <a:rPr lang="ko-KR" altLang="en-US" sz="900" dirty="0" err="1"/>
+              <a:t>by</a:t>
+            </a:r>
+            <a:r>
+              <a:rPr lang="ko-KR" altLang="en-US" sz="900" dirty="0"/>
+              <a:t> </a:t>
+            </a:r>
+            <a:r>
+              <a:rPr lang="ko-KR" altLang="en-US" sz="900" dirty="0" err="1"/>
+              <a:t>John</a:t>
+            </a:r>
+            <a:r>
+              <a:rPr lang="ko-KR" altLang="en-US" sz="900" dirty="0"/>
+              <a:t> </a:t>
+            </a:r>
+            <a:r>
+              <a:rPr lang="ko-KR" altLang="en-US" sz="900" dirty="0" err="1"/>
+              <a:t>J</a:t>
+            </a:r>
+            <a:r>
+              <a:rPr lang="ko-KR" altLang="en-US" sz="900" dirty="0"/>
+              <a:t>. </a:t>
+            </a:r>
+            <a:r>
+              <a:rPr lang="ko-KR" altLang="en-US" sz="900" dirty="0" err="1"/>
+              <a:t>Donovan</a:t>
+            </a:r>
+            <a:endParaRPr lang="ko-KR" altLang="en-US" sz="900" dirty="0"/>
+          </a:p>
+          <a:p>
+            <a:pPr>
+              <a:lnSpc>
+                <a:spcPct val="200000"/>
+              </a:lnSpc>
+            </a:pPr>
+            <a:r>
+              <a:rPr lang="ko-KR" altLang="en-US" sz="1000" b="1" dirty="0" err="1"/>
+              <a:t>Entity</a:t>
+            </a:r>
+            <a:r>
+              <a:rPr lang="ko-KR" altLang="en-US" sz="1000" b="1" dirty="0"/>
+              <a:t>-</a:t>
+            </a:r>
+            <a:r>
+              <a:rPr lang="en-US" altLang="ko-KR" sz="1000" b="1" dirty="0"/>
+              <a:t>C</a:t>
+            </a:r>
+            <a:r>
+              <a:rPr lang="ko-KR" altLang="en-US" sz="1000" b="1" dirty="0" err="1"/>
+              <a:t>ontrol</a:t>
+            </a:r>
+            <a:r>
+              <a:rPr lang="ko-KR" altLang="en-US" sz="1000" b="1" dirty="0"/>
+              <a:t>-</a:t>
+            </a:r>
+            <a:r>
+              <a:rPr lang="en-US" altLang="ko-KR" sz="1000" b="1" dirty="0"/>
+              <a:t>B</a:t>
+            </a:r>
+            <a:r>
+              <a:rPr lang="ko-KR" altLang="en-US" sz="1000" b="1" dirty="0" err="1"/>
+              <a:t>oundary</a:t>
+            </a:r>
+            <a:r>
+              <a:rPr lang="ko-KR" altLang="en-US" sz="1000" b="1" dirty="0"/>
+              <a:t>(ECB)</a:t>
+            </a:r>
+          </a:p>
+          <a:p>
+            <a:pPr>
+              <a:lnSpc>
+                <a:spcPct val="150000"/>
+              </a:lnSpc>
+            </a:pPr>
+            <a:r>
+              <a:rPr lang="ko-KR" altLang="en-US" sz="900" dirty="0" err="1"/>
+              <a:t>by</a:t>
+            </a:r>
+            <a:r>
+              <a:rPr lang="ko-KR" altLang="en-US" sz="900" dirty="0"/>
+              <a:t> </a:t>
+            </a:r>
+            <a:r>
+              <a:rPr lang="ko-KR" altLang="en-US" sz="900" dirty="0" err="1"/>
+              <a:t>lvar</a:t>
+            </a:r>
+            <a:r>
+              <a:rPr lang="ko-KR" altLang="en-US" sz="900" dirty="0"/>
+              <a:t> </a:t>
+            </a:r>
+            <a:r>
+              <a:rPr lang="ko-KR" altLang="en-US" sz="900" dirty="0" err="1"/>
+              <a:t>Jacobson</a:t>
+            </a:r>
+            <a:endParaRPr lang="ko-KR" altLang="en-US" sz="900" dirty="0"/>
+          </a:p>
+        </p:txBody>
+      </p:sp>
+      <p:sp>
+        <p:nvSpPr>
+          <p:cNvPr id="11" name="직사각형 10">
+            <a:extLst>
+              <a:ext uri="{FF2B5EF4-FFF2-40B4-BE49-F238E27FC236}">
+                <a16:creationId xmlns:a16="http://schemas.microsoft.com/office/drawing/2014/main" id="{164FF0BF-9900-0FB4-B088-D03BF6A12BCD}"/>
+              </a:ext>
+            </a:extLst>
+          </p:cNvPr>
+          <p:cNvSpPr/>
+          <p:nvPr/>
+        </p:nvSpPr>
+        <p:spPr>
+          <a:xfrm>
+            <a:off x="893417" y="3742864"/>
+            <a:ext cx="2825262" cy="507831"/>
+          </a:xfrm>
+          <a:prstGeom prst="rect">
+            <a:avLst/>
+          </a:prstGeom>
+        </p:spPr>
+        <p:txBody>
+          <a:bodyPr wrap="square">
+            <a:spAutoFit/>
+          </a:bodyPr>
+          <a:lstStyle/>
+          <a:p>
+            <a:pPr>
+              <a:lnSpc>
+                <a:spcPct val="150000"/>
+              </a:lnSpc>
+            </a:pPr>
+            <a:r>
+              <a:rPr lang="ko-KR" altLang="en-US" sz="900" b="1"/>
+              <a:t>Extreme Programming(XP) book published</a:t>
+            </a:r>
+          </a:p>
+          <a:p>
+            <a:pPr>
+              <a:lnSpc>
+                <a:spcPct val="150000"/>
+              </a:lnSpc>
+            </a:pPr>
+            <a:r>
+              <a:rPr lang="ko-KR" altLang="en-US" sz="900"/>
+              <a:t>by Kent Beck</a:t>
+            </a:r>
+          </a:p>
+        </p:txBody>
+      </p:sp>
+      <p:sp>
+        <p:nvSpPr>
+          <p:cNvPr id="12" name="직사각형 11">
+            <a:extLst>
+              <a:ext uri="{FF2B5EF4-FFF2-40B4-BE49-F238E27FC236}">
+                <a16:creationId xmlns:a16="http://schemas.microsoft.com/office/drawing/2014/main" id="{CFBA07C9-8EB5-ADCF-4475-9B6DFEA31A50}"/>
+              </a:ext>
+            </a:extLst>
+          </p:cNvPr>
+          <p:cNvSpPr/>
+          <p:nvPr/>
+        </p:nvSpPr>
+        <p:spPr>
+          <a:xfrm>
+            <a:off x="3006735" y="2290051"/>
+            <a:ext cx="1059906" cy="230832"/>
+          </a:xfrm>
+          <a:prstGeom prst="rect">
+            <a:avLst/>
+          </a:prstGeom>
+        </p:spPr>
+        <p:txBody>
+          <a:bodyPr wrap="none">
+            <a:spAutoFit/>
+          </a:bodyPr>
+          <a:lstStyle/>
+          <a:p>
+            <a:r>
+              <a:rPr lang="ko-KR" altLang="en-US" sz="900" b="1"/>
+              <a:t>Agile Manifesto</a:t>
+            </a:r>
+          </a:p>
+        </p:txBody>
+      </p:sp>
+      <p:sp>
+        <p:nvSpPr>
+          <p:cNvPr id="13" name="직사각형 12">
+            <a:extLst>
+              <a:ext uri="{FF2B5EF4-FFF2-40B4-BE49-F238E27FC236}">
+                <a16:creationId xmlns:a16="http://schemas.microsoft.com/office/drawing/2014/main" id="{9C54F276-8A83-0252-1D18-39ABE31D0E8C}"/>
+              </a:ext>
+            </a:extLst>
+          </p:cNvPr>
+          <p:cNvSpPr/>
+          <p:nvPr/>
+        </p:nvSpPr>
+        <p:spPr>
+          <a:xfrm>
+            <a:off x="3803973" y="3742864"/>
+            <a:ext cx="2455985" cy="507831"/>
+          </a:xfrm>
+          <a:prstGeom prst="rect">
+            <a:avLst/>
+          </a:prstGeom>
+        </p:spPr>
+        <p:txBody>
+          <a:bodyPr wrap="square">
+            <a:spAutoFit/>
+          </a:bodyPr>
+          <a:lstStyle/>
+          <a:p>
+            <a:pPr>
+              <a:lnSpc>
+                <a:spcPct val="150000"/>
+              </a:lnSpc>
+            </a:pPr>
+            <a:r>
+              <a:rPr lang="ko-KR" altLang="en-US" sz="900" b="1"/>
+              <a:t>Test</a:t>
+            </a:r>
+            <a:r>
+              <a:rPr lang="en-US" altLang="ko-KR" sz="900" b="1"/>
+              <a:t>-</a:t>
+            </a:r>
+            <a:r>
+              <a:rPr lang="ko-KR" altLang="en-US" sz="900" b="1"/>
+              <a:t>Driven</a:t>
+            </a:r>
+            <a:r>
+              <a:rPr lang="en-US" altLang="ko-KR" sz="900" b="1"/>
+              <a:t> </a:t>
+            </a:r>
+            <a:r>
+              <a:rPr lang="ko-KR" altLang="en-US" sz="900" b="1"/>
+              <a:t>Development by Example</a:t>
+            </a:r>
+          </a:p>
+          <a:p>
+            <a:pPr>
+              <a:lnSpc>
+                <a:spcPct val="150000"/>
+              </a:lnSpc>
+            </a:pPr>
+            <a:r>
+              <a:rPr lang="ko-KR" altLang="en-US" sz="900"/>
+              <a:t>by Kent Beck</a:t>
+            </a:r>
+          </a:p>
+        </p:txBody>
+      </p:sp>
+      <p:sp>
+        <p:nvSpPr>
+          <p:cNvPr id="14" name="직사각형 13">
+            <a:extLst>
+              <a:ext uri="{FF2B5EF4-FFF2-40B4-BE49-F238E27FC236}">
+                <a16:creationId xmlns:a16="http://schemas.microsoft.com/office/drawing/2014/main" id="{3A781544-D910-D73C-496D-4328CBF55767}"/>
+              </a:ext>
+            </a:extLst>
+          </p:cNvPr>
+          <p:cNvSpPr/>
+          <p:nvPr/>
+        </p:nvSpPr>
+        <p:spPr>
+          <a:xfrm>
+            <a:off x="5031965" y="2013052"/>
+            <a:ext cx="1594338" cy="507831"/>
+          </a:xfrm>
+          <a:prstGeom prst="rect">
+            <a:avLst/>
+          </a:prstGeom>
+        </p:spPr>
+        <p:txBody>
+          <a:bodyPr wrap="square">
+            <a:spAutoFit/>
+          </a:bodyPr>
+          <a:lstStyle/>
+          <a:p>
+            <a:pPr>
+              <a:lnSpc>
+                <a:spcPct val="150000"/>
+              </a:lnSpc>
+            </a:pPr>
+            <a:r>
+              <a:rPr lang="ko-KR" altLang="en-US" sz="900" b="1">
+                <a:solidFill>
+                  <a:srgbClr val="0070C0"/>
+                </a:solidFill>
+              </a:rPr>
+              <a:t>Domain-Driven Design</a:t>
+            </a:r>
+          </a:p>
+          <a:p>
+            <a:pPr>
+              <a:lnSpc>
+                <a:spcPct val="150000"/>
+              </a:lnSpc>
+            </a:pPr>
+            <a:r>
+              <a:rPr lang="ko-KR" altLang="en-US" sz="900">
+                <a:solidFill>
+                  <a:srgbClr val="0070C0"/>
+                </a:solidFill>
+              </a:rPr>
+              <a:t>by Eric Evans</a:t>
+            </a:r>
+          </a:p>
+        </p:txBody>
+      </p:sp>
+      <p:sp>
+        <p:nvSpPr>
+          <p:cNvPr id="15" name="직사각형 14">
+            <a:extLst>
+              <a:ext uri="{FF2B5EF4-FFF2-40B4-BE49-F238E27FC236}">
+                <a16:creationId xmlns:a16="http://schemas.microsoft.com/office/drawing/2014/main" id="{BE3C52DD-C6CE-1DE3-933B-66B8C1824713}"/>
+              </a:ext>
+            </a:extLst>
+          </p:cNvPr>
+          <p:cNvSpPr/>
+          <p:nvPr/>
+        </p:nvSpPr>
+        <p:spPr>
+          <a:xfrm>
+            <a:off x="6388609" y="3742864"/>
+            <a:ext cx="2805050" cy="507831"/>
+          </a:xfrm>
+          <a:prstGeom prst="rect">
+            <a:avLst/>
+          </a:prstGeom>
+        </p:spPr>
+        <p:txBody>
+          <a:bodyPr wrap="square">
+            <a:spAutoFit/>
+          </a:bodyPr>
+          <a:lstStyle/>
+          <a:p>
+            <a:pPr>
+              <a:lnSpc>
+                <a:spcPct val="150000"/>
+              </a:lnSpc>
+            </a:pPr>
+            <a:r>
+              <a:rPr lang="ko-KR" altLang="en-US" sz="900" b="1"/>
+              <a:t>Hexagonal Architecture / Ports &amp; Adapters</a:t>
+            </a:r>
+          </a:p>
+          <a:p>
+            <a:pPr>
+              <a:lnSpc>
+                <a:spcPct val="150000"/>
+              </a:lnSpc>
+            </a:pPr>
+            <a:r>
+              <a:rPr lang="ko-KR" altLang="en-US" sz="900"/>
+              <a:t>by Alistair Cockburn </a:t>
+            </a:r>
+          </a:p>
+        </p:txBody>
+      </p:sp>
+      <p:sp>
+        <p:nvSpPr>
+          <p:cNvPr id="16" name="직사각형 15">
+            <a:extLst>
+              <a:ext uri="{FF2B5EF4-FFF2-40B4-BE49-F238E27FC236}">
+                <a16:creationId xmlns:a16="http://schemas.microsoft.com/office/drawing/2014/main" id="{B3894C1A-354D-43FF-8348-90E0A992AEFB}"/>
+              </a:ext>
+            </a:extLst>
+          </p:cNvPr>
+          <p:cNvSpPr/>
+          <p:nvPr/>
+        </p:nvSpPr>
+        <p:spPr>
+          <a:xfrm>
+            <a:off x="8076733" y="2013052"/>
+            <a:ext cx="1383323" cy="507831"/>
+          </a:xfrm>
+          <a:prstGeom prst="rect">
+            <a:avLst/>
+          </a:prstGeom>
+        </p:spPr>
+        <p:txBody>
+          <a:bodyPr wrap="square">
+            <a:spAutoFit/>
+          </a:bodyPr>
+          <a:lstStyle/>
+          <a:p>
+            <a:pPr>
+              <a:lnSpc>
+                <a:spcPct val="150000"/>
+              </a:lnSpc>
+            </a:pPr>
+            <a:r>
+              <a:rPr lang="ko-KR" altLang="en-US" sz="900" b="1"/>
+              <a:t>Onion Architecture</a:t>
+            </a:r>
+          </a:p>
+          <a:p>
+            <a:pPr>
+              <a:lnSpc>
+                <a:spcPct val="150000"/>
+              </a:lnSpc>
+            </a:pPr>
+            <a:r>
+              <a:rPr lang="ko-KR" altLang="en-US" sz="900"/>
+              <a:t>by Jeffrey Palermo</a:t>
+            </a:r>
+          </a:p>
+        </p:txBody>
+      </p:sp>
+      <p:sp>
+        <p:nvSpPr>
+          <p:cNvPr id="17" name="직사각형 16">
+            <a:extLst>
+              <a:ext uri="{FF2B5EF4-FFF2-40B4-BE49-F238E27FC236}">
+                <a16:creationId xmlns:a16="http://schemas.microsoft.com/office/drawing/2014/main" id="{3F83ECC8-5DA1-1EDA-897D-151670EE38AF}"/>
+              </a:ext>
+            </a:extLst>
+          </p:cNvPr>
+          <p:cNvSpPr/>
+          <p:nvPr/>
+        </p:nvSpPr>
+        <p:spPr>
+          <a:xfrm>
+            <a:off x="9434174" y="3742864"/>
+            <a:ext cx="2593236" cy="507831"/>
+          </a:xfrm>
+          <a:prstGeom prst="rect">
+            <a:avLst/>
+          </a:prstGeom>
+        </p:spPr>
+        <p:txBody>
+          <a:bodyPr wrap="square">
+            <a:spAutoFit/>
+          </a:bodyPr>
+          <a:lstStyle/>
+          <a:p>
+            <a:pPr>
+              <a:lnSpc>
+                <a:spcPct val="150000"/>
+              </a:lnSpc>
+            </a:pPr>
+            <a:r>
+              <a:rPr lang="ko-KR" altLang="en-US" sz="900" b="1">
+                <a:solidFill>
+                  <a:srgbClr val="00B050"/>
+                </a:solidFill>
+              </a:rPr>
+              <a:t>Test Pyramid</a:t>
+            </a:r>
+          </a:p>
+          <a:p>
+            <a:pPr>
+              <a:lnSpc>
+                <a:spcPct val="150000"/>
+              </a:lnSpc>
+            </a:pPr>
+            <a:r>
+              <a:rPr lang="ko-KR" altLang="en-US" sz="900">
+                <a:solidFill>
+                  <a:srgbClr val="00B050"/>
+                </a:solidFill>
+              </a:rPr>
+              <a:t>by M</a:t>
+            </a:r>
+            <a:r>
+              <a:rPr lang="en-US" altLang="ko-KR" sz="900">
+                <a:solidFill>
+                  <a:srgbClr val="00B050"/>
+                </a:solidFill>
+              </a:rPr>
+              <a:t>i</a:t>
+            </a:r>
+            <a:r>
+              <a:rPr lang="ko-KR" altLang="en-US" sz="900">
+                <a:solidFill>
+                  <a:srgbClr val="00B050"/>
+                </a:solidFill>
+              </a:rPr>
+              <a:t>ke Cohn at Succeeding with Agile Book</a:t>
+            </a:r>
+          </a:p>
+        </p:txBody>
+      </p:sp>
+      <p:sp>
+        <p:nvSpPr>
+          <p:cNvPr id="18" name="직사각형 17">
+            <a:extLst>
+              <a:ext uri="{FF2B5EF4-FFF2-40B4-BE49-F238E27FC236}">
+                <a16:creationId xmlns:a16="http://schemas.microsoft.com/office/drawing/2014/main" id="{94721813-7663-F1E7-0E79-A5791836619D}"/>
+              </a:ext>
+            </a:extLst>
+          </p:cNvPr>
+          <p:cNvSpPr/>
+          <p:nvPr/>
+        </p:nvSpPr>
+        <p:spPr>
+          <a:xfrm>
+            <a:off x="10462531" y="2013052"/>
+            <a:ext cx="1432994" cy="507831"/>
+          </a:xfrm>
+          <a:prstGeom prst="rect">
+            <a:avLst/>
+          </a:prstGeom>
+        </p:spPr>
+        <p:txBody>
+          <a:bodyPr wrap="square">
+            <a:spAutoFit/>
+          </a:bodyPr>
+          <a:lstStyle/>
+          <a:p>
+            <a:pPr>
+              <a:lnSpc>
+                <a:spcPct val="150000"/>
+              </a:lnSpc>
+            </a:pPr>
+            <a:r>
+              <a:rPr lang="ko-KR" altLang="en-US" sz="900" b="1"/>
+              <a:t>Clean Architecture</a:t>
+            </a:r>
+          </a:p>
+          <a:p>
+            <a:pPr>
+              <a:lnSpc>
+                <a:spcPct val="150000"/>
+              </a:lnSpc>
+            </a:pPr>
+            <a:r>
+              <a:rPr lang="ko-KR" altLang="en-US" sz="900"/>
+              <a:t>by Robert C. Martin</a:t>
+            </a:r>
+          </a:p>
+        </p:txBody>
+      </p:sp>
+      <p:cxnSp>
+        <p:nvCxnSpPr>
+          <p:cNvPr id="19" name="직선 화살표 연결선 18">
+            <a:extLst>
+              <a:ext uri="{FF2B5EF4-FFF2-40B4-BE49-F238E27FC236}">
+                <a16:creationId xmlns:a16="http://schemas.microsoft.com/office/drawing/2014/main" id="{F653B4C7-ACF2-F41F-23F2-BCED261F8007}"/>
+              </a:ext>
+            </a:extLst>
+          </p:cNvPr>
+          <p:cNvCxnSpPr/>
+          <p:nvPr/>
+        </p:nvCxnSpPr>
+        <p:spPr>
+          <a:xfrm>
+            <a:off x="102109" y="3130855"/>
+            <a:ext cx="11793416" cy="0"/>
+          </a:xfrm>
+          <a:prstGeom prst="straightConnector1">
+            <a:avLst/>
+          </a:prstGeom>
+          <a:ln w="57150">
+            <a:solidFill>
+              <a:schemeClr val="tx1"/>
+            </a:solidFill>
+            <a:tailEnd type="triangle"/>
+          </a:ln>
+        </p:spPr>
+        <p:style>
+          <a:lnRef idx="1">
+            <a:schemeClr val="accent1"/>
+          </a:lnRef>
+          <a:fillRef idx="0">
+            <a:schemeClr val="accent1"/>
+          </a:fillRef>
+          <a:effectRef idx="0">
+            <a:schemeClr val="accent1"/>
+          </a:effectRef>
+          <a:fontRef idx="minor">
+            <a:schemeClr val="tx1"/>
+          </a:fontRef>
+        </p:style>
+      </p:cxnSp>
+      <p:grpSp>
+        <p:nvGrpSpPr>
+          <p:cNvPr id="20" name="그룹 19">
+            <a:extLst>
+              <a:ext uri="{FF2B5EF4-FFF2-40B4-BE49-F238E27FC236}">
+                <a16:creationId xmlns:a16="http://schemas.microsoft.com/office/drawing/2014/main" id="{BD626D93-F5ED-6F11-87D4-6DC79665E6B0}"/>
+              </a:ext>
+            </a:extLst>
+          </p:cNvPr>
+          <p:cNvGrpSpPr/>
+          <p:nvPr/>
+        </p:nvGrpSpPr>
+        <p:grpSpPr>
+          <a:xfrm>
+            <a:off x="893417" y="2999127"/>
+            <a:ext cx="601447" cy="745772"/>
+            <a:chOff x="946639" y="2937937"/>
+            <a:chExt cx="601447" cy="745772"/>
+          </a:xfrm>
+        </p:grpSpPr>
+        <p:sp>
+          <p:nvSpPr>
+            <p:cNvPr id="21" name="직사각형 20">
+              <a:extLst>
+                <a:ext uri="{FF2B5EF4-FFF2-40B4-BE49-F238E27FC236}">
+                  <a16:creationId xmlns:a16="http://schemas.microsoft.com/office/drawing/2014/main" id="{2A936A5C-E129-0547-4347-3F435EB6C212}"/>
+                </a:ext>
+              </a:extLst>
+            </p:cNvPr>
+            <p:cNvSpPr/>
+            <p:nvPr/>
+          </p:nvSpPr>
+          <p:spPr>
+            <a:xfrm>
+              <a:off x="946639" y="3375932"/>
+              <a:ext cx="601447" cy="307777"/>
+            </a:xfrm>
+            <a:prstGeom prst="rect">
+              <a:avLst/>
+            </a:prstGeom>
+          </p:spPr>
+          <p:txBody>
+            <a:bodyPr wrap="none">
+              <a:spAutoFit/>
+            </a:bodyPr>
+            <a:lstStyle/>
+            <a:p>
+              <a:r>
+                <a:rPr lang="ko-KR" altLang="en-US" sz="1400" b="1"/>
+                <a:t>1999</a:t>
+              </a:r>
+            </a:p>
+          </p:txBody>
+        </p:sp>
+        <p:cxnSp>
+          <p:nvCxnSpPr>
+            <p:cNvPr id="22" name="직선 연결선 21">
+              <a:extLst>
+                <a:ext uri="{FF2B5EF4-FFF2-40B4-BE49-F238E27FC236}">
+                  <a16:creationId xmlns:a16="http://schemas.microsoft.com/office/drawing/2014/main" id="{8ED99DFD-3CF6-2E3D-EECA-AD3EDA175717}"/>
+                </a:ext>
+              </a:extLst>
+            </p:cNvPr>
+            <p:cNvCxnSpPr/>
+            <p:nvPr/>
+          </p:nvCxnSpPr>
+          <p:spPr>
+            <a:xfrm>
+              <a:off x="1247362" y="2937937"/>
+              <a:ext cx="0" cy="457200"/>
+            </a:xfrm>
+            <a:prstGeom prst="line">
+              <a:avLst/>
+            </a:prstGeom>
+            <a:ln w="19050">
+              <a:solidFill>
+                <a:schemeClr val="tx1"/>
+              </a:solidFill>
+            </a:ln>
+          </p:spPr>
+          <p:style>
+            <a:lnRef idx="1">
+              <a:schemeClr val="accent1"/>
+            </a:lnRef>
+            <a:fillRef idx="0">
+              <a:schemeClr val="accent1"/>
+            </a:fillRef>
+            <a:effectRef idx="0">
+              <a:schemeClr val="accent1"/>
+            </a:effectRef>
+            <a:fontRef idx="minor">
+              <a:schemeClr val="tx1"/>
+            </a:fontRef>
+          </p:style>
+        </p:cxnSp>
+      </p:grpSp>
+      <p:grpSp>
+        <p:nvGrpSpPr>
+          <p:cNvPr id="23" name="그룹 22">
+            <a:extLst>
+              <a:ext uri="{FF2B5EF4-FFF2-40B4-BE49-F238E27FC236}">
+                <a16:creationId xmlns:a16="http://schemas.microsoft.com/office/drawing/2014/main" id="{6448BC09-9EC2-8834-7D3C-14D510360075}"/>
+              </a:ext>
+            </a:extLst>
+          </p:cNvPr>
+          <p:cNvGrpSpPr/>
+          <p:nvPr/>
+        </p:nvGrpSpPr>
+        <p:grpSpPr>
+          <a:xfrm>
+            <a:off x="3803973" y="2999127"/>
+            <a:ext cx="601447" cy="745772"/>
+            <a:chOff x="3857195" y="2937937"/>
+            <a:chExt cx="601447" cy="745772"/>
+          </a:xfrm>
+        </p:grpSpPr>
+        <p:sp>
+          <p:nvSpPr>
+            <p:cNvPr id="24" name="직사각형 23">
+              <a:extLst>
+                <a:ext uri="{FF2B5EF4-FFF2-40B4-BE49-F238E27FC236}">
+                  <a16:creationId xmlns:a16="http://schemas.microsoft.com/office/drawing/2014/main" id="{9F55BA78-8589-C33B-0BFF-218BA1131767}"/>
+                </a:ext>
+              </a:extLst>
+            </p:cNvPr>
+            <p:cNvSpPr/>
+            <p:nvPr/>
+          </p:nvSpPr>
+          <p:spPr>
+            <a:xfrm>
+              <a:off x="3857195" y="3375932"/>
+              <a:ext cx="601447" cy="307777"/>
+            </a:xfrm>
+            <a:prstGeom prst="rect">
+              <a:avLst/>
+            </a:prstGeom>
+          </p:spPr>
+          <p:txBody>
+            <a:bodyPr wrap="none">
+              <a:spAutoFit/>
+            </a:bodyPr>
+            <a:lstStyle/>
+            <a:p>
+              <a:r>
+                <a:rPr lang="ko-KR" altLang="en-US" sz="1400" b="1"/>
+                <a:t>2002</a:t>
+              </a:r>
+            </a:p>
+          </p:txBody>
+        </p:sp>
+        <p:cxnSp>
+          <p:nvCxnSpPr>
+            <p:cNvPr id="25" name="직선 연결선 24">
+              <a:extLst>
+                <a:ext uri="{FF2B5EF4-FFF2-40B4-BE49-F238E27FC236}">
+                  <a16:creationId xmlns:a16="http://schemas.microsoft.com/office/drawing/2014/main" id="{7F0CBB92-820A-7A02-C990-A226561A4FB9}"/>
+                </a:ext>
+              </a:extLst>
+            </p:cNvPr>
+            <p:cNvCxnSpPr/>
+            <p:nvPr/>
+          </p:nvCxnSpPr>
+          <p:spPr>
+            <a:xfrm>
+              <a:off x="4157918" y="2937937"/>
+              <a:ext cx="0" cy="457200"/>
+            </a:xfrm>
+            <a:prstGeom prst="line">
+              <a:avLst/>
+            </a:prstGeom>
+            <a:ln w="19050">
+              <a:solidFill>
+                <a:schemeClr val="tx1"/>
+              </a:solidFill>
+            </a:ln>
+          </p:spPr>
+          <p:style>
+            <a:lnRef idx="1">
+              <a:schemeClr val="accent1"/>
+            </a:lnRef>
+            <a:fillRef idx="0">
+              <a:schemeClr val="accent1"/>
+            </a:fillRef>
+            <a:effectRef idx="0">
+              <a:schemeClr val="accent1"/>
+            </a:effectRef>
+            <a:fontRef idx="minor">
+              <a:schemeClr val="tx1"/>
+            </a:fontRef>
+          </p:style>
+        </p:cxnSp>
+      </p:grpSp>
+      <p:grpSp>
+        <p:nvGrpSpPr>
+          <p:cNvPr id="26" name="그룹 25">
+            <a:extLst>
+              <a:ext uri="{FF2B5EF4-FFF2-40B4-BE49-F238E27FC236}">
+                <a16:creationId xmlns:a16="http://schemas.microsoft.com/office/drawing/2014/main" id="{22C69A84-8923-8037-8E46-03DABD375C9F}"/>
+              </a:ext>
+            </a:extLst>
+          </p:cNvPr>
+          <p:cNvGrpSpPr/>
+          <p:nvPr/>
+        </p:nvGrpSpPr>
+        <p:grpSpPr>
+          <a:xfrm>
+            <a:off x="6388609" y="2981224"/>
+            <a:ext cx="601447" cy="763675"/>
+            <a:chOff x="6600093" y="2920034"/>
+            <a:chExt cx="601447" cy="763675"/>
+          </a:xfrm>
+        </p:grpSpPr>
+        <p:sp>
+          <p:nvSpPr>
+            <p:cNvPr id="27" name="직사각형 26">
+              <a:extLst>
+                <a:ext uri="{FF2B5EF4-FFF2-40B4-BE49-F238E27FC236}">
+                  <a16:creationId xmlns:a16="http://schemas.microsoft.com/office/drawing/2014/main" id="{C620C845-5B8D-219A-4968-7C0EB591828A}"/>
+                </a:ext>
+              </a:extLst>
+            </p:cNvPr>
+            <p:cNvSpPr/>
+            <p:nvPr/>
+          </p:nvSpPr>
+          <p:spPr>
+            <a:xfrm>
+              <a:off x="6600093" y="3375932"/>
+              <a:ext cx="601447" cy="307777"/>
+            </a:xfrm>
+            <a:prstGeom prst="rect">
+              <a:avLst/>
+            </a:prstGeom>
+          </p:spPr>
+          <p:txBody>
+            <a:bodyPr wrap="none">
+              <a:spAutoFit/>
+            </a:bodyPr>
+            <a:lstStyle/>
+            <a:p>
+              <a:r>
+                <a:rPr lang="ko-KR" altLang="en-US" sz="1400" b="1"/>
+                <a:t>2005</a:t>
+              </a:r>
+            </a:p>
+          </p:txBody>
+        </p:sp>
+        <p:cxnSp>
+          <p:nvCxnSpPr>
+            <p:cNvPr id="28" name="직선 연결선 27">
+              <a:extLst>
+                <a:ext uri="{FF2B5EF4-FFF2-40B4-BE49-F238E27FC236}">
+                  <a16:creationId xmlns:a16="http://schemas.microsoft.com/office/drawing/2014/main" id="{7CDD474A-4D83-C3AC-0DD1-8E919669E4A7}"/>
+                </a:ext>
+              </a:extLst>
+            </p:cNvPr>
+            <p:cNvCxnSpPr/>
+            <p:nvPr/>
+          </p:nvCxnSpPr>
+          <p:spPr>
+            <a:xfrm>
+              <a:off x="6900816" y="2920034"/>
+              <a:ext cx="0" cy="457200"/>
+            </a:xfrm>
+            <a:prstGeom prst="line">
+              <a:avLst/>
+            </a:prstGeom>
+            <a:ln w="19050">
+              <a:solidFill>
+                <a:schemeClr val="tx1"/>
+              </a:solidFill>
+            </a:ln>
+          </p:spPr>
+          <p:style>
+            <a:lnRef idx="1">
+              <a:schemeClr val="accent1"/>
+            </a:lnRef>
+            <a:fillRef idx="0">
+              <a:schemeClr val="accent1"/>
+            </a:fillRef>
+            <a:effectRef idx="0">
+              <a:schemeClr val="accent1"/>
+            </a:effectRef>
+            <a:fontRef idx="minor">
+              <a:schemeClr val="tx1"/>
+            </a:fontRef>
+          </p:style>
+        </p:cxnSp>
+      </p:grpSp>
+      <p:grpSp>
+        <p:nvGrpSpPr>
+          <p:cNvPr id="29" name="그룹 28">
+            <a:extLst>
+              <a:ext uri="{FF2B5EF4-FFF2-40B4-BE49-F238E27FC236}">
+                <a16:creationId xmlns:a16="http://schemas.microsoft.com/office/drawing/2014/main" id="{9E51C5B4-A5C4-2D2A-C27B-A049C4E5C728}"/>
+              </a:ext>
+            </a:extLst>
+          </p:cNvPr>
+          <p:cNvGrpSpPr/>
+          <p:nvPr/>
+        </p:nvGrpSpPr>
+        <p:grpSpPr>
+          <a:xfrm>
+            <a:off x="9434174" y="2999127"/>
+            <a:ext cx="601447" cy="745772"/>
+            <a:chOff x="9487396" y="2937937"/>
+            <a:chExt cx="601447" cy="745772"/>
+          </a:xfrm>
+        </p:grpSpPr>
+        <p:sp>
+          <p:nvSpPr>
+            <p:cNvPr id="30" name="직사각형 29">
+              <a:extLst>
+                <a:ext uri="{FF2B5EF4-FFF2-40B4-BE49-F238E27FC236}">
+                  <a16:creationId xmlns:a16="http://schemas.microsoft.com/office/drawing/2014/main" id="{B7B03657-4871-B36B-B1E6-9914126489FD}"/>
+                </a:ext>
+              </a:extLst>
+            </p:cNvPr>
+            <p:cNvSpPr/>
+            <p:nvPr/>
+          </p:nvSpPr>
+          <p:spPr>
+            <a:xfrm>
+              <a:off x="9487396" y="3375932"/>
+              <a:ext cx="601447" cy="307777"/>
+            </a:xfrm>
+            <a:prstGeom prst="rect">
+              <a:avLst/>
+            </a:prstGeom>
+          </p:spPr>
+          <p:txBody>
+            <a:bodyPr wrap="none">
+              <a:spAutoFit/>
+            </a:bodyPr>
+            <a:lstStyle/>
+            <a:p>
+              <a:r>
+                <a:rPr lang="ko-KR" altLang="en-US" sz="1400" b="1">
+                  <a:solidFill>
+                    <a:srgbClr val="0070C0"/>
+                  </a:solidFill>
+                </a:rPr>
+                <a:t>2009</a:t>
+              </a:r>
+            </a:p>
+          </p:txBody>
+        </p:sp>
+        <p:cxnSp>
+          <p:nvCxnSpPr>
+            <p:cNvPr id="31" name="직선 연결선 30">
+              <a:extLst>
+                <a:ext uri="{FF2B5EF4-FFF2-40B4-BE49-F238E27FC236}">
+                  <a16:creationId xmlns:a16="http://schemas.microsoft.com/office/drawing/2014/main" id="{3E8A7E45-29AC-1FFC-89C7-DBFD70718787}"/>
+                </a:ext>
+              </a:extLst>
+            </p:cNvPr>
+            <p:cNvCxnSpPr/>
+            <p:nvPr/>
+          </p:nvCxnSpPr>
+          <p:spPr>
+            <a:xfrm>
+              <a:off x="9788119" y="2937937"/>
+              <a:ext cx="0" cy="457200"/>
+            </a:xfrm>
+            <a:prstGeom prst="line">
+              <a:avLst/>
+            </a:prstGeom>
+            <a:ln w="19050">
+              <a:solidFill>
+                <a:srgbClr val="0070C0"/>
+              </a:solidFill>
+            </a:ln>
+          </p:spPr>
+          <p:style>
+            <a:lnRef idx="1">
+              <a:schemeClr val="accent1"/>
+            </a:lnRef>
+            <a:fillRef idx="0">
+              <a:schemeClr val="accent1"/>
+            </a:fillRef>
+            <a:effectRef idx="0">
+              <a:schemeClr val="accent1"/>
+            </a:effectRef>
+            <a:fontRef idx="minor">
+              <a:schemeClr val="tx1"/>
+            </a:fontRef>
+          </p:style>
+        </p:cxnSp>
+      </p:grpSp>
+      <p:grpSp>
+        <p:nvGrpSpPr>
+          <p:cNvPr id="32" name="그룹 31">
+            <a:extLst>
+              <a:ext uri="{FF2B5EF4-FFF2-40B4-BE49-F238E27FC236}">
+                <a16:creationId xmlns:a16="http://schemas.microsoft.com/office/drawing/2014/main" id="{5C3A84D9-7786-B7C3-44FD-1AD390641282}"/>
+              </a:ext>
+            </a:extLst>
+          </p:cNvPr>
+          <p:cNvGrpSpPr/>
+          <p:nvPr/>
+        </p:nvGrpSpPr>
+        <p:grpSpPr>
+          <a:xfrm>
+            <a:off x="102109" y="2516812"/>
+            <a:ext cx="601447" cy="754724"/>
+            <a:chOff x="155331" y="2455622"/>
+            <a:chExt cx="601447" cy="754724"/>
+          </a:xfrm>
+        </p:grpSpPr>
+        <p:sp>
+          <p:nvSpPr>
+            <p:cNvPr id="33" name="직사각형 32">
+              <a:extLst>
+                <a:ext uri="{FF2B5EF4-FFF2-40B4-BE49-F238E27FC236}">
+                  <a16:creationId xmlns:a16="http://schemas.microsoft.com/office/drawing/2014/main" id="{53B8E1BC-8380-C398-2DB0-41541E4B584D}"/>
+                </a:ext>
+              </a:extLst>
+            </p:cNvPr>
+            <p:cNvSpPr/>
+            <p:nvPr/>
+          </p:nvSpPr>
+          <p:spPr>
+            <a:xfrm>
+              <a:off x="155331" y="2455622"/>
+              <a:ext cx="601447" cy="307777"/>
+            </a:xfrm>
+            <a:prstGeom prst="rect">
+              <a:avLst/>
+            </a:prstGeom>
+          </p:spPr>
+          <p:txBody>
+            <a:bodyPr wrap="none">
+              <a:spAutoFit/>
+            </a:bodyPr>
+            <a:lstStyle/>
+            <a:p>
+              <a:r>
+                <a:rPr lang="ko-KR" altLang="en-US" sz="1400" b="1"/>
+                <a:t>1992</a:t>
+              </a:r>
+            </a:p>
+          </p:txBody>
+        </p:sp>
+        <p:cxnSp>
+          <p:nvCxnSpPr>
+            <p:cNvPr id="34" name="직선 연결선 33">
+              <a:extLst>
+                <a:ext uri="{FF2B5EF4-FFF2-40B4-BE49-F238E27FC236}">
+                  <a16:creationId xmlns:a16="http://schemas.microsoft.com/office/drawing/2014/main" id="{F61EC135-6731-A09A-3F5A-D5B6A24CD625}"/>
+                </a:ext>
+              </a:extLst>
+            </p:cNvPr>
+            <p:cNvCxnSpPr/>
+            <p:nvPr/>
+          </p:nvCxnSpPr>
+          <p:spPr>
+            <a:xfrm>
+              <a:off x="456054" y="2753146"/>
+              <a:ext cx="0" cy="457200"/>
+            </a:xfrm>
+            <a:prstGeom prst="line">
+              <a:avLst/>
+            </a:prstGeom>
+            <a:ln w="19050">
+              <a:solidFill>
+                <a:schemeClr val="tx1"/>
+              </a:solidFill>
+            </a:ln>
+          </p:spPr>
+          <p:style>
+            <a:lnRef idx="1">
+              <a:schemeClr val="accent1"/>
+            </a:lnRef>
+            <a:fillRef idx="0">
+              <a:schemeClr val="accent1"/>
+            </a:fillRef>
+            <a:effectRef idx="0">
+              <a:schemeClr val="accent1"/>
+            </a:effectRef>
+            <a:fontRef idx="minor">
+              <a:schemeClr val="tx1"/>
+            </a:fontRef>
+          </p:style>
+        </p:cxnSp>
+      </p:grpSp>
+      <p:grpSp>
+        <p:nvGrpSpPr>
+          <p:cNvPr id="35" name="그룹 34">
+            <a:extLst>
+              <a:ext uri="{FF2B5EF4-FFF2-40B4-BE49-F238E27FC236}">
+                <a16:creationId xmlns:a16="http://schemas.microsoft.com/office/drawing/2014/main" id="{438FDDB6-0602-9E96-141B-1AE90000A873}"/>
+              </a:ext>
+            </a:extLst>
+          </p:cNvPr>
+          <p:cNvGrpSpPr/>
+          <p:nvPr/>
+        </p:nvGrpSpPr>
+        <p:grpSpPr>
+          <a:xfrm>
+            <a:off x="3006735" y="2516812"/>
+            <a:ext cx="601447" cy="754724"/>
+            <a:chOff x="3191842" y="2455622"/>
+            <a:chExt cx="601447" cy="754724"/>
+          </a:xfrm>
+        </p:grpSpPr>
+        <p:sp>
+          <p:nvSpPr>
+            <p:cNvPr id="36" name="직사각형 35">
+              <a:extLst>
+                <a:ext uri="{FF2B5EF4-FFF2-40B4-BE49-F238E27FC236}">
+                  <a16:creationId xmlns:a16="http://schemas.microsoft.com/office/drawing/2014/main" id="{EA0F8413-B4C1-35CB-AFCE-8F80894E9D1A}"/>
+                </a:ext>
+              </a:extLst>
+            </p:cNvPr>
+            <p:cNvSpPr/>
+            <p:nvPr/>
+          </p:nvSpPr>
+          <p:spPr>
+            <a:xfrm>
+              <a:off x="3191842" y="2455622"/>
+              <a:ext cx="601447" cy="307777"/>
+            </a:xfrm>
+            <a:prstGeom prst="rect">
+              <a:avLst/>
+            </a:prstGeom>
+          </p:spPr>
+          <p:txBody>
+            <a:bodyPr wrap="none">
+              <a:spAutoFit/>
+            </a:bodyPr>
+            <a:lstStyle/>
+            <a:p>
+              <a:r>
+                <a:rPr lang="ko-KR" altLang="en-US" sz="1400" b="1"/>
+                <a:t>2001</a:t>
+              </a:r>
+            </a:p>
+          </p:txBody>
+        </p:sp>
+        <p:cxnSp>
+          <p:nvCxnSpPr>
+            <p:cNvPr id="37" name="직선 연결선 36">
+              <a:extLst>
+                <a:ext uri="{FF2B5EF4-FFF2-40B4-BE49-F238E27FC236}">
+                  <a16:creationId xmlns:a16="http://schemas.microsoft.com/office/drawing/2014/main" id="{99712234-7961-6B7E-4F96-EF06BBF483B7}"/>
+                </a:ext>
+              </a:extLst>
+            </p:cNvPr>
+            <p:cNvCxnSpPr/>
+            <p:nvPr/>
+          </p:nvCxnSpPr>
+          <p:spPr>
+            <a:xfrm>
+              <a:off x="3492565" y="2753146"/>
+              <a:ext cx="0" cy="457200"/>
+            </a:xfrm>
+            <a:prstGeom prst="line">
+              <a:avLst/>
+            </a:prstGeom>
+            <a:ln w="19050">
+              <a:solidFill>
+                <a:schemeClr val="tx1"/>
+              </a:solidFill>
+            </a:ln>
+          </p:spPr>
+          <p:style>
+            <a:lnRef idx="1">
+              <a:schemeClr val="accent1"/>
+            </a:lnRef>
+            <a:fillRef idx="0">
+              <a:schemeClr val="accent1"/>
+            </a:fillRef>
+            <a:effectRef idx="0">
+              <a:schemeClr val="accent1"/>
+            </a:effectRef>
+            <a:fontRef idx="minor">
+              <a:schemeClr val="tx1"/>
+            </a:fontRef>
+          </p:style>
+        </p:cxnSp>
+      </p:grpSp>
+      <p:grpSp>
+        <p:nvGrpSpPr>
+          <p:cNvPr id="38" name="그룹 37">
+            <a:extLst>
+              <a:ext uri="{FF2B5EF4-FFF2-40B4-BE49-F238E27FC236}">
+                <a16:creationId xmlns:a16="http://schemas.microsoft.com/office/drawing/2014/main" id="{DC144E5E-A04D-0597-B6D6-D8E94FF7BD09}"/>
+              </a:ext>
+            </a:extLst>
+          </p:cNvPr>
+          <p:cNvGrpSpPr/>
+          <p:nvPr/>
+        </p:nvGrpSpPr>
+        <p:grpSpPr>
+          <a:xfrm>
+            <a:off x="5031965" y="2516812"/>
+            <a:ext cx="601447" cy="754724"/>
+            <a:chOff x="5085187" y="2455622"/>
+            <a:chExt cx="601447" cy="754724"/>
+          </a:xfrm>
+        </p:grpSpPr>
+        <p:sp>
+          <p:nvSpPr>
+            <p:cNvPr id="39" name="직사각형 38">
+              <a:extLst>
+                <a:ext uri="{FF2B5EF4-FFF2-40B4-BE49-F238E27FC236}">
+                  <a16:creationId xmlns:a16="http://schemas.microsoft.com/office/drawing/2014/main" id="{448D38A9-1011-26FD-EB7C-27066EA69F3A}"/>
+                </a:ext>
+              </a:extLst>
+            </p:cNvPr>
+            <p:cNvSpPr/>
+            <p:nvPr/>
+          </p:nvSpPr>
+          <p:spPr>
+            <a:xfrm>
+              <a:off x="5085187" y="2455622"/>
+              <a:ext cx="601447" cy="307777"/>
+            </a:xfrm>
+            <a:prstGeom prst="rect">
+              <a:avLst/>
+            </a:prstGeom>
+          </p:spPr>
+          <p:txBody>
+            <a:bodyPr wrap="none">
+              <a:spAutoFit/>
+            </a:bodyPr>
+            <a:lstStyle/>
+            <a:p>
+              <a:r>
+                <a:rPr lang="ko-KR" altLang="en-US" sz="1400" b="1">
+                  <a:solidFill>
+                    <a:srgbClr val="0070C0"/>
+                  </a:solidFill>
+                </a:rPr>
+                <a:t>2003</a:t>
+              </a:r>
+            </a:p>
+          </p:txBody>
+        </p:sp>
+        <p:cxnSp>
+          <p:nvCxnSpPr>
+            <p:cNvPr id="40" name="직선 연결선 39">
+              <a:extLst>
+                <a:ext uri="{FF2B5EF4-FFF2-40B4-BE49-F238E27FC236}">
+                  <a16:creationId xmlns:a16="http://schemas.microsoft.com/office/drawing/2014/main" id="{A78158DD-CE49-BE27-F828-00AF8A88153C}"/>
+                </a:ext>
+              </a:extLst>
+            </p:cNvPr>
+            <p:cNvCxnSpPr/>
+            <p:nvPr/>
+          </p:nvCxnSpPr>
+          <p:spPr>
+            <a:xfrm>
+              <a:off x="5385910" y="2753146"/>
+              <a:ext cx="0" cy="457200"/>
+            </a:xfrm>
+            <a:prstGeom prst="line">
+              <a:avLst/>
+            </a:prstGeom>
+            <a:ln w="19050">
+              <a:solidFill>
+                <a:srgbClr val="0070C0"/>
+              </a:solidFill>
+            </a:ln>
+          </p:spPr>
+          <p:style>
+            <a:lnRef idx="1">
+              <a:schemeClr val="accent1"/>
+            </a:lnRef>
+            <a:fillRef idx="0">
+              <a:schemeClr val="accent1"/>
+            </a:fillRef>
+            <a:effectRef idx="0">
+              <a:schemeClr val="accent1"/>
+            </a:effectRef>
+            <a:fontRef idx="minor">
+              <a:schemeClr val="tx1"/>
+            </a:fontRef>
+          </p:style>
+        </p:cxnSp>
+      </p:grpSp>
+      <p:grpSp>
+        <p:nvGrpSpPr>
+          <p:cNvPr id="41" name="그룹 40">
+            <a:extLst>
+              <a:ext uri="{FF2B5EF4-FFF2-40B4-BE49-F238E27FC236}">
+                <a16:creationId xmlns:a16="http://schemas.microsoft.com/office/drawing/2014/main" id="{9CC9B961-21AC-C75E-26E4-653BC80CF409}"/>
+              </a:ext>
+            </a:extLst>
+          </p:cNvPr>
+          <p:cNvGrpSpPr/>
+          <p:nvPr/>
+        </p:nvGrpSpPr>
+        <p:grpSpPr>
+          <a:xfrm>
+            <a:off x="8076733" y="2516812"/>
+            <a:ext cx="601447" cy="754724"/>
+            <a:chOff x="8129955" y="2455622"/>
+            <a:chExt cx="601447" cy="754724"/>
+          </a:xfrm>
+        </p:grpSpPr>
+        <p:sp>
+          <p:nvSpPr>
+            <p:cNvPr id="42" name="직사각형 41">
+              <a:extLst>
+                <a:ext uri="{FF2B5EF4-FFF2-40B4-BE49-F238E27FC236}">
+                  <a16:creationId xmlns:a16="http://schemas.microsoft.com/office/drawing/2014/main" id="{F04E28C6-18DF-C3E4-2883-F72DAA3A3AF6}"/>
+                </a:ext>
+              </a:extLst>
+            </p:cNvPr>
+            <p:cNvSpPr/>
+            <p:nvPr/>
+          </p:nvSpPr>
+          <p:spPr>
+            <a:xfrm>
+              <a:off x="8129955" y="2455622"/>
+              <a:ext cx="601447" cy="307777"/>
+            </a:xfrm>
+            <a:prstGeom prst="rect">
+              <a:avLst/>
+            </a:prstGeom>
+          </p:spPr>
+          <p:txBody>
+            <a:bodyPr wrap="none">
+              <a:spAutoFit/>
+            </a:bodyPr>
+            <a:lstStyle/>
+            <a:p>
+              <a:r>
+                <a:rPr lang="ko-KR" altLang="en-US" sz="1400" b="1"/>
+                <a:t>2008</a:t>
+              </a:r>
+            </a:p>
+          </p:txBody>
+        </p:sp>
+        <p:cxnSp>
+          <p:nvCxnSpPr>
+            <p:cNvPr id="43" name="직선 연결선 42">
+              <a:extLst>
+                <a:ext uri="{FF2B5EF4-FFF2-40B4-BE49-F238E27FC236}">
+                  <a16:creationId xmlns:a16="http://schemas.microsoft.com/office/drawing/2014/main" id="{EFE3A582-7533-B65E-0CA8-B71D3737D514}"/>
+                </a:ext>
+              </a:extLst>
+            </p:cNvPr>
+            <p:cNvCxnSpPr/>
+            <p:nvPr/>
+          </p:nvCxnSpPr>
+          <p:spPr>
+            <a:xfrm>
+              <a:off x="8430678" y="2753146"/>
+              <a:ext cx="0" cy="457200"/>
+            </a:xfrm>
+            <a:prstGeom prst="line">
+              <a:avLst/>
+            </a:prstGeom>
+            <a:ln w="19050">
+              <a:solidFill>
+                <a:schemeClr val="tx1"/>
+              </a:solidFill>
+            </a:ln>
+          </p:spPr>
+          <p:style>
+            <a:lnRef idx="1">
+              <a:schemeClr val="accent1"/>
+            </a:lnRef>
+            <a:fillRef idx="0">
+              <a:schemeClr val="accent1"/>
+            </a:fillRef>
+            <a:effectRef idx="0">
+              <a:schemeClr val="accent1"/>
+            </a:effectRef>
+            <a:fontRef idx="minor">
+              <a:schemeClr val="tx1"/>
+            </a:fontRef>
+          </p:style>
+        </p:cxnSp>
+      </p:grpSp>
+      <p:grpSp>
+        <p:nvGrpSpPr>
+          <p:cNvPr id="44" name="그룹 43">
+            <a:extLst>
+              <a:ext uri="{FF2B5EF4-FFF2-40B4-BE49-F238E27FC236}">
+                <a16:creationId xmlns:a16="http://schemas.microsoft.com/office/drawing/2014/main" id="{28F7ED91-B94F-52F7-C38C-42D2DF6E48C2}"/>
+              </a:ext>
+            </a:extLst>
+          </p:cNvPr>
+          <p:cNvGrpSpPr/>
+          <p:nvPr/>
+        </p:nvGrpSpPr>
+        <p:grpSpPr>
+          <a:xfrm>
+            <a:off x="10462531" y="2516812"/>
+            <a:ext cx="601447" cy="754724"/>
+            <a:chOff x="10515753" y="2455622"/>
+            <a:chExt cx="601447" cy="754724"/>
+          </a:xfrm>
+        </p:grpSpPr>
+        <p:sp>
+          <p:nvSpPr>
+            <p:cNvPr id="45" name="직사각형 44">
+              <a:extLst>
+                <a:ext uri="{FF2B5EF4-FFF2-40B4-BE49-F238E27FC236}">
+                  <a16:creationId xmlns:a16="http://schemas.microsoft.com/office/drawing/2014/main" id="{E649DFA3-03BA-C990-6B92-C7E84CF00A67}"/>
+                </a:ext>
+              </a:extLst>
+            </p:cNvPr>
+            <p:cNvSpPr/>
+            <p:nvPr/>
+          </p:nvSpPr>
+          <p:spPr>
+            <a:xfrm>
+              <a:off x="10515753" y="2455622"/>
+              <a:ext cx="601447" cy="307777"/>
+            </a:xfrm>
+            <a:prstGeom prst="rect">
+              <a:avLst/>
+            </a:prstGeom>
+          </p:spPr>
+          <p:txBody>
+            <a:bodyPr wrap="none">
+              <a:spAutoFit/>
+            </a:bodyPr>
+            <a:lstStyle/>
+            <a:p>
+              <a:r>
+                <a:rPr lang="ko-KR" altLang="en-US" sz="1400" b="1"/>
+                <a:t>2012</a:t>
+              </a:r>
+            </a:p>
+          </p:txBody>
+        </p:sp>
+        <p:cxnSp>
+          <p:nvCxnSpPr>
+            <p:cNvPr id="46" name="직선 연결선 45">
+              <a:extLst>
+                <a:ext uri="{FF2B5EF4-FFF2-40B4-BE49-F238E27FC236}">
+                  <a16:creationId xmlns:a16="http://schemas.microsoft.com/office/drawing/2014/main" id="{248776FA-D272-2852-9F4F-38002AA2DD53}"/>
+                </a:ext>
+              </a:extLst>
+            </p:cNvPr>
+            <p:cNvCxnSpPr/>
+            <p:nvPr/>
+          </p:nvCxnSpPr>
+          <p:spPr>
+            <a:xfrm>
+              <a:off x="10816476" y="2753146"/>
+              <a:ext cx="0" cy="457200"/>
+            </a:xfrm>
+            <a:prstGeom prst="line">
+              <a:avLst/>
+            </a:prstGeom>
+            <a:ln w="19050">
+              <a:solidFill>
+                <a:schemeClr val="tx1"/>
+              </a:solidFill>
+            </a:ln>
+          </p:spPr>
+          <p:style>
+            <a:lnRef idx="1">
+              <a:schemeClr val="accent1"/>
+            </a:lnRef>
+            <a:fillRef idx="0">
+              <a:schemeClr val="accent1"/>
+            </a:fillRef>
+            <a:effectRef idx="0">
+              <a:schemeClr val="accent1"/>
+            </a:effectRef>
+            <a:fontRef idx="minor">
+              <a:schemeClr val="tx1"/>
+            </a:fontRef>
+          </p:style>
+        </p:cxnSp>
+      </p:grpSp>
+      <p:sp>
+        <p:nvSpPr>
+          <p:cNvPr id="47" name="TextBox 46">
+            <a:extLst>
+              <a:ext uri="{FF2B5EF4-FFF2-40B4-BE49-F238E27FC236}">
+                <a16:creationId xmlns:a16="http://schemas.microsoft.com/office/drawing/2014/main" id="{A3339488-085D-4438-B71B-2E6966A9117D}"/>
+              </a:ext>
+            </a:extLst>
+          </p:cNvPr>
+          <p:cNvSpPr txBox="1"/>
+          <p:nvPr/>
+        </p:nvSpPr>
+        <p:spPr>
+          <a:xfrm>
+            <a:off x="8119031" y="1573380"/>
+            <a:ext cx="1189749" cy="369332"/>
+          </a:xfrm>
+          <a:prstGeom prst="rect">
+            <a:avLst/>
+          </a:prstGeom>
+          <a:noFill/>
+        </p:spPr>
+        <p:txBody>
+          <a:bodyPr wrap="none" rtlCol="0">
+            <a:spAutoFit/>
+          </a:bodyPr>
+          <a:lstStyle/>
+          <a:p>
+            <a:r>
+              <a:rPr lang="ko-KR" altLang="en-US" b="1">
+                <a:solidFill>
+                  <a:srgbClr val="FFC000"/>
+                </a:solidFill>
+              </a:rPr>
+              <a:t>설계 패턴</a:t>
+            </a:r>
+          </a:p>
+        </p:txBody>
+      </p:sp>
+      <p:sp>
+        <p:nvSpPr>
+          <p:cNvPr id="48" name="TextBox 47">
+            <a:extLst>
+              <a:ext uri="{FF2B5EF4-FFF2-40B4-BE49-F238E27FC236}">
+                <a16:creationId xmlns:a16="http://schemas.microsoft.com/office/drawing/2014/main" id="{A431F961-973B-4B64-7381-248BB9A5E6AA}"/>
+              </a:ext>
+            </a:extLst>
+          </p:cNvPr>
+          <p:cNvSpPr txBox="1"/>
+          <p:nvPr/>
+        </p:nvSpPr>
+        <p:spPr>
+          <a:xfrm>
+            <a:off x="5195947" y="1573380"/>
+            <a:ext cx="1189749" cy="369332"/>
+          </a:xfrm>
+          <a:prstGeom prst="rect">
+            <a:avLst/>
+          </a:prstGeom>
+          <a:noFill/>
+        </p:spPr>
+        <p:txBody>
+          <a:bodyPr wrap="none" rtlCol="0">
+            <a:spAutoFit/>
+          </a:bodyPr>
+          <a:lstStyle/>
+          <a:p>
+            <a:r>
+              <a:rPr lang="ko-KR" altLang="en-US" b="1">
+                <a:solidFill>
+                  <a:srgbClr val="0070C0"/>
+                </a:solidFill>
+              </a:rPr>
+              <a:t>설계 기술</a:t>
+            </a:r>
+          </a:p>
+        </p:txBody>
+      </p:sp>
+      <p:sp>
+        <p:nvSpPr>
+          <p:cNvPr id="49" name="TextBox 48">
+            <a:extLst>
+              <a:ext uri="{FF2B5EF4-FFF2-40B4-BE49-F238E27FC236}">
+                <a16:creationId xmlns:a16="http://schemas.microsoft.com/office/drawing/2014/main" id="{3037C36C-1ABB-1DDC-05AE-E2F3BFD549AE}"/>
+              </a:ext>
+            </a:extLst>
+          </p:cNvPr>
+          <p:cNvSpPr txBox="1"/>
+          <p:nvPr/>
+        </p:nvSpPr>
+        <p:spPr>
+          <a:xfrm>
+            <a:off x="10017095" y="4387354"/>
+            <a:ext cx="1391728" cy="369332"/>
+          </a:xfrm>
+          <a:prstGeom prst="rect">
+            <a:avLst/>
+          </a:prstGeom>
+          <a:noFill/>
+        </p:spPr>
+        <p:txBody>
+          <a:bodyPr wrap="none" rtlCol="0">
+            <a:spAutoFit/>
+          </a:bodyPr>
+          <a:lstStyle/>
+          <a:p>
+            <a:r>
+              <a:rPr lang="ko-KR" altLang="en-US" b="1" dirty="0">
+                <a:solidFill>
+                  <a:srgbClr val="00B050"/>
+                </a:solidFill>
+              </a:rPr>
+              <a:t>설계 테스트</a:t>
+            </a:r>
+          </a:p>
+        </p:txBody>
+      </p:sp>
+      <p:sp>
+        <p:nvSpPr>
+          <p:cNvPr id="50" name="TextBox 49">
+            <a:extLst>
+              <a:ext uri="{FF2B5EF4-FFF2-40B4-BE49-F238E27FC236}">
+                <a16:creationId xmlns:a16="http://schemas.microsoft.com/office/drawing/2014/main" id="{C18DD5DA-56DD-289D-2D8A-F34ADD73C615}"/>
+              </a:ext>
+            </a:extLst>
+          </p:cNvPr>
+          <p:cNvSpPr txBox="1"/>
+          <p:nvPr/>
+        </p:nvSpPr>
+        <p:spPr>
+          <a:xfrm>
+            <a:off x="1176304" y="667087"/>
+            <a:ext cx="1766829" cy="669414"/>
+          </a:xfrm>
+          <a:prstGeom prst="rect">
+            <a:avLst/>
+          </a:prstGeom>
+          <a:noFill/>
+        </p:spPr>
+        <p:txBody>
+          <a:bodyPr wrap="none" rtlCol="0">
+            <a:spAutoFit/>
+          </a:bodyPr>
+          <a:lstStyle/>
+          <a:p>
+            <a:pPr algn="ctr">
+              <a:lnSpc>
+                <a:spcPct val="150000"/>
+              </a:lnSpc>
+            </a:pPr>
+            <a:r>
+              <a:rPr lang="ko-KR" altLang="en-US" sz="1400" b="1" dirty="0">
+                <a:solidFill>
+                  <a:srgbClr val="C00000"/>
+                </a:solidFill>
+              </a:rPr>
+              <a:t>관심사의 분리</a:t>
+            </a:r>
+            <a:endParaRPr lang="en-US" altLang="ko-KR" sz="1400" b="1" dirty="0">
+              <a:solidFill>
+                <a:srgbClr val="C00000"/>
+              </a:solidFill>
+            </a:endParaRPr>
+          </a:p>
+          <a:p>
+            <a:pPr algn="ctr">
+              <a:lnSpc>
+                <a:spcPct val="150000"/>
+              </a:lnSpc>
+            </a:pPr>
+            <a:r>
+              <a:rPr lang="en-US" altLang="ko-KR" sz="1100" b="1" dirty="0">
+                <a:solidFill>
+                  <a:srgbClr val="C00000"/>
+                </a:solidFill>
+              </a:rPr>
+              <a:t>Separation of Concerns</a:t>
+            </a:r>
+            <a:endParaRPr lang="ko-KR" altLang="en-US" sz="1100" b="1" dirty="0">
+              <a:solidFill>
+                <a:srgbClr val="C00000"/>
+              </a:solidFill>
+            </a:endParaRPr>
+          </a:p>
+        </p:txBody>
+      </p:sp>
+      <p:pic>
+        <p:nvPicPr>
+          <p:cNvPr id="51" name="Picture 4" descr="Clean Coder Blog">
+            <a:extLst>
+              <a:ext uri="{FF2B5EF4-FFF2-40B4-BE49-F238E27FC236}">
+                <a16:creationId xmlns:a16="http://schemas.microsoft.com/office/drawing/2014/main" id="{E72C3703-868B-FDD7-9AFC-C933C0F08FB3}"/>
+              </a:ext>
+            </a:extLst>
+          </p:cNvPr>
+          <p:cNvPicPr>
+            <a:picLocks noChangeAspect="1" noChangeArrowheads="1"/>
+          </p:cNvPicPr>
+          <p:nvPr/>
+        </p:nvPicPr>
+        <p:blipFill>
+          <a:blip r:embed="rId2" cstate="print">
+            <a:extLst>
+              <a:ext uri="{28A0092B-C50C-407E-A947-70E740481C1C}">
+                <a14:useLocalDpi xmlns:a14="http://schemas.microsoft.com/office/drawing/2010/main" val="0"/>
+              </a:ext>
+            </a:extLst>
+          </a:blip>
+          <a:srcRect/>
+          <a:stretch>
+            <a:fillRect/>
+          </a:stretch>
+        </p:blipFill>
+        <p:spPr bwMode="auto">
+          <a:xfrm>
+            <a:off x="10127891" y="458652"/>
+            <a:ext cx="1979029" cy="1453510"/>
+          </a:xfrm>
+          <a:prstGeom prst="rect">
+            <a:avLst/>
+          </a:prstGeom>
+          <a:noFill/>
+          <a:extLst>
+            <a:ext uri="{909E8E84-426E-40DD-AFC4-6F175D3DCCD1}">
+              <a14:hiddenFill xmlns:a14="http://schemas.microsoft.com/office/drawing/2010/main">
+                <a:solidFill>
+                  <a:srgbClr val="FFFFFF"/>
+                </a:solidFill>
+              </a14:hiddenFill>
+            </a:ext>
+          </a:extLst>
+        </p:spPr>
+      </p:pic>
+      <p:pic>
+        <p:nvPicPr>
+          <p:cNvPr id="52" name="Picture 6" descr="https://semaphoreci.com/wp-content/uploads/2022/03/pyramid-progression.jpg">
+            <a:extLst>
+              <a:ext uri="{FF2B5EF4-FFF2-40B4-BE49-F238E27FC236}">
+                <a16:creationId xmlns:a16="http://schemas.microsoft.com/office/drawing/2014/main" id="{4B98FB0D-F354-4B34-F4BF-631FF7709D50}"/>
+              </a:ext>
+            </a:extLst>
+          </p:cNvPr>
+          <p:cNvPicPr>
+            <a:picLocks noChangeAspect="1" noChangeArrowheads="1"/>
+          </p:cNvPicPr>
+          <p:nvPr/>
+        </p:nvPicPr>
+        <p:blipFill>
+          <a:blip r:embed="rId3" cstate="print">
+            <a:extLst>
+              <a:ext uri="{28A0092B-C50C-407E-A947-70E740481C1C}">
+                <a14:useLocalDpi xmlns:a14="http://schemas.microsoft.com/office/drawing/2010/main" val="0"/>
+              </a:ext>
+            </a:extLst>
+          </a:blip>
+          <a:srcRect/>
+          <a:stretch>
+            <a:fillRect/>
+          </a:stretch>
+        </p:blipFill>
+        <p:spPr bwMode="auto">
+          <a:xfrm>
+            <a:off x="9090778" y="4816530"/>
+            <a:ext cx="2999114" cy="1581232"/>
+          </a:xfrm>
+          <a:prstGeom prst="rect">
+            <a:avLst/>
+          </a:prstGeom>
+          <a:noFill/>
+          <a:extLst>
+            <a:ext uri="{909E8E84-426E-40DD-AFC4-6F175D3DCCD1}">
+              <a14:hiddenFill xmlns:a14="http://schemas.microsoft.com/office/drawing/2010/main">
+                <a:solidFill>
+                  <a:srgbClr val="FFFFFF"/>
+                </a:solidFill>
+              </a14:hiddenFill>
+            </a:ext>
+          </a:extLst>
+        </p:spPr>
+      </p:pic>
+      <p:pic>
+        <p:nvPicPr>
+          <p:cNvPr id="53" name="Picture 4" descr="https://tech.osci.kr/wp-content/uploads/2023/03/hexagonal-architecture.png">
+            <a:extLst>
+              <a:ext uri="{FF2B5EF4-FFF2-40B4-BE49-F238E27FC236}">
+                <a16:creationId xmlns:a16="http://schemas.microsoft.com/office/drawing/2014/main" id="{B12EADA3-52E0-E8BF-7A3F-11EAB62EACA5}"/>
+              </a:ext>
+            </a:extLst>
+          </p:cNvPr>
+          <p:cNvPicPr>
+            <a:picLocks noChangeAspect="1" noChangeArrowheads="1"/>
+          </p:cNvPicPr>
+          <p:nvPr/>
+        </p:nvPicPr>
+        <p:blipFill>
+          <a:blip r:embed="rId4" cstate="print">
+            <a:extLst>
+              <a:ext uri="{28A0092B-C50C-407E-A947-70E740481C1C}">
+                <a14:useLocalDpi xmlns:a14="http://schemas.microsoft.com/office/drawing/2010/main" val="0"/>
+              </a:ext>
+            </a:extLst>
+          </a:blip>
+          <a:srcRect/>
+          <a:stretch>
+            <a:fillRect/>
+          </a:stretch>
+        </p:blipFill>
+        <p:spPr bwMode="auto">
+          <a:xfrm>
+            <a:off x="6432432" y="4498477"/>
+            <a:ext cx="2603102" cy="1279768"/>
+          </a:xfrm>
+          <a:prstGeom prst="rect">
+            <a:avLst/>
+          </a:prstGeom>
+          <a:noFill/>
+          <a:extLst>
+            <a:ext uri="{909E8E84-426E-40DD-AFC4-6F175D3DCCD1}">
+              <a14:hiddenFill xmlns:a14="http://schemas.microsoft.com/office/drawing/2010/main">
+                <a:solidFill>
+                  <a:srgbClr val="FFFFFF"/>
+                </a:solidFill>
+              </a14:hiddenFill>
+            </a:ext>
+          </a:extLst>
+        </p:spPr>
+      </p:pic>
+    </p:spTree>
+    <p:extLst>
+      <p:ext uri="{BB962C8B-B14F-4D97-AF65-F5344CB8AC3E}">
+        <p14:creationId xmlns:p14="http://schemas.microsoft.com/office/powerpoint/2010/main" val="199906866"/>
+      </p:ext>
+    </p:extLst>
+  </p:cSld>
+  <p:clrMapOvr>
+    <a:masterClrMapping/>
+  </p:clrMapOvr>
+</p:sld>
+</file>
+
+<file path=ppt/slides/slide4.xml><?xml version="1.0" encoding="utf-8"?>
+<p:sld xmlns:a="http://schemas.openxmlformats.org/drawingml/2006/main" xmlns:r="http://schemas.openxmlformats.org/officeDocument/2006/relationships" xmlns:p="http://schemas.openxmlformats.org/presentationml/2006/main">
+  <p:cSld>
+    <p:spTree>
+      <p:nvGrpSpPr>
+        <p:cNvPr id="1" name=""/>
+        <p:cNvGrpSpPr/>
+        <p:nvPr/>
+      </p:nvGrpSpPr>
+      <p:grpSpPr>
+        <a:xfrm>
+          <a:off x="0" y="0"/>
+          <a:ext cx="0" cy="0"/>
+          <a:chOff x="0" y="0"/>
+          <a:chExt cx="0" cy="0"/>
+        </a:xfrm>
+      </p:grpSpPr>
+      <p:sp>
+        <p:nvSpPr>
           <p:cNvPr id="37" name="직사각형 36">
             <a:extLst>
               <a:ext uri="{FF2B5EF4-FFF2-40B4-BE49-F238E27FC236}">
@@ -7164,7 +9420,7 @@
 </p:sld>
 </file>
 
-<file path=ppt/slides/slide4.xml><?xml version="1.0" encoding="utf-8"?>
+<file path=ppt/slides/slide5.xml><?xml version="1.0" encoding="utf-8"?>
 <p:sld xmlns:a="http://schemas.openxmlformats.org/drawingml/2006/main" xmlns:r="http://schemas.openxmlformats.org/officeDocument/2006/relationships" xmlns:p="http://schemas.openxmlformats.org/presentationml/2006/main">
   <p:cSld>
     <p:spTree>
@@ -8346,7 +10602,7 @@
 </p:sld>
 </file>
 
-<file path=ppt/slides/slide5.xml><?xml version="1.0" encoding="utf-8"?>
+<file path=ppt/slides/slide6.xml><?xml version="1.0" encoding="utf-8"?>
 <p:sld xmlns:a="http://schemas.openxmlformats.org/drawingml/2006/main" xmlns:r="http://schemas.openxmlformats.org/officeDocument/2006/relationships" xmlns:p="http://schemas.openxmlformats.org/presentationml/2006/main">
   <p:cSld>
     <p:spTree>
@@ -8943,6 +11199,1087 @@
     <p:extLst>
       <p:ext uri="{BB962C8B-B14F-4D97-AF65-F5344CB8AC3E}">
         <p14:creationId xmlns:p14="http://schemas.microsoft.com/office/powerpoint/2010/main" val="257761083"/>
+      </p:ext>
+    </p:extLst>
+  </p:cSld>
+  <p:clrMapOvr>
+    <a:masterClrMapping/>
+  </p:clrMapOvr>
+</p:sld>
+</file>
+
+<file path=ppt/slides/slide7.xml><?xml version="1.0" encoding="utf-8"?>
+<p:sld xmlns:a="http://schemas.openxmlformats.org/drawingml/2006/main" xmlns:r="http://schemas.openxmlformats.org/officeDocument/2006/relationships" xmlns:p="http://schemas.openxmlformats.org/presentationml/2006/main">
+  <p:cSld>
+    <p:spTree>
+      <p:nvGrpSpPr>
+        <p:cNvPr id="1" name=""/>
+        <p:cNvGrpSpPr/>
+        <p:nvPr/>
+      </p:nvGrpSpPr>
+      <p:grpSpPr>
+        <a:xfrm>
+          <a:off x="0" y="0"/>
+          <a:ext cx="0" cy="0"/>
+          <a:chOff x="0" y="0"/>
+          <a:chExt cx="0" cy="0"/>
+        </a:xfrm>
+      </p:grpSpPr>
+      <p:pic>
+        <p:nvPicPr>
+          <p:cNvPr id="4" name="그림 3">
+            <a:extLst>
+              <a:ext uri="{FF2B5EF4-FFF2-40B4-BE49-F238E27FC236}">
+                <a16:creationId xmlns:a16="http://schemas.microsoft.com/office/drawing/2014/main" id="{A212E66C-B56D-0E2C-35B4-A20AEA89F27C}"/>
+              </a:ext>
+            </a:extLst>
+          </p:cNvPr>
+          <p:cNvPicPr>
+            <a:picLocks noChangeAspect="1"/>
+          </p:cNvPicPr>
+          <p:nvPr/>
+        </p:nvPicPr>
+        <p:blipFill>
+          <a:blip r:embed="rId2"/>
+          <a:stretch>
+            <a:fillRect/>
+          </a:stretch>
+        </p:blipFill>
+        <p:spPr>
+          <a:xfrm>
+            <a:off x="2128837" y="649109"/>
+            <a:ext cx="7934325" cy="5124450"/>
+          </a:xfrm>
+          <a:prstGeom prst="rect">
+            <a:avLst/>
+          </a:prstGeom>
+        </p:spPr>
+      </p:pic>
+      <p:cxnSp>
+        <p:nvCxnSpPr>
+          <p:cNvPr id="5" name="직선 연결선 4">
+            <a:extLst>
+              <a:ext uri="{FF2B5EF4-FFF2-40B4-BE49-F238E27FC236}">
+                <a16:creationId xmlns:a16="http://schemas.microsoft.com/office/drawing/2014/main" id="{FD7AA8D2-76BE-3743-F892-06FCAA1EEF56}"/>
+              </a:ext>
+            </a:extLst>
+          </p:cNvPr>
+          <p:cNvCxnSpPr>
+            <a:cxnSpLocks/>
+          </p:cNvCxnSpPr>
+          <p:nvPr/>
+        </p:nvCxnSpPr>
+        <p:spPr>
+          <a:xfrm>
+            <a:off x="3847672" y="5530725"/>
+            <a:ext cx="714054" cy="0"/>
+          </a:xfrm>
+          <a:prstGeom prst="line">
+            <a:avLst/>
+          </a:prstGeom>
+          <a:ln w="38100">
+            <a:solidFill>
+              <a:srgbClr val="C00000"/>
+            </a:solidFill>
+          </a:ln>
+        </p:spPr>
+        <p:style>
+          <a:lnRef idx="1">
+            <a:schemeClr val="accent1"/>
+          </a:lnRef>
+          <a:fillRef idx="0">
+            <a:schemeClr val="accent1"/>
+          </a:fillRef>
+          <a:effectRef idx="0">
+            <a:schemeClr val="accent1"/>
+          </a:effectRef>
+          <a:fontRef idx="minor">
+            <a:schemeClr val="tx1"/>
+          </a:fontRef>
+        </p:style>
+      </p:cxnSp>
+      <p:cxnSp>
+        <p:nvCxnSpPr>
+          <p:cNvPr id="6" name="직선 연결선 5">
+            <a:extLst>
+              <a:ext uri="{FF2B5EF4-FFF2-40B4-BE49-F238E27FC236}">
+                <a16:creationId xmlns:a16="http://schemas.microsoft.com/office/drawing/2014/main" id="{B0648BC0-FD71-FA01-4BD3-54BC1CF350C6}"/>
+              </a:ext>
+            </a:extLst>
+          </p:cNvPr>
+          <p:cNvCxnSpPr>
+            <a:cxnSpLocks/>
+          </p:cNvCxnSpPr>
+          <p:nvPr/>
+        </p:nvCxnSpPr>
+        <p:spPr>
+          <a:xfrm>
+            <a:off x="4626796" y="5530725"/>
+            <a:ext cx="890426" cy="0"/>
+          </a:xfrm>
+          <a:prstGeom prst="line">
+            <a:avLst/>
+          </a:prstGeom>
+          <a:ln w="38100">
+            <a:solidFill>
+              <a:srgbClr val="C00000"/>
+            </a:solidFill>
+          </a:ln>
+        </p:spPr>
+        <p:style>
+          <a:lnRef idx="1">
+            <a:schemeClr val="accent1"/>
+          </a:lnRef>
+          <a:fillRef idx="0">
+            <a:schemeClr val="accent1"/>
+          </a:fillRef>
+          <a:effectRef idx="0">
+            <a:schemeClr val="accent1"/>
+          </a:effectRef>
+          <a:fontRef idx="minor">
+            <a:schemeClr val="tx1"/>
+          </a:fontRef>
+        </p:style>
+      </p:cxnSp>
+      <p:cxnSp>
+        <p:nvCxnSpPr>
+          <p:cNvPr id="7" name="직선 연결선 6">
+            <a:extLst>
+              <a:ext uri="{FF2B5EF4-FFF2-40B4-BE49-F238E27FC236}">
+                <a16:creationId xmlns:a16="http://schemas.microsoft.com/office/drawing/2014/main" id="{9B9D8538-B8F4-95B1-7728-E0C03386B1A0}"/>
+              </a:ext>
+            </a:extLst>
+          </p:cNvPr>
+          <p:cNvCxnSpPr>
+            <a:cxnSpLocks/>
+          </p:cNvCxnSpPr>
+          <p:nvPr/>
+        </p:nvCxnSpPr>
+        <p:spPr>
+          <a:xfrm>
+            <a:off x="5560032" y="5530725"/>
+            <a:ext cx="1729483" cy="0"/>
+          </a:xfrm>
+          <a:prstGeom prst="line">
+            <a:avLst/>
+          </a:prstGeom>
+          <a:ln w="38100">
+            <a:solidFill>
+              <a:srgbClr val="C00000"/>
+            </a:solidFill>
+          </a:ln>
+        </p:spPr>
+        <p:style>
+          <a:lnRef idx="1">
+            <a:schemeClr val="accent1"/>
+          </a:lnRef>
+          <a:fillRef idx="0">
+            <a:schemeClr val="accent1"/>
+          </a:fillRef>
+          <a:effectRef idx="0">
+            <a:schemeClr val="accent1"/>
+          </a:effectRef>
+          <a:fontRef idx="minor">
+            <a:schemeClr val="tx1"/>
+          </a:fontRef>
+        </p:style>
+      </p:cxnSp>
+      <p:sp>
+        <p:nvSpPr>
+          <p:cNvPr id="8" name="TextBox 14">
+            <a:extLst>
+              <a:ext uri="{FF2B5EF4-FFF2-40B4-BE49-F238E27FC236}">
+                <a16:creationId xmlns:a16="http://schemas.microsoft.com/office/drawing/2014/main" id="{2869E163-2FD5-FDD2-256D-8A5E8FE0A4CE}"/>
+              </a:ext>
+            </a:extLst>
+          </p:cNvPr>
+          <p:cNvSpPr txBox="1"/>
+          <p:nvPr/>
+        </p:nvSpPr>
+        <p:spPr>
+          <a:xfrm>
+            <a:off x="3847672" y="5683824"/>
+            <a:ext cx="3441843" cy="525067"/>
+          </a:xfrm>
+          <a:prstGeom prst="rect">
+            <a:avLst/>
+          </a:prstGeom>
+          <a:solidFill>
+            <a:schemeClr val="accent2">
+              <a:lumMod val="20000"/>
+              <a:lumOff val="80000"/>
+            </a:schemeClr>
+          </a:solidFill>
+        </p:spPr>
+        <p:txBody>
+          <a:bodyPr wrap="none" rtlCol="0" anchor="ctr" anchorCtr="0">
+            <a:noAutofit/>
+          </a:bodyPr>
+          <a:lstStyle>
+            <a:defPPr>
+              <a:defRPr lang="en-US"/>
+            </a:defPPr>
+            <a:lvl1pPr marL="0" algn="l" defTabSz="914400" rtl="0" eaLnBrk="1" latinLnBrk="0" hangingPunct="1">
+              <a:defRPr sz="1800" kern="1200">
+                <a:solidFill>
+                  <a:schemeClr val="tx1"/>
+                </a:solidFill>
+                <a:latin typeface="+mn-lt"/>
+                <a:ea typeface="+mn-ea"/>
+                <a:cs typeface="+mn-cs"/>
+              </a:defRPr>
+            </a:lvl1pPr>
+            <a:lvl2pPr marL="457200" algn="l" defTabSz="914400" rtl="0" eaLnBrk="1" latinLnBrk="0" hangingPunct="1">
+              <a:defRPr sz="1800" kern="1200">
+                <a:solidFill>
+                  <a:schemeClr val="tx1"/>
+                </a:solidFill>
+                <a:latin typeface="+mn-lt"/>
+                <a:ea typeface="+mn-ea"/>
+                <a:cs typeface="+mn-cs"/>
+              </a:defRPr>
+            </a:lvl2pPr>
+            <a:lvl3pPr marL="914400" algn="l" defTabSz="914400" rtl="0" eaLnBrk="1" latinLnBrk="0" hangingPunct="1">
+              <a:defRPr sz="1800" kern="1200">
+                <a:solidFill>
+                  <a:schemeClr val="tx1"/>
+                </a:solidFill>
+                <a:latin typeface="+mn-lt"/>
+                <a:ea typeface="+mn-ea"/>
+                <a:cs typeface="+mn-cs"/>
+              </a:defRPr>
+            </a:lvl3pPr>
+            <a:lvl4pPr marL="1371600" algn="l" defTabSz="914400" rtl="0" eaLnBrk="1" latinLnBrk="0" hangingPunct="1">
+              <a:defRPr sz="1800" kern="1200">
+                <a:solidFill>
+                  <a:schemeClr val="tx1"/>
+                </a:solidFill>
+                <a:latin typeface="+mn-lt"/>
+                <a:ea typeface="+mn-ea"/>
+                <a:cs typeface="+mn-cs"/>
+              </a:defRPr>
+            </a:lvl4pPr>
+            <a:lvl5pPr marL="1828800" algn="l" defTabSz="914400" rtl="0" eaLnBrk="1" latinLnBrk="0" hangingPunct="1">
+              <a:defRPr sz="1800" kern="1200">
+                <a:solidFill>
+                  <a:schemeClr val="tx1"/>
+                </a:solidFill>
+                <a:latin typeface="+mn-lt"/>
+                <a:ea typeface="+mn-ea"/>
+                <a:cs typeface="+mn-cs"/>
+              </a:defRPr>
+            </a:lvl5pPr>
+            <a:lvl6pPr marL="2286000" algn="l" defTabSz="914400" rtl="0" eaLnBrk="1" latinLnBrk="0" hangingPunct="1">
+              <a:defRPr sz="1800" kern="1200">
+                <a:solidFill>
+                  <a:schemeClr val="tx1"/>
+                </a:solidFill>
+                <a:latin typeface="+mn-lt"/>
+                <a:ea typeface="+mn-ea"/>
+                <a:cs typeface="+mn-cs"/>
+              </a:defRPr>
+            </a:lvl6pPr>
+            <a:lvl7pPr marL="2743200" algn="l" defTabSz="914400" rtl="0" eaLnBrk="1" latinLnBrk="0" hangingPunct="1">
+              <a:defRPr sz="1800" kern="1200">
+                <a:solidFill>
+                  <a:schemeClr val="tx1"/>
+                </a:solidFill>
+                <a:latin typeface="+mn-lt"/>
+                <a:ea typeface="+mn-ea"/>
+                <a:cs typeface="+mn-cs"/>
+              </a:defRPr>
+            </a:lvl7pPr>
+            <a:lvl8pPr marL="3200400" algn="l" defTabSz="914400" rtl="0" eaLnBrk="1" latinLnBrk="0" hangingPunct="1">
+              <a:defRPr sz="1800" kern="1200">
+                <a:solidFill>
+                  <a:schemeClr val="tx1"/>
+                </a:solidFill>
+                <a:latin typeface="+mn-lt"/>
+                <a:ea typeface="+mn-ea"/>
+                <a:cs typeface="+mn-cs"/>
+              </a:defRPr>
+            </a:lvl8pPr>
+            <a:lvl9pPr marL="3657600" algn="l" defTabSz="914400" rtl="0" eaLnBrk="1" latinLnBrk="0" hangingPunct="1">
+              <a:defRPr sz="1800" kern="1200">
+                <a:solidFill>
+                  <a:schemeClr val="tx1"/>
+                </a:solidFill>
+                <a:latin typeface="+mn-lt"/>
+                <a:ea typeface="+mn-ea"/>
+                <a:cs typeface="+mn-cs"/>
+              </a:defRPr>
+            </a:lvl9pPr>
+          </a:lstStyle>
+          <a:p>
+            <a:pPr algn="ctr"/>
+            <a:r>
+              <a:rPr lang="en-GB" b="1" dirty="0">
+                <a:solidFill>
+                  <a:srgbClr val="F92672"/>
+                </a:solidFill>
+                <a:effectLst/>
+                <a:latin typeface="Cambria" panose="02040503050406030204" pitchFamily="18" charset="0"/>
+                <a:ea typeface="Cambria" panose="02040503050406030204" pitchFamily="18" charset="0"/>
+              </a:rPr>
+              <a:t>runs-on</a:t>
+            </a:r>
+            <a:r>
+              <a:rPr lang="en-GB" b="1" dirty="0">
+                <a:solidFill>
+                  <a:srgbClr val="F8F8F2"/>
+                </a:solidFill>
+                <a:effectLst/>
+                <a:latin typeface="Cambria" panose="02040503050406030204" pitchFamily="18" charset="0"/>
+                <a:ea typeface="Cambria" panose="02040503050406030204" pitchFamily="18" charset="0"/>
+              </a:rPr>
+              <a:t>: </a:t>
+            </a:r>
+            <a:r>
+              <a:rPr lang="en-GB" b="1" dirty="0">
+                <a:solidFill>
+                  <a:srgbClr val="00B050"/>
+                </a:solidFill>
+                <a:effectLst/>
+                <a:latin typeface="Cambria" panose="02040503050406030204" pitchFamily="18" charset="0"/>
+                <a:ea typeface="Cambria" panose="02040503050406030204" pitchFamily="18" charset="0"/>
+              </a:rPr>
+              <a:t>${{ </a:t>
+            </a:r>
+            <a:r>
+              <a:rPr lang="en-GB" b="1" dirty="0" err="1">
+                <a:solidFill>
+                  <a:srgbClr val="00B050"/>
+                </a:solidFill>
+                <a:effectLst/>
+                <a:latin typeface="Cambria" panose="02040503050406030204" pitchFamily="18" charset="0"/>
+                <a:ea typeface="Cambria" panose="02040503050406030204" pitchFamily="18" charset="0"/>
+              </a:rPr>
+              <a:t>matrix.os</a:t>
+            </a:r>
+            <a:r>
+              <a:rPr lang="en-GB" b="1" dirty="0">
+                <a:solidFill>
+                  <a:srgbClr val="00B050"/>
+                </a:solidFill>
+                <a:effectLst/>
+                <a:latin typeface="Cambria" panose="02040503050406030204" pitchFamily="18" charset="0"/>
+                <a:ea typeface="Cambria" panose="02040503050406030204" pitchFamily="18" charset="0"/>
+              </a:rPr>
+              <a:t> }}</a:t>
+            </a:r>
+          </a:p>
+        </p:txBody>
+      </p:sp>
+      <p:cxnSp>
+        <p:nvCxnSpPr>
+          <p:cNvPr id="9" name="직선 화살표 연결선 8">
+            <a:extLst>
+              <a:ext uri="{FF2B5EF4-FFF2-40B4-BE49-F238E27FC236}">
+                <a16:creationId xmlns:a16="http://schemas.microsoft.com/office/drawing/2014/main" id="{26552FC7-50FD-F1BA-CAB0-C33B1B959C5F}"/>
+              </a:ext>
+            </a:extLst>
+          </p:cNvPr>
+          <p:cNvCxnSpPr>
+            <a:cxnSpLocks/>
+          </p:cNvCxnSpPr>
+          <p:nvPr/>
+        </p:nvCxnSpPr>
+        <p:spPr>
+          <a:xfrm flipV="1">
+            <a:off x="2786385" y="5530725"/>
+            <a:ext cx="480797" cy="322583"/>
+          </a:xfrm>
+          <a:prstGeom prst="straightConnector1">
+            <a:avLst/>
+          </a:prstGeom>
+          <a:ln>
+            <a:solidFill>
+              <a:srgbClr val="C00000"/>
+            </a:solidFill>
+            <a:tailEnd type="triangle"/>
+          </a:ln>
+        </p:spPr>
+        <p:style>
+          <a:lnRef idx="1">
+            <a:schemeClr val="accent1"/>
+          </a:lnRef>
+          <a:fillRef idx="0">
+            <a:schemeClr val="accent1"/>
+          </a:fillRef>
+          <a:effectRef idx="0">
+            <a:schemeClr val="accent1"/>
+          </a:effectRef>
+          <a:fontRef idx="minor">
+            <a:schemeClr val="tx1"/>
+          </a:fontRef>
+        </p:style>
+      </p:cxnSp>
+      <p:sp>
+        <p:nvSpPr>
+          <p:cNvPr id="10" name="TextBox 17">
+            <a:extLst>
+              <a:ext uri="{FF2B5EF4-FFF2-40B4-BE49-F238E27FC236}">
+                <a16:creationId xmlns:a16="http://schemas.microsoft.com/office/drawing/2014/main" id="{39F596D7-9B4B-22AC-EE90-200D501754E7}"/>
+              </a:ext>
+            </a:extLst>
+          </p:cNvPr>
+          <p:cNvSpPr txBox="1"/>
+          <p:nvPr/>
+        </p:nvSpPr>
+        <p:spPr>
+          <a:xfrm>
+            <a:off x="2224355" y="5806559"/>
+            <a:ext cx="716863" cy="369332"/>
+          </a:xfrm>
+          <a:prstGeom prst="rect">
+            <a:avLst/>
+          </a:prstGeom>
+          <a:noFill/>
+        </p:spPr>
+        <p:txBody>
+          <a:bodyPr wrap="none" rtlCol="0">
+            <a:spAutoFit/>
+          </a:bodyPr>
+          <a:lstStyle>
+            <a:defPPr>
+              <a:defRPr lang="en-US"/>
+            </a:defPPr>
+            <a:lvl1pPr marL="0" algn="l" defTabSz="914400" rtl="0" eaLnBrk="1" latinLnBrk="0" hangingPunct="1">
+              <a:defRPr sz="1800" kern="1200">
+                <a:solidFill>
+                  <a:schemeClr val="tx1"/>
+                </a:solidFill>
+                <a:latin typeface="+mn-lt"/>
+                <a:ea typeface="+mn-ea"/>
+                <a:cs typeface="+mn-cs"/>
+              </a:defRPr>
+            </a:lvl1pPr>
+            <a:lvl2pPr marL="457200" algn="l" defTabSz="914400" rtl="0" eaLnBrk="1" latinLnBrk="0" hangingPunct="1">
+              <a:defRPr sz="1800" kern="1200">
+                <a:solidFill>
+                  <a:schemeClr val="tx1"/>
+                </a:solidFill>
+                <a:latin typeface="+mn-lt"/>
+                <a:ea typeface="+mn-ea"/>
+                <a:cs typeface="+mn-cs"/>
+              </a:defRPr>
+            </a:lvl2pPr>
+            <a:lvl3pPr marL="914400" algn="l" defTabSz="914400" rtl="0" eaLnBrk="1" latinLnBrk="0" hangingPunct="1">
+              <a:defRPr sz="1800" kern="1200">
+                <a:solidFill>
+                  <a:schemeClr val="tx1"/>
+                </a:solidFill>
+                <a:latin typeface="+mn-lt"/>
+                <a:ea typeface="+mn-ea"/>
+                <a:cs typeface="+mn-cs"/>
+              </a:defRPr>
+            </a:lvl3pPr>
+            <a:lvl4pPr marL="1371600" algn="l" defTabSz="914400" rtl="0" eaLnBrk="1" latinLnBrk="0" hangingPunct="1">
+              <a:defRPr sz="1800" kern="1200">
+                <a:solidFill>
+                  <a:schemeClr val="tx1"/>
+                </a:solidFill>
+                <a:latin typeface="+mn-lt"/>
+                <a:ea typeface="+mn-ea"/>
+                <a:cs typeface="+mn-cs"/>
+              </a:defRPr>
+            </a:lvl4pPr>
+            <a:lvl5pPr marL="1828800" algn="l" defTabSz="914400" rtl="0" eaLnBrk="1" latinLnBrk="0" hangingPunct="1">
+              <a:defRPr sz="1800" kern="1200">
+                <a:solidFill>
+                  <a:schemeClr val="tx1"/>
+                </a:solidFill>
+                <a:latin typeface="+mn-lt"/>
+                <a:ea typeface="+mn-ea"/>
+                <a:cs typeface="+mn-cs"/>
+              </a:defRPr>
+            </a:lvl5pPr>
+            <a:lvl6pPr marL="2286000" algn="l" defTabSz="914400" rtl="0" eaLnBrk="1" latinLnBrk="0" hangingPunct="1">
+              <a:defRPr sz="1800" kern="1200">
+                <a:solidFill>
+                  <a:schemeClr val="tx1"/>
+                </a:solidFill>
+                <a:latin typeface="+mn-lt"/>
+                <a:ea typeface="+mn-ea"/>
+                <a:cs typeface="+mn-cs"/>
+              </a:defRPr>
+            </a:lvl6pPr>
+            <a:lvl7pPr marL="2743200" algn="l" defTabSz="914400" rtl="0" eaLnBrk="1" latinLnBrk="0" hangingPunct="1">
+              <a:defRPr sz="1800" kern="1200">
+                <a:solidFill>
+                  <a:schemeClr val="tx1"/>
+                </a:solidFill>
+                <a:latin typeface="+mn-lt"/>
+                <a:ea typeface="+mn-ea"/>
+                <a:cs typeface="+mn-cs"/>
+              </a:defRPr>
+            </a:lvl7pPr>
+            <a:lvl8pPr marL="3200400" algn="l" defTabSz="914400" rtl="0" eaLnBrk="1" latinLnBrk="0" hangingPunct="1">
+              <a:defRPr sz="1800" kern="1200">
+                <a:solidFill>
+                  <a:schemeClr val="tx1"/>
+                </a:solidFill>
+                <a:latin typeface="+mn-lt"/>
+                <a:ea typeface="+mn-ea"/>
+                <a:cs typeface="+mn-cs"/>
+              </a:defRPr>
+            </a:lvl8pPr>
+            <a:lvl9pPr marL="3657600" algn="l" defTabSz="914400" rtl="0" eaLnBrk="1" latinLnBrk="0" hangingPunct="1">
+              <a:defRPr sz="1800" kern="1200">
+                <a:solidFill>
+                  <a:schemeClr val="tx1"/>
+                </a:solidFill>
+                <a:latin typeface="+mn-lt"/>
+                <a:ea typeface="+mn-ea"/>
+                <a:cs typeface="+mn-cs"/>
+              </a:defRPr>
+            </a:lvl9pPr>
+          </a:lstStyle>
+          <a:p>
+            <a:r>
+              <a:rPr lang="en-GB" dirty="0">
+                <a:solidFill>
+                  <a:srgbClr val="C00000"/>
+                </a:solidFill>
+              </a:rPr>
+              <a:t>name</a:t>
+            </a:r>
+          </a:p>
+        </p:txBody>
+      </p:sp>
+      <p:sp>
+        <p:nvSpPr>
+          <p:cNvPr id="11" name="타원 10">
+            <a:extLst>
+              <a:ext uri="{FF2B5EF4-FFF2-40B4-BE49-F238E27FC236}">
+                <a16:creationId xmlns:a16="http://schemas.microsoft.com/office/drawing/2014/main" id="{94860BFF-5EA9-A696-6AFC-7AE1978E2D52}"/>
+              </a:ext>
+            </a:extLst>
+          </p:cNvPr>
+          <p:cNvSpPr/>
+          <p:nvPr/>
+        </p:nvSpPr>
+        <p:spPr>
+          <a:xfrm>
+            <a:off x="2593061" y="4348839"/>
+            <a:ext cx="751178" cy="714411"/>
+          </a:xfrm>
+          <a:prstGeom prst="ellipse">
+            <a:avLst/>
+          </a:prstGeom>
+          <a:noFill/>
+          <a:ln>
+            <a:solidFill>
+              <a:srgbClr val="C00000"/>
+            </a:solidFill>
+            <a:prstDash val="dash"/>
+          </a:ln>
+        </p:spPr>
+        <p:style>
+          <a:lnRef idx="2">
+            <a:schemeClr val="accent1">
+              <a:shade val="15000"/>
+            </a:schemeClr>
+          </a:lnRef>
+          <a:fillRef idx="1">
+            <a:schemeClr val="accent1"/>
+          </a:fillRef>
+          <a:effectRef idx="0">
+            <a:schemeClr val="accent1"/>
+          </a:effectRef>
+          <a:fontRef idx="minor">
+            <a:schemeClr val="lt1"/>
+          </a:fontRef>
+        </p:style>
+        <p:txBody>
+          <a:bodyPr rtlCol="0" anchor="ctr"/>
+          <a:lstStyle>
+            <a:defPPr>
+              <a:defRPr lang="en-US"/>
+            </a:defPPr>
+            <a:lvl1pPr marL="0" algn="l" defTabSz="914400" rtl="0" eaLnBrk="1" latinLnBrk="0" hangingPunct="1">
+              <a:defRPr sz="1800" kern="1200">
+                <a:solidFill>
+                  <a:schemeClr val="lt1"/>
+                </a:solidFill>
+                <a:latin typeface="+mn-lt"/>
+                <a:ea typeface="+mn-ea"/>
+                <a:cs typeface="+mn-cs"/>
+              </a:defRPr>
+            </a:lvl1pPr>
+            <a:lvl2pPr marL="457200" algn="l" defTabSz="914400" rtl="0" eaLnBrk="1" latinLnBrk="0" hangingPunct="1">
+              <a:defRPr sz="1800" kern="1200">
+                <a:solidFill>
+                  <a:schemeClr val="lt1"/>
+                </a:solidFill>
+                <a:latin typeface="+mn-lt"/>
+                <a:ea typeface="+mn-ea"/>
+                <a:cs typeface="+mn-cs"/>
+              </a:defRPr>
+            </a:lvl2pPr>
+            <a:lvl3pPr marL="914400" algn="l" defTabSz="914400" rtl="0" eaLnBrk="1" latinLnBrk="0" hangingPunct="1">
+              <a:defRPr sz="1800" kern="1200">
+                <a:solidFill>
+                  <a:schemeClr val="lt1"/>
+                </a:solidFill>
+                <a:latin typeface="+mn-lt"/>
+                <a:ea typeface="+mn-ea"/>
+                <a:cs typeface="+mn-cs"/>
+              </a:defRPr>
+            </a:lvl3pPr>
+            <a:lvl4pPr marL="1371600" algn="l" defTabSz="914400" rtl="0" eaLnBrk="1" latinLnBrk="0" hangingPunct="1">
+              <a:defRPr sz="1800" kern="1200">
+                <a:solidFill>
+                  <a:schemeClr val="lt1"/>
+                </a:solidFill>
+                <a:latin typeface="+mn-lt"/>
+                <a:ea typeface="+mn-ea"/>
+                <a:cs typeface="+mn-cs"/>
+              </a:defRPr>
+            </a:lvl4pPr>
+            <a:lvl5pPr marL="1828800" algn="l" defTabSz="914400" rtl="0" eaLnBrk="1" latinLnBrk="0" hangingPunct="1">
+              <a:defRPr sz="1800" kern="1200">
+                <a:solidFill>
+                  <a:schemeClr val="lt1"/>
+                </a:solidFill>
+                <a:latin typeface="+mn-lt"/>
+                <a:ea typeface="+mn-ea"/>
+                <a:cs typeface="+mn-cs"/>
+              </a:defRPr>
+            </a:lvl5pPr>
+            <a:lvl6pPr marL="2286000" algn="l" defTabSz="914400" rtl="0" eaLnBrk="1" latinLnBrk="0" hangingPunct="1">
+              <a:defRPr sz="1800" kern="1200">
+                <a:solidFill>
+                  <a:schemeClr val="lt1"/>
+                </a:solidFill>
+                <a:latin typeface="+mn-lt"/>
+                <a:ea typeface="+mn-ea"/>
+                <a:cs typeface="+mn-cs"/>
+              </a:defRPr>
+            </a:lvl6pPr>
+            <a:lvl7pPr marL="2743200" algn="l" defTabSz="914400" rtl="0" eaLnBrk="1" latinLnBrk="0" hangingPunct="1">
+              <a:defRPr sz="1800" kern="1200">
+                <a:solidFill>
+                  <a:schemeClr val="lt1"/>
+                </a:solidFill>
+                <a:latin typeface="+mn-lt"/>
+                <a:ea typeface="+mn-ea"/>
+                <a:cs typeface="+mn-cs"/>
+              </a:defRPr>
+            </a:lvl7pPr>
+            <a:lvl8pPr marL="3200400" algn="l" defTabSz="914400" rtl="0" eaLnBrk="1" latinLnBrk="0" hangingPunct="1">
+              <a:defRPr sz="1800" kern="1200">
+                <a:solidFill>
+                  <a:schemeClr val="lt1"/>
+                </a:solidFill>
+                <a:latin typeface="+mn-lt"/>
+                <a:ea typeface="+mn-ea"/>
+                <a:cs typeface="+mn-cs"/>
+              </a:defRPr>
+            </a:lvl8pPr>
+            <a:lvl9pPr marL="3657600" algn="l" defTabSz="914400" rtl="0" eaLnBrk="1" latinLnBrk="0" hangingPunct="1">
+              <a:defRPr sz="1800" kern="1200">
+                <a:solidFill>
+                  <a:schemeClr val="lt1"/>
+                </a:solidFill>
+                <a:latin typeface="+mn-lt"/>
+                <a:ea typeface="+mn-ea"/>
+                <a:cs typeface="+mn-cs"/>
+              </a:defRPr>
+            </a:lvl9pPr>
+          </a:lstStyle>
+          <a:p>
+            <a:pPr algn="ctr"/>
+            <a:endParaRPr lang="en-GB">
+              <a:ln>
+                <a:solidFill>
+                  <a:schemeClr val="tx1"/>
+                </a:solidFill>
+                <a:prstDash val="lgDash"/>
+              </a:ln>
+            </a:endParaRPr>
+          </a:p>
+        </p:txBody>
+      </p:sp>
+      <p:sp>
+        <p:nvSpPr>
+          <p:cNvPr id="12" name="직사각형 11">
+            <a:extLst>
+              <a:ext uri="{FF2B5EF4-FFF2-40B4-BE49-F238E27FC236}">
+                <a16:creationId xmlns:a16="http://schemas.microsoft.com/office/drawing/2014/main" id="{8FB5578C-46A9-02D8-E009-9DA5AB9D6B23}"/>
+              </a:ext>
+            </a:extLst>
+          </p:cNvPr>
+          <p:cNvSpPr/>
+          <p:nvPr/>
+        </p:nvSpPr>
+        <p:spPr>
+          <a:xfrm>
+            <a:off x="5306603" y="5065158"/>
+            <a:ext cx="313361" cy="297951"/>
+          </a:xfrm>
+          <a:prstGeom prst="rect">
+            <a:avLst/>
+          </a:prstGeom>
+          <a:noFill/>
+          <a:ln>
+            <a:noFill/>
+          </a:ln>
+        </p:spPr>
+        <p:style>
+          <a:lnRef idx="2">
+            <a:schemeClr val="accent1">
+              <a:shade val="15000"/>
+            </a:schemeClr>
+          </a:lnRef>
+          <a:fillRef idx="1">
+            <a:schemeClr val="accent1"/>
+          </a:fillRef>
+          <a:effectRef idx="0">
+            <a:schemeClr val="accent1"/>
+          </a:effectRef>
+          <a:fontRef idx="minor">
+            <a:schemeClr val="lt1"/>
+          </a:fontRef>
+        </p:style>
+        <p:txBody>
+          <a:bodyPr rtlCol="0" anchor="ctr"/>
+          <a:lstStyle>
+            <a:defPPr>
+              <a:defRPr lang="en-US"/>
+            </a:defPPr>
+            <a:lvl1pPr marL="0" algn="l" defTabSz="914400" rtl="0" eaLnBrk="1" latinLnBrk="0" hangingPunct="1">
+              <a:defRPr sz="1800" kern="1200">
+                <a:solidFill>
+                  <a:schemeClr val="lt1"/>
+                </a:solidFill>
+                <a:latin typeface="+mn-lt"/>
+                <a:ea typeface="+mn-ea"/>
+                <a:cs typeface="+mn-cs"/>
+              </a:defRPr>
+            </a:lvl1pPr>
+            <a:lvl2pPr marL="457200" algn="l" defTabSz="914400" rtl="0" eaLnBrk="1" latinLnBrk="0" hangingPunct="1">
+              <a:defRPr sz="1800" kern="1200">
+                <a:solidFill>
+                  <a:schemeClr val="lt1"/>
+                </a:solidFill>
+                <a:latin typeface="+mn-lt"/>
+                <a:ea typeface="+mn-ea"/>
+                <a:cs typeface="+mn-cs"/>
+              </a:defRPr>
+            </a:lvl2pPr>
+            <a:lvl3pPr marL="914400" algn="l" defTabSz="914400" rtl="0" eaLnBrk="1" latinLnBrk="0" hangingPunct="1">
+              <a:defRPr sz="1800" kern="1200">
+                <a:solidFill>
+                  <a:schemeClr val="lt1"/>
+                </a:solidFill>
+                <a:latin typeface="+mn-lt"/>
+                <a:ea typeface="+mn-ea"/>
+                <a:cs typeface="+mn-cs"/>
+              </a:defRPr>
+            </a:lvl3pPr>
+            <a:lvl4pPr marL="1371600" algn="l" defTabSz="914400" rtl="0" eaLnBrk="1" latinLnBrk="0" hangingPunct="1">
+              <a:defRPr sz="1800" kern="1200">
+                <a:solidFill>
+                  <a:schemeClr val="lt1"/>
+                </a:solidFill>
+                <a:latin typeface="+mn-lt"/>
+                <a:ea typeface="+mn-ea"/>
+                <a:cs typeface="+mn-cs"/>
+              </a:defRPr>
+            </a:lvl4pPr>
+            <a:lvl5pPr marL="1828800" algn="l" defTabSz="914400" rtl="0" eaLnBrk="1" latinLnBrk="0" hangingPunct="1">
+              <a:defRPr sz="1800" kern="1200">
+                <a:solidFill>
+                  <a:schemeClr val="lt1"/>
+                </a:solidFill>
+                <a:latin typeface="+mn-lt"/>
+                <a:ea typeface="+mn-ea"/>
+                <a:cs typeface="+mn-cs"/>
+              </a:defRPr>
+            </a:lvl5pPr>
+            <a:lvl6pPr marL="2286000" algn="l" defTabSz="914400" rtl="0" eaLnBrk="1" latinLnBrk="0" hangingPunct="1">
+              <a:defRPr sz="1800" kern="1200">
+                <a:solidFill>
+                  <a:schemeClr val="lt1"/>
+                </a:solidFill>
+                <a:latin typeface="+mn-lt"/>
+                <a:ea typeface="+mn-ea"/>
+                <a:cs typeface="+mn-cs"/>
+              </a:defRPr>
+            </a:lvl6pPr>
+            <a:lvl7pPr marL="2743200" algn="l" defTabSz="914400" rtl="0" eaLnBrk="1" latinLnBrk="0" hangingPunct="1">
+              <a:defRPr sz="1800" kern="1200">
+                <a:solidFill>
+                  <a:schemeClr val="lt1"/>
+                </a:solidFill>
+                <a:latin typeface="+mn-lt"/>
+                <a:ea typeface="+mn-ea"/>
+                <a:cs typeface="+mn-cs"/>
+              </a:defRPr>
+            </a:lvl7pPr>
+            <a:lvl8pPr marL="3200400" algn="l" defTabSz="914400" rtl="0" eaLnBrk="1" latinLnBrk="0" hangingPunct="1">
+              <a:defRPr sz="1800" kern="1200">
+                <a:solidFill>
+                  <a:schemeClr val="lt1"/>
+                </a:solidFill>
+                <a:latin typeface="+mn-lt"/>
+                <a:ea typeface="+mn-ea"/>
+                <a:cs typeface="+mn-cs"/>
+              </a:defRPr>
+            </a:lvl8pPr>
+            <a:lvl9pPr marL="3657600" algn="l" defTabSz="914400" rtl="0" eaLnBrk="1" latinLnBrk="0" hangingPunct="1">
+              <a:defRPr sz="1800" kern="1200">
+                <a:solidFill>
+                  <a:schemeClr val="lt1"/>
+                </a:solidFill>
+                <a:latin typeface="+mn-lt"/>
+                <a:ea typeface="+mn-ea"/>
+                <a:cs typeface="+mn-cs"/>
+              </a:defRPr>
+            </a:lvl9pPr>
+          </a:lstStyle>
+          <a:p>
+            <a:pPr algn="ctr"/>
+            <a:endParaRPr lang="en-GB"/>
+          </a:p>
+        </p:txBody>
+      </p:sp>
+      <p:cxnSp>
+        <p:nvCxnSpPr>
+          <p:cNvPr id="13" name="연결선: 꺾임 12">
+            <a:extLst>
+              <a:ext uri="{FF2B5EF4-FFF2-40B4-BE49-F238E27FC236}">
+                <a16:creationId xmlns:a16="http://schemas.microsoft.com/office/drawing/2014/main" id="{7F52F581-695A-5843-3E88-DD975E55FC42}"/>
+              </a:ext>
+            </a:extLst>
+          </p:cNvPr>
+          <p:cNvCxnSpPr>
+            <a:stCxn id="11" idx="6"/>
+            <a:endCxn id="12" idx="0"/>
+          </p:cNvCxnSpPr>
+          <p:nvPr/>
+        </p:nvCxnSpPr>
+        <p:spPr>
+          <a:xfrm>
+            <a:off x="3344239" y="4706045"/>
+            <a:ext cx="2119045" cy="359113"/>
+          </a:xfrm>
+          <a:prstGeom prst="bentConnector2">
+            <a:avLst/>
+          </a:prstGeom>
+          <a:ln>
+            <a:solidFill>
+              <a:srgbClr val="C00000"/>
+            </a:solidFill>
+            <a:tailEnd type="triangle"/>
+          </a:ln>
+        </p:spPr>
+        <p:style>
+          <a:lnRef idx="1">
+            <a:schemeClr val="accent1"/>
+          </a:lnRef>
+          <a:fillRef idx="0">
+            <a:schemeClr val="accent1"/>
+          </a:fillRef>
+          <a:effectRef idx="0">
+            <a:schemeClr val="accent1"/>
+          </a:effectRef>
+          <a:fontRef idx="minor">
+            <a:schemeClr val="tx1"/>
+          </a:fontRef>
+        </p:style>
+      </p:cxnSp>
+      <p:sp>
+        <p:nvSpPr>
+          <p:cNvPr id="14" name="TextBox 24">
+            <a:extLst>
+              <a:ext uri="{FF2B5EF4-FFF2-40B4-BE49-F238E27FC236}">
+                <a16:creationId xmlns:a16="http://schemas.microsoft.com/office/drawing/2014/main" id="{96EF72DA-2405-2DDE-942B-E8BD832864A9}"/>
+              </a:ext>
+            </a:extLst>
+          </p:cNvPr>
+          <p:cNvSpPr txBox="1"/>
+          <p:nvPr/>
+        </p:nvSpPr>
+        <p:spPr>
+          <a:xfrm>
+            <a:off x="3503488" y="4365268"/>
+            <a:ext cx="3568541" cy="307777"/>
+          </a:xfrm>
+          <a:prstGeom prst="rect">
+            <a:avLst/>
+          </a:prstGeom>
+          <a:noFill/>
+        </p:spPr>
+        <p:txBody>
+          <a:bodyPr wrap="none" rtlCol="0">
+            <a:spAutoFit/>
+          </a:bodyPr>
+          <a:lstStyle>
+            <a:defPPr>
+              <a:defRPr lang="en-US"/>
+            </a:defPPr>
+            <a:lvl1pPr marL="0" algn="l" defTabSz="914400" rtl="0" eaLnBrk="1" latinLnBrk="0" hangingPunct="1">
+              <a:defRPr sz="1800" kern="1200">
+                <a:solidFill>
+                  <a:schemeClr val="tx1"/>
+                </a:solidFill>
+                <a:latin typeface="+mn-lt"/>
+                <a:ea typeface="+mn-ea"/>
+                <a:cs typeface="+mn-cs"/>
+              </a:defRPr>
+            </a:lvl1pPr>
+            <a:lvl2pPr marL="457200" algn="l" defTabSz="914400" rtl="0" eaLnBrk="1" latinLnBrk="0" hangingPunct="1">
+              <a:defRPr sz="1800" kern="1200">
+                <a:solidFill>
+                  <a:schemeClr val="tx1"/>
+                </a:solidFill>
+                <a:latin typeface="+mn-lt"/>
+                <a:ea typeface="+mn-ea"/>
+                <a:cs typeface="+mn-cs"/>
+              </a:defRPr>
+            </a:lvl2pPr>
+            <a:lvl3pPr marL="914400" algn="l" defTabSz="914400" rtl="0" eaLnBrk="1" latinLnBrk="0" hangingPunct="1">
+              <a:defRPr sz="1800" kern="1200">
+                <a:solidFill>
+                  <a:schemeClr val="tx1"/>
+                </a:solidFill>
+                <a:latin typeface="+mn-lt"/>
+                <a:ea typeface="+mn-ea"/>
+                <a:cs typeface="+mn-cs"/>
+              </a:defRPr>
+            </a:lvl3pPr>
+            <a:lvl4pPr marL="1371600" algn="l" defTabSz="914400" rtl="0" eaLnBrk="1" latinLnBrk="0" hangingPunct="1">
+              <a:defRPr sz="1800" kern="1200">
+                <a:solidFill>
+                  <a:schemeClr val="tx1"/>
+                </a:solidFill>
+                <a:latin typeface="+mn-lt"/>
+                <a:ea typeface="+mn-ea"/>
+                <a:cs typeface="+mn-cs"/>
+              </a:defRPr>
+            </a:lvl4pPr>
+            <a:lvl5pPr marL="1828800" algn="l" defTabSz="914400" rtl="0" eaLnBrk="1" latinLnBrk="0" hangingPunct="1">
+              <a:defRPr sz="1800" kern="1200">
+                <a:solidFill>
+                  <a:schemeClr val="tx1"/>
+                </a:solidFill>
+                <a:latin typeface="+mn-lt"/>
+                <a:ea typeface="+mn-ea"/>
+                <a:cs typeface="+mn-cs"/>
+              </a:defRPr>
+            </a:lvl5pPr>
+            <a:lvl6pPr marL="2286000" algn="l" defTabSz="914400" rtl="0" eaLnBrk="1" latinLnBrk="0" hangingPunct="1">
+              <a:defRPr sz="1800" kern="1200">
+                <a:solidFill>
+                  <a:schemeClr val="tx1"/>
+                </a:solidFill>
+                <a:latin typeface="+mn-lt"/>
+                <a:ea typeface="+mn-ea"/>
+                <a:cs typeface="+mn-cs"/>
+              </a:defRPr>
+            </a:lvl6pPr>
+            <a:lvl7pPr marL="2743200" algn="l" defTabSz="914400" rtl="0" eaLnBrk="1" latinLnBrk="0" hangingPunct="1">
+              <a:defRPr sz="1800" kern="1200">
+                <a:solidFill>
+                  <a:schemeClr val="tx1"/>
+                </a:solidFill>
+                <a:latin typeface="+mn-lt"/>
+                <a:ea typeface="+mn-ea"/>
+                <a:cs typeface="+mn-cs"/>
+              </a:defRPr>
+            </a:lvl7pPr>
+            <a:lvl8pPr marL="3200400" algn="l" defTabSz="914400" rtl="0" eaLnBrk="1" latinLnBrk="0" hangingPunct="1">
+              <a:defRPr sz="1800" kern="1200">
+                <a:solidFill>
+                  <a:schemeClr val="tx1"/>
+                </a:solidFill>
+                <a:latin typeface="+mn-lt"/>
+                <a:ea typeface="+mn-ea"/>
+                <a:cs typeface="+mn-cs"/>
+              </a:defRPr>
+            </a:lvl8pPr>
+            <a:lvl9pPr marL="3657600" algn="l" defTabSz="914400" rtl="0" eaLnBrk="1" latinLnBrk="0" hangingPunct="1">
+              <a:defRPr sz="1800" kern="1200">
+                <a:solidFill>
+                  <a:schemeClr val="tx1"/>
+                </a:solidFill>
+                <a:latin typeface="+mn-lt"/>
+                <a:ea typeface="+mn-ea"/>
+                <a:cs typeface="+mn-cs"/>
+              </a:defRPr>
+            </a:lvl9pPr>
+          </a:lstStyle>
+          <a:p>
+            <a:r>
+              <a:rPr lang="en-GB" altLang="ko-KR" sz="1400" dirty="0">
+                <a:solidFill>
+                  <a:srgbClr val="C00000"/>
+                </a:solidFill>
+              </a:rPr>
+              <a:t>Matrix</a:t>
+            </a:r>
+            <a:r>
+              <a:rPr lang="ko-KR" altLang="en-US" sz="1400" dirty="0">
+                <a:solidFill>
+                  <a:srgbClr val="C00000"/>
+                </a:solidFill>
+              </a:rPr>
+              <a:t>에서 조합되는 </a:t>
+            </a:r>
+            <a:r>
+              <a:rPr lang="en-GB" sz="1400" dirty="0">
+                <a:solidFill>
+                  <a:srgbClr val="C00000"/>
+                </a:solidFill>
+              </a:rPr>
+              <a:t>N</a:t>
+            </a:r>
+            <a:r>
+              <a:rPr lang="ko-KR" altLang="en-US" sz="1400" dirty="0">
+                <a:solidFill>
+                  <a:srgbClr val="C00000"/>
+                </a:solidFill>
+              </a:rPr>
+              <a:t>개 </a:t>
+            </a:r>
+            <a:r>
+              <a:rPr lang="en-GB" altLang="ko-KR" sz="1400" dirty="0">
+                <a:solidFill>
+                  <a:srgbClr val="C00000"/>
+                </a:solidFill>
+              </a:rPr>
+              <a:t>Job</a:t>
+            </a:r>
+            <a:r>
+              <a:rPr lang="ko-KR" altLang="en-US" sz="1400" dirty="0">
+                <a:solidFill>
+                  <a:srgbClr val="C00000"/>
+                </a:solidFill>
+              </a:rPr>
+              <a:t>을 실행합니다</a:t>
+            </a:r>
+            <a:r>
+              <a:rPr lang="en-GB" altLang="ko-KR" sz="1400" dirty="0">
+                <a:solidFill>
+                  <a:srgbClr val="C00000"/>
+                </a:solidFill>
+              </a:rPr>
+              <a:t>.</a:t>
+            </a:r>
+            <a:endParaRPr lang="en-GB" sz="1400" dirty="0">
+              <a:solidFill>
+                <a:srgbClr val="C00000"/>
+              </a:solidFill>
+            </a:endParaRPr>
+          </a:p>
+        </p:txBody>
+      </p:sp>
+    </p:spTree>
+    <p:extLst>
+      <p:ext uri="{BB962C8B-B14F-4D97-AF65-F5344CB8AC3E}">
+        <p14:creationId xmlns:p14="http://schemas.microsoft.com/office/powerpoint/2010/main" val="479014011"/>
       </p:ext>
     </p:extLst>
   </p:cSld>

--- a/README.pptx
+++ b/README.pptx
@@ -3510,10 +3510,10 @@
       </p:grpSpPr>
       <p:sp>
         <p:nvSpPr>
-          <p:cNvPr id="4" name="직사각형 3">
-            <a:extLst>
-              <a:ext uri="{FF2B5EF4-FFF2-40B4-BE49-F238E27FC236}">
-                <a16:creationId xmlns:a16="http://schemas.microsoft.com/office/drawing/2014/main" id="{5D2F44D7-A4E3-5CE0-5C3D-C637D3593E03}"/>
+          <p:cNvPr id="2" name="직사각형 1">
+            <a:extLst>
+              <a:ext uri="{FF2B5EF4-FFF2-40B4-BE49-F238E27FC236}">
+                <a16:creationId xmlns:a16="http://schemas.microsoft.com/office/drawing/2014/main" id="{01197C5E-E27E-5DE5-90E7-D6149843292D}"/>
               </a:ext>
             </a:extLst>
           </p:cNvPr>
@@ -3522,8 +3522,8 @@
         </p:nvSpPr>
         <p:spPr>
           <a:xfrm>
-            <a:off x="1835894" y="552790"/>
-            <a:ext cx="447648" cy="1351368"/>
+            <a:off x="144751" y="1370780"/>
+            <a:ext cx="447648" cy="931611"/>
           </a:xfrm>
           <a:prstGeom prst="rect">
             <a:avLst/>
@@ -3568,6 +3568,147 @@
           </a:p>
         </p:txBody>
       </p:sp>
+      <p:grpSp>
+        <p:nvGrpSpPr>
+          <p:cNvPr id="54" name="그룹 53">
+            <a:extLst>
+              <a:ext uri="{FF2B5EF4-FFF2-40B4-BE49-F238E27FC236}">
+                <a16:creationId xmlns:a16="http://schemas.microsoft.com/office/drawing/2014/main" id="{66C0925F-151B-ADC6-7A7D-966AF3F4B54C}"/>
+              </a:ext>
+            </a:extLst>
+          </p:cNvPr>
+          <p:cNvGrpSpPr/>
+          <p:nvPr/>
+        </p:nvGrpSpPr>
+        <p:grpSpPr>
+          <a:xfrm>
+            <a:off x="506926" y="198102"/>
+            <a:ext cx="1975874" cy="1118602"/>
+            <a:chOff x="504312" y="325918"/>
+            <a:chExt cx="1975874" cy="1118602"/>
+          </a:xfrm>
+        </p:grpSpPr>
+        <p:sp>
+          <p:nvSpPr>
+            <p:cNvPr id="3" name="직사각형 2">
+              <a:extLst>
+                <a:ext uri="{FF2B5EF4-FFF2-40B4-BE49-F238E27FC236}">
+                  <a16:creationId xmlns:a16="http://schemas.microsoft.com/office/drawing/2014/main" id="{56854BD6-6CB8-F340-2384-70CAF098A86B}"/>
+                </a:ext>
+              </a:extLst>
+            </p:cNvPr>
+            <p:cNvSpPr/>
+            <p:nvPr/>
+          </p:nvSpPr>
+          <p:spPr>
+            <a:xfrm>
+              <a:off x="504312" y="325918"/>
+              <a:ext cx="360926" cy="1118602"/>
+            </a:xfrm>
+            <a:prstGeom prst="rect">
+              <a:avLst/>
+            </a:prstGeom>
+            <a:solidFill>
+              <a:schemeClr val="accent2">
+                <a:lumMod val="20000"/>
+                <a:lumOff val="80000"/>
+              </a:schemeClr>
+            </a:solidFill>
+            <a:ln>
+              <a:solidFill>
+                <a:schemeClr val="accent2">
+                  <a:lumMod val="20000"/>
+                  <a:lumOff val="80000"/>
+                </a:schemeClr>
+              </a:solidFill>
+            </a:ln>
+          </p:spPr>
+          <p:style>
+            <a:lnRef idx="2">
+              <a:schemeClr val="accent1">
+                <a:shade val="50000"/>
+              </a:schemeClr>
+            </a:lnRef>
+            <a:fillRef idx="1">
+              <a:schemeClr val="accent1"/>
+            </a:fillRef>
+            <a:effectRef idx="0">
+              <a:schemeClr val="accent1"/>
+            </a:effectRef>
+            <a:fontRef idx="minor">
+              <a:schemeClr val="lt1"/>
+            </a:fontRef>
+          </p:style>
+          <p:txBody>
+            <a:bodyPr rtlCol="0" anchor="ctr"/>
+            <a:lstStyle/>
+            <a:p>
+              <a:pPr algn="ctr"/>
+              <a:endParaRPr lang="ko-KR" altLang="en-US"/>
+            </a:p>
+          </p:txBody>
+        </p:sp>
+        <p:sp>
+          <p:nvSpPr>
+            <p:cNvPr id="4" name="직사각형 3">
+              <a:extLst>
+                <a:ext uri="{FF2B5EF4-FFF2-40B4-BE49-F238E27FC236}">
+                  <a16:creationId xmlns:a16="http://schemas.microsoft.com/office/drawing/2014/main" id="{5D2F44D7-A4E3-5CE0-5C3D-C637D3593E03}"/>
+                </a:ext>
+              </a:extLst>
+            </p:cNvPr>
+            <p:cNvSpPr/>
+            <p:nvPr/>
+          </p:nvSpPr>
+          <p:spPr>
+            <a:xfrm>
+              <a:off x="2032538" y="325918"/>
+              <a:ext cx="447648" cy="1118602"/>
+            </a:xfrm>
+            <a:prstGeom prst="rect">
+              <a:avLst/>
+            </a:prstGeom>
+            <a:solidFill>
+              <a:schemeClr val="accent2">
+                <a:lumMod val="20000"/>
+                <a:lumOff val="80000"/>
+              </a:schemeClr>
+            </a:solidFill>
+            <a:ln>
+              <a:solidFill>
+                <a:schemeClr val="accent2">
+                  <a:lumMod val="20000"/>
+                  <a:lumOff val="80000"/>
+                </a:schemeClr>
+              </a:solidFill>
+            </a:ln>
+          </p:spPr>
+          <p:style>
+            <a:lnRef idx="2">
+              <a:schemeClr val="accent1">
+                <a:shade val="50000"/>
+              </a:schemeClr>
+            </a:lnRef>
+            <a:fillRef idx="1">
+              <a:schemeClr val="accent1"/>
+            </a:fillRef>
+            <a:effectRef idx="0">
+              <a:schemeClr val="accent1"/>
+            </a:effectRef>
+            <a:fontRef idx="minor">
+              <a:schemeClr val="lt1"/>
+            </a:fontRef>
+          </p:style>
+          <p:txBody>
+            <a:bodyPr rtlCol="0" anchor="ctr"/>
+            <a:lstStyle/>
+            <a:p>
+              <a:pPr algn="ctr"/>
+              <a:endParaRPr lang="ko-KR" altLang="en-US"/>
+            </a:p>
+          </p:txBody>
+        </p:sp>
+      </p:grpSp>
       <p:sp>
         <p:nvSpPr>
           <p:cNvPr id="5" name="직사각형 4">
@@ -3582,8 +3723,8 @@
         </p:nvSpPr>
         <p:spPr>
           <a:xfrm>
-            <a:off x="9336963" y="3773311"/>
-            <a:ext cx="2751992" cy="503760"/>
+            <a:off x="9336963" y="3758087"/>
+            <a:ext cx="2751992" cy="622800"/>
           </a:xfrm>
           <a:prstGeom prst="rect">
             <a:avLst/>
@@ -3642,8 +3783,8 @@
         </p:nvSpPr>
         <p:spPr>
           <a:xfrm>
-            <a:off x="4920357" y="2013052"/>
-            <a:ext cx="1768975" cy="503760"/>
+            <a:off x="4920357" y="1890151"/>
+            <a:ext cx="1768975" cy="621866"/>
           </a:xfrm>
           <a:prstGeom prst="rect">
             <a:avLst/>
@@ -3702,8 +3843,8 @@
         </p:nvSpPr>
         <p:spPr>
           <a:xfrm>
-            <a:off x="6274307" y="3773311"/>
-            <a:ext cx="2919352" cy="503760"/>
+            <a:off x="6274307" y="3758087"/>
+            <a:ext cx="2919352" cy="622800"/>
           </a:xfrm>
           <a:prstGeom prst="rect">
             <a:avLst/>
@@ -3762,8 +3903,8 @@
         </p:nvSpPr>
         <p:spPr>
           <a:xfrm>
-            <a:off x="10321702" y="2013052"/>
-            <a:ext cx="1591409" cy="503760"/>
+            <a:off x="10321702" y="1890151"/>
+            <a:ext cx="1591409" cy="621866"/>
           </a:xfrm>
           <a:prstGeom prst="rect">
             <a:avLst/>
@@ -3822,8 +3963,8 @@
         </p:nvSpPr>
         <p:spPr>
           <a:xfrm>
-            <a:off x="7918201" y="2013052"/>
-            <a:ext cx="1591409" cy="503760"/>
+            <a:off x="7918201" y="1890151"/>
+            <a:ext cx="1591409" cy="621866"/>
           </a:xfrm>
           <a:prstGeom prst="rect">
             <a:avLst/>
@@ -3882,8 +4023,8 @@
         </p:nvSpPr>
         <p:spPr>
           <a:xfrm>
-            <a:off x="102109" y="1495922"/>
-            <a:ext cx="3405554" cy="1024961"/>
+            <a:off x="102109" y="762256"/>
+            <a:ext cx="3405554" cy="1163460"/>
           </a:xfrm>
           <a:prstGeom prst="rect">
             <a:avLst/>
@@ -3901,15 +4042,27 @@
               </a:lnSpc>
             </a:pPr>
             <a:r>
-              <a:rPr lang="en-US" altLang="ko-KR" sz="1000" b="1" dirty="0"/>
-              <a:t>Three-tier Architecture &gt; </a:t>
-            </a:r>
-            <a:r>
-              <a:rPr lang="ko-KR" altLang="en-US" sz="1000" b="1" dirty="0" err="1"/>
+              <a:rPr lang="en-US" altLang="ko-KR" sz="1100" b="1" dirty="0"/>
               <a:t>Three-</a:t>
             </a:r>
             <a:r>
-              <a:rPr lang="ko-KR" altLang="en-US" sz="1000" b="1" dirty="0" err="1">
+              <a:rPr lang="en-US" altLang="ko-KR" sz="1100" b="1" dirty="0">
+                <a:solidFill>
+                  <a:srgbClr val="C00000"/>
+                </a:solidFill>
+              </a:rPr>
+              <a:t>tier</a:t>
+            </a:r>
+            <a:r>
+              <a:rPr lang="en-US" altLang="ko-KR" sz="1100" b="1" dirty="0"/>
+              <a:t> Architecture &gt; </a:t>
+            </a:r>
+            <a:r>
+              <a:rPr lang="ko-KR" altLang="en-US" sz="1100" b="1" dirty="0" err="1"/>
+              <a:t>Three-</a:t>
+            </a:r>
+            <a:r>
+              <a:rPr lang="ko-KR" altLang="en-US" sz="1100" b="1" dirty="0" err="1">
                 <a:solidFill>
                   <a:srgbClr val="C00000"/>
                 </a:solidFill>
@@ -3917,18 +4070,18 @@
               <a:t>layered</a:t>
             </a:r>
             <a:r>
-              <a:rPr lang="ko-KR" altLang="en-US" sz="1000" b="1" dirty="0"/>
+              <a:rPr lang="ko-KR" altLang="en-US" sz="1100" b="1" dirty="0"/>
               <a:t> </a:t>
             </a:r>
             <a:r>
-              <a:rPr lang="en-US" altLang="ko-KR" sz="1000" b="1" dirty="0"/>
+              <a:rPr lang="en-US" altLang="ko-KR" sz="1100" b="1" dirty="0"/>
               <a:t>A</a:t>
             </a:r>
             <a:r>
-              <a:rPr lang="ko-KR" altLang="en-US" sz="1000" b="1" dirty="0" err="1"/>
+              <a:rPr lang="ko-KR" altLang="en-US" sz="1100" b="1" dirty="0" err="1"/>
               <a:t>rchitecture</a:t>
             </a:r>
-            <a:endParaRPr lang="ko-KR" altLang="en-US" sz="900" b="1" dirty="0"/>
+            <a:endParaRPr lang="ko-KR" altLang="en-US" sz="1100" b="1" dirty="0"/>
           </a:p>
           <a:p>
             <a:pPr>
@@ -3969,39 +4122,43 @@
           <a:p>
             <a:pPr>
               <a:lnSpc>
-                <a:spcPct val="200000"/>
+                <a:spcPct val="250000"/>
               </a:lnSpc>
             </a:pPr>
             <a:r>
-              <a:rPr lang="ko-KR" altLang="en-US" sz="1000" b="1" dirty="0" err="1"/>
+              <a:rPr lang="ko-KR" altLang="en-US" sz="1100" b="1" dirty="0" err="1">
+                <a:solidFill>
+                  <a:srgbClr val="C00000"/>
+                </a:solidFill>
+              </a:rPr>
               <a:t>Entity</a:t>
             </a:r>
             <a:r>
-              <a:rPr lang="ko-KR" altLang="en-US" sz="1000" b="1" dirty="0"/>
+              <a:rPr lang="ko-KR" altLang="en-US" sz="1100" b="1" dirty="0"/>
               <a:t>-</a:t>
             </a:r>
             <a:r>
-              <a:rPr lang="en-US" altLang="ko-KR" sz="1000" b="1" dirty="0"/>
+              <a:rPr lang="en-US" altLang="ko-KR" sz="1100" b="1" dirty="0"/>
               <a:t>C</a:t>
             </a:r>
             <a:r>
-              <a:rPr lang="ko-KR" altLang="en-US" sz="1000" b="1" dirty="0" err="1"/>
+              <a:rPr lang="ko-KR" altLang="en-US" sz="1100" b="1" dirty="0" err="1"/>
               <a:t>ontrol</a:t>
             </a:r>
             <a:r>
-              <a:rPr lang="ko-KR" altLang="en-US" sz="1000" b="1" dirty="0"/>
+              <a:rPr lang="ko-KR" altLang="en-US" sz="1100" b="1" dirty="0"/>
               <a:t>-</a:t>
             </a:r>
             <a:r>
-              <a:rPr lang="en-US" altLang="ko-KR" sz="1000" b="1" dirty="0"/>
+              <a:rPr lang="en-US" altLang="ko-KR" sz="1100" b="1" dirty="0"/>
               <a:t>B</a:t>
             </a:r>
             <a:r>
-              <a:rPr lang="ko-KR" altLang="en-US" sz="1000" b="1" dirty="0" err="1"/>
+              <a:rPr lang="ko-KR" altLang="en-US" sz="1100" b="1" dirty="0" err="1"/>
               <a:t>oundary</a:t>
             </a:r>
             <a:r>
-              <a:rPr lang="ko-KR" altLang="en-US" sz="1000" b="1" dirty="0"/>
+              <a:rPr lang="ko-KR" altLang="en-US" sz="1100" b="1" dirty="0"/>
               <a:t>(ECB)</a:t>
             </a:r>
           </a:p>
@@ -4199,8 +4356,8 @@
         </p:nvSpPr>
         <p:spPr>
           <a:xfrm>
-            <a:off x="5031965" y="2013052"/>
-            <a:ext cx="1594338" cy="507831"/>
+            <a:off x="5007675" y="1980992"/>
+            <a:ext cx="1594338" cy="440185"/>
           </a:xfrm>
           <a:prstGeom prst="rect">
             <a:avLst/>
@@ -4211,6 +4368,37 @@
             <a:spAutoFit/>
           </a:bodyPr>
           <a:lstStyle/>
+          <a:p>
+            <a:r>
+              <a:rPr lang="ko-KR" altLang="en-US" sz="1050" b="1" dirty="0" err="1">
+                <a:solidFill>
+                  <a:srgbClr val="0070C0"/>
+                </a:solidFill>
+              </a:rPr>
+              <a:t>Domain-Driven</a:t>
+            </a:r>
+            <a:r>
+              <a:rPr lang="ko-KR" altLang="en-US" sz="1050" b="1" dirty="0">
+                <a:solidFill>
+                  <a:srgbClr val="0070C0"/>
+                </a:solidFill>
+              </a:rPr>
+              <a:t> </a:t>
+            </a:r>
+            <a:r>
+              <a:rPr lang="ko-KR" altLang="en-US" sz="1050" b="1" dirty="0" err="1">
+                <a:solidFill>
+                  <a:srgbClr val="0070C0"/>
+                </a:solidFill>
+              </a:rPr>
+              <a:t>Design</a:t>
+            </a:r>
+            <a:endParaRPr lang="ko-KR" altLang="en-US" sz="900" b="1" dirty="0">
+              <a:solidFill>
+                <a:srgbClr val="0070C0"/>
+              </a:solidFill>
+            </a:endParaRPr>
+          </a:p>
           <a:p>
             <a:pPr>
               <a:lnSpc>
@@ -4218,13 +4406,109 @@
               </a:lnSpc>
             </a:pPr>
             <a:r>
-              <a:rPr lang="ko-KR" altLang="en-US" sz="900" b="1">
+              <a:rPr lang="ko-KR" altLang="en-US" sz="900" dirty="0" err="1">
                 <a:solidFill>
                   <a:srgbClr val="0070C0"/>
                 </a:solidFill>
               </a:rPr>
-              <a:t>Domain-Driven Design</a:t>
-            </a:r>
+              <a:t>by</a:t>
+            </a:r>
+            <a:r>
+              <a:rPr lang="ko-KR" altLang="en-US" sz="900" dirty="0">
+                <a:solidFill>
+                  <a:srgbClr val="0070C0"/>
+                </a:solidFill>
+              </a:rPr>
+              <a:t> </a:t>
+            </a:r>
+            <a:r>
+              <a:rPr lang="ko-KR" altLang="en-US" sz="900" dirty="0" err="1">
+                <a:solidFill>
+                  <a:srgbClr val="0070C0"/>
+                </a:solidFill>
+              </a:rPr>
+              <a:t>Eric</a:t>
+            </a:r>
+            <a:r>
+              <a:rPr lang="ko-KR" altLang="en-US" sz="900" dirty="0">
+                <a:solidFill>
+                  <a:srgbClr val="0070C0"/>
+                </a:solidFill>
+              </a:rPr>
+              <a:t> </a:t>
+            </a:r>
+            <a:r>
+              <a:rPr lang="ko-KR" altLang="en-US" sz="900" dirty="0" err="1">
+                <a:solidFill>
+                  <a:srgbClr val="0070C0"/>
+                </a:solidFill>
+              </a:rPr>
+              <a:t>Evans</a:t>
+            </a:r>
+            <a:endParaRPr lang="ko-KR" altLang="en-US" sz="900" dirty="0">
+              <a:solidFill>
+                <a:srgbClr val="0070C0"/>
+              </a:solidFill>
+            </a:endParaRPr>
+          </a:p>
+        </p:txBody>
+      </p:sp>
+      <p:sp>
+        <p:nvSpPr>
+          <p:cNvPr id="15" name="직사각형 14">
+            <a:extLst>
+              <a:ext uri="{FF2B5EF4-FFF2-40B4-BE49-F238E27FC236}">
+                <a16:creationId xmlns:a16="http://schemas.microsoft.com/office/drawing/2014/main" id="{BE3C52DD-C6CE-1DE3-933B-66B8C1824713}"/>
+              </a:ext>
+            </a:extLst>
+          </p:cNvPr>
+          <p:cNvSpPr/>
+          <p:nvPr/>
+        </p:nvSpPr>
+        <p:spPr>
+          <a:xfrm>
+            <a:off x="6331458" y="3849395"/>
+            <a:ext cx="2805050" cy="440185"/>
+          </a:xfrm>
+          <a:prstGeom prst="rect">
+            <a:avLst/>
+          </a:prstGeom>
+        </p:spPr>
+        <p:txBody>
+          <a:bodyPr wrap="square">
+            <a:spAutoFit/>
+          </a:bodyPr>
+          <a:lstStyle/>
+          <a:p>
+            <a:r>
+              <a:rPr lang="ko-KR" altLang="en-US" sz="1050" b="1" dirty="0" err="1"/>
+              <a:t>Hexagonal</a:t>
+            </a:r>
+            <a:r>
+              <a:rPr lang="ko-KR" altLang="en-US" sz="1050" b="1" dirty="0"/>
+              <a:t> </a:t>
+            </a:r>
+            <a:r>
+              <a:rPr lang="ko-KR" altLang="en-US" sz="1050" b="1" dirty="0" err="1"/>
+              <a:t>Architecture</a:t>
+            </a:r>
+            <a:r>
+              <a:rPr lang="ko-KR" altLang="en-US" sz="1050" b="1" dirty="0"/>
+              <a:t> / </a:t>
+            </a:r>
+            <a:r>
+              <a:rPr lang="ko-KR" altLang="en-US" sz="1050" b="1" dirty="0" err="1"/>
+              <a:t>Ports</a:t>
+            </a:r>
+            <a:r>
+              <a:rPr lang="ko-KR" altLang="en-US" sz="1050" b="1" dirty="0"/>
+              <a:t> &amp; </a:t>
+            </a:r>
+            <a:r>
+              <a:rPr lang="ko-KR" altLang="en-US" sz="1050" b="1" dirty="0" err="1"/>
+              <a:t>Adapters</a:t>
+            </a:r>
+            <a:endParaRPr lang="ko-KR" altLang="en-US" sz="1050" b="1" dirty="0"/>
           </a:p>
           <a:p>
             <a:pPr>
@@ -4233,22 +4517,38 @@
               </a:lnSpc>
             </a:pPr>
             <a:r>
-              <a:rPr lang="ko-KR" altLang="en-US" sz="900">
-                <a:solidFill>
-                  <a:srgbClr val="0070C0"/>
-                </a:solidFill>
-              </a:rPr>
-              <a:t>by Eric Evans</a:t>
-            </a:r>
-          </a:p>
-        </p:txBody>
-      </p:sp>
-      <p:sp>
-        <p:nvSpPr>
-          <p:cNvPr id="15" name="직사각형 14">
-            <a:extLst>
-              <a:ext uri="{FF2B5EF4-FFF2-40B4-BE49-F238E27FC236}">
-                <a16:creationId xmlns:a16="http://schemas.microsoft.com/office/drawing/2014/main" id="{BE3C52DD-C6CE-1DE3-933B-66B8C1824713}"/>
+              <a:rPr lang="ko-KR" altLang="en-US" sz="900" dirty="0" err="1"/>
+              <a:t>by</a:t>
+            </a:r>
+            <a:r>
+              <a:rPr lang="ko-KR" altLang="en-US" sz="900" dirty="0"/>
+              <a:t> </a:t>
+            </a:r>
+            <a:r>
+              <a:rPr lang="ko-KR" altLang="en-US" sz="900" dirty="0" err="1"/>
+              <a:t>Alistair</a:t>
+            </a:r>
+            <a:r>
+              <a:rPr lang="ko-KR" altLang="en-US" sz="900" dirty="0"/>
+              <a:t> </a:t>
+            </a:r>
+            <a:r>
+              <a:rPr lang="ko-KR" altLang="en-US" sz="900" dirty="0" err="1"/>
+              <a:t>Cockburn</a:t>
+            </a:r>
+            <a:r>
+              <a:rPr lang="ko-KR" altLang="en-US" sz="900" dirty="0"/>
+              <a:t> </a:t>
+            </a:r>
+          </a:p>
+        </p:txBody>
+      </p:sp>
+      <p:sp>
+        <p:nvSpPr>
+          <p:cNvPr id="16" name="직사각형 15">
+            <a:extLst>
+              <a:ext uri="{FF2B5EF4-FFF2-40B4-BE49-F238E27FC236}">
+                <a16:creationId xmlns:a16="http://schemas.microsoft.com/office/drawing/2014/main" id="{B3894C1A-354D-43FF-8348-90E0A992AEFB}"/>
               </a:ext>
             </a:extLst>
           </p:cNvPr>
@@ -4257,8 +4557,8 @@
         </p:nvSpPr>
         <p:spPr>
           <a:xfrm>
-            <a:off x="6388609" y="3742864"/>
-            <a:ext cx="2805050" cy="507831"/>
+            <a:off x="8022244" y="1980992"/>
+            <a:ext cx="1383323" cy="440185"/>
           </a:xfrm>
           <a:prstGeom prst="rect">
             <a:avLst/>
@@ -4269,6 +4569,21 @@
             <a:spAutoFit/>
           </a:bodyPr>
           <a:lstStyle/>
+          <a:p>
+            <a:r>
+              <a:rPr lang="ko-KR" altLang="en-US" sz="1050" b="1" dirty="0" err="1"/>
+              <a:t>Onion</a:t>
+            </a:r>
+            <a:r>
+              <a:rPr lang="ko-KR" altLang="en-US" sz="1050" b="1" dirty="0"/>
+              <a:t> </a:t>
+            </a:r>
+            <a:r>
+              <a:rPr lang="ko-KR" altLang="en-US" sz="1050" b="1" dirty="0" err="1"/>
+              <a:t>Architecture</a:t>
+            </a:r>
+            <a:endParaRPr lang="ko-KR" altLang="en-US" sz="1050" b="1" dirty="0"/>
+          </a:p>
           <a:p>
             <a:pPr>
               <a:lnSpc>
@@ -4276,9 +4591,85 @@
               </a:lnSpc>
             </a:pPr>
             <a:r>
-              <a:rPr lang="ko-KR" altLang="en-US" sz="900" b="1"/>
-              <a:t>Hexagonal Architecture / Ports &amp; Adapters</a:t>
-            </a:r>
+              <a:rPr lang="ko-KR" altLang="en-US" sz="900" dirty="0" err="1"/>
+              <a:t>by</a:t>
+            </a:r>
+            <a:r>
+              <a:rPr lang="ko-KR" altLang="en-US" sz="900" dirty="0"/>
+              <a:t> </a:t>
+            </a:r>
+            <a:r>
+              <a:rPr lang="ko-KR" altLang="en-US" sz="900" dirty="0" err="1"/>
+              <a:t>Jeffrey</a:t>
+            </a:r>
+            <a:r>
+              <a:rPr lang="ko-KR" altLang="en-US" sz="900" dirty="0"/>
+              <a:t> </a:t>
+            </a:r>
+            <a:r>
+              <a:rPr lang="ko-KR" altLang="en-US" sz="900" dirty="0" err="1"/>
+              <a:t>Palermo</a:t>
+            </a:r>
+            <a:endParaRPr lang="ko-KR" altLang="en-US" sz="900" dirty="0"/>
+          </a:p>
+        </p:txBody>
+      </p:sp>
+      <p:sp>
+        <p:nvSpPr>
+          <p:cNvPr id="17" name="직사각형 16">
+            <a:extLst>
+              <a:ext uri="{FF2B5EF4-FFF2-40B4-BE49-F238E27FC236}">
+                <a16:creationId xmlns:a16="http://schemas.microsoft.com/office/drawing/2014/main" id="{3F83ECC8-5DA1-1EDA-897D-151670EE38AF}"/>
+              </a:ext>
+            </a:extLst>
+          </p:cNvPr>
+          <p:cNvSpPr/>
+          <p:nvPr/>
+        </p:nvSpPr>
+        <p:spPr>
+          <a:xfrm>
+            <a:off x="9416341" y="3849395"/>
+            <a:ext cx="2593236" cy="440185"/>
+          </a:xfrm>
+          <a:prstGeom prst="rect">
+            <a:avLst/>
+          </a:prstGeom>
+        </p:spPr>
+        <p:txBody>
+          <a:bodyPr wrap="square">
+            <a:spAutoFit/>
+          </a:bodyPr>
+          <a:lstStyle/>
+          <a:p>
+            <a:r>
+              <a:rPr lang="ko-KR" altLang="en-US" sz="1050" b="1" dirty="0" err="1">
+                <a:solidFill>
+                  <a:srgbClr val="00B050"/>
+                </a:solidFill>
+              </a:rPr>
+              <a:t>Test</a:t>
+            </a:r>
+            <a:r>
+              <a:rPr lang="ko-KR" altLang="en-US" sz="1050" b="1" dirty="0">
+                <a:solidFill>
+                  <a:srgbClr val="00B050"/>
+                </a:solidFill>
+              </a:rPr>
+              <a:t> </a:t>
+            </a:r>
+            <a:r>
+              <a:rPr lang="ko-KR" altLang="en-US" sz="1050" b="1" dirty="0" err="1">
+                <a:solidFill>
+                  <a:srgbClr val="00B050"/>
+                </a:solidFill>
+              </a:rPr>
+              <a:t>Pyramid</a:t>
+            </a:r>
+            <a:endParaRPr lang="ko-KR" altLang="en-US" sz="1050" b="1" dirty="0">
+              <a:solidFill>
+                <a:srgbClr val="00B050"/>
+              </a:solidFill>
+            </a:endParaRPr>
           </a:p>
           <a:p>
             <a:pPr>
@@ -4287,18 +4678,155 @@
               </a:lnSpc>
             </a:pPr>
             <a:r>
-              <a:rPr lang="ko-KR" altLang="en-US" sz="900"/>
-              <a:t>by Alistair Cockburn </a:t>
-            </a:r>
-          </a:p>
-        </p:txBody>
-      </p:sp>
-      <p:sp>
-        <p:nvSpPr>
-          <p:cNvPr id="16" name="직사각형 15">
-            <a:extLst>
-              <a:ext uri="{FF2B5EF4-FFF2-40B4-BE49-F238E27FC236}">
-                <a16:creationId xmlns:a16="http://schemas.microsoft.com/office/drawing/2014/main" id="{B3894C1A-354D-43FF-8348-90E0A992AEFB}"/>
+              <a:rPr lang="ko-KR" altLang="en-US" sz="900" dirty="0" err="1">
+                <a:solidFill>
+                  <a:srgbClr val="00B050"/>
+                </a:solidFill>
+              </a:rPr>
+              <a:t>by</a:t>
+            </a:r>
+            <a:r>
+              <a:rPr lang="ko-KR" altLang="en-US" sz="900" dirty="0">
+                <a:solidFill>
+                  <a:srgbClr val="00B050"/>
+                </a:solidFill>
+              </a:rPr>
+              <a:t> </a:t>
+            </a:r>
+            <a:r>
+              <a:rPr lang="ko-KR" altLang="en-US" sz="900" dirty="0" err="1">
+                <a:solidFill>
+                  <a:srgbClr val="00B050"/>
+                </a:solidFill>
+              </a:rPr>
+              <a:t>M</a:t>
+            </a:r>
+            <a:r>
+              <a:rPr lang="en-US" altLang="ko-KR" sz="900" dirty="0" err="1">
+                <a:solidFill>
+                  <a:srgbClr val="00B050"/>
+                </a:solidFill>
+              </a:rPr>
+              <a:t>i</a:t>
+            </a:r>
+            <a:r>
+              <a:rPr lang="ko-KR" altLang="en-US" sz="900" dirty="0" err="1">
+                <a:solidFill>
+                  <a:srgbClr val="00B050"/>
+                </a:solidFill>
+              </a:rPr>
+              <a:t>ke</a:t>
+            </a:r>
+            <a:r>
+              <a:rPr lang="ko-KR" altLang="en-US" sz="900" dirty="0">
+                <a:solidFill>
+                  <a:srgbClr val="00B050"/>
+                </a:solidFill>
+              </a:rPr>
+              <a:t> </a:t>
+            </a:r>
+            <a:r>
+              <a:rPr lang="ko-KR" altLang="en-US" sz="900" dirty="0" err="1">
+                <a:solidFill>
+                  <a:srgbClr val="00B050"/>
+                </a:solidFill>
+              </a:rPr>
+              <a:t>Cohn</a:t>
+            </a:r>
+            <a:r>
+              <a:rPr lang="ko-KR" altLang="en-US" sz="900" dirty="0">
+                <a:solidFill>
+                  <a:srgbClr val="00B050"/>
+                </a:solidFill>
+              </a:rPr>
+              <a:t> </a:t>
+            </a:r>
+            <a:r>
+              <a:rPr lang="ko-KR" altLang="en-US" sz="900" dirty="0" err="1">
+                <a:solidFill>
+                  <a:srgbClr val="00B050"/>
+                </a:solidFill>
+              </a:rPr>
+              <a:t>at</a:t>
+            </a:r>
+            <a:r>
+              <a:rPr lang="ko-KR" altLang="en-US" sz="900" dirty="0">
+                <a:solidFill>
+                  <a:srgbClr val="00B050"/>
+                </a:solidFill>
+              </a:rPr>
+              <a:t> </a:t>
+            </a:r>
+            <a:r>
+              <a:rPr lang="ko-KR" altLang="en-US" sz="900" dirty="0" err="1">
+                <a:solidFill>
+                  <a:srgbClr val="00B050"/>
+                </a:solidFill>
+              </a:rPr>
+              <a:t>Succeeding</a:t>
+            </a:r>
+            <a:r>
+              <a:rPr lang="ko-KR" altLang="en-US" sz="900" dirty="0">
+                <a:solidFill>
+                  <a:srgbClr val="00B050"/>
+                </a:solidFill>
+              </a:rPr>
+              <a:t> </a:t>
+            </a:r>
+            <a:r>
+              <a:rPr lang="ko-KR" altLang="en-US" sz="900" dirty="0" err="1">
+                <a:solidFill>
+                  <a:srgbClr val="00B050"/>
+                </a:solidFill>
+              </a:rPr>
+              <a:t>with</a:t>
+            </a:r>
+            <a:r>
+              <a:rPr lang="ko-KR" altLang="en-US" sz="900" dirty="0">
+                <a:solidFill>
+                  <a:srgbClr val="00B050"/>
+                </a:solidFill>
+              </a:rPr>
+              <a:t> </a:t>
+            </a:r>
+            <a:r>
+              <a:rPr lang="ko-KR" altLang="en-US" sz="900" dirty="0" err="1">
+                <a:solidFill>
+                  <a:srgbClr val="00B050"/>
+                </a:solidFill>
+              </a:rPr>
+              <a:t>Agile</a:t>
+            </a:r>
+            <a:r>
+              <a:rPr lang="ko-KR" altLang="en-US" sz="900" dirty="0">
+                <a:solidFill>
+                  <a:srgbClr val="00B050"/>
+                </a:solidFill>
+              </a:rPr>
+              <a:t> </a:t>
+            </a:r>
+            <a:r>
+              <a:rPr lang="ko-KR" altLang="en-US" sz="900" dirty="0" err="1">
+                <a:solidFill>
+                  <a:srgbClr val="00B050"/>
+                </a:solidFill>
+              </a:rPr>
+              <a:t>Book</a:t>
+            </a:r>
+            <a:endParaRPr lang="ko-KR" altLang="en-US" sz="900" dirty="0">
+              <a:solidFill>
+                <a:srgbClr val="00B050"/>
+              </a:solidFill>
+            </a:endParaRPr>
+          </a:p>
+        </p:txBody>
+      </p:sp>
+      <p:sp>
+        <p:nvSpPr>
+          <p:cNvPr id="18" name="직사각형 17">
+            <a:extLst>
+              <a:ext uri="{FF2B5EF4-FFF2-40B4-BE49-F238E27FC236}">
+                <a16:creationId xmlns:a16="http://schemas.microsoft.com/office/drawing/2014/main" id="{94721813-7663-F1E7-0E79-A5791836619D}"/>
               </a:ext>
             </a:extLst>
           </p:cNvPr>
@@ -4307,8 +4835,8 @@
         </p:nvSpPr>
         <p:spPr>
           <a:xfrm>
-            <a:off x="8076733" y="2013052"/>
-            <a:ext cx="1383323" cy="507831"/>
+            <a:off x="10400909" y="1980992"/>
+            <a:ext cx="1432994" cy="440185"/>
           </a:xfrm>
           <a:prstGeom prst="rect">
             <a:avLst/>
@@ -4319,6 +4847,21 @@
             <a:spAutoFit/>
           </a:bodyPr>
           <a:lstStyle/>
+          <a:p>
+            <a:r>
+              <a:rPr lang="ko-KR" altLang="en-US" sz="1050" b="1" dirty="0" err="1"/>
+              <a:t>Clean</a:t>
+            </a:r>
+            <a:r>
+              <a:rPr lang="ko-KR" altLang="en-US" sz="1050" b="1" dirty="0"/>
+              <a:t> </a:t>
+            </a:r>
+            <a:r>
+              <a:rPr lang="ko-KR" altLang="en-US" sz="1050" b="1" dirty="0" err="1"/>
+              <a:t>Architecture</a:t>
+            </a:r>
+            <a:endParaRPr lang="ko-KR" altLang="en-US" sz="1050" b="1" dirty="0"/>
+          </a:p>
           <a:p>
             <a:pPr>
               <a:lnSpc>
@@ -4326,143 +4869,20 @@
               </a:lnSpc>
             </a:pPr>
             <a:r>
-              <a:rPr lang="ko-KR" altLang="en-US" sz="900" b="1"/>
-              <a:t>Onion Architecture</a:t>
-            </a:r>
-          </a:p>
-          <a:p>
-            <a:pPr>
-              <a:lnSpc>
-                <a:spcPct val="150000"/>
-              </a:lnSpc>
-            </a:pPr>
-            <a:r>
-              <a:rPr lang="ko-KR" altLang="en-US" sz="900"/>
-              <a:t>by Jeffrey Palermo</a:t>
-            </a:r>
-          </a:p>
-        </p:txBody>
-      </p:sp>
-      <p:sp>
-        <p:nvSpPr>
-          <p:cNvPr id="17" name="직사각형 16">
-            <a:extLst>
-              <a:ext uri="{FF2B5EF4-FFF2-40B4-BE49-F238E27FC236}">
-                <a16:creationId xmlns:a16="http://schemas.microsoft.com/office/drawing/2014/main" id="{3F83ECC8-5DA1-1EDA-897D-151670EE38AF}"/>
-              </a:ext>
-            </a:extLst>
-          </p:cNvPr>
-          <p:cNvSpPr/>
-          <p:nvPr/>
-        </p:nvSpPr>
-        <p:spPr>
-          <a:xfrm>
-            <a:off x="9434174" y="3742864"/>
-            <a:ext cx="2593236" cy="507831"/>
-          </a:xfrm>
-          <a:prstGeom prst="rect">
-            <a:avLst/>
-          </a:prstGeom>
-        </p:spPr>
-        <p:txBody>
-          <a:bodyPr wrap="square">
-            <a:spAutoFit/>
-          </a:bodyPr>
-          <a:lstStyle/>
-          <a:p>
-            <a:pPr>
-              <a:lnSpc>
-                <a:spcPct val="150000"/>
-              </a:lnSpc>
-            </a:pPr>
-            <a:r>
-              <a:rPr lang="ko-KR" altLang="en-US" sz="900" b="1">
-                <a:solidFill>
-                  <a:srgbClr val="00B050"/>
-                </a:solidFill>
-              </a:rPr>
-              <a:t>Test Pyramid</a:t>
-            </a:r>
-          </a:p>
-          <a:p>
-            <a:pPr>
-              <a:lnSpc>
-                <a:spcPct val="150000"/>
-              </a:lnSpc>
-            </a:pPr>
-            <a:r>
-              <a:rPr lang="ko-KR" altLang="en-US" sz="900">
-                <a:solidFill>
-                  <a:srgbClr val="00B050"/>
-                </a:solidFill>
-              </a:rPr>
-              <a:t>by M</a:t>
-            </a:r>
-            <a:r>
-              <a:rPr lang="en-US" altLang="ko-KR" sz="900">
-                <a:solidFill>
-                  <a:srgbClr val="00B050"/>
-                </a:solidFill>
-              </a:rPr>
-              <a:t>i</a:t>
-            </a:r>
-            <a:r>
-              <a:rPr lang="ko-KR" altLang="en-US" sz="900">
-                <a:solidFill>
-                  <a:srgbClr val="00B050"/>
-                </a:solidFill>
-              </a:rPr>
-              <a:t>ke Cohn at Succeeding with Agile Book</a:t>
-            </a:r>
-          </a:p>
-        </p:txBody>
-      </p:sp>
-      <p:sp>
-        <p:nvSpPr>
-          <p:cNvPr id="18" name="직사각형 17">
-            <a:extLst>
-              <a:ext uri="{FF2B5EF4-FFF2-40B4-BE49-F238E27FC236}">
-                <a16:creationId xmlns:a16="http://schemas.microsoft.com/office/drawing/2014/main" id="{94721813-7663-F1E7-0E79-A5791836619D}"/>
-              </a:ext>
-            </a:extLst>
-          </p:cNvPr>
-          <p:cNvSpPr/>
-          <p:nvPr/>
-        </p:nvSpPr>
-        <p:spPr>
-          <a:xfrm>
-            <a:off x="10462531" y="2013052"/>
-            <a:ext cx="1432994" cy="507831"/>
-          </a:xfrm>
-          <a:prstGeom prst="rect">
-            <a:avLst/>
-          </a:prstGeom>
-        </p:spPr>
-        <p:txBody>
-          <a:bodyPr wrap="square">
-            <a:spAutoFit/>
-          </a:bodyPr>
-          <a:lstStyle/>
-          <a:p>
-            <a:pPr>
-              <a:lnSpc>
-                <a:spcPct val="150000"/>
-              </a:lnSpc>
-            </a:pPr>
-            <a:r>
-              <a:rPr lang="ko-KR" altLang="en-US" sz="900" b="1"/>
-              <a:t>Clean Architecture</a:t>
-            </a:r>
-          </a:p>
-          <a:p>
-            <a:pPr>
-              <a:lnSpc>
-                <a:spcPct val="150000"/>
-              </a:lnSpc>
-            </a:pPr>
-            <a:r>
-              <a:rPr lang="ko-KR" altLang="en-US" sz="900"/>
-              <a:t>by Robert C. Martin</a:t>
+              <a:rPr lang="ko-KR" altLang="en-US" sz="900" dirty="0" err="1"/>
+              <a:t>by</a:t>
+            </a:r>
+            <a:r>
+              <a:rPr lang="ko-KR" altLang="en-US" sz="900" dirty="0"/>
+              <a:t> </a:t>
+            </a:r>
+            <a:r>
+              <a:rPr lang="ko-KR" altLang="en-US" sz="900" dirty="0" err="1"/>
+              <a:t>Robert</a:t>
+            </a:r>
+            <a:r>
+              <a:rPr lang="ko-KR" altLang="en-US" sz="900" dirty="0"/>
+              <a:t> C. Martin</a:t>
             </a:r>
           </a:p>
         </p:txBody>
@@ -5395,8 +5815,8 @@
         </p:nvSpPr>
         <p:spPr>
           <a:xfrm>
-            <a:off x="7921509" y="1573380"/>
-            <a:ext cx="1584793" cy="369332"/>
+            <a:off x="8268559" y="1450480"/>
+            <a:ext cx="890692" cy="369332"/>
           </a:xfrm>
           <a:prstGeom prst="rect">
             <a:avLst/>
@@ -5410,22 +5830,6 @@
           <a:lstStyle/>
           <a:p>
             <a:pPr algn="ctr"/>
-            <a:r>
-              <a:rPr lang="en-GB" altLang="ko-KR" b="1" dirty="0">
-                <a:solidFill>
-                  <a:srgbClr val="FFC000"/>
-                </a:solidFill>
-              </a:rPr>
-              <a:t>Design</a:t>
-            </a:r>
-            <a:r>
-              <a:rPr lang="ko-KR" altLang="en-US" b="1" dirty="0">
-                <a:solidFill>
-                  <a:srgbClr val="FFC000"/>
-                </a:solidFill>
-              </a:rPr>
-              <a:t> </a:t>
-            </a:r>
             <a:r>
               <a:rPr lang="en-GB" altLang="ko-KR" b="1" dirty="0">
                 <a:solidFill>
@@ -5456,8 +5860,8 @@
         </p:nvSpPr>
         <p:spPr>
           <a:xfrm>
-            <a:off x="5120554" y="1573380"/>
-            <a:ext cx="1368580" cy="369332"/>
+            <a:off x="5467604" y="1450480"/>
+            <a:ext cx="674480" cy="369332"/>
           </a:xfrm>
           <a:prstGeom prst="rect">
             <a:avLst/>
@@ -5470,22 +5874,6 @@
           </a:bodyPr>
           <a:lstStyle/>
           <a:p>
-            <a:r>
-              <a:rPr lang="en-GB" altLang="ko-KR" b="1" dirty="0">
-                <a:solidFill>
-                  <a:srgbClr val="0070C0"/>
-                </a:solidFill>
-              </a:rPr>
-              <a:t>Design</a:t>
-            </a:r>
-            <a:r>
-              <a:rPr lang="ko-KR" altLang="en-US" b="1" dirty="0">
-                <a:solidFill>
-                  <a:srgbClr val="0070C0"/>
-                </a:solidFill>
-              </a:rPr>
-              <a:t> </a:t>
-            </a:r>
             <a:r>
               <a:rPr lang="en-GB" altLang="ko-KR" b="1" dirty="0">
                 <a:solidFill>
@@ -5516,8 +5904,8 @@
         </p:nvSpPr>
         <p:spPr>
           <a:xfrm>
-            <a:off x="9961830" y="4387354"/>
-            <a:ext cx="1257011" cy="369332"/>
+            <a:off x="10431504" y="4387354"/>
+            <a:ext cx="562911" cy="369332"/>
           </a:xfrm>
           <a:prstGeom prst="rect">
             <a:avLst/>
@@ -5536,7 +5924,7 @@
                   <a:srgbClr val="00B050"/>
                 </a:solidFill>
               </a:rPr>
-              <a:t>Design Test</a:t>
+              <a:t>Test</a:t>
             </a:r>
             <a:endParaRPr lang="ko-KR" altLang="en-US" b="1" dirty="0">
               <a:solidFill>
@@ -5560,7 +5948,7 @@
         </p:nvSpPr>
         <p:spPr>
           <a:xfrm>
-            <a:off x="860898" y="809651"/>
+            <a:off x="296042" y="282919"/>
             <a:ext cx="2397643" cy="369332"/>
           </a:xfrm>
           <a:prstGeom prst="rect">
@@ -5620,7 +6008,7 @@
         </p:blipFill>
         <p:spPr bwMode="auto">
           <a:xfrm>
-            <a:off x="10127891" y="458652"/>
+            <a:off x="10127891" y="325918"/>
             <a:ext cx="1979029" cy="1453510"/>
           </a:xfrm>
           <a:prstGeom prst="rect">
@@ -5667,8 +6055,8 @@
         </p:blipFill>
         <p:spPr bwMode="auto">
           <a:xfrm>
-            <a:off x="9090778" y="4816530"/>
-            <a:ext cx="2999114" cy="1581232"/>
+            <a:off x="8927690" y="4816529"/>
+            <a:ext cx="3162202" cy="1667217"/>
           </a:xfrm>
           <a:prstGeom prst="rect">
             <a:avLst/>
@@ -5714,8 +6102,8 @@
         </p:blipFill>
         <p:spPr bwMode="auto">
           <a:xfrm>
-            <a:off x="6432432" y="4498477"/>
-            <a:ext cx="2603102" cy="1279768"/>
+            <a:off x="6266090" y="4596796"/>
+            <a:ext cx="2769444" cy="1361547"/>
           </a:xfrm>
           <a:prstGeom prst="rect">
             <a:avLst/>

--- a/README.pptx
+++ b/README.pptx
@@ -3510,10 +3510,10 @@
       </p:grpSpPr>
       <p:sp>
         <p:nvSpPr>
-          <p:cNvPr id="2" name="직사각형 1">
-            <a:extLst>
-              <a:ext uri="{FF2B5EF4-FFF2-40B4-BE49-F238E27FC236}">
-                <a16:creationId xmlns:a16="http://schemas.microsoft.com/office/drawing/2014/main" id="{01197C5E-E27E-5DE5-90E7-D6149843292D}"/>
+          <p:cNvPr id="5" name="직사각형 4">
+            <a:extLst>
+              <a:ext uri="{FF2B5EF4-FFF2-40B4-BE49-F238E27FC236}">
+                <a16:creationId xmlns:a16="http://schemas.microsoft.com/office/drawing/2014/main" id="{21A5733A-A7BE-FF82-08DD-F9ABCB2C6D03}"/>
               </a:ext>
             </a:extLst>
           </p:cNvPr>
@@ -3522,225 +3522,18 @@
         </p:nvSpPr>
         <p:spPr>
           <a:xfrm>
-            <a:off x="144751" y="1370780"/>
-            <a:ext cx="447648" cy="931611"/>
+            <a:off x="9336963" y="3758087"/>
+            <a:ext cx="2751992" cy="622800"/>
           </a:xfrm>
           <a:prstGeom prst="rect">
             <a:avLst/>
           </a:prstGeom>
           <a:solidFill>
-            <a:schemeClr val="accent2">
-              <a:lumMod val="20000"/>
-              <a:lumOff val="80000"/>
-            </a:schemeClr>
+            <a:srgbClr val="ECF5E7"/>
           </a:solidFill>
           <a:ln>
             <a:solidFill>
-              <a:schemeClr val="accent2">
-                <a:lumMod val="20000"/>
-                <a:lumOff val="80000"/>
-              </a:schemeClr>
-            </a:solidFill>
-          </a:ln>
-        </p:spPr>
-        <p:style>
-          <a:lnRef idx="2">
-            <a:schemeClr val="accent1">
-              <a:shade val="50000"/>
-            </a:schemeClr>
-          </a:lnRef>
-          <a:fillRef idx="1">
-            <a:schemeClr val="accent1"/>
-          </a:fillRef>
-          <a:effectRef idx="0">
-            <a:schemeClr val="accent1"/>
-          </a:effectRef>
-          <a:fontRef idx="minor">
-            <a:schemeClr val="lt1"/>
-          </a:fontRef>
-        </p:style>
-        <p:txBody>
-          <a:bodyPr rtlCol="0" anchor="ctr"/>
-          <a:lstStyle/>
-          <a:p>
-            <a:pPr algn="ctr"/>
-            <a:endParaRPr lang="ko-KR" altLang="en-US"/>
-          </a:p>
-        </p:txBody>
-      </p:sp>
-      <p:grpSp>
-        <p:nvGrpSpPr>
-          <p:cNvPr id="54" name="그룹 53">
-            <a:extLst>
-              <a:ext uri="{FF2B5EF4-FFF2-40B4-BE49-F238E27FC236}">
-                <a16:creationId xmlns:a16="http://schemas.microsoft.com/office/drawing/2014/main" id="{66C0925F-151B-ADC6-7A7D-966AF3F4B54C}"/>
-              </a:ext>
-            </a:extLst>
-          </p:cNvPr>
-          <p:cNvGrpSpPr/>
-          <p:nvPr/>
-        </p:nvGrpSpPr>
-        <p:grpSpPr>
-          <a:xfrm>
-            <a:off x="506926" y="198102"/>
-            <a:ext cx="1975874" cy="1118602"/>
-            <a:chOff x="504312" y="325918"/>
-            <a:chExt cx="1975874" cy="1118602"/>
-          </a:xfrm>
-        </p:grpSpPr>
-        <p:sp>
-          <p:nvSpPr>
-            <p:cNvPr id="3" name="직사각형 2">
-              <a:extLst>
-                <a:ext uri="{FF2B5EF4-FFF2-40B4-BE49-F238E27FC236}">
-                  <a16:creationId xmlns:a16="http://schemas.microsoft.com/office/drawing/2014/main" id="{56854BD6-6CB8-F340-2384-70CAF098A86B}"/>
-                </a:ext>
-              </a:extLst>
-            </p:cNvPr>
-            <p:cNvSpPr/>
-            <p:nvPr/>
-          </p:nvSpPr>
-          <p:spPr>
-            <a:xfrm>
-              <a:off x="504312" y="325918"/>
-              <a:ext cx="360926" cy="1118602"/>
-            </a:xfrm>
-            <a:prstGeom prst="rect">
-              <a:avLst/>
-            </a:prstGeom>
-            <a:solidFill>
-              <a:schemeClr val="accent2">
-                <a:lumMod val="20000"/>
-                <a:lumOff val="80000"/>
-              </a:schemeClr>
-            </a:solidFill>
-            <a:ln>
-              <a:solidFill>
-                <a:schemeClr val="accent2">
-                  <a:lumMod val="20000"/>
-                  <a:lumOff val="80000"/>
-                </a:schemeClr>
-              </a:solidFill>
-            </a:ln>
-          </p:spPr>
-          <p:style>
-            <a:lnRef idx="2">
-              <a:schemeClr val="accent1">
-                <a:shade val="50000"/>
-              </a:schemeClr>
-            </a:lnRef>
-            <a:fillRef idx="1">
-              <a:schemeClr val="accent1"/>
-            </a:fillRef>
-            <a:effectRef idx="0">
-              <a:schemeClr val="accent1"/>
-            </a:effectRef>
-            <a:fontRef idx="minor">
-              <a:schemeClr val="lt1"/>
-            </a:fontRef>
-          </p:style>
-          <p:txBody>
-            <a:bodyPr rtlCol="0" anchor="ctr"/>
-            <a:lstStyle/>
-            <a:p>
-              <a:pPr algn="ctr"/>
-              <a:endParaRPr lang="ko-KR" altLang="en-US"/>
-            </a:p>
-          </p:txBody>
-        </p:sp>
-        <p:sp>
-          <p:nvSpPr>
-            <p:cNvPr id="4" name="직사각형 3">
-              <a:extLst>
-                <a:ext uri="{FF2B5EF4-FFF2-40B4-BE49-F238E27FC236}">
-                  <a16:creationId xmlns:a16="http://schemas.microsoft.com/office/drawing/2014/main" id="{5D2F44D7-A4E3-5CE0-5C3D-C637D3593E03}"/>
-                </a:ext>
-              </a:extLst>
-            </p:cNvPr>
-            <p:cNvSpPr/>
-            <p:nvPr/>
-          </p:nvSpPr>
-          <p:spPr>
-            <a:xfrm>
-              <a:off x="2032538" y="325918"/>
-              <a:ext cx="447648" cy="1118602"/>
-            </a:xfrm>
-            <a:prstGeom prst="rect">
-              <a:avLst/>
-            </a:prstGeom>
-            <a:solidFill>
-              <a:schemeClr val="accent2">
-                <a:lumMod val="20000"/>
-                <a:lumOff val="80000"/>
-              </a:schemeClr>
-            </a:solidFill>
-            <a:ln>
-              <a:solidFill>
-                <a:schemeClr val="accent2">
-                  <a:lumMod val="20000"/>
-                  <a:lumOff val="80000"/>
-                </a:schemeClr>
-              </a:solidFill>
-            </a:ln>
-          </p:spPr>
-          <p:style>
-            <a:lnRef idx="2">
-              <a:schemeClr val="accent1">
-                <a:shade val="50000"/>
-              </a:schemeClr>
-            </a:lnRef>
-            <a:fillRef idx="1">
-              <a:schemeClr val="accent1"/>
-            </a:fillRef>
-            <a:effectRef idx="0">
-              <a:schemeClr val="accent1"/>
-            </a:effectRef>
-            <a:fontRef idx="minor">
-              <a:schemeClr val="lt1"/>
-            </a:fontRef>
-          </p:style>
-          <p:txBody>
-            <a:bodyPr rtlCol="0" anchor="ctr"/>
-            <a:lstStyle/>
-            <a:p>
-              <a:pPr algn="ctr"/>
-              <a:endParaRPr lang="ko-KR" altLang="en-US"/>
-            </a:p>
-          </p:txBody>
-        </p:sp>
-      </p:grpSp>
-      <p:sp>
-        <p:nvSpPr>
-          <p:cNvPr id="5" name="직사각형 4">
-            <a:extLst>
-              <a:ext uri="{FF2B5EF4-FFF2-40B4-BE49-F238E27FC236}">
-                <a16:creationId xmlns:a16="http://schemas.microsoft.com/office/drawing/2014/main" id="{21A5733A-A7BE-FF82-08DD-F9ABCB2C6D03}"/>
-              </a:ext>
-            </a:extLst>
-          </p:cNvPr>
-          <p:cNvSpPr/>
-          <p:nvPr/>
-        </p:nvSpPr>
-        <p:spPr>
-          <a:xfrm>
-            <a:off x="9336963" y="3758087"/>
-            <a:ext cx="2751992" cy="622800"/>
-          </a:xfrm>
-          <a:prstGeom prst="rect">
-            <a:avLst/>
-          </a:prstGeom>
-          <a:solidFill>
-            <a:schemeClr val="accent6">
-              <a:lumMod val="20000"/>
-              <a:lumOff val="80000"/>
-            </a:schemeClr>
-          </a:solidFill>
-          <a:ln>
-            <a:solidFill>
-              <a:schemeClr val="accent6">
-                <a:lumMod val="20000"/>
-                <a:lumOff val="80000"/>
-              </a:schemeClr>
+              <a:srgbClr val="ECF5E7"/>
             </a:solidFill>
           </a:ln>
         </p:spPr>
@@ -4011,10 +3804,10 @@
       </p:sp>
       <p:sp>
         <p:nvSpPr>
-          <p:cNvPr id="10" name="직사각형 9">
-            <a:extLst>
-              <a:ext uri="{FF2B5EF4-FFF2-40B4-BE49-F238E27FC236}">
-                <a16:creationId xmlns:a16="http://schemas.microsoft.com/office/drawing/2014/main" id="{0304E307-A244-5052-9D91-0F18242906A8}"/>
+          <p:cNvPr id="11" name="직사각형 10">
+            <a:extLst>
+              <a:ext uri="{FF2B5EF4-FFF2-40B4-BE49-F238E27FC236}">
+                <a16:creationId xmlns:a16="http://schemas.microsoft.com/office/drawing/2014/main" id="{164FF0BF-9900-0FB4-B088-D03BF6A12BCD}"/>
               </a:ext>
             </a:extLst>
           </p:cNvPr>
@@ -4023,8 +3816,8 @@
         </p:nvSpPr>
         <p:spPr>
           <a:xfrm>
-            <a:off x="102109" y="762256"/>
-            <a:ext cx="3405554" cy="1163460"/>
+            <a:off x="893417" y="3742864"/>
+            <a:ext cx="2825262" cy="552011"/>
           </a:xfrm>
           <a:prstGeom prst="rect">
             <a:avLst/>
@@ -4042,46 +3835,34 @@
               </a:lnSpc>
             </a:pPr>
             <a:r>
-              <a:rPr lang="en-US" altLang="ko-KR" sz="1100" b="1" dirty="0"/>
-              <a:t>Three-</a:t>
-            </a:r>
-            <a:r>
-              <a:rPr lang="en-US" altLang="ko-KR" sz="1100" b="1" dirty="0">
-                <a:solidFill>
-                  <a:srgbClr val="C00000"/>
-                </a:solidFill>
-              </a:rPr>
-              <a:t>tier</a:t>
-            </a:r>
-            <a:r>
-              <a:rPr lang="en-US" altLang="ko-KR" sz="1100" b="1" dirty="0"/>
-              <a:t> Architecture &gt; </a:t>
-            </a:r>
-            <a:r>
-              <a:rPr lang="ko-KR" altLang="en-US" sz="1100" b="1" dirty="0" err="1"/>
-              <a:t>Three-</a:t>
-            </a:r>
-            <a:r>
-              <a:rPr lang="ko-KR" altLang="en-US" sz="1100" b="1" dirty="0" err="1">
-                <a:solidFill>
-                  <a:srgbClr val="C00000"/>
-                </a:solidFill>
-              </a:rPr>
-              <a:t>layered</a:t>
-            </a:r>
-            <a:r>
-              <a:rPr lang="ko-KR" altLang="en-US" sz="1100" b="1" dirty="0"/>
+              <a:rPr lang="ko-KR" altLang="en-US" sz="1050" b="1" dirty="0" err="1"/>
+              <a:t>Extreme</a:t>
+            </a:r>
+            <a:r>
+              <a:rPr lang="ko-KR" altLang="en-US" sz="1050" b="1" dirty="0"/>
               <a:t> </a:t>
             </a:r>
             <a:r>
-              <a:rPr lang="en-US" altLang="ko-KR" sz="1100" b="1" dirty="0"/>
-              <a:t>A</a:t>
-            </a:r>
-            <a:r>
-              <a:rPr lang="ko-KR" altLang="en-US" sz="1100" b="1" dirty="0" err="1"/>
-              <a:t>rchitecture</a:t>
-            </a:r>
-            <a:endParaRPr lang="ko-KR" altLang="en-US" sz="1100" b="1" dirty="0"/>
+              <a:rPr lang="ko-KR" altLang="en-US" sz="1050" b="1" dirty="0" err="1"/>
+              <a:t>Programming</a:t>
+            </a:r>
+            <a:r>
+              <a:rPr lang="ko-KR" altLang="en-US" sz="1050" b="1" dirty="0"/>
+              <a:t>(XP) </a:t>
+            </a:r>
+            <a:r>
+              <a:rPr lang="ko-KR" altLang="en-US" sz="1050" b="1" dirty="0" err="1"/>
+              <a:t>book</a:t>
+            </a:r>
+            <a:r>
+              <a:rPr lang="ko-KR" altLang="en-US" sz="1050" b="1" dirty="0"/>
+              <a:t> </a:t>
+            </a:r>
+            <a:r>
+              <a:rPr lang="ko-KR" altLang="en-US" sz="1050" b="1" dirty="0" err="1"/>
+              <a:t>published</a:t>
+            </a:r>
+            <a:endParaRPr lang="ko-KR" altLang="en-US" sz="1050" b="1" dirty="0"/>
           </a:p>
           <a:p>
             <a:pPr>
@@ -4090,78 +3871,98 @@
               </a:lnSpc>
             </a:pPr>
             <a:r>
-              <a:rPr lang="ko-KR" altLang="en-US" sz="900" dirty="0" err="1"/>
+              <a:rPr lang="ko-KR" altLang="en-US" sz="1050" dirty="0" err="1"/>
               <a:t>by</a:t>
             </a:r>
             <a:r>
-              <a:rPr lang="ko-KR" altLang="en-US" sz="900" dirty="0"/>
+              <a:rPr lang="ko-KR" altLang="en-US" sz="1050" dirty="0"/>
               <a:t> </a:t>
             </a:r>
             <a:r>
-              <a:rPr lang="ko-KR" altLang="en-US" sz="900" dirty="0" err="1"/>
-              <a:t>John</a:t>
-            </a:r>
-            <a:r>
-              <a:rPr lang="ko-KR" altLang="en-US" sz="900" dirty="0"/>
+              <a:rPr lang="ko-KR" altLang="en-US" sz="1050" dirty="0" err="1"/>
+              <a:t>Kent</a:t>
+            </a:r>
+            <a:r>
+              <a:rPr lang="ko-KR" altLang="en-US" sz="1050" dirty="0"/>
               <a:t> </a:t>
             </a:r>
             <a:r>
-              <a:rPr lang="ko-KR" altLang="en-US" sz="900" dirty="0" err="1"/>
-              <a:t>J</a:t>
-            </a:r>
-            <a:r>
-              <a:rPr lang="ko-KR" altLang="en-US" sz="900" dirty="0"/>
-              <a:t>. </a:t>
-            </a:r>
-            <a:r>
-              <a:rPr lang="ko-KR" altLang="en-US" sz="900" dirty="0" err="1"/>
-              <a:t>Donovan</a:t>
-            </a:r>
-            <a:endParaRPr lang="ko-KR" altLang="en-US" sz="900" dirty="0"/>
-          </a:p>
-          <a:p>
-            <a:pPr>
-              <a:lnSpc>
-                <a:spcPct val="250000"/>
-              </a:lnSpc>
-            </a:pPr>
-            <a:r>
-              <a:rPr lang="ko-KR" altLang="en-US" sz="1100" b="1" dirty="0" err="1">
-                <a:solidFill>
-                  <a:srgbClr val="C00000"/>
-                </a:solidFill>
-              </a:rPr>
-              <a:t>Entity</a:t>
-            </a:r>
-            <a:r>
-              <a:rPr lang="ko-KR" altLang="en-US" sz="1100" b="1" dirty="0"/>
-              <a:t>-</a:t>
-            </a:r>
-            <a:r>
-              <a:rPr lang="en-US" altLang="ko-KR" sz="1100" b="1" dirty="0"/>
-              <a:t>C</a:t>
-            </a:r>
-            <a:r>
-              <a:rPr lang="ko-KR" altLang="en-US" sz="1100" b="1" dirty="0" err="1"/>
-              <a:t>ontrol</a:t>
-            </a:r>
-            <a:r>
-              <a:rPr lang="ko-KR" altLang="en-US" sz="1100" b="1" dirty="0"/>
-              <a:t>-</a:t>
-            </a:r>
-            <a:r>
-              <a:rPr lang="en-US" altLang="ko-KR" sz="1100" b="1" dirty="0"/>
-              <a:t>B</a:t>
-            </a:r>
-            <a:r>
-              <a:rPr lang="ko-KR" altLang="en-US" sz="1100" b="1" dirty="0" err="1"/>
-              <a:t>oundary</a:t>
-            </a:r>
-            <a:r>
-              <a:rPr lang="ko-KR" altLang="en-US" sz="1100" b="1" dirty="0"/>
-              <a:t>(ECB)</a:t>
-            </a:r>
-          </a:p>
+              <a:rPr lang="ko-KR" altLang="en-US" sz="1050" dirty="0" err="1"/>
+              <a:t>Beck</a:t>
+            </a:r>
+            <a:endParaRPr lang="ko-KR" altLang="en-US" sz="1050" dirty="0"/>
+          </a:p>
+        </p:txBody>
+      </p:sp>
+      <p:sp>
+        <p:nvSpPr>
+          <p:cNvPr id="12" name="직사각형 11">
+            <a:extLst>
+              <a:ext uri="{FF2B5EF4-FFF2-40B4-BE49-F238E27FC236}">
+                <a16:creationId xmlns:a16="http://schemas.microsoft.com/office/drawing/2014/main" id="{CFBA07C9-8EB5-ADCF-4475-9B6DFEA31A50}"/>
+              </a:ext>
+            </a:extLst>
+          </p:cNvPr>
+          <p:cNvSpPr/>
+          <p:nvPr/>
+        </p:nvSpPr>
+        <p:spPr>
+          <a:xfrm>
+            <a:off x="3006735" y="2290051"/>
+            <a:ext cx="1067921" cy="253916"/>
+          </a:xfrm>
+          <a:prstGeom prst="rect">
+            <a:avLst/>
+          </a:prstGeom>
+        </p:spPr>
+        <p:txBody>
+          <a:bodyPr wrap="none">
+            <a:spAutoFit/>
+          </a:bodyPr>
+          <a:lstStyle/>
+          <a:p>
+            <a:r>
+              <a:rPr lang="ko-KR" altLang="en-US" sz="1050" b="1" dirty="0" err="1"/>
+              <a:t>Agile</a:t>
+            </a:r>
+            <a:r>
+              <a:rPr lang="ko-KR" altLang="en-US" sz="1050" b="1" dirty="0"/>
+              <a:t> </a:t>
+            </a:r>
+            <a:r>
+              <a:rPr lang="ko-KR" altLang="en-US" sz="1050" b="1" dirty="0" err="1"/>
+              <a:t>Manifesto</a:t>
+            </a:r>
+            <a:endParaRPr lang="ko-KR" altLang="en-US" sz="1050" b="1" dirty="0"/>
+          </a:p>
+        </p:txBody>
+      </p:sp>
+      <p:sp>
+        <p:nvSpPr>
+          <p:cNvPr id="13" name="직사각형 12">
+            <a:extLst>
+              <a:ext uri="{FF2B5EF4-FFF2-40B4-BE49-F238E27FC236}">
+                <a16:creationId xmlns:a16="http://schemas.microsoft.com/office/drawing/2014/main" id="{9C54F276-8A83-0252-1D18-39ABE31D0E8C}"/>
+              </a:ext>
+            </a:extLst>
+          </p:cNvPr>
+          <p:cNvSpPr/>
+          <p:nvPr/>
+        </p:nvSpPr>
+        <p:spPr>
+          <a:xfrm>
+            <a:off x="3803973" y="3742864"/>
+            <a:ext cx="2455985" cy="552011"/>
+          </a:xfrm>
+          <a:prstGeom prst="rect">
+            <a:avLst/>
+          </a:prstGeom>
+        </p:spPr>
+        <p:txBody>
+          <a:bodyPr wrap="square">
+            <a:spAutoFit/>
+          </a:bodyPr>
+          <a:lstStyle/>
           <a:p>
             <a:pPr>
               <a:lnSpc>
@@ -4169,55 +3970,26 @@
               </a:lnSpc>
             </a:pPr>
             <a:r>
-              <a:rPr lang="ko-KR" altLang="en-US" sz="900" dirty="0" err="1"/>
-              <a:t>by</a:t>
-            </a:r>
-            <a:r>
-              <a:rPr lang="ko-KR" altLang="en-US" sz="900" dirty="0"/>
+              <a:rPr lang="ko-KR" altLang="en-US" sz="1050" b="1"/>
+              <a:t>Test</a:t>
+            </a:r>
+            <a:r>
+              <a:rPr lang="en-US" altLang="ko-KR" sz="1050" b="1"/>
+              <a:t>-</a:t>
+            </a:r>
+            <a:r>
+              <a:rPr lang="ko-KR" altLang="en-US" sz="1050" b="1"/>
+              <a:t>Driven</a:t>
+            </a:r>
+            <a:r>
+              <a:rPr lang="en-US" altLang="ko-KR" sz="1050" b="1"/>
               <a:t> </a:t>
             </a:r>
             <a:r>
-              <a:rPr lang="ko-KR" altLang="en-US" sz="900" dirty="0" err="1"/>
-              <a:t>lvar</a:t>
-            </a:r>
-            <a:r>
-              <a:rPr lang="ko-KR" altLang="en-US" sz="900" dirty="0"/>
-              <a:t> </a:t>
-            </a:r>
-            <a:r>
-              <a:rPr lang="ko-KR" altLang="en-US" sz="900" dirty="0" err="1"/>
-              <a:t>Jacobson</a:t>
-            </a:r>
-            <a:endParaRPr lang="ko-KR" altLang="en-US" sz="900" dirty="0"/>
-          </a:p>
-        </p:txBody>
-      </p:sp>
-      <p:sp>
-        <p:nvSpPr>
-          <p:cNvPr id="11" name="직사각형 10">
-            <a:extLst>
-              <a:ext uri="{FF2B5EF4-FFF2-40B4-BE49-F238E27FC236}">
-                <a16:creationId xmlns:a16="http://schemas.microsoft.com/office/drawing/2014/main" id="{164FF0BF-9900-0FB4-B088-D03BF6A12BCD}"/>
-              </a:ext>
-            </a:extLst>
-          </p:cNvPr>
-          <p:cNvSpPr/>
-          <p:nvPr/>
-        </p:nvSpPr>
-        <p:spPr>
-          <a:xfrm>
-            <a:off x="893417" y="3742864"/>
-            <a:ext cx="2825262" cy="507831"/>
-          </a:xfrm>
-          <a:prstGeom prst="rect">
-            <a:avLst/>
-          </a:prstGeom>
-        </p:spPr>
-        <p:txBody>
-          <a:bodyPr wrap="square">
-            <a:spAutoFit/>
-          </a:bodyPr>
-          <a:lstStyle/>
+              <a:rPr lang="ko-KR" altLang="en-US" sz="1050" b="1"/>
+              <a:t>Development by Example</a:t>
+            </a:r>
+          </a:p>
           <a:p>
             <a:pPr>
               <a:lnSpc>
@@ -4225,118 +3997,7 @@
               </a:lnSpc>
             </a:pPr>
             <a:r>
-              <a:rPr lang="ko-KR" altLang="en-US" sz="900" b="1"/>
-              <a:t>Extreme Programming(XP) book published</a:t>
-            </a:r>
-          </a:p>
-          <a:p>
-            <a:pPr>
-              <a:lnSpc>
-                <a:spcPct val="150000"/>
-              </a:lnSpc>
-            </a:pPr>
-            <a:r>
-              <a:rPr lang="ko-KR" altLang="en-US" sz="900"/>
-              <a:t>by Kent Beck</a:t>
-            </a:r>
-          </a:p>
-        </p:txBody>
-      </p:sp>
-      <p:sp>
-        <p:nvSpPr>
-          <p:cNvPr id="12" name="직사각형 11">
-            <a:extLst>
-              <a:ext uri="{FF2B5EF4-FFF2-40B4-BE49-F238E27FC236}">
-                <a16:creationId xmlns:a16="http://schemas.microsoft.com/office/drawing/2014/main" id="{CFBA07C9-8EB5-ADCF-4475-9B6DFEA31A50}"/>
-              </a:ext>
-            </a:extLst>
-          </p:cNvPr>
-          <p:cNvSpPr/>
-          <p:nvPr/>
-        </p:nvSpPr>
-        <p:spPr>
-          <a:xfrm>
-            <a:off x="3006735" y="2290051"/>
-            <a:ext cx="1059906" cy="230832"/>
-          </a:xfrm>
-          <a:prstGeom prst="rect">
-            <a:avLst/>
-          </a:prstGeom>
-        </p:spPr>
-        <p:txBody>
-          <a:bodyPr wrap="none">
-            <a:spAutoFit/>
-          </a:bodyPr>
-          <a:lstStyle/>
-          <a:p>
-            <a:r>
-              <a:rPr lang="ko-KR" altLang="en-US" sz="900" b="1"/>
-              <a:t>Agile Manifesto</a:t>
-            </a:r>
-          </a:p>
-        </p:txBody>
-      </p:sp>
-      <p:sp>
-        <p:nvSpPr>
-          <p:cNvPr id="13" name="직사각형 12">
-            <a:extLst>
-              <a:ext uri="{FF2B5EF4-FFF2-40B4-BE49-F238E27FC236}">
-                <a16:creationId xmlns:a16="http://schemas.microsoft.com/office/drawing/2014/main" id="{9C54F276-8A83-0252-1D18-39ABE31D0E8C}"/>
-              </a:ext>
-            </a:extLst>
-          </p:cNvPr>
-          <p:cNvSpPr/>
-          <p:nvPr/>
-        </p:nvSpPr>
-        <p:spPr>
-          <a:xfrm>
-            <a:off x="3803973" y="3742864"/>
-            <a:ext cx="2455985" cy="507831"/>
-          </a:xfrm>
-          <a:prstGeom prst="rect">
-            <a:avLst/>
-          </a:prstGeom>
-        </p:spPr>
-        <p:txBody>
-          <a:bodyPr wrap="square">
-            <a:spAutoFit/>
-          </a:bodyPr>
-          <a:lstStyle/>
-          <a:p>
-            <a:pPr>
-              <a:lnSpc>
-                <a:spcPct val="150000"/>
-              </a:lnSpc>
-            </a:pPr>
-            <a:r>
-              <a:rPr lang="ko-KR" altLang="en-US" sz="900" b="1"/>
-              <a:t>Test</a:t>
-            </a:r>
-            <a:r>
-              <a:rPr lang="en-US" altLang="ko-KR" sz="900" b="1"/>
-              <a:t>-</a:t>
-            </a:r>
-            <a:r>
-              <a:rPr lang="ko-KR" altLang="en-US" sz="900" b="1"/>
-              <a:t>Driven</a:t>
-            </a:r>
-            <a:r>
-              <a:rPr lang="en-US" altLang="ko-KR" sz="900" b="1"/>
-              <a:t> </a:t>
-            </a:r>
-            <a:r>
-              <a:rPr lang="ko-KR" altLang="en-US" sz="900" b="1"/>
-              <a:t>Development by Example</a:t>
-            </a:r>
-          </a:p>
-          <a:p>
-            <a:pPr>
-              <a:lnSpc>
-                <a:spcPct val="150000"/>
-              </a:lnSpc>
-            </a:pPr>
-            <a:r>
-              <a:rPr lang="ko-KR" altLang="en-US" sz="900"/>
+              <a:rPr lang="ko-KR" altLang="en-US" sz="1050"/>
               <a:t>by Kent Beck</a:t>
             </a:r>
           </a:p>
@@ -5934,51 +5595,6 @@
           </a:p>
         </p:txBody>
       </p:sp>
-      <p:sp>
-        <p:nvSpPr>
-          <p:cNvPr id="50" name="TextBox 49">
-            <a:extLst>
-              <a:ext uri="{FF2B5EF4-FFF2-40B4-BE49-F238E27FC236}">
-                <a16:creationId xmlns:a16="http://schemas.microsoft.com/office/drawing/2014/main" id="{C18DD5DA-56DD-289D-2D8A-F34ADD73C615}"/>
-              </a:ext>
-            </a:extLst>
-          </p:cNvPr>
-          <p:cNvSpPr txBox="1"/>
-          <p:nvPr/>
-        </p:nvSpPr>
-        <p:spPr>
-          <a:xfrm>
-            <a:off x="296042" y="282919"/>
-            <a:ext cx="2397643" cy="369332"/>
-          </a:xfrm>
-          <a:prstGeom prst="rect">
-            <a:avLst/>
-          </a:prstGeom>
-          <a:noFill/>
-        </p:spPr>
-        <p:txBody>
-          <a:bodyPr wrap="none" rtlCol="0">
-            <a:spAutoFit/>
-          </a:bodyPr>
-          <a:lstStyle/>
-          <a:p>
-            <a:pPr algn="ctr"/>
-            <a:r>
-              <a:rPr lang="en-US" altLang="ko-KR" b="1" dirty="0">
-                <a:solidFill>
-                  <a:srgbClr val="C00000"/>
-                </a:solidFill>
-              </a:rPr>
-              <a:t>Separation of Concerns</a:t>
-            </a:r>
-            <a:endParaRPr lang="ko-KR" altLang="en-US" b="1" dirty="0">
-              <a:solidFill>
-                <a:srgbClr val="C00000"/>
-              </a:solidFill>
-            </a:endParaRPr>
-          </a:p>
-        </p:txBody>
-      </p:sp>
       <p:pic>
         <p:nvPicPr>
           <p:cNvPr id="51" name="Picture 4" descr="Clean Coder Blog">
@@ -6120,6 +5736,435 @@
           </a:extLst>
         </p:spPr>
       </p:pic>
+      <p:sp>
+        <p:nvSpPr>
+          <p:cNvPr id="2" name="직사각형 1">
+            <a:extLst>
+              <a:ext uri="{FF2B5EF4-FFF2-40B4-BE49-F238E27FC236}">
+                <a16:creationId xmlns:a16="http://schemas.microsoft.com/office/drawing/2014/main" id="{01197C5E-E27E-5DE5-90E7-D6149843292D}"/>
+              </a:ext>
+            </a:extLst>
+          </p:cNvPr>
+          <p:cNvSpPr/>
+          <p:nvPr/>
+        </p:nvSpPr>
+        <p:spPr>
+          <a:xfrm>
+            <a:off x="144751" y="1945175"/>
+            <a:ext cx="447648" cy="360000"/>
+          </a:xfrm>
+          <a:prstGeom prst="rect">
+            <a:avLst/>
+          </a:prstGeom>
+          <a:solidFill>
+            <a:srgbClr val="FCEEE4"/>
+          </a:solidFill>
+          <a:ln>
+            <a:solidFill>
+              <a:srgbClr val="FCEEE4"/>
+            </a:solidFill>
+          </a:ln>
+        </p:spPr>
+        <p:style>
+          <a:lnRef idx="2">
+            <a:schemeClr val="accent1">
+              <a:shade val="50000"/>
+            </a:schemeClr>
+          </a:lnRef>
+          <a:fillRef idx="1">
+            <a:schemeClr val="accent1"/>
+          </a:fillRef>
+          <a:effectRef idx="0">
+            <a:schemeClr val="accent1"/>
+          </a:effectRef>
+          <a:fontRef idx="minor">
+            <a:schemeClr val="lt1"/>
+          </a:fontRef>
+        </p:style>
+        <p:txBody>
+          <a:bodyPr rtlCol="0" anchor="ctr"/>
+          <a:lstStyle/>
+          <a:p>
+            <a:pPr algn="ctr"/>
+            <a:endParaRPr lang="ko-KR" altLang="en-US"/>
+          </a:p>
+        </p:txBody>
+      </p:sp>
+      <p:sp>
+        <p:nvSpPr>
+          <p:cNvPr id="3" name="직사각형 2">
+            <a:extLst>
+              <a:ext uri="{FF2B5EF4-FFF2-40B4-BE49-F238E27FC236}">
+                <a16:creationId xmlns:a16="http://schemas.microsoft.com/office/drawing/2014/main" id="{56854BD6-6CB8-F340-2384-70CAF098A86B}"/>
+              </a:ext>
+            </a:extLst>
+          </p:cNvPr>
+          <p:cNvSpPr/>
+          <p:nvPr/>
+        </p:nvSpPr>
+        <p:spPr>
+          <a:xfrm>
+            <a:off x="509332" y="1357103"/>
+            <a:ext cx="299190" cy="360000"/>
+          </a:xfrm>
+          <a:prstGeom prst="rect">
+            <a:avLst/>
+          </a:prstGeom>
+          <a:solidFill>
+            <a:srgbClr val="FCEEE4"/>
+          </a:solidFill>
+          <a:ln>
+            <a:solidFill>
+              <a:srgbClr val="FCEEE4"/>
+            </a:solidFill>
+          </a:ln>
+        </p:spPr>
+        <p:style>
+          <a:lnRef idx="2">
+            <a:schemeClr val="accent1">
+              <a:shade val="50000"/>
+            </a:schemeClr>
+          </a:lnRef>
+          <a:fillRef idx="1">
+            <a:schemeClr val="accent1"/>
+          </a:fillRef>
+          <a:effectRef idx="0">
+            <a:schemeClr val="accent1"/>
+          </a:effectRef>
+          <a:fontRef idx="minor">
+            <a:schemeClr val="lt1"/>
+          </a:fontRef>
+        </p:style>
+        <p:txBody>
+          <a:bodyPr rtlCol="0" anchor="ctr"/>
+          <a:lstStyle/>
+          <a:p>
+            <a:pPr algn="ctr"/>
+            <a:endParaRPr lang="ko-KR" altLang="en-US"/>
+          </a:p>
+        </p:txBody>
+      </p:sp>
+      <p:sp>
+        <p:nvSpPr>
+          <p:cNvPr id="4" name="직사각형 3">
+            <a:extLst>
+              <a:ext uri="{FF2B5EF4-FFF2-40B4-BE49-F238E27FC236}">
+                <a16:creationId xmlns:a16="http://schemas.microsoft.com/office/drawing/2014/main" id="{5D2F44D7-A4E3-5CE0-5C3D-C637D3593E03}"/>
+              </a:ext>
+            </a:extLst>
+          </p:cNvPr>
+          <p:cNvSpPr/>
+          <p:nvPr/>
+        </p:nvSpPr>
+        <p:spPr>
+          <a:xfrm>
+            <a:off x="2001466" y="1357103"/>
+            <a:ext cx="505916" cy="360000"/>
+          </a:xfrm>
+          <a:prstGeom prst="rect">
+            <a:avLst/>
+          </a:prstGeom>
+          <a:solidFill>
+            <a:srgbClr val="FCEEE4"/>
+          </a:solidFill>
+          <a:ln>
+            <a:solidFill>
+              <a:srgbClr val="FCEEE4"/>
+            </a:solidFill>
+          </a:ln>
+        </p:spPr>
+        <p:style>
+          <a:lnRef idx="2">
+            <a:schemeClr val="accent1">
+              <a:shade val="50000"/>
+            </a:schemeClr>
+          </a:lnRef>
+          <a:fillRef idx="1">
+            <a:schemeClr val="accent1"/>
+          </a:fillRef>
+          <a:effectRef idx="0">
+            <a:schemeClr val="accent1"/>
+          </a:effectRef>
+          <a:fontRef idx="minor">
+            <a:schemeClr val="lt1"/>
+          </a:fontRef>
+        </p:style>
+        <p:txBody>
+          <a:bodyPr rtlCol="0" anchor="ctr"/>
+          <a:lstStyle/>
+          <a:p>
+            <a:pPr algn="ctr"/>
+            <a:endParaRPr lang="ko-KR" altLang="en-US"/>
+          </a:p>
+        </p:txBody>
+      </p:sp>
+      <p:sp>
+        <p:nvSpPr>
+          <p:cNvPr id="10" name="직사각형 9">
+            <a:extLst>
+              <a:ext uri="{FF2B5EF4-FFF2-40B4-BE49-F238E27FC236}">
+                <a16:creationId xmlns:a16="http://schemas.microsoft.com/office/drawing/2014/main" id="{0304E307-A244-5052-9D91-0F18242906A8}"/>
+              </a:ext>
+            </a:extLst>
+          </p:cNvPr>
+          <p:cNvSpPr/>
+          <p:nvPr/>
+        </p:nvSpPr>
+        <p:spPr>
+          <a:xfrm>
+            <a:off x="102109" y="1348557"/>
+            <a:ext cx="3405554" cy="1163460"/>
+          </a:xfrm>
+          <a:prstGeom prst="rect">
+            <a:avLst/>
+          </a:prstGeom>
+        </p:spPr>
+        <p:txBody>
+          <a:bodyPr wrap="square">
+            <a:spAutoFit/>
+          </a:bodyPr>
+          <a:lstStyle/>
+          <a:p>
+            <a:pPr>
+              <a:lnSpc>
+                <a:spcPct val="150000"/>
+              </a:lnSpc>
+            </a:pPr>
+            <a:r>
+              <a:rPr lang="en-US" altLang="ko-KR" sz="1100" b="1" dirty="0"/>
+              <a:t>Three-</a:t>
+            </a:r>
+            <a:r>
+              <a:rPr lang="en-US" altLang="ko-KR" sz="1100" b="1" dirty="0">
+                <a:solidFill>
+                  <a:srgbClr val="C00000"/>
+                </a:solidFill>
+              </a:rPr>
+              <a:t>tier</a:t>
+            </a:r>
+            <a:r>
+              <a:rPr lang="en-US" altLang="ko-KR" sz="1100" b="1" dirty="0"/>
+              <a:t> Architecture &gt; </a:t>
+            </a:r>
+            <a:r>
+              <a:rPr lang="ko-KR" altLang="en-US" sz="1100" b="1" dirty="0" err="1"/>
+              <a:t>Three-</a:t>
+            </a:r>
+            <a:r>
+              <a:rPr lang="ko-KR" altLang="en-US" sz="1100" b="1" dirty="0" err="1">
+                <a:solidFill>
+                  <a:srgbClr val="C00000"/>
+                </a:solidFill>
+              </a:rPr>
+              <a:t>layered</a:t>
+            </a:r>
+            <a:r>
+              <a:rPr lang="ko-KR" altLang="en-US" sz="1100" b="1" dirty="0"/>
+              <a:t> </a:t>
+            </a:r>
+            <a:r>
+              <a:rPr lang="en-US" altLang="ko-KR" sz="1100" b="1" dirty="0"/>
+              <a:t>A</a:t>
+            </a:r>
+            <a:r>
+              <a:rPr lang="ko-KR" altLang="en-US" sz="1100" b="1" dirty="0" err="1"/>
+              <a:t>rchitecture</a:t>
+            </a:r>
+            <a:endParaRPr lang="ko-KR" altLang="en-US" sz="1100" b="1" dirty="0"/>
+          </a:p>
+          <a:p>
+            <a:pPr>
+              <a:lnSpc>
+                <a:spcPct val="150000"/>
+              </a:lnSpc>
+            </a:pPr>
+            <a:r>
+              <a:rPr lang="ko-KR" altLang="en-US" sz="900" dirty="0" err="1"/>
+              <a:t>by</a:t>
+            </a:r>
+            <a:r>
+              <a:rPr lang="ko-KR" altLang="en-US" sz="900" dirty="0"/>
+              <a:t> </a:t>
+            </a:r>
+            <a:r>
+              <a:rPr lang="ko-KR" altLang="en-US" sz="900" dirty="0" err="1"/>
+              <a:t>John</a:t>
+            </a:r>
+            <a:r>
+              <a:rPr lang="ko-KR" altLang="en-US" sz="900" dirty="0"/>
+              <a:t> </a:t>
+            </a:r>
+            <a:r>
+              <a:rPr lang="ko-KR" altLang="en-US" sz="900" dirty="0" err="1"/>
+              <a:t>J</a:t>
+            </a:r>
+            <a:r>
+              <a:rPr lang="ko-KR" altLang="en-US" sz="900" dirty="0"/>
+              <a:t>. </a:t>
+            </a:r>
+            <a:r>
+              <a:rPr lang="ko-KR" altLang="en-US" sz="900" dirty="0" err="1"/>
+              <a:t>Donovan</a:t>
+            </a:r>
+            <a:endParaRPr lang="ko-KR" altLang="en-US" sz="900" dirty="0"/>
+          </a:p>
+          <a:p>
+            <a:pPr>
+              <a:lnSpc>
+                <a:spcPct val="250000"/>
+              </a:lnSpc>
+            </a:pPr>
+            <a:r>
+              <a:rPr lang="ko-KR" altLang="en-US" sz="1100" b="1" dirty="0" err="1">
+                <a:solidFill>
+                  <a:srgbClr val="C00000"/>
+                </a:solidFill>
+              </a:rPr>
+              <a:t>Entity</a:t>
+            </a:r>
+            <a:r>
+              <a:rPr lang="ko-KR" altLang="en-US" sz="1100" b="1" dirty="0"/>
+              <a:t>-</a:t>
+            </a:r>
+            <a:r>
+              <a:rPr lang="en-US" altLang="ko-KR" sz="1100" b="1" dirty="0"/>
+              <a:t>C</a:t>
+            </a:r>
+            <a:r>
+              <a:rPr lang="ko-KR" altLang="en-US" sz="1100" b="1" dirty="0" err="1"/>
+              <a:t>ontrol</a:t>
+            </a:r>
+            <a:r>
+              <a:rPr lang="ko-KR" altLang="en-US" sz="1100" b="1" dirty="0"/>
+              <a:t>-</a:t>
+            </a:r>
+            <a:r>
+              <a:rPr lang="en-US" altLang="ko-KR" sz="1100" b="1" dirty="0"/>
+              <a:t>B</a:t>
+            </a:r>
+            <a:r>
+              <a:rPr lang="ko-KR" altLang="en-US" sz="1100" b="1" dirty="0" err="1"/>
+              <a:t>oundary</a:t>
+            </a:r>
+            <a:r>
+              <a:rPr lang="ko-KR" altLang="en-US" sz="1100" b="1" dirty="0"/>
+              <a:t>(ECB)</a:t>
+            </a:r>
+          </a:p>
+          <a:p>
+            <a:pPr>
+              <a:lnSpc>
+                <a:spcPct val="150000"/>
+              </a:lnSpc>
+            </a:pPr>
+            <a:r>
+              <a:rPr lang="ko-KR" altLang="en-US" sz="900" dirty="0" err="1"/>
+              <a:t>by</a:t>
+            </a:r>
+            <a:r>
+              <a:rPr lang="ko-KR" altLang="en-US" sz="900" dirty="0"/>
+              <a:t> </a:t>
+            </a:r>
+            <a:r>
+              <a:rPr lang="ko-KR" altLang="en-US" sz="900" dirty="0" err="1"/>
+              <a:t>lvar</a:t>
+            </a:r>
+            <a:r>
+              <a:rPr lang="ko-KR" altLang="en-US" sz="900" dirty="0"/>
+              <a:t> </a:t>
+            </a:r>
+            <a:r>
+              <a:rPr lang="ko-KR" altLang="en-US" sz="900" dirty="0" err="1"/>
+              <a:t>Jacobson</a:t>
+            </a:r>
+            <a:endParaRPr lang="ko-KR" altLang="en-US" sz="900" dirty="0"/>
+          </a:p>
+        </p:txBody>
+      </p:sp>
+      <p:sp>
+        <p:nvSpPr>
+          <p:cNvPr id="50" name="TextBox 49">
+            <a:extLst>
+              <a:ext uri="{FF2B5EF4-FFF2-40B4-BE49-F238E27FC236}">
+                <a16:creationId xmlns:a16="http://schemas.microsoft.com/office/drawing/2014/main" id="{C18DD5DA-56DD-289D-2D8A-F34ADD73C615}"/>
+              </a:ext>
+            </a:extLst>
+          </p:cNvPr>
+          <p:cNvSpPr txBox="1"/>
+          <p:nvPr/>
+        </p:nvSpPr>
+        <p:spPr>
+          <a:xfrm>
+            <a:off x="296042" y="784356"/>
+            <a:ext cx="2397643" cy="369332"/>
+          </a:xfrm>
+          <a:prstGeom prst="rect">
+            <a:avLst/>
+          </a:prstGeom>
+          <a:noFill/>
+        </p:spPr>
+        <p:txBody>
+          <a:bodyPr wrap="none" rtlCol="0">
+            <a:spAutoFit/>
+          </a:bodyPr>
+          <a:lstStyle/>
+          <a:p>
+            <a:pPr algn="ctr"/>
+            <a:r>
+              <a:rPr lang="en-US" altLang="ko-KR" b="1" dirty="0">
+                <a:solidFill>
+                  <a:srgbClr val="C00000"/>
+                </a:solidFill>
+              </a:rPr>
+              <a:t>Separation of Concerns</a:t>
+            </a:r>
+            <a:endParaRPr lang="ko-KR" altLang="en-US" b="1" dirty="0">
+              <a:solidFill>
+                <a:srgbClr val="C00000"/>
+              </a:solidFill>
+            </a:endParaRPr>
+          </a:p>
+        </p:txBody>
+      </p:sp>
+      <p:sp>
+        <p:nvSpPr>
+          <p:cNvPr id="56" name="TextBox 55">
+            <a:extLst>
+              <a:ext uri="{FF2B5EF4-FFF2-40B4-BE49-F238E27FC236}">
+                <a16:creationId xmlns:a16="http://schemas.microsoft.com/office/drawing/2014/main" id="{AA910316-ECB4-C3A7-62FD-17E0A319E321}"/>
+              </a:ext>
+            </a:extLst>
+          </p:cNvPr>
+          <p:cNvSpPr txBox="1"/>
+          <p:nvPr/>
+        </p:nvSpPr>
+        <p:spPr>
+          <a:xfrm>
+            <a:off x="919225" y="1087414"/>
+            <a:ext cx="1151277" cy="253916"/>
+          </a:xfrm>
+          <a:prstGeom prst="rect">
+            <a:avLst/>
+          </a:prstGeom>
+          <a:noFill/>
+        </p:spPr>
+        <p:txBody>
+          <a:bodyPr wrap="none" rtlCol="0">
+            <a:spAutoFit/>
+          </a:bodyPr>
+          <a:lstStyle/>
+          <a:p>
+            <a:r>
+              <a:rPr lang="en-GB" sz="1000" dirty="0">
+                <a:solidFill>
+                  <a:srgbClr val="C00000"/>
+                </a:solidFill>
+              </a:rPr>
+              <a:t>Layer(Tier), Entity</a:t>
+            </a:r>
+          </a:p>
+        </p:txBody>
+      </p:sp>
     </p:spTree>
     <p:extLst>
       <p:ext uri="{BB962C8B-B14F-4D97-AF65-F5344CB8AC3E}">

--- a/README.pptx
+++ b/README.pptx
@@ -12,6 +12,8 @@
     <p:sldId id="260" r:id="rId6"/>
     <p:sldId id="257" r:id="rId7"/>
     <p:sldId id="263" r:id="rId8"/>
+    <p:sldId id="264" r:id="rId9"/>
+    <p:sldId id="265" r:id="rId10"/>
   </p:sldIdLst>
   <p:sldSz cx="12192000" cy="6858000"/>
   <p:notesSz cx="6858000" cy="9144000"/>
@@ -267,7 +269,7 @@
           <a:p>
             <a:fld id="{19A184CB-0BE5-43F6-BF8C-D618442184FC}" type="datetimeFigureOut">
               <a:rPr lang="en-GB" smtClean="0"/>
-              <a:t>16/03/2024</a:t>
+              <a:t>29/03/2024</a:t>
             </a:fld>
             <a:endParaRPr lang="en-GB"/>
           </a:p>
@@ -467,7 +469,7 @@
           <a:p>
             <a:fld id="{19A184CB-0BE5-43F6-BF8C-D618442184FC}" type="datetimeFigureOut">
               <a:rPr lang="en-GB" smtClean="0"/>
-              <a:t>16/03/2024</a:t>
+              <a:t>29/03/2024</a:t>
             </a:fld>
             <a:endParaRPr lang="en-GB"/>
           </a:p>
@@ -677,7 +679,7 @@
           <a:p>
             <a:fld id="{19A184CB-0BE5-43F6-BF8C-D618442184FC}" type="datetimeFigureOut">
               <a:rPr lang="en-GB" smtClean="0"/>
-              <a:t>16/03/2024</a:t>
+              <a:t>29/03/2024</a:t>
             </a:fld>
             <a:endParaRPr lang="en-GB"/>
           </a:p>
@@ -877,7 +879,7 @@
           <a:p>
             <a:fld id="{19A184CB-0BE5-43F6-BF8C-D618442184FC}" type="datetimeFigureOut">
               <a:rPr lang="en-GB" smtClean="0"/>
-              <a:t>16/03/2024</a:t>
+              <a:t>29/03/2024</a:t>
             </a:fld>
             <a:endParaRPr lang="en-GB"/>
           </a:p>
@@ -1153,7 +1155,7 @@
           <a:p>
             <a:fld id="{19A184CB-0BE5-43F6-BF8C-D618442184FC}" type="datetimeFigureOut">
               <a:rPr lang="en-GB" smtClean="0"/>
-              <a:t>16/03/2024</a:t>
+              <a:t>29/03/2024</a:t>
             </a:fld>
             <a:endParaRPr lang="en-GB"/>
           </a:p>
@@ -1421,7 +1423,7 @@
           <a:p>
             <a:fld id="{19A184CB-0BE5-43F6-BF8C-D618442184FC}" type="datetimeFigureOut">
               <a:rPr lang="en-GB" smtClean="0"/>
-              <a:t>16/03/2024</a:t>
+              <a:t>29/03/2024</a:t>
             </a:fld>
             <a:endParaRPr lang="en-GB"/>
           </a:p>
@@ -1836,7 +1838,7 @@
           <a:p>
             <a:fld id="{19A184CB-0BE5-43F6-BF8C-D618442184FC}" type="datetimeFigureOut">
               <a:rPr lang="en-GB" smtClean="0"/>
-              <a:t>16/03/2024</a:t>
+              <a:t>29/03/2024</a:t>
             </a:fld>
             <a:endParaRPr lang="en-GB"/>
           </a:p>
@@ -1978,7 +1980,7 @@
           <a:p>
             <a:fld id="{19A184CB-0BE5-43F6-BF8C-D618442184FC}" type="datetimeFigureOut">
               <a:rPr lang="en-GB" smtClean="0"/>
-              <a:t>16/03/2024</a:t>
+              <a:t>29/03/2024</a:t>
             </a:fld>
             <a:endParaRPr lang="en-GB"/>
           </a:p>
@@ -2091,7 +2093,7 @@
           <a:p>
             <a:fld id="{19A184CB-0BE5-43F6-BF8C-D618442184FC}" type="datetimeFigureOut">
               <a:rPr lang="en-GB" smtClean="0"/>
-              <a:t>16/03/2024</a:t>
+              <a:t>29/03/2024</a:t>
             </a:fld>
             <a:endParaRPr lang="en-GB"/>
           </a:p>
@@ -2404,7 +2406,7 @@
           <a:p>
             <a:fld id="{19A184CB-0BE5-43F6-BF8C-D618442184FC}" type="datetimeFigureOut">
               <a:rPr lang="en-GB" smtClean="0"/>
-              <a:t>16/03/2024</a:t>
+              <a:t>29/03/2024</a:t>
             </a:fld>
             <a:endParaRPr lang="en-GB"/>
           </a:p>
@@ -2693,7 +2695,7 @@
           <a:p>
             <a:fld id="{19A184CB-0BE5-43F6-BF8C-D618442184FC}" type="datetimeFigureOut">
               <a:rPr lang="en-GB" smtClean="0"/>
-              <a:t>16/03/2024</a:t>
+              <a:t>29/03/2024</a:t>
             </a:fld>
             <a:endParaRPr lang="en-GB"/>
           </a:p>
@@ -2936,7 +2938,7 @@
           <a:p>
             <a:fld id="{19A184CB-0BE5-43F6-BF8C-D618442184FC}" type="datetimeFigureOut">
               <a:rPr lang="en-GB" smtClean="0"/>
-              <a:t>16/03/2024</a:t>
+              <a:t>29/03/2024</a:t>
             </a:fld>
             <a:endParaRPr lang="en-GB"/>
           </a:p>
@@ -12722,6 +12724,1633 @@
 </p:sld>
 </file>
 
+<file path=ppt/slides/slide8.xml><?xml version="1.0" encoding="utf-8"?>
+<p:sld xmlns:a="http://schemas.openxmlformats.org/drawingml/2006/main" xmlns:r="http://schemas.openxmlformats.org/officeDocument/2006/relationships" xmlns:p="http://schemas.openxmlformats.org/presentationml/2006/main">
+  <p:cSld>
+    <p:spTree>
+      <p:nvGrpSpPr>
+        <p:cNvPr id="1" name=""/>
+        <p:cNvGrpSpPr/>
+        <p:nvPr/>
+      </p:nvGrpSpPr>
+      <p:grpSpPr>
+        <a:xfrm>
+          <a:off x="0" y="0"/>
+          <a:ext cx="0" cy="0"/>
+          <a:chOff x="0" y="0"/>
+          <a:chExt cx="0" cy="0"/>
+        </a:xfrm>
+      </p:grpSpPr>
+      <p:pic>
+        <p:nvPicPr>
+          <p:cNvPr id="5" name="그림 4">
+            <a:extLst>
+              <a:ext uri="{FF2B5EF4-FFF2-40B4-BE49-F238E27FC236}">
+                <a16:creationId xmlns:a16="http://schemas.microsoft.com/office/drawing/2014/main" id="{796FDEE5-5390-F489-F5CE-9886B0B0A59B}"/>
+              </a:ext>
+            </a:extLst>
+          </p:cNvPr>
+          <p:cNvPicPr>
+            <a:picLocks noChangeAspect="1"/>
+          </p:cNvPicPr>
+          <p:nvPr/>
+        </p:nvPicPr>
+        <p:blipFill>
+          <a:blip r:embed="rId2"/>
+          <a:stretch>
+            <a:fillRect/>
+          </a:stretch>
+        </p:blipFill>
+        <p:spPr>
+          <a:xfrm>
+            <a:off x="1138238" y="585481"/>
+            <a:ext cx="3994202" cy="1961952"/>
+          </a:xfrm>
+          <a:prstGeom prst="rect">
+            <a:avLst/>
+          </a:prstGeom>
+        </p:spPr>
+      </p:pic>
+      <p:pic>
+        <p:nvPicPr>
+          <p:cNvPr id="7" name="그림 6">
+            <a:extLst>
+              <a:ext uri="{FF2B5EF4-FFF2-40B4-BE49-F238E27FC236}">
+                <a16:creationId xmlns:a16="http://schemas.microsoft.com/office/drawing/2014/main" id="{5DF7F6CD-58F4-9D07-E7B9-7E12DB51897C}"/>
+              </a:ext>
+            </a:extLst>
+          </p:cNvPr>
+          <p:cNvPicPr>
+            <a:picLocks noChangeAspect="1"/>
+          </p:cNvPicPr>
+          <p:nvPr/>
+        </p:nvPicPr>
+        <p:blipFill>
+          <a:blip r:embed="rId3"/>
+          <a:stretch>
+            <a:fillRect/>
+          </a:stretch>
+        </p:blipFill>
+        <p:spPr>
+          <a:xfrm>
+            <a:off x="3872833" y="2241755"/>
+            <a:ext cx="6297343" cy="1187245"/>
+          </a:xfrm>
+          <a:prstGeom prst="rect">
+            <a:avLst/>
+          </a:prstGeom>
+        </p:spPr>
+      </p:pic>
+      <p:cxnSp>
+        <p:nvCxnSpPr>
+          <p:cNvPr id="9" name="직선 연결선 8">
+            <a:extLst>
+              <a:ext uri="{FF2B5EF4-FFF2-40B4-BE49-F238E27FC236}">
+                <a16:creationId xmlns:a16="http://schemas.microsoft.com/office/drawing/2014/main" id="{127AA586-4B8D-AC82-E21D-4680725F5390}"/>
+              </a:ext>
+            </a:extLst>
+          </p:cNvPr>
+          <p:cNvCxnSpPr>
+            <a:cxnSpLocks/>
+          </p:cNvCxnSpPr>
+          <p:nvPr/>
+        </p:nvCxnSpPr>
+        <p:spPr>
+          <a:xfrm>
+            <a:off x="4557251" y="3106994"/>
+            <a:ext cx="1725562" cy="0"/>
+          </a:xfrm>
+          <a:prstGeom prst="line">
+            <a:avLst/>
+          </a:prstGeom>
+          <a:ln w="57150">
+            <a:solidFill>
+              <a:srgbClr val="C00000"/>
+            </a:solidFill>
+          </a:ln>
+        </p:spPr>
+        <p:style>
+          <a:lnRef idx="1">
+            <a:schemeClr val="accent1"/>
+          </a:lnRef>
+          <a:fillRef idx="0">
+            <a:schemeClr val="accent1"/>
+          </a:fillRef>
+          <a:effectRef idx="0">
+            <a:schemeClr val="accent1"/>
+          </a:effectRef>
+          <a:fontRef idx="minor">
+            <a:schemeClr val="tx1"/>
+          </a:fontRef>
+        </p:style>
+      </p:cxnSp>
+      <p:cxnSp>
+        <p:nvCxnSpPr>
+          <p:cNvPr id="10" name="직선 연결선 9">
+            <a:extLst>
+              <a:ext uri="{FF2B5EF4-FFF2-40B4-BE49-F238E27FC236}">
+                <a16:creationId xmlns:a16="http://schemas.microsoft.com/office/drawing/2014/main" id="{9660F73E-612D-8B9B-E938-2BE538ACF3C6}"/>
+              </a:ext>
+            </a:extLst>
+          </p:cNvPr>
+          <p:cNvCxnSpPr>
+            <a:cxnSpLocks/>
+          </p:cNvCxnSpPr>
+          <p:nvPr/>
+        </p:nvCxnSpPr>
+        <p:spPr>
+          <a:xfrm>
+            <a:off x="7113638" y="3106994"/>
+            <a:ext cx="2344994" cy="0"/>
+          </a:xfrm>
+          <a:prstGeom prst="line">
+            <a:avLst/>
+          </a:prstGeom>
+          <a:ln w="57150">
+            <a:solidFill>
+              <a:srgbClr val="C00000"/>
+            </a:solidFill>
+          </a:ln>
+        </p:spPr>
+        <p:style>
+          <a:lnRef idx="1">
+            <a:schemeClr val="accent1"/>
+          </a:lnRef>
+          <a:fillRef idx="0">
+            <a:schemeClr val="accent1"/>
+          </a:fillRef>
+          <a:effectRef idx="0">
+            <a:schemeClr val="accent1"/>
+          </a:effectRef>
+          <a:fontRef idx="minor">
+            <a:schemeClr val="tx1"/>
+          </a:fontRef>
+        </p:style>
+      </p:cxnSp>
+      <p:cxnSp>
+        <p:nvCxnSpPr>
+          <p:cNvPr id="13" name="직선 화살표 연결선 12">
+            <a:extLst>
+              <a:ext uri="{FF2B5EF4-FFF2-40B4-BE49-F238E27FC236}">
+                <a16:creationId xmlns:a16="http://schemas.microsoft.com/office/drawing/2014/main" id="{686C3AE4-B9F0-6BD2-B66E-15C7BFE62B83}"/>
+              </a:ext>
+            </a:extLst>
+          </p:cNvPr>
+          <p:cNvCxnSpPr>
+            <a:cxnSpLocks/>
+          </p:cNvCxnSpPr>
+          <p:nvPr/>
+        </p:nvCxnSpPr>
+        <p:spPr>
+          <a:xfrm flipH="1" flipV="1">
+            <a:off x="4508090" y="1661652"/>
+            <a:ext cx="3303639" cy="1173725"/>
+          </a:xfrm>
+          <a:prstGeom prst="straightConnector1">
+            <a:avLst/>
+          </a:prstGeom>
+          <a:ln w="19050">
+            <a:solidFill>
+              <a:srgbClr val="C00000"/>
+            </a:solidFill>
+            <a:tailEnd type="triangle"/>
+          </a:ln>
+        </p:spPr>
+        <p:style>
+          <a:lnRef idx="1">
+            <a:schemeClr val="accent1"/>
+          </a:lnRef>
+          <a:fillRef idx="0">
+            <a:schemeClr val="accent1"/>
+          </a:fillRef>
+          <a:effectRef idx="0">
+            <a:schemeClr val="accent1"/>
+          </a:effectRef>
+          <a:fontRef idx="minor">
+            <a:schemeClr val="tx1"/>
+          </a:fontRef>
+        </p:style>
+      </p:cxnSp>
+    </p:spTree>
+    <p:extLst>
+      <p:ext uri="{BB962C8B-B14F-4D97-AF65-F5344CB8AC3E}">
+        <p14:creationId xmlns:p14="http://schemas.microsoft.com/office/powerpoint/2010/main" val="187060396"/>
+      </p:ext>
+    </p:extLst>
+  </p:cSld>
+  <p:clrMapOvr>
+    <a:masterClrMapping/>
+  </p:clrMapOvr>
+</p:sld>
+</file>
+
+<file path=ppt/slides/slide9.xml><?xml version="1.0" encoding="utf-8"?>
+<p:sld xmlns:a="http://schemas.openxmlformats.org/drawingml/2006/main" xmlns:r="http://schemas.openxmlformats.org/officeDocument/2006/relationships" xmlns:p="http://schemas.openxmlformats.org/presentationml/2006/main">
+  <p:cSld>
+    <p:spTree>
+      <p:nvGrpSpPr>
+        <p:cNvPr id="1" name=""/>
+        <p:cNvGrpSpPr/>
+        <p:nvPr/>
+      </p:nvGrpSpPr>
+      <p:grpSpPr>
+        <a:xfrm>
+          <a:off x="0" y="0"/>
+          <a:ext cx="0" cy="0"/>
+          <a:chOff x="0" y="0"/>
+          <a:chExt cx="0" cy="0"/>
+        </a:xfrm>
+      </p:grpSpPr>
+      <p:pic>
+        <p:nvPicPr>
+          <p:cNvPr id="44" name="그림 43">
+            <a:extLst>
+              <a:ext uri="{FF2B5EF4-FFF2-40B4-BE49-F238E27FC236}">
+                <a16:creationId xmlns:a16="http://schemas.microsoft.com/office/drawing/2014/main" id="{F0A38C33-4D26-62BE-187D-A803012412C4}"/>
+              </a:ext>
+            </a:extLst>
+          </p:cNvPr>
+          <p:cNvPicPr>
+            <a:picLocks noChangeAspect="1"/>
+          </p:cNvPicPr>
+          <p:nvPr/>
+        </p:nvPicPr>
+        <p:blipFill>
+          <a:blip r:embed="rId2"/>
+          <a:stretch>
+            <a:fillRect/>
+          </a:stretch>
+        </p:blipFill>
+        <p:spPr>
+          <a:xfrm>
+            <a:off x="2652826" y="4070642"/>
+            <a:ext cx="9237785" cy="2377857"/>
+          </a:xfrm>
+          <a:prstGeom prst="rect">
+            <a:avLst/>
+          </a:prstGeom>
+        </p:spPr>
+      </p:pic>
+      <p:sp>
+        <p:nvSpPr>
+          <p:cNvPr id="12" name="직사각형 11">
+            <a:extLst>
+              <a:ext uri="{FF2B5EF4-FFF2-40B4-BE49-F238E27FC236}">
+                <a16:creationId xmlns:a16="http://schemas.microsoft.com/office/drawing/2014/main" id="{8968B28F-90F1-B1D0-12C3-C328DA24D0E2}"/>
+              </a:ext>
+            </a:extLst>
+          </p:cNvPr>
+          <p:cNvSpPr/>
+          <p:nvPr/>
+        </p:nvSpPr>
+        <p:spPr>
+          <a:xfrm>
+            <a:off x="5269386" y="1469633"/>
+            <a:ext cx="3516924" cy="310124"/>
+          </a:xfrm>
+          <a:prstGeom prst="rect">
+            <a:avLst/>
+          </a:prstGeom>
+          <a:solidFill>
+            <a:srgbClr val="E2E9F6"/>
+          </a:solidFill>
+          <a:ln>
+            <a:solidFill>
+              <a:srgbClr val="E2E9F6"/>
+            </a:solidFill>
+          </a:ln>
+        </p:spPr>
+        <p:style>
+          <a:lnRef idx="2">
+            <a:schemeClr val="accent1">
+              <a:shade val="15000"/>
+            </a:schemeClr>
+          </a:lnRef>
+          <a:fillRef idx="1">
+            <a:schemeClr val="accent1"/>
+          </a:fillRef>
+          <a:effectRef idx="0">
+            <a:schemeClr val="accent1"/>
+          </a:effectRef>
+          <a:fontRef idx="minor">
+            <a:schemeClr val="lt1"/>
+          </a:fontRef>
+        </p:style>
+        <p:txBody>
+          <a:bodyPr rtlCol="0" anchor="ctr"/>
+          <a:lstStyle/>
+          <a:p>
+            <a:pPr algn="ctr"/>
+            <a:endParaRPr lang="en-GB"/>
+          </a:p>
+        </p:txBody>
+      </p:sp>
+      <p:sp>
+        <p:nvSpPr>
+          <p:cNvPr id="11" name="직사각형 10">
+            <a:extLst>
+              <a:ext uri="{FF2B5EF4-FFF2-40B4-BE49-F238E27FC236}">
+                <a16:creationId xmlns:a16="http://schemas.microsoft.com/office/drawing/2014/main" id="{04D653B9-AB20-CC3D-1667-D9E12538146D}"/>
+              </a:ext>
+            </a:extLst>
+          </p:cNvPr>
+          <p:cNvSpPr/>
+          <p:nvPr/>
+        </p:nvSpPr>
+        <p:spPr>
+          <a:xfrm>
+            <a:off x="5269386" y="2392406"/>
+            <a:ext cx="3516924" cy="310124"/>
+          </a:xfrm>
+          <a:prstGeom prst="rect">
+            <a:avLst/>
+          </a:prstGeom>
+          <a:solidFill>
+            <a:schemeClr val="accent1">
+              <a:lumMod val="20000"/>
+              <a:lumOff val="80000"/>
+            </a:schemeClr>
+          </a:solidFill>
+          <a:ln>
+            <a:solidFill>
+              <a:schemeClr val="accent1">
+                <a:lumMod val="20000"/>
+                <a:lumOff val="80000"/>
+              </a:schemeClr>
+            </a:solidFill>
+          </a:ln>
+        </p:spPr>
+        <p:style>
+          <a:lnRef idx="2">
+            <a:schemeClr val="accent1">
+              <a:shade val="15000"/>
+            </a:schemeClr>
+          </a:lnRef>
+          <a:fillRef idx="1">
+            <a:schemeClr val="accent1"/>
+          </a:fillRef>
+          <a:effectRef idx="0">
+            <a:schemeClr val="accent1"/>
+          </a:effectRef>
+          <a:fontRef idx="minor">
+            <a:schemeClr val="lt1"/>
+          </a:fontRef>
+        </p:style>
+        <p:txBody>
+          <a:bodyPr rtlCol="0" anchor="ctr"/>
+          <a:lstStyle/>
+          <a:p>
+            <a:pPr algn="ctr"/>
+            <a:endParaRPr lang="en-GB"/>
+          </a:p>
+        </p:txBody>
+      </p:sp>
+      <p:pic>
+        <p:nvPicPr>
+          <p:cNvPr id="9" name="그림 8">
+            <a:extLst>
+              <a:ext uri="{FF2B5EF4-FFF2-40B4-BE49-F238E27FC236}">
+                <a16:creationId xmlns:a16="http://schemas.microsoft.com/office/drawing/2014/main" id="{BD8CD968-C8C5-61F8-F8EB-BC5A9143BD05}"/>
+              </a:ext>
+            </a:extLst>
+          </p:cNvPr>
+          <p:cNvPicPr>
+            <a:picLocks noChangeAspect="1"/>
+          </p:cNvPicPr>
+          <p:nvPr/>
+        </p:nvPicPr>
+        <p:blipFill>
+          <a:blip r:embed="rId3"/>
+          <a:stretch>
+            <a:fillRect/>
+          </a:stretch>
+        </p:blipFill>
+        <p:spPr>
+          <a:xfrm>
+            <a:off x="481620" y="568124"/>
+            <a:ext cx="4101253" cy="2691888"/>
+          </a:xfrm>
+          <a:prstGeom prst="rect">
+            <a:avLst/>
+          </a:prstGeom>
+        </p:spPr>
+      </p:pic>
+      <p:sp>
+        <p:nvSpPr>
+          <p:cNvPr id="10" name="TextBox 9">
+            <a:extLst>
+              <a:ext uri="{FF2B5EF4-FFF2-40B4-BE49-F238E27FC236}">
+                <a16:creationId xmlns:a16="http://schemas.microsoft.com/office/drawing/2014/main" id="{5F00BE2D-1FCE-68BE-2ED2-27CEE722DDA7}"/>
+              </a:ext>
+            </a:extLst>
+          </p:cNvPr>
+          <p:cNvSpPr txBox="1"/>
+          <p:nvPr/>
+        </p:nvSpPr>
+        <p:spPr>
+          <a:xfrm>
+            <a:off x="4954214" y="1044390"/>
+            <a:ext cx="6186309" cy="2716128"/>
+          </a:xfrm>
+          <a:prstGeom prst="rect">
+            <a:avLst/>
+          </a:prstGeom>
+          <a:noFill/>
+        </p:spPr>
+        <p:txBody>
+          <a:bodyPr wrap="none" rtlCol="0">
+            <a:spAutoFit/>
+          </a:bodyPr>
+          <a:lstStyle/>
+          <a:p>
+            <a:r>
+              <a:rPr lang="en-GB" sz="1100" dirty="0">
+                <a:solidFill>
+                  <a:srgbClr val="000000"/>
+                </a:solidFill>
+                <a:latin typeface="Cascadia Mono" panose="020B0609020000020004" pitchFamily="49" charset="0"/>
+              </a:rPr>
+              <a:t>{</a:t>
+            </a:r>
+          </a:p>
+          <a:p>
+            <a:r>
+              <a:rPr lang="en-GB" sz="1100" dirty="0">
+                <a:solidFill>
+                  <a:srgbClr val="000000"/>
+                </a:solidFill>
+                <a:latin typeface="Cascadia Mono" panose="020B0609020000020004" pitchFamily="49" charset="0"/>
+              </a:rPr>
+              <a:t>  </a:t>
+            </a:r>
+            <a:r>
+              <a:rPr lang="en-GB" sz="1100" dirty="0">
+                <a:solidFill>
+                  <a:srgbClr val="2E75B6"/>
+                </a:solidFill>
+                <a:latin typeface="Cascadia Mono" panose="020B0609020000020004" pitchFamily="49" charset="0"/>
+              </a:rPr>
+              <a:t>"profiles"</a:t>
+            </a:r>
+            <a:r>
+              <a:rPr lang="en-GB" sz="1100" dirty="0">
+                <a:solidFill>
+                  <a:srgbClr val="000000"/>
+                </a:solidFill>
+                <a:latin typeface="Cascadia Mono" panose="020B0609020000020004" pitchFamily="49" charset="0"/>
+              </a:rPr>
+              <a:t>: {</a:t>
+            </a:r>
+          </a:p>
+          <a:p>
+            <a:pPr>
+              <a:lnSpc>
+                <a:spcPct val="200000"/>
+              </a:lnSpc>
+            </a:pPr>
+            <a:r>
+              <a:rPr lang="ko-KR" altLang="en-US" sz="1100" dirty="0">
+                <a:solidFill>
+                  <a:srgbClr val="000000"/>
+                </a:solidFill>
+                <a:latin typeface="Cascadia Mono" panose="020B0609020000020004" pitchFamily="49" charset="0"/>
+              </a:rPr>
+              <a:t>    </a:t>
+            </a:r>
+            <a:r>
+              <a:rPr lang="en-US" altLang="ko-KR" sz="1100" b="1" dirty="0">
+                <a:solidFill>
+                  <a:srgbClr val="0070C0"/>
+                </a:solidFill>
+                <a:latin typeface="Cascadia Mono" panose="020B0609020000020004" pitchFamily="49" charset="0"/>
+              </a:rPr>
+              <a:t>"</a:t>
+            </a:r>
+            <a:r>
+              <a:rPr lang="ko-KR" altLang="en-US" sz="1100" b="1" dirty="0">
+                <a:solidFill>
+                  <a:srgbClr val="0070C0"/>
+                </a:solidFill>
+                <a:latin typeface="Cascadia Mono" panose="020B0609020000020004" pitchFamily="49" charset="0"/>
+              </a:rPr>
+              <a:t>고형호</a:t>
+            </a:r>
+            <a:r>
+              <a:rPr lang="en-US" altLang="ko-KR" sz="1100" b="1" dirty="0">
+                <a:solidFill>
+                  <a:srgbClr val="0070C0"/>
+                </a:solidFill>
+                <a:latin typeface="Cascadia Mono" panose="020B0609020000020004" pitchFamily="49" charset="0"/>
+              </a:rPr>
+              <a:t>.</a:t>
+            </a:r>
+            <a:r>
+              <a:rPr lang="en-GB" sz="1100" b="1" dirty="0" err="1">
+                <a:solidFill>
+                  <a:srgbClr val="0070C0"/>
+                </a:solidFill>
+                <a:latin typeface="Cascadia Mono" panose="020B0609020000020004" pitchFamily="49" charset="0"/>
+              </a:rPr>
+              <a:t>ArchDdd.Host</a:t>
+            </a:r>
+            <a:r>
+              <a:rPr lang="en-GB" sz="1100" b="1" dirty="0">
+                <a:solidFill>
+                  <a:srgbClr val="0070C0"/>
+                </a:solidFill>
+                <a:latin typeface="Cascadia Mono" panose="020B0609020000020004" pitchFamily="49" charset="0"/>
+              </a:rPr>
+              <a:t>"</a:t>
+            </a:r>
+            <a:r>
+              <a:rPr lang="en-GB" sz="1100" dirty="0">
+                <a:solidFill>
+                  <a:srgbClr val="000000"/>
+                </a:solidFill>
+                <a:latin typeface="Cascadia Mono" panose="020B0609020000020004" pitchFamily="49" charset="0"/>
+              </a:rPr>
+              <a:t>: {</a:t>
+            </a:r>
+          </a:p>
+          <a:p>
+            <a:pPr>
+              <a:lnSpc>
+                <a:spcPct val="150000"/>
+              </a:lnSpc>
+            </a:pPr>
+            <a:r>
+              <a:rPr lang="en-GB" sz="1100" dirty="0">
+                <a:solidFill>
+                  <a:srgbClr val="000000"/>
+                </a:solidFill>
+                <a:latin typeface="Cascadia Mono" panose="020B0609020000020004" pitchFamily="49" charset="0"/>
+              </a:rPr>
+              <a:t>      </a:t>
+            </a:r>
+            <a:r>
+              <a:rPr lang="en-GB" sz="1100" dirty="0">
+                <a:solidFill>
+                  <a:srgbClr val="2E75B6"/>
+                </a:solidFill>
+                <a:latin typeface="Cascadia Mono" panose="020B0609020000020004" pitchFamily="49" charset="0"/>
+              </a:rPr>
+              <a:t>"</a:t>
+            </a:r>
+            <a:r>
+              <a:rPr lang="en-GB" sz="1100" dirty="0" err="1">
+                <a:solidFill>
+                  <a:srgbClr val="2E75B6"/>
+                </a:solidFill>
+                <a:latin typeface="Cascadia Mono" panose="020B0609020000020004" pitchFamily="49" charset="0"/>
+              </a:rPr>
+              <a:t>commandName</a:t>
+            </a:r>
+            <a:r>
+              <a:rPr lang="en-GB" sz="1100" dirty="0">
+                <a:solidFill>
+                  <a:srgbClr val="2E75B6"/>
+                </a:solidFill>
+                <a:latin typeface="Cascadia Mono" panose="020B0609020000020004" pitchFamily="49" charset="0"/>
+              </a:rPr>
+              <a:t>"</a:t>
+            </a:r>
+            <a:r>
+              <a:rPr lang="en-GB" sz="1100" dirty="0">
+                <a:solidFill>
+                  <a:srgbClr val="000000"/>
+                </a:solidFill>
+                <a:latin typeface="Cascadia Mono" panose="020B0609020000020004" pitchFamily="49" charset="0"/>
+              </a:rPr>
+              <a:t>: </a:t>
+            </a:r>
+            <a:r>
+              <a:rPr lang="en-GB" sz="1100" dirty="0">
+                <a:solidFill>
+                  <a:srgbClr val="A31515"/>
+                </a:solidFill>
+                <a:latin typeface="Cascadia Mono" panose="020B0609020000020004" pitchFamily="49" charset="0"/>
+              </a:rPr>
+              <a:t>"Project"</a:t>
+            </a:r>
+            <a:r>
+              <a:rPr lang="en-GB" sz="1100" dirty="0">
+                <a:solidFill>
+                  <a:srgbClr val="000000"/>
+                </a:solidFill>
+                <a:latin typeface="Cascadia Mono" panose="020B0609020000020004" pitchFamily="49" charset="0"/>
+              </a:rPr>
+              <a:t>,</a:t>
+            </a:r>
+          </a:p>
+          <a:p>
+            <a:r>
+              <a:rPr lang="en-GB" sz="1100" dirty="0">
+                <a:solidFill>
+                  <a:srgbClr val="000000"/>
+                </a:solidFill>
+                <a:latin typeface="Cascadia Mono" panose="020B0609020000020004" pitchFamily="49" charset="0"/>
+              </a:rPr>
+              <a:t>      </a:t>
+            </a:r>
+            <a:r>
+              <a:rPr lang="en-GB" sz="1100" dirty="0">
+                <a:solidFill>
+                  <a:srgbClr val="2E75B6"/>
+                </a:solidFill>
+                <a:latin typeface="Cascadia Mono" panose="020B0609020000020004" pitchFamily="49" charset="0"/>
+              </a:rPr>
+              <a:t>"</a:t>
+            </a:r>
+            <a:r>
+              <a:rPr lang="en-GB" sz="1100" dirty="0" err="1">
+                <a:solidFill>
+                  <a:srgbClr val="2E75B6"/>
+                </a:solidFill>
+                <a:latin typeface="Cascadia Mono" panose="020B0609020000020004" pitchFamily="49" charset="0"/>
+              </a:rPr>
+              <a:t>launchBrowser</a:t>
+            </a:r>
+            <a:r>
+              <a:rPr lang="en-GB" sz="1100" dirty="0">
+                <a:solidFill>
+                  <a:srgbClr val="2E75B6"/>
+                </a:solidFill>
+                <a:latin typeface="Cascadia Mono" panose="020B0609020000020004" pitchFamily="49" charset="0"/>
+              </a:rPr>
+              <a:t>"</a:t>
+            </a:r>
+            <a:r>
+              <a:rPr lang="en-GB" sz="1100" dirty="0">
+                <a:solidFill>
+                  <a:srgbClr val="000000"/>
+                </a:solidFill>
+                <a:latin typeface="Cascadia Mono" panose="020B0609020000020004" pitchFamily="49" charset="0"/>
+              </a:rPr>
+              <a:t>: </a:t>
+            </a:r>
+            <a:r>
+              <a:rPr lang="en-GB" sz="1100" dirty="0">
+                <a:solidFill>
+                  <a:srgbClr val="0000FF"/>
+                </a:solidFill>
+                <a:latin typeface="Cascadia Mono" panose="020B0609020000020004" pitchFamily="49" charset="0"/>
+              </a:rPr>
+              <a:t>true</a:t>
+            </a:r>
+            <a:r>
+              <a:rPr lang="en-GB" sz="1100" dirty="0">
+                <a:solidFill>
+                  <a:srgbClr val="000000"/>
+                </a:solidFill>
+                <a:latin typeface="Cascadia Mono" panose="020B0609020000020004" pitchFamily="49" charset="0"/>
+              </a:rPr>
+              <a:t>,</a:t>
+            </a:r>
+          </a:p>
+          <a:p>
+            <a:r>
+              <a:rPr lang="en-GB" sz="1100" dirty="0">
+                <a:solidFill>
+                  <a:srgbClr val="000000"/>
+                </a:solidFill>
+                <a:latin typeface="Cascadia Mono" panose="020B0609020000020004" pitchFamily="49" charset="0"/>
+              </a:rPr>
+              <a:t>      </a:t>
+            </a:r>
+            <a:r>
+              <a:rPr lang="en-GB" sz="1100" dirty="0">
+                <a:solidFill>
+                  <a:srgbClr val="2E75B6"/>
+                </a:solidFill>
+                <a:latin typeface="Cascadia Mono" panose="020B0609020000020004" pitchFamily="49" charset="0"/>
+              </a:rPr>
+              <a:t>"</a:t>
+            </a:r>
+            <a:r>
+              <a:rPr lang="en-GB" sz="1100" dirty="0" err="1">
+                <a:solidFill>
+                  <a:srgbClr val="2E75B6"/>
+                </a:solidFill>
+                <a:latin typeface="Cascadia Mono" panose="020B0609020000020004" pitchFamily="49" charset="0"/>
+              </a:rPr>
+              <a:t>environmentVariables</a:t>
+            </a:r>
+            <a:r>
+              <a:rPr lang="en-GB" sz="1100" dirty="0">
+                <a:solidFill>
+                  <a:srgbClr val="2E75B6"/>
+                </a:solidFill>
+                <a:latin typeface="Cascadia Mono" panose="020B0609020000020004" pitchFamily="49" charset="0"/>
+              </a:rPr>
+              <a:t>"</a:t>
+            </a:r>
+            <a:r>
+              <a:rPr lang="en-GB" sz="1100" dirty="0">
+                <a:solidFill>
+                  <a:srgbClr val="000000"/>
+                </a:solidFill>
+                <a:latin typeface="Cascadia Mono" panose="020B0609020000020004" pitchFamily="49" charset="0"/>
+              </a:rPr>
+              <a:t>: {</a:t>
+            </a:r>
+          </a:p>
+          <a:p>
+            <a:pPr>
+              <a:lnSpc>
+                <a:spcPct val="200000"/>
+              </a:lnSpc>
+            </a:pPr>
+            <a:r>
+              <a:rPr lang="en-GB" sz="1100" dirty="0">
+                <a:solidFill>
+                  <a:srgbClr val="000000"/>
+                </a:solidFill>
+                <a:latin typeface="Cascadia Mono" panose="020B0609020000020004" pitchFamily="49" charset="0"/>
+              </a:rPr>
+              <a:t>        </a:t>
+            </a:r>
+            <a:r>
+              <a:rPr lang="en-GB" sz="1100" dirty="0">
+                <a:solidFill>
+                  <a:srgbClr val="2E75B6"/>
+                </a:solidFill>
+                <a:latin typeface="Cascadia Mono" panose="020B0609020000020004" pitchFamily="49" charset="0"/>
+              </a:rPr>
+              <a:t>"ASPNETCORE_ENVIRONMENT"</a:t>
+            </a:r>
+            <a:r>
+              <a:rPr lang="en-GB" sz="1100" dirty="0">
+                <a:solidFill>
+                  <a:srgbClr val="000000"/>
+                </a:solidFill>
+                <a:latin typeface="Cascadia Mono" panose="020B0609020000020004" pitchFamily="49" charset="0"/>
+              </a:rPr>
+              <a:t>: </a:t>
+            </a:r>
+            <a:r>
+              <a:rPr lang="en-GB" sz="1100" b="1" dirty="0">
+                <a:solidFill>
+                  <a:srgbClr val="0070C0"/>
+                </a:solidFill>
+                <a:latin typeface="Cascadia Mono" panose="020B0609020000020004" pitchFamily="49" charset="0"/>
+              </a:rPr>
+              <a:t>"</a:t>
+            </a:r>
+            <a:r>
+              <a:rPr lang="ko-KR" altLang="en-US" sz="1100" b="1" dirty="0">
+                <a:solidFill>
+                  <a:srgbClr val="0070C0"/>
+                </a:solidFill>
+                <a:latin typeface="Cascadia Mono" panose="020B0609020000020004" pitchFamily="49" charset="0"/>
+              </a:rPr>
+              <a:t>고형호</a:t>
+            </a:r>
+            <a:r>
+              <a:rPr lang="en-US" altLang="ko-KR" sz="1100" b="1" dirty="0">
+                <a:solidFill>
+                  <a:srgbClr val="0070C0"/>
+                </a:solidFill>
+                <a:latin typeface="Cascadia Mono" panose="020B0609020000020004" pitchFamily="49" charset="0"/>
+              </a:rPr>
+              <a:t>"</a:t>
+            </a:r>
+            <a:endParaRPr lang="ko-KR" altLang="en-US" sz="1100" b="1" dirty="0">
+              <a:solidFill>
+                <a:srgbClr val="0070C0"/>
+              </a:solidFill>
+              <a:latin typeface="Cascadia Mono" panose="020B0609020000020004" pitchFamily="49" charset="0"/>
+            </a:endParaRPr>
+          </a:p>
+          <a:p>
+            <a:pPr>
+              <a:lnSpc>
+                <a:spcPct val="200000"/>
+              </a:lnSpc>
+            </a:pPr>
+            <a:r>
+              <a:rPr lang="en-GB" sz="1100" dirty="0">
+                <a:solidFill>
+                  <a:srgbClr val="000000"/>
+                </a:solidFill>
+                <a:latin typeface="Cascadia Mono" panose="020B0609020000020004" pitchFamily="49" charset="0"/>
+              </a:rPr>
+              <a:t>      },</a:t>
+            </a:r>
+          </a:p>
+          <a:p>
+            <a:r>
+              <a:rPr lang="en-GB" sz="1100" dirty="0">
+                <a:solidFill>
+                  <a:srgbClr val="000000"/>
+                </a:solidFill>
+                <a:latin typeface="Cascadia Mono" panose="020B0609020000020004" pitchFamily="49" charset="0"/>
+              </a:rPr>
+              <a:t>      </a:t>
+            </a:r>
+            <a:r>
+              <a:rPr lang="en-GB" sz="1100" dirty="0">
+                <a:solidFill>
+                  <a:srgbClr val="2E75B6"/>
+                </a:solidFill>
+                <a:latin typeface="Cascadia Mono" panose="020B0609020000020004" pitchFamily="49" charset="0"/>
+              </a:rPr>
+              <a:t>"</a:t>
+            </a:r>
+            <a:r>
+              <a:rPr lang="en-GB" sz="1100" dirty="0" err="1">
+                <a:solidFill>
+                  <a:srgbClr val="2E75B6"/>
+                </a:solidFill>
+                <a:latin typeface="Cascadia Mono" panose="020B0609020000020004" pitchFamily="49" charset="0"/>
+              </a:rPr>
+              <a:t>applicationUrl</a:t>
+            </a:r>
+            <a:r>
+              <a:rPr lang="en-GB" sz="1100" dirty="0">
+                <a:solidFill>
+                  <a:srgbClr val="2E75B6"/>
+                </a:solidFill>
+                <a:latin typeface="Cascadia Mono" panose="020B0609020000020004" pitchFamily="49" charset="0"/>
+              </a:rPr>
+              <a:t>"</a:t>
+            </a:r>
+            <a:r>
+              <a:rPr lang="en-GB" sz="1100" dirty="0">
+                <a:solidFill>
+                  <a:srgbClr val="000000"/>
+                </a:solidFill>
+                <a:latin typeface="Cascadia Mono" panose="020B0609020000020004" pitchFamily="49" charset="0"/>
+              </a:rPr>
+              <a:t>: </a:t>
+            </a:r>
+            <a:r>
+              <a:rPr lang="en-GB" sz="1100" dirty="0">
+                <a:solidFill>
+                  <a:srgbClr val="A31515"/>
+                </a:solidFill>
+                <a:latin typeface="Cascadia Mono" panose="020B0609020000020004" pitchFamily="49" charset="0"/>
+              </a:rPr>
+              <a:t>"https://localhost:50803;http://localhost:50804"</a:t>
+            </a:r>
+            <a:endParaRPr lang="en-GB" sz="1100" dirty="0">
+              <a:solidFill>
+                <a:srgbClr val="000000"/>
+              </a:solidFill>
+              <a:latin typeface="Cascadia Mono" panose="020B0609020000020004" pitchFamily="49" charset="0"/>
+            </a:endParaRPr>
+          </a:p>
+          <a:p>
+            <a:r>
+              <a:rPr lang="en-GB" sz="1100" dirty="0">
+                <a:solidFill>
+                  <a:srgbClr val="000000"/>
+                </a:solidFill>
+                <a:latin typeface="Cascadia Mono" panose="020B0609020000020004" pitchFamily="49" charset="0"/>
+              </a:rPr>
+              <a:t>    }</a:t>
+            </a:r>
+          </a:p>
+          <a:p>
+            <a:r>
+              <a:rPr lang="en-GB" sz="1100" dirty="0">
+                <a:solidFill>
+                  <a:srgbClr val="000000"/>
+                </a:solidFill>
+                <a:latin typeface="Cascadia Mono" panose="020B0609020000020004" pitchFamily="49" charset="0"/>
+              </a:rPr>
+              <a:t>  }</a:t>
+            </a:r>
+          </a:p>
+          <a:p>
+            <a:r>
+              <a:rPr lang="en-GB" sz="1100" dirty="0">
+                <a:solidFill>
+                  <a:srgbClr val="000000"/>
+                </a:solidFill>
+                <a:latin typeface="Cascadia Mono" panose="020B0609020000020004" pitchFamily="49" charset="0"/>
+              </a:rPr>
+              <a:t>}</a:t>
+            </a:r>
+            <a:endParaRPr lang="en-GB" sz="1100" dirty="0"/>
+          </a:p>
+        </p:txBody>
+      </p:sp>
+      <p:cxnSp>
+        <p:nvCxnSpPr>
+          <p:cNvPr id="14" name="직선 연결선 13">
+            <a:extLst>
+              <a:ext uri="{FF2B5EF4-FFF2-40B4-BE49-F238E27FC236}">
+                <a16:creationId xmlns:a16="http://schemas.microsoft.com/office/drawing/2014/main" id="{9EC3F09F-F1D7-8D7F-ADC2-DD60084C1A26}"/>
+              </a:ext>
+            </a:extLst>
+          </p:cNvPr>
+          <p:cNvCxnSpPr/>
+          <p:nvPr/>
+        </p:nvCxnSpPr>
+        <p:spPr>
+          <a:xfrm>
+            <a:off x="3048702" y="6029463"/>
+            <a:ext cx="2267578" cy="0"/>
+          </a:xfrm>
+          <a:prstGeom prst="line">
+            <a:avLst/>
+          </a:prstGeom>
+          <a:ln w="38100">
+            <a:solidFill>
+              <a:srgbClr val="0070C0"/>
+            </a:solidFill>
+          </a:ln>
+        </p:spPr>
+        <p:style>
+          <a:lnRef idx="1">
+            <a:schemeClr val="accent1"/>
+          </a:lnRef>
+          <a:fillRef idx="0">
+            <a:schemeClr val="accent1"/>
+          </a:fillRef>
+          <a:effectRef idx="0">
+            <a:schemeClr val="accent1"/>
+          </a:effectRef>
+          <a:fontRef idx="minor">
+            <a:schemeClr val="tx1"/>
+          </a:fontRef>
+        </p:style>
+      </p:cxnSp>
+      <p:sp>
+        <p:nvSpPr>
+          <p:cNvPr id="16" name="TextBox 15">
+            <a:extLst>
+              <a:ext uri="{FF2B5EF4-FFF2-40B4-BE49-F238E27FC236}">
+                <a16:creationId xmlns:a16="http://schemas.microsoft.com/office/drawing/2014/main" id="{00370A44-0AA0-5024-099D-7072AA2155D8}"/>
+              </a:ext>
+            </a:extLst>
+          </p:cNvPr>
+          <p:cNvSpPr txBox="1"/>
+          <p:nvPr/>
+        </p:nvSpPr>
+        <p:spPr>
+          <a:xfrm>
+            <a:off x="4954214" y="701643"/>
+            <a:ext cx="1635256" cy="307777"/>
+          </a:xfrm>
+          <a:prstGeom prst="rect">
+            <a:avLst/>
+          </a:prstGeom>
+          <a:noFill/>
+        </p:spPr>
+        <p:txBody>
+          <a:bodyPr wrap="none" rtlCol="0">
+            <a:spAutoFit/>
+          </a:bodyPr>
+          <a:lstStyle/>
+          <a:p>
+            <a:r>
+              <a:rPr lang="en-GB" sz="1400" b="1" dirty="0" err="1"/>
+              <a:t>launchSettings.json</a:t>
+            </a:r>
+            <a:endParaRPr lang="en-GB" sz="1400" b="1" dirty="0"/>
+          </a:p>
+        </p:txBody>
+      </p:sp>
+      <p:pic>
+        <p:nvPicPr>
+          <p:cNvPr id="22" name="그림 21">
+            <a:extLst>
+              <a:ext uri="{FF2B5EF4-FFF2-40B4-BE49-F238E27FC236}">
+                <a16:creationId xmlns:a16="http://schemas.microsoft.com/office/drawing/2014/main" id="{C2CFF228-DA82-E2F7-3733-A910B06254E5}"/>
+              </a:ext>
+            </a:extLst>
+          </p:cNvPr>
+          <p:cNvPicPr>
+            <a:picLocks noChangeAspect="1"/>
+          </p:cNvPicPr>
+          <p:nvPr/>
+        </p:nvPicPr>
+        <p:blipFill>
+          <a:blip r:embed="rId4"/>
+          <a:stretch>
+            <a:fillRect/>
+          </a:stretch>
+        </p:blipFill>
+        <p:spPr>
+          <a:xfrm>
+            <a:off x="7745207" y="477690"/>
+            <a:ext cx="3965174" cy="716930"/>
+          </a:xfrm>
+          <a:prstGeom prst="rect">
+            <a:avLst/>
+          </a:prstGeom>
+        </p:spPr>
+      </p:pic>
+      <p:cxnSp>
+        <p:nvCxnSpPr>
+          <p:cNvPr id="24" name="직선 연결선 23">
+            <a:extLst>
+              <a:ext uri="{FF2B5EF4-FFF2-40B4-BE49-F238E27FC236}">
+                <a16:creationId xmlns:a16="http://schemas.microsoft.com/office/drawing/2014/main" id="{E1C94F2C-C056-58CD-1555-959F50F8972C}"/>
+              </a:ext>
+            </a:extLst>
+          </p:cNvPr>
+          <p:cNvCxnSpPr/>
+          <p:nvPr/>
+        </p:nvCxnSpPr>
+        <p:spPr>
+          <a:xfrm>
+            <a:off x="10178008" y="1105774"/>
+            <a:ext cx="1432214" cy="0"/>
+          </a:xfrm>
+          <a:prstGeom prst="line">
+            <a:avLst/>
+          </a:prstGeom>
+          <a:ln w="38100">
+            <a:solidFill>
+              <a:schemeClr val="tx1"/>
+            </a:solidFill>
+          </a:ln>
+        </p:spPr>
+        <p:style>
+          <a:lnRef idx="1">
+            <a:schemeClr val="accent1"/>
+          </a:lnRef>
+          <a:fillRef idx="0">
+            <a:schemeClr val="accent1"/>
+          </a:fillRef>
+          <a:effectRef idx="0">
+            <a:schemeClr val="accent1"/>
+          </a:effectRef>
+          <a:fontRef idx="minor">
+            <a:schemeClr val="tx1"/>
+          </a:fontRef>
+        </p:style>
+      </p:cxnSp>
+      <p:cxnSp>
+        <p:nvCxnSpPr>
+          <p:cNvPr id="26" name="연결선: 꺾임 25">
+            <a:extLst>
+              <a:ext uri="{FF2B5EF4-FFF2-40B4-BE49-F238E27FC236}">
+                <a16:creationId xmlns:a16="http://schemas.microsoft.com/office/drawing/2014/main" id="{CE07C868-D673-9181-0D60-795755AB07B6}"/>
+              </a:ext>
+            </a:extLst>
+          </p:cNvPr>
+          <p:cNvCxnSpPr>
+            <a:cxnSpLocks/>
+            <a:stCxn id="12" idx="3"/>
+            <a:endCxn id="27" idx="2"/>
+          </p:cNvCxnSpPr>
+          <p:nvPr/>
+        </p:nvCxnSpPr>
+        <p:spPr>
+          <a:xfrm flipV="1">
+            <a:off x="8786310" y="1107866"/>
+            <a:ext cx="2055212" cy="516829"/>
+          </a:xfrm>
+          <a:prstGeom prst="bentConnector2">
+            <a:avLst/>
+          </a:prstGeom>
+          <a:ln w="28575">
+            <a:solidFill>
+              <a:schemeClr val="tx1"/>
+            </a:solidFill>
+            <a:tailEnd type="triangle"/>
+          </a:ln>
+        </p:spPr>
+        <p:style>
+          <a:lnRef idx="1">
+            <a:schemeClr val="accent1"/>
+          </a:lnRef>
+          <a:fillRef idx="0">
+            <a:schemeClr val="accent1"/>
+          </a:fillRef>
+          <a:effectRef idx="0">
+            <a:schemeClr val="accent1"/>
+          </a:effectRef>
+          <a:fontRef idx="minor">
+            <a:schemeClr val="tx1"/>
+          </a:fontRef>
+        </p:style>
+      </p:cxnSp>
+      <p:sp>
+        <p:nvSpPr>
+          <p:cNvPr id="27" name="직사각형 26">
+            <a:extLst>
+              <a:ext uri="{FF2B5EF4-FFF2-40B4-BE49-F238E27FC236}">
+                <a16:creationId xmlns:a16="http://schemas.microsoft.com/office/drawing/2014/main" id="{1FC8857F-4F0C-B5FD-16A0-563D5E68CF15}"/>
+              </a:ext>
+            </a:extLst>
+          </p:cNvPr>
+          <p:cNvSpPr/>
+          <p:nvPr/>
+        </p:nvSpPr>
+        <p:spPr>
+          <a:xfrm>
+            <a:off x="10700845" y="766571"/>
+            <a:ext cx="281354" cy="341295"/>
+          </a:xfrm>
+          <a:prstGeom prst="rect">
+            <a:avLst/>
+          </a:prstGeom>
+          <a:noFill/>
+          <a:ln>
+            <a:noFill/>
+          </a:ln>
+        </p:spPr>
+        <p:style>
+          <a:lnRef idx="2">
+            <a:schemeClr val="accent1">
+              <a:shade val="15000"/>
+            </a:schemeClr>
+          </a:lnRef>
+          <a:fillRef idx="1">
+            <a:schemeClr val="accent1"/>
+          </a:fillRef>
+          <a:effectRef idx="0">
+            <a:schemeClr val="accent1"/>
+          </a:effectRef>
+          <a:fontRef idx="minor">
+            <a:schemeClr val="lt1"/>
+          </a:fontRef>
+        </p:style>
+        <p:txBody>
+          <a:bodyPr rtlCol="0" anchor="ctr"/>
+          <a:lstStyle/>
+          <a:p>
+            <a:pPr algn="ctr"/>
+            <a:endParaRPr lang="en-GB"/>
+          </a:p>
+        </p:txBody>
+      </p:sp>
+      <p:cxnSp>
+        <p:nvCxnSpPr>
+          <p:cNvPr id="31" name="연결선: 구부러짐 30">
+            <a:extLst>
+              <a:ext uri="{FF2B5EF4-FFF2-40B4-BE49-F238E27FC236}">
+                <a16:creationId xmlns:a16="http://schemas.microsoft.com/office/drawing/2014/main" id="{FF6E1422-772D-F3AE-ADBD-07772B593514}"/>
+              </a:ext>
+            </a:extLst>
+          </p:cNvPr>
+          <p:cNvCxnSpPr>
+            <a:cxnSpLocks/>
+            <a:stCxn id="11" idx="2"/>
+            <a:endCxn id="32" idx="3"/>
+          </p:cNvCxnSpPr>
+          <p:nvPr/>
+        </p:nvCxnSpPr>
+        <p:spPr>
+          <a:xfrm rot="5400000">
+            <a:off x="4504461" y="3414225"/>
+            <a:ext cx="3235083" cy="1811692"/>
+          </a:xfrm>
+          <a:prstGeom prst="curvedConnector2">
+            <a:avLst/>
+          </a:prstGeom>
+          <a:ln w="28575">
+            <a:solidFill>
+              <a:srgbClr val="0070C0"/>
+            </a:solidFill>
+            <a:tailEnd type="triangle"/>
+          </a:ln>
+        </p:spPr>
+        <p:style>
+          <a:lnRef idx="1">
+            <a:schemeClr val="accent1"/>
+          </a:lnRef>
+          <a:fillRef idx="0">
+            <a:schemeClr val="accent1"/>
+          </a:fillRef>
+          <a:effectRef idx="0">
+            <a:schemeClr val="accent1"/>
+          </a:effectRef>
+          <a:fontRef idx="minor">
+            <a:schemeClr val="tx1"/>
+          </a:fontRef>
+        </p:style>
+      </p:cxnSp>
+      <p:sp>
+        <p:nvSpPr>
+          <p:cNvPr id="32" name="직사각형 31">
+            <a:extLst>
+              <a:ext uri="{FF2B5EF4-FFF2-40B4-BE49-F238E27FC236}">
+                <a16:creationId xmlns:a16="http://schemas.microsoft.com/office/drawing/2014/main" id="{97142259-D214-E080-E206-EFFCFA4CFA68}"/>
+              </a:ext>
+            </a:extLst>
+          </p:cNvPr>
+          <p:cNvSpPr/>
+          <p:nvPr/>
+        </p:nvSpPr>
+        <p:spPr>
+          <a:xfrm>
+            <a:off x="4928103" y="5834619"/>
+            <a:ext cx="288053" cy="205988"/>
+          </a:xfrm>
+          <a:prstGeom prst="rect">
+            <a:avLst/>
+          </a:prstGeom>
+          <a:noFill/>
+          <a:ln>
+            <a:noFill/>
+          </a:ln>
+        </p:spPr>
+        <p:style>
+          <a:lnRef idx="2">
+            <a:schemeClr val="accent1">
+              <a:shade val="15000"/>
+            </a:schemeClr>
+          </a:lnRef>
+          <a:fillRef idx="1">
+            <a:schemeClr val="accent1"/>
+          </a:fillRef>
+          <a:effectRef idx="0">
+            <a:schemeClr val="accent1"/>
+          </a:effectRef>
+          <a:fontRef idx="minor">
+            <a:schemeClr val="lt1"/>
+          </a:fontRef>
+        </p:style>
+        <p:txBody>
+          <a:bodyPr rtlCol="0" anchor="ctr"/>
+          <a:lstStyle/>
+          <a:p>
+            <a:pPr algn="ctr"/>
+            <a:endParaRPr lang="en-GB"/>
+          </a:p>
+        </p:txBody>
+      </p:sp>
+      <p:cxnSp>
+        <p:nvCxnSpPr>
+          <p:cNvPr id="41" name="직선 화살표 연결선 40">
+            <a:extLst>
+              <a:ext uri="{FF2B5EF4-FFF2-40B4-BE49-F238E27FC236}">
+                <a16:creationId xmlns:a16="http://schemas.microsoft.com/office/drawing/2014/main" id="{ECD119D1-39CC-5F89-2B03-810EA6ECD441}"/>
+              </a:ext>
+            </a:extLst>
+          </p:cNvPr>
+          <p:cNvCxnSpPr>
+            <a:cxnSpLocks/>
+          </p:cNvCxnSpPr>
+          <p:nvPr/>
+        </p:nvCxnSpPr>
+        <p:spPr>
+          <a:xfrm flipH="1">
+            <a:off x="3642527" y="2547468"/>
+            <a:ext cx="1626859" cy="0"/>
+          </a:xfrm>
+          <a:prstGeom prst="straightConnector1">
+            <a:avLst/>
+          </a:prstGeom>
+          <a:ln w="28575">
+            <a:solidFill>
+              <a:schemeClr val="tx1"/>
+            </a:solidFill>
+            <a:tailEnd type="triangle"/>
+          </a:ln>
+        </p:spPr>
+        <p:style>
+          <a:lnRef idx="1">
+            <a:schemeClr val="accent1"/>
+          </a:lnRef>
+          <a:fillRef idx="0">
+            <a:schemeClr val="accent1"/>
+          </a:fillRef>
+          <a:effectRef idx="0">
+            <a:schemeClr val="accent1"/>
+          </a:effectRef>
+          <a:fontRef idx="minor">
+            <a:schemeClr val="tx1"/>
+          </a:fontRef>
+        </p:style>
+      </p:cxnSp>
+      <p:sp>
+        <p:nvSpPr>
+          <p:cNvPr id="45" name="직사각형 44">
+            <a:extLst>
+              <a:ext uri="{FF2B5EF4-FFF2-40B4-BE49-F238E27FC236}">
+                <a16:creationId xmlns:a16="http://schemas.microsoft.com/office/drawing/2014/main" id="{93903784-391C-5DBF-156B-06D00DEC4C92}"/>
+              </a:ext>
+            </a:extLst>
+          </p:cNvPr>
+          <p:cNvSpPr/>
+          <p:nvPr/>
+        </p:nvSpPr>
+        <p:spPr>
+          <a:xfrm>
+            <a:off x="3069772" y="1669911"/>
+            <a:ext cx="306475" cy="155061"/>
+          </a:xfrm>
+          <a:prstGeom prst="rect">
+            <a:avLst/>
+          </a:prstGeom>
+          <a:noFill/>
+          <a:ln>
+            <a:noFill/>
+          </a:ln>
+        </p:spPr>
+        <p:style>
+          <a:lnRef idx="2">
+            <a:schemeClr val="accent1">
+              <a:shade val="15000"/>
+            </a:schemeClr>
+          </a:lnRef>
+          <a:fillRef idx="1">
+            <a:schemeClr val="accent1"/>
+          </a:fillRef>
+          <a:effectRef idx="0">
+            <a:schemeClr val="accent1"/>
+          </a:effectRef>
+          <a:fontRef idx="minor">
+            <a:schemeClr val="lt1"/>
+          </a:fontRef>
+        </p:style>
+        <p:txBody>
+          <a:bodyPr rtlCol="0" anchor="ctr"/>
+          <a:lstStyle/>
+          <a:p>
+            <a:pPr algn="ctr"/>
+            <a:endParaRPr lang="en-GB"/>
+          </a:p>
+        </p:txBody>
+      </p:sp>
+      <p:cxnSp>
+        <p:nvCxnSpPr>
+          <p:cNvPr id="52" name="연결선: 구부러짐 51">
+            <a:extLst>
+              <a:ext uri="{FF2B5EF4-FFF2-40B4-BE49-F238E27FC236}">
+                <a16:creationId xmlns:a16="http://schemas.microsoft.com/office/drawing/2014/main" id="{0BB966EF-63F3-CF65-A91B-B40FBB471EEF}"/>
+              </a:ext>
+            </a:extLst>
+          </p:cNvPr>
+          <p:cNvCxnSpPr>
+            <a:stCxn id="45" idx="3"/>
+            <a:endCxn id="16" idx="1"/>
+          </p:cNvCxnSpPr>
+          <p:nvPr/>
+        </p:nvCxnSpPr>
+        <p:spPr>
+          <a:xfrm flipV="1">
+            <a:off x="3376247" y="855532"/>
+            <a:ext cx="1577967" cy="891910"/>
+          </a:xfrm>
+          <a:prstGeom prst="curvedConnector3">
+            <a:avLst/>
+          </a:prstGeom>
+          <a:ln w="28575">
+            <a:solidFill>
+              <a:schemeClr val="tx1"/>
+            </a:solidFill>
+            <a:tailEnd type="triangle"/>
+          </a:ln>
+        </p:spPr>
+        <p:style>
+          <a:lnRef idx="1">
+            <a:schemeClr val="accent1"/>
+          </a:lnRef>
+          <a:fillRef idx="0">
+            <a:schemeClr val="accent1"/>
+          </a:fillRef>
+          <a:effectRef idx="0">
+            <a:schemeClr val="accent1"/>
+          </a:effectRef>
+          <a:fontRef idx="minor">
+            <a:schemeClr val="tx1"/>
+          </a:fontRef>
+        </p:style>
+      </p:cxnSp>
+      <p:sp>
+        <p:nvSpPr>
+          <p:cNvPr id="54" name="타원 53">
+            <a:extLst>
+              <a:ext uri="{FF2B5EF4-FFF2-40B4-BE49-F238E27FC236}">
+                <a16:creationId xmlns:a16="http://schemas.microsoft.com/office/drawing/2014/main" id="{B39364C7-B39C-6022-7F07-86E1A7C70B08}"/>
+              </a:ext>
+            </a:extLst>
+          </p:cNvPr>
+          <p:cNvSpPr/>
+          <p:nvPr/>
+        </p:nvSpPr>
+        <p:spPr>
+          <a:xfrm>
+            <a:off x="4013091" y="961415"/>
+            <a:ext cx="432079" cy="428049"/>
+          </a:xfrm>
+          <a:prstGeom prst="ellipse">
+            <a:avLst/>
+          </a:prstGeom>
+          <a:solidFill>
+            <a:schemeClr val="bg1"/>
+          </a:solidFill>
+        </p:spPr>
+        <p:style>
+          <a:lnRef idx="2">
+            <a:schemeClr val="accent1">
+              <a:shade val="15000"/>
+            </a:schemeClr>
+          </a:lnRef>
+          <a:fillRef idx="1">
+            <a:schemeClr val="accent1"/>
+          </a:fillRef>
+          <a:effectRef idx="0">
+            <a:schemeClr val="accent1"/>
+          </a:effectRef>
+          <a:fontRef idx="minor">
+            <a:schemeClr val="lt1"/>
+          </a:fontRef>
+        </p:style>
+        <p:txBody>
+          <a:bodyPr rtlCol="0" anchor="ctr"/>
+          <a:lstStyle/>
+          <a:p>
+            <a:pPr algn="ctr"/>
+            <a:r>
+              <a:rPr lang="en-GB" b="1" dirty="0">
+                <a:solidFill>
+                  <a:schemeClr val="tx1"/>
+                </a:solidFill>
+              </a:rPr>
+              <a:t>1</a:t>
+            </a:r>
+          </a:p>
+        </p:txBody>
+      </p:sp>
+      <p:sp>
+        <p:nvSpPr>
+          <p:cNvPr id="55" name="타원 54">
+            <a:extLst>
+              <a:ext uri="{FF2B5EF4-FFF2-40B4-BE49-F238E27FC236}">
+                <a16:creationId xmlns:a16="http://schemas.microsoft.com/office/drawing/2014/main" id="{293F96B8-0297-36B7-B0F6-DF9DE0A8D81E}"/>
+              </a:ext>
+            </a:extLst>
+          </p:cNvPr>
+          <p:cNvSpPr/>
+          <p:nvPr/>
+        </p:nvSpPr>
+        <p:spPr>
+          <a:xfrm>
+            <a:off x="9571527" y="1410239"/>
+            <a:ext cx="432079" cy="428049"/>
+          </a:xfrm>
+          <a:prstGeom prst="ellipse">
+            <a:avLst/>
+          </a:prstGeom>
+          <a:solidFill>
+            <a:schemeClr val="bg1"/>
+          </a:solidFill>
+        </p:spPr>
+        <p:style>
+          <a:lnRef idx="2">
+            <a:schemeClr val="accent1">
+              <a:shade val="15000"/>
+            </a:schemeClr>
+          </a:lnRef>
+          <a:fillRef idx="1">
+            <a:schemeClr val="accent1"/>
+          </a:fillRef>
+          <a:effectRef idx="0">
+            <a:schemeClr val="accent1"/>
+          </a:effectRef>
+          <a:fontRef idx="minor">
+            <a:schemeClr val="lt1"/>
+          </a:fontRef>
+        </p:style>
+        <p:txBody>
+          <a:bodyPr rtlCol="0" anchor="ctr"/>
+          <a:lstStyle/>
+          <a:p>
+            <a:pPr algn="ctr"/>
+            <a:r>
+              <a:rPr lang="en-GB" b="1" dirty="0">
+                <a:solidFill>
+                  <a:schemeClr val="tx1"/>
+                </a:solidFill>
+              </a:rPr>
+              <a:t>2</a:t>
+            </a:r>
+          </a:p>
+        </p:txBody>
+      </p:sp>
+      <p:sp>
+        <p:nvSpPr>
+          <p:cNvPr id="56" name="타원 55">
+            <a:extLst>
+              <a:ext uri="{FF2B5EF4-FFF2-40B4-BE49-F238E27FC236}">
+                <a16:creationId xmlns:a16="http://schemas.microsoft.com/office/drawing/2014/main" id="{03589AC8-026E-8431-974E-302CAFABB519}"/>
+              </a:ext>
+            </a:extLst>
+          </p:cNvPr>
+          <p:cNvSpPr/>
+          <p:nvPr/>
+        </p:nvSpPr>
+        <p:spPr>
+          <a:xfrm>
+            <a:off x="4368133" y="2326313"/>
+            <a:ext cx="432079" cy="428049"/>
+          </a:xfrm>
+          <a:prstGeom prst="ellipse">
+            <a:avLst/>
+          </a:prstGeom>
+          <a:solidFill>
+            <a:schemeClr val="bg1"/>
+          </a:solidFill>
+        </p:spPr>
+        <p:style>
+          <a:lnRef idx="2">
+            <a:schemeClr val="accent1">
+              <a:shade val="15000"/>
+            </a:schemeClr>
+          </a:lnRef>
+          <a:fillRef idx="1">
+            <a:schemeClr val="accent1"/>
+          </a:fillRef>
+          <a:effectRef idx="0">
+            <a:schemeClr val="accent1"/>
+          </a:effectRef>
+          <a:fontRef idx="minor">
+            <a:schemeClr val="lt1"/>
+          </a:fontRef>
+        </p:style>
+        <p:txBody>
+          <a:bodyPr rtlCol="0" anchor="ctr"/>
+          <a:lstStyle/>
+          <a:p>
+            <a:pPr algn="ctr"/>
+            <a:r>
+              <a:rPr lang="en-GB" b="1" dirty="0">
+                <a:solidFill>
+                  <a:schemeClr val="tx1"/>
+                </a:solidFill>
+              </a:rPr>
+              <a:t>3</a:t>
+            </a:r>
+          </a:p>
+        </p:txBody>
+      </p:sp>
+      <p:sp>
+        <p:nvSpPr>
+          <p:cNvPr id="57" name="타원 56">
+            <a:extLst>
+              <a:ext uri="{FF2B5EF4-FFF2-40B4-BE49-F238E27FC236}">
+                <a16:creationId xmlns:a16="http://schemas.microsoft.com/office/drawing/2014/main" id="{916EE464-0823-D4A5-2511-BF1A32D6DD55}"/>
+              </a:ext>
+            </a:extLst>
+          </p:cNvPr>
+          <p:cNvSpPr/>
+          <p:nvPr/>
+        </p:nvSpPr>
+        <p:spPr>
+          <a:xfrm>
+            <a:off x="5962476" y="5151584"/>
+            <a:ext cx="432079" cy="428049"/>
+          </a:xfrm>
+          <a:prstGeom prst="ellipse">
+            <a:avLst/>
+          </a:prstGeom>
+          <a:solidFill>
+            <a:schemeClr val="bg1"/>
+          </a:solidFill>
+        </p:spPr>
+        <p:style>
+          <a:lnRef idx="2">
+            <a:schemeClr val="accent1">
+              <a:shade val="15000"/>
+            </a:schemeClr>
+          </a:lnRef>
+          <a:fillRef idx="1">
+            <a:schemeClr val="accent1"/>
+          </a:fillRef>
+          <a:effectRef idx="0">
+            <a:schemeClr val="accent1"/>
+          </a:effectRef>
+          <a:fontRef idx="minor">
+            <a:schemeClr val="lt1"/>
+          </a:fontRef>
+        </p:style>
+        <p:txBody>
+          <a:bodyPr rtlCol="0" anchor="ctr"/>
+          <a:lstStyle/>
+          <a:p>
+            <a:pPr algn="ctr"/>
+            <a:r>
+              <a:rPr lang="en-GB" b="1" dirty="0">
+                <a:solidFill>
+                  <a:schemeClr val="tx1"/>
+                </a:solidFill>
+              </a:rPr>
+              <a:t>4</a:t>
+            </a:r>
+          </a:p>
+        </p:txBody>
+      </p:sp>
+    </p:spTree>
+    <p:extLst>
+      <p:ext uri="{BB962C8B-B14F-4D97-AF65-F5344CB8AC3E}">
+        <p14:creationId xmlns:p14="http://schemas.microsoft.com/office/powerpoint/2010/main" val="2222859704"/>
+      </p:ext>
+    </p:extLst>
+  </p:cSld>
+  <p:clrMapOvr>
+    <a:masterClrMapping/>
+  </p:clrMapOvr>
+</p:sld>
+</file>
+
 <file path=ppt/theme/theme1.xml><?xml version="1.0" encoding="utf-8"?>
 <a:theme xmlns:a="http://schemas.openxmlformats.org/drawingml/2006/main" name="Office 테마">
   <a:themeElements>
